--- a/ER图.pptx
+++ b/ER图.pptx
@@ -4,8 +4,12 @@
   <p:sldMasterIdLst>
     <p:sldMasterId id="2147483648" r:id="rId1"/>
   </p:sldMasterIdLst>
+  <p:notesMasterIdLst>
+    <p:notesMasterId r:id="rId4"/>
+  </p:notesMasterIdLst>
   <p:sldIdLst>
     <p:sldId id="256" r:id="rId2"/>
+    <p:sldId id="257" r:id="rId3"/>
   </p:sldIdLst>
   <p:sldSz cx="12192000" cy="6858000"/>
   <p:notesSz cx="6858000" cy="9144000"/>
@@ -104,7 +108,4700 @@
       </a:defRPr>
     </a:lvl9pPr>
   </p:defaultTextStyle>
+  <p:extLst>
+    <p:ext uri="{EFAFB233-063F-42B5-8137-9DF3F51BA10A}">
+      <p15:sldGuideLst xmlns:p15="http://schemas.microsoft.com/office/powerpoint/2012/main"/>
+    </p:ext>
+  </p:extLst>
 </p:presentation>
+</file>
+
+<file path=ppt/diagrams/colors1.xml><?xml version="1.0" encoding="utf-8"?>
+<dgm:colorsDef xmlns:dgm="http://schemas.openxmlformats.org/drawingml/2006/diagram" xmlns:a="http://schemas.openxmlformats.org/drawingml/2006/main" uniqueId="urn:microsoft.com/office/officeart/2005/8/colors/accent1_2">
+  <dgm:title val=""/>
+  <dgm:desc val=""/>
+  <dgm:catLst>
+    <dgm:cat type="accent1" pri="11200"/>
+  </dgm:catLst>
+  <dgm:styleLbl name="node0">
+    <dgm:fillClrLst meth="repeat">
+      <a:schemeClr val="accent1"/>
+    </dgm:fillClrLst>
+    <dgm:linClrLst meth="repeat">
+      <a:schemeClr val="lt1"/>
+    </dgm:linClrLst>
+    <dgm:effectClrLst/>
+    <dgm:txLinClrLst/>
+    <dgm:txFillClrLst/>
+    <dgm:txEffectClrLst/>
+  </dgm:styleLbl>
+  <dgm:styleLbl name="alignNode1">
+    <dgm:fillClrLst meth="repeat">
+      <a:schemeClr val="accent1"/>
+    </dgm:fillClrLst>
+    <dgm:linClrLst meth="repeat">
+      <a:schemeClr val="accent1"/>
+    </dgm:linClrLst>
+    <dgm:effectClrLst/>
+    <dgm:txLinClrLst/>
+    <dgm:txFillClrLst/>
+    <dgm:txEffectClrLst/>
+  </dgm:styleLbl>
+  <dgm:styleLbl name="node1">
+    <dgm:fillClrLst meth="repeat">
+      <a:schemeClr val="accent1"/>
+    </dgm:fillClrLst>
+    <dgm:linClrLst meth="repeat">
+      <a:schemeClr val="lt1"/>
+    </dgm:linClrLst>
+    <dgm:effectClrLst/>
+    <dgm:txLinClrLst/>
+    <dgm:txFillClrLst/>
+    <dgm:txEffectClrLst/>
+  </dgm:styleLbl>
+  <dgm:styleLbl name="lnNode1">
+    <dgm:fillClrLst meth="repeat">
+      <a:schemeClr val="accent1"/>
+    </dgm:fillClrLst>
+    <dgm:linClrLst meth="repeat">
+      <a:schemeClr val="lt1"/>
+    </dgm:linClrLst>
+    <dgm:effectClrLst/>
+    <dgm:txLinClrLst/>
+    <dgm:txFillClrLst/>
+    <dgm:txEffectClrLst/>
+  </dgm:styleLbl>
+  <dgm:styleLbl name="vennNode1">
+    <dgm:fillClrLst meth="repeat">
+      <a:schemeClr val="accent1">
+        <a:alpha val="50000"/>
+      </a:schemeClr>
+    </dgm:fillClrLst>
+    <dgm:linClrLst meth="repeat">
+      <a:schemeClr val="lt1"/>
+    </dgm:linClrLst>
+    <dgm:effectClrLst/>
+    <dgm:txLinClrLst/>
+    <dgm:txFillClrLst/>
+    <dgm:txEffectClrLst/>
+  </dgm:styleLbl>
+  <dgm:styleLbl name="node2">
+    <dgm:fillClrLst meth="repeat">
+      <a:schemeClr val="accent1"/>
+    </dgm:fillClrLst>
+    <dgm:linClrLst meth="repeat">
+      <a:schemeClr val="lt1"/>
+    </dgm:linClrLst>
+    <dgm:effectClrLst/>
+    <dgm:txLinClrLst/>
+    <dgm:txFillClrLst/>
+    <dgm:txEffectClrLst/>
+  </dgm:styleLbl>
+  <dgm:styleLbl name="node3">
+    <dgm:fillClrLst meth="repeat">
+      <a:schemeClr val="accent1"/>
+    </dgm:fillClrLst>
+    <dgm:linClrLst meth="repeat">
+      <a:schemeClr val="lt1"/>
+    </dgm:linClrLst>
+    <dgm:effectClrLst/>
+    <dgm:txLinClrLst/>
+    <dgm:txFillClrLst/>
+    <dgm:txEffectClrLst/>
+  </dgm:styleLbl>
+  <dgm:styleLbl name="node4">
+    <dgm:fillClrLst meth="repeat">
+      <a:schemeClr val="accent1"/>
+    </dgm:fillClrLst>
+    <dgm:linClrLst meth="repeat">
+      <a:schemeClr val="lt1"/>
+    </dgm:linClrLst>
+    <dgm:effectClrLst/>
+    <dgm:txLinClrLst/>
+    <dgm:txFillClrLst/>
+    <dgm:txEffectClrLst/>
+  </dgm:styleLbl>
+  <dgm:styleLbl name="fgImgPlace1">
+    <dgm:fillClrLst meth="repeat">
+      <a:schemeClr val="accent1">
+        <a:tint val="50000"/>
+      </a:schemeClr>
+    </dgm:fillClrLst>
+    <dgm:linClrLst meth="repeat">
+      <a:schemeClr val="lt1"/>
+    </dgm:linClrLst>
+    <dgm:effectClrLst/>
+    <dgm:txLinClrLst/>
+    <dgm:txFillClrLst meth="repeat">
+      <a:schemeClr val="lt1"/>
+    </dgm:txFillClrLst>
+    <dgm:txEffectClrLst/>
+  </dgm:styleLbl>
+  <dgm:styleLbl name="alignImgPlace1">
+    <dgm:fillClrLst meth="repeat">
+      <a:schemeClr val="accent1">
+        <a:tint val="50000"/>
+      </a:schemeClr>
+    </dgm:fillClrLst>
+    <dgm:linClrLst meth="repeat">
+      <a:schemeClr val="lt1"/>
+    </dgm:linClrLst>
+    <dgm:effectClrLst/>
+    <dgm:txLinClrLst/>
+    <dgm:txFillClrLst meth="repeat">
+      <a:schemeClr val="lt1"/>
+    </dgm:txFillClrLst>
+    <dgm:txEffectClrLst/>
+  </dgm:styleLbl>
+  <dgm:styleLbl name="bgImgPlace1">
+    <dgm:fillClrLst meth="repeat">
+      <a:schemeClr val="accent1">
+        <a:tint val="50000"/>
+      </a:schemeClr>
+    </dgm:fillClrLst>
+    <dgm:linClrLst meth="repeat">
+      <a:schemeClr val="lt1"/>
+    </dgm:linClrLst>
+    <dgm:effectClrLst/>
+    <dgm:txLinClrLst/>
+    <dgm:txFillClrLst meth="repeat">
+      <a:schemeClr val="lt1"/>
+    </dgm:txFillClrLst>
+    <dgm:txEffectClrLst/>
+  </dgm:styleLbl>
+  <dgm:styleLbl name="sibTrans2D1">
+    <dgm:fillClrLst meth="repeat">
+      <a:schemeClr val="accent1">
+        <a:tint val="60000"/>
+      </a:schemeClr>
+    </dgm:fillClrLst>
+    <dgm:linClrLst meth="repeat">
+      <a:schemeClr val="accent1">
+        <a:tint val="60000"/>
+      </a:schemeClr>
+    </dgm:linClrLst>
+    <dgm:effectClrLst/>
+    <dgm:txLinClrLst/>
+    <dgm:txFillClrLst/>
+    <dgm:txEffectClrLst/>
+  </dgm:styleLbl>
+  <dgm:styleLbl name="fgSibTrans2D1">
+    <dgm:fillClrLst meth="repeat">
+      <a:schemeClr val="accent1">
+        <a:tint val="60000"/>
+      </a:schemeClr>
+    </dgm:fillClrLst>
+    <dgm:linClrLst meth="repeat">
+      <a:schemeClr val="accent1">
+        <a:tint val="60000"/>
+      </a:schemeClr>
+    </dgm:linClrLst>
+    <dgm:effectClrLst/>
+    <dgm:txLinClrLst/>
+    <dgm:txFillClrLst/>
+    <dgm:txEffectClrLst/>
+  </dgm:styleLbl>
+  <dgm:styleLbl name="bgSibTrans2D1">
+    <dgm:fillClrLst meth="repeat">
+      <a:schemeClr val="accent1">
+        <a:tint val="60000"/>
+      </a:schemeClr>
+    </dgm:fillClrLst>
+    <dgm:linClrLst meth="repeat">
+      <a:schemeClr val="accent1">
+        <a:tint val="60000"/>
+      </a:schemeClr>
+    </dgm:linClrLst>
+    <dgm:effectClrLst/>
+    <dgm:txLinClrLst/>
+    <dgm:txFillClrLst/>
+    <dgm:txEffectClrLst/>
+  </dgm:styleLbl>
+  <dgm:styleLbl name="sibTrans1D1">
+    <dgm:fillClrLst meth="repeat">
+      <a:schemeClr val="accent1"/>
+    </dgm:fillClrLst>
+    <dgm:linClrLst meth="repeat">
+      <a:schemeClr val="accent1"/>
+    </dgm:linClrLst>
+    <dgm:effectClrLst/>
+    <dgm:txLinClrLst/>
+    <dgm:txFillClrLst meth="repeat">
+      <a:schemeClr val="tx1"/>
+    </dgm:txFillClrLst>
+    <dgm:txEffectClrLst/>
+  </dgm:styleLbl>
+  <dgm:styleLbl name="callout">
+    <dgm:fillClrLst meth="repeat">
+      <a:schemeClr val="accent1"/>
+    </dgm:fillClrLst>
+    <dgm:linClrLst meth="repeat">
+      <a:schemeClr val="accent1">
+        <a:tint val="50000"/>
+      </a:schemeClr>
+    </dgm:linClrLst>
+    <dgm:effectClrLst/>
+    <dgm:txLinClrLst/>
+    <dgm:txFillClrLst meth="repeat">
+      <a:schemeClr val="tx1"/>
+    </dgm:txFillClrLst>
+    <dgm:txEffectClrLst/>
+  </dgm:styleLbl>
+  <dgm:styleLbl name="asst0">
+    <dgm:fillClrLst meth="repeat">
+      <a:schemeClr val="accent1"/>
+    </dgm:fillClrLst>
+    <dgm:linClrLst meth="repeat">
+      <a:schemeClr val="lt1"/>
+    </dgm:linClrLst>
+    <dgm:effectClrLst/>
+    <dgm:txLinClrLst/>
+    <dgm:txFillClrLst/>
+    <dgm:txEffectClrLst/>
+  </dgm:styleLbl>
+  <dgm:styleLbl name="asst1">
+    <dgm:fillClrLst meth="repeat">
+      <a:schemeClr val="accent1"/>
+    </dgm:fillClrLst>
+    <dgm:linClrLst meth="repeat">
+      <a:schemeClr val="lt1"/>
+    </dgm:linClrLst>
+    <dgm:effectClrLst/>
+    <dgm:txLinClrLst/>
+    <dgm:txFillClrLst/>
+    <dgm:txEffectClrLst/>
+  </dgm:styleLbl>
+  <dgm:styleLbl name="asst2">
+    <dgm:fillClrLst meth="repeat">
+      <a:schemeClr val="accent1"/>
+    </dgm:fillClrLst>
+    <dgm:linClrLst meth="repeat">
+      <a:schemeClr val="lt1"/>
+    </dgm:linClrLst>
+    <dgm:effectClrLst/>
+    <dgm:txLinClrLst/>
+    <dgm:txFillClrLst/>
+    <dgm:txEffectClrLst/>
+  </dgm:styleLbl>
+  <dgm:styleLbl name="asst3">
+    <dgm:fillClrLst meth="repeat">
+      <a:schemeClr val="accent1"/>
+    </dgm:fillClrLst>
+    <dgm:linClrLst meth="repeat">
+      <a:schemeClr val="lt1"/>
+    </dgm:linClrLst>
+    <dgm:effectClrLst/>
+    <dgm:txLinClrLst/>
+    <dgm:txFillClrLst/>
+    <dgm:txEffectClrLst/>
+  </dgm:styleLbl>
+  <dgm:styleLbl name="asst4">
+    <dgm:fillClrLst meth="repeat">
+      <a:schemeClr val="accent1"/>
+    </dgm:fillClrLst>
+    <dgm:linClrLst meth="repeat">
+      <a:schemeClr val="lt1"/>
+    </dgm:linClrLst>
+    <dgm:effectClrLst/>
+    <dgm:txLinClrLst/>
+    <dgm:txFillClrLst/>
+    <dgm:txEffectClrLst/>
+  </dgm:styleLbl>
+  <dgm:styleLbl name="parChTrans2D1">
+    <dgm:fillClrLst meth="repeat">
+      <a:schemeClr val="accent1">
+        <a:tint val="60000"/>
+      </a:schemeClr>
+    </dgm:fillClrLst>
+    <dgm:linClrLst meth="repeat">
+      <a:schemeClr val="accent1">
+        <a:tint val="60000"/>
+      </a:schemeClr>
+    </dgm:linClrLst>
+    <dgm:effectClrLst/>
+    <dgm:txLinClrLst/>
+    <dgm:txFillClrLst meth="repeat">
+      <a:schemeClr val="lt1"/>
+    </dgm:txFillClrLst>
+    <dgm:txEffectClrLst/>
+  </dgm:styleLbl>
+  <dgm:styleLbl name="parChTrans2D2">
+    <dgm:fillClrLst meth="repeat">
+      <a:schemeClr val="accent1"/>
+    </dgm:fillClrLst>
+    <dgm:linClrLst meth="repeat">
+      <a:schemeClr val="accent1"/>
+    </dgm:linClrLst>
+    <dgm:effectClrLst/>
+    <dgm:txLinClrLst/>
+    <dgm:txFillClrLst meth="repeat">
+      <a:schemeClr val="lt1"/>
+    </dgm:txFillClrLst>
+    <dgm:txEffectClrLst/>
+  </dgm:styleLbl>
+  <dgm:styleLbl name="parChTrans2D3">
+    <dgm:fillClrLst meth="repeat">
+      <a:schemeClr val="accent1"/>
+    </dgm:fillClrLst>
+    <dgm:linClrLst meth="repeat">
+      <a:schemeClr val="accent1"/>
+    </dgm:linClrLst>
+    <dgm:effectClrLst/>
+    <dgm:txLinClrLst/>
+    <dgm:txFillClrLst meth="repeat">
+      <a:schemeClr val="lt1"/>
+    </dgm:txFillClrLst>
+    <dgm:txEffectClrLst/>
+  </dgm:styleLbl>
+  <dgm:styleLbl name="parChTrans2D4">
+    <dgm:fillClrLst meth="repeat">
+      <a:schemeClr val="accent1"/>
+    </dgm:fillClrLst>
+    <dgm:linClrLst meth="repeat">
+      <a:schemeClr val="accent1"/>
+    </dgm:linClrLst>
+    <dgm:effectClrLst/>
+    <dgm:txLinClrLst/>
+    <dgm:txFillClrLst meth="repeat">
+      <a:schemeClr val="lt1"/>
+    </dgm:txFillClrLst>
+    <dgm:txEffectClrLst/>
+  </dgm:styleLbl>
+  <dgm:styleLbl name="parChTrans1D1">
+    <dgm:fillClrLst meth="repeat">
+      <a:schemeClr val="accent1"/>
+    </dgm:fillClrLst>
+    <dgm:linClrLst meth="repeat">
+      <a:schemeClr val="accent1">
+        <a:shade val="60000"/>
+      </a:schemeClr>
+    </dgm:linClrLst>
+    <dgm:effectClrLst/>
+    <dgm:txLinClrLst/>
+    <dgm:txFillClrLst meth="repeat">
+      <a:schemeClr val="tx1"/>
+    </dgm:txFillClrLst>
+    <dgm:txEffectClrLst/>
+  </dgm:styleLbl>
+  <dgm:styleLbl name="parChTrans1D2">
+    <dgm:fillClrLst meth="repeat">
+      <a:schemeClr val="accent1"/>
+    </dgm:fillClrLst>
+    <dgm:linClrLst meth="repeat">
+      <a:schemeClr val="accent1">
+        <a:shade val="60000"/>
+      </a:schemeClr>
+    </dgm:linClrLst>
+    <dgm:effectClrLst/>
+    <dgm:txLinClrLst/>
+    <dgm:txFillClrLst meth="repeat">
+      <a:schemeClr val="tx1"/>
+    </dgm:txFillClrLst>
+    <dgm:txEffectClrLst/>
+  </dgm:styleLbl>
+  <dgm:styleLbl name="parChTrans1D3">
+    <dgm:fillClrLst meth="repeat">
+      <a:schemeClr val="accent1"/>
+    </dgm:fillClrLst>
+    <dgm:linClrLst meth="repeat">
+      <a:schemeClr val="accent1">
+        <a:shade val="80000"/>
+      </a:schemeClr>
+    </dgm:linClrLst>
+    <dgm:effectClrLst/>
+    <dgm:txLinClrLst/>
+    <dgm:txFillClrLst meth="repeat">
+      <a:schemeClr val="tx1"/>
+    </dgm:txFillClrLst>
+    <dgm:txEffectClrLst/>
+  </dgm:styleLbl>
+  <dgm:styleLbl name="parChTrans1D4">
+    <dgm:fillClrLst meth="repeat">
+      <a:schemeClr val="accent1"/>
+    </dgm:fillClrLst>
+    <dgm:linClrLst meth="repeat">
+      <a:schemeClr val="accent1">
+        <a:shade val="80000"/>
+      </a:schemeClr>
+    </dgm:linClrLst>
+    <dgm:effectClrLst/>
+    <dgm:txLinClrLst/>
+    <dgm:txFillClrLst meth="repeat">
+      <a:schemeClr val="tx1"/>
+    </dgm:txFillClrLst>
+    <dgm:txEffectClrLst/>
+  </dgm:styleLbl>
+  <dgm:styleLbl name="fgAcc1">
+    <dgm:fillClrLst meth="repeat">
+      <a:schemeClr val="lt1">
+        <a:alpha val="90000"/>
+      </a:schemeClr>
+    </dgm:fillClrLst>
+    <dgm:linClrLst meth="repeat">
+      <a:schemeClr val="accent1"/>
+    </dgm:linClrLst>
+    <dgm:effectClrLst/>
+    <dgm:txLinClrLst/>
+    <dgm:txFillClrLst meth="repeat">
+      <a:schemeClr val="dk1"/>
+    </dgm:txFillClrLst>
+    <dgm:txEffectClrLst/>
+  </dgm:styleLbl>
+  <dgm:styleLbl name="conFgAcc1">
+    <dgm:fillClrLst meth="repeat">
+      <a:schemeClr val="lt1">
+        <a:alpha val="90000"/>
+      </a:schemeClr>
+    </dgm:fillClrLst>
+    <dgm:linClrLst meth="repeat">
+      <a:schemeClr val="accent1"/>
+    </dgm:linClrLst>
+    <dgm:effectClrLst/>
+    <dgm:txLinClrLst/>
+    <dgm:txFillClrLst meth="repeat">
+      <a:schemeClr val="dk1"/>
+    </dgm:txFillClrLst>
+    <dgm:txEffectClrLst/>
+  </dgm:styleLbl>
+  <dgm:styleLbl name="alignAcc1">
+    <dgm:fillClrLst meth="repeat">
+      <a:schemeClr val="lt1">
+        <a:alpha val="90000"/>
+      </a:schemeClr>
+    </dgm:fillClrLst>
+    <dgm:linClrLst meth="repeat">
+      <a:schemeClr val="accent1"/>
+    </dgm:linClrLst>
+    <dgm:effectClrLst/>
+    <dgm:txLinClrLst/>
+    <dgm:txFillClrLst meth="repeat">
+      <a:schemeClr val="dk1"/>
+    </dgm:txFillClrLst>
+    <dgm:txEffectClrLst/>
+  </dgm:styleLbl>
+  <dgm:styleLbl name="trAlignAcc1">
+    <dgm:fillClrLst meth="repeat">
+      <a:schemeClr val="lt1">
+        <a:alpha val="40000"/>
+      </a:schemeClr>
+    </dgm:fillClrLst>
+    <dgm:linClrLst meth="repeat">
+      <a:schemeClr val="accent1"/>
+    </dgm:linClrLst>
+    <dgm:effectClrLst/>
+    <dgm:txLinClrLst/>
+    <dgm:txFillClrLst meth="repeat">
+      <a:schemeClr val="dk1"/>
+    </dgm:txFillClrLst>
+    <dgm:txEffectClrLst/>
+  </dgm:styleLbl>
+  <dgm:styleLbl name="bgAcc1">
+    <dgm:fillClrLst meth="repeat">
+      <a:schemeClr val="lt1">
+        <a:alpha val="90000"/>
+      </a:schemeClr>
+    </dgm:fillClrLst>
+    <dgm:linClrLst meth="repeat">
+      <a:schemeClr val="accent1"/>
+    </dgm:linClrLst>
+    <dgm:effectClrLst/>
+    <dgm:txLinClrLst/>
+    <dgm:txFillClrLst meth="repeat">
+      <a:schemeClr val="dk1"/>
+    </dgm:txFillClrLst>
+    <dgm:txEffectClrLst/>
+  </dgm:styleLbl>
+  <dgm:styleLbl name="solidFgAcc1">
+    <dgm:fillClrLst meth="repeat">
+      <a:schemeClr val="lt1"/>
+    </dgm:fillClrLst>
+    <dgm:linClrLst meth="repeat">
+      <a:schemeClr val="accent1"/>
+    </dgm:linClrLst>
+    <dgm:effectClrLst/>
+    <dgm:txLinClrLst/>
+    <dgm:txFillClrLst meth="repeat">
+      <a:schemeClr val="dk1"/>
+    </dgm:txFillClrLst>
+    <dgm:txEffectClrLst/>
+  </dgm:styleLbl>
+  <dgm:styleLbl name="solidAlignAcc1">
+    <dgm:fillClrLst meth="repeat">
+      <a:schemeClr val="lt1"/>
+    </dgm:fillClrLst>
+    <dgm:linClrLst meth="repeat">
+      <a:schemeClr val="accent1"/>
+    </dgm:linClrLst>
+    <dgm:effectClrLst/>
+    <dgm:txLinClrLst/>
+    <dgm:txFillClrLst meth="repeat">
+      <a:schemeClr val="dk1"/>
+    </dgm:txFillClrLst>
+    <dgm:txEffectClrLst/>
+  </dgm:styleLbl>
+  <dgm:styleLbl name="solidBgAcc1">
+    <dgm:fillClrLst meth="repeat">
+      <a:schemeClr val="lt1"/>
+    </dgm:fillClrLst>
+    <dgm:linClrLst meth="repeat">
+      <a:schemeClr val="accent1"/>
+    </dgm:linClrLst>
+    <dgm:effectClrLst/>
+    <dgm:txLinClrLst/>
+    <dgm:txFillClrLst meth="repeat">
+      <a:schemeClr val="dk1"/>
+    </dgm:txFillClrLst>
+    <dgm:txEffectClrLst/>
+  </dgm:styleLbl>
+  <dgm:styleLbl name="fgAccFollowNode1">
+    <dgm:fillClrLst meth="repeat">
+      <a:schemeClr val="accent1">
+        <a:alpha val="90000"/>
+        <a:tint val="40000"/>
+      </a:schemeClr>
+    </dgm:fillClrLst>
+    <dgm:linClrLst meth="repeat">
+      <a:schemeClr val="accent1">
+        <a:alpha val="90000"/>
+        <a:tint val="40000"/>
+      </a:schemeClr>
+    </dgm:linClrLst>
+    <dgm:effectClrLst/>
+    <dgm:txLinClrLst/>
+    <dgm:txFillClrLst meth="repeat">
+      <a:schemeClr val="dk1"/>
+    </dgm:txFillClrLst>
+    <dgm:txEffectClrLst/>
+  </dgm:styleLbl>
+  <dgm:styleLbl name="alignAccFollowNode1">
+    <dgm:fillClrLst meth="repeat">
+      <a:schemeClr val="accent1">
+        <a:alpha val="90000"/>
+        <a:tint val="40000"/>
+      </a:schemeClr>
+    </dgm:fillClrLst>
+    <dgm:linClrLst meth="repeat">
+      <a:schemeClr val="accent1">
+        <a:alpha val="90000"/>
+        <a:tint val="40000"/>
+      </a:schemeClr>
+    </dgm:linClrLst>
+    <dgm:effectClrLst/>
+    <dgm:txLinClrLst/>
+    <dgm:txFillClrLst meth="repeat">
+      <a:schemeClr val="dk1"/>
+    </dgm:txFillClrLst>
+    <dgm:txEffectClrLst/>
+  </dgm:styleLbl>
+  <dgm:styleLbl name="bgAccFollowNode1">
+    <dgm:fillClrLst meth="repeat">
+      <a:schemeClr val="accent1">
+        <a:alpha val="90000"/>
+        <a:tint val="40000"/>
+      </a:schemeClr>
+    </dgm:fillClrLst>
+    <dgm:linClrLst meth="repeat">
+      <a:schemeClr val="accent1">
+        <a:alpha val="90000"/>
+        <a:tint val="40000"/>
+      </a:schemeClr>
+    </dgm:linClrLst>
+    <dgm:effectClrLst/>
+    <dgm:txLinClrLst/>
+    <dgm:txFillClrLst meth="repeat">
+      <a:schemeClr val="dk1"/>
+    </dgm:txFillClrLst>
+    <dgm:txEffectClrLst/>
+  </dgm:styleLbl>
+  <dgm:styleLbl name="fgAcc0">
+    <dgm:fillClrLst meth="repeat">
+      <a:schemeClr val="lt1">
+        <a:alpha val="90000"/>
+      </a:schemeClr>
+    </dgm:fillClrLst>
+    <dgm:linClrLst meth="repeat">
+      <a:schemeClr val="accent1"/>
+    </dgm:linClrLst>
+    <dgm:effectClrLst/>
+    <dgm:txLinClrLst/>
+    <dgm:txFillClrLst meth="repeat">
+      <a:schemeClr val="dk1"/>
+    </dgm:txFillClrLst>
+    <dgm:txEffectClrLst/>
+  </dgm:styleLbl>
+  <dgm:styleLbl name="fgAcc2">
+    <dgm:fillClrLst meth="repeat">
+      <a:schemeClr val="lt1">
+        <a:alpha val="90000"/>
+      </a:schemeClr>
+    </dgm:fillClrLst>
+    <dgm:linClrLst meth="repeat">
+      <a:schemeClr val="accent1"/>
+    </dgm:linClrLst>
+    <dgm:effectClrLst/>
+    <dgm:txLinClrLst/>
+    <dgm:txFillClrLst meth="repeat">
+      <a:schemeClr val="dk1"/>
+    </dgm:txFillClrLst>
+    <dgm:txEffectClrLst/>
+  </dgm:styleLbl>
+  <dgm:styleLbl name="fgAcc3">
+    <dgm:fillClrLst meth="repeat">
+      <a:schemeClr val="lt1">
+        <a:alpha val="90000"/>
+      </a:schemeClr>
+    </dgm:fillClrLst>
+    <dgm:linClrLst meth="repeat">
+      <a:schemeClr val="accent1"/>
+    </dgm:linClrLst>
+    <dgm:effectClrLst/>
+    <dgm:txLinClrLst/>
+    <dgm:txFillClrLst meth="repeat">
+      <a:schemeClr val="dk1"/>
+    </dgm:txFillClrLst>
+    <dgm:txEffectClrLst/>
+  </dgm:styleLbl>
+  <dgm:styleLbl name="fgAcc4">
+    <dgm:fillClrLst meth="repeat">
+      <a:schemeClr val="lt1">
+        <a:alpha val="90000"/>
+      </a:schemeClr>
+    </dgm:fillClrLst>
+    <dgm:linClrLst meth="repeat">
+      <a:schemeClr val="accent1"/>
+    </dgm:linClrLst>
+    <dgm:effectClrLst/>
+    <dgm:txLinClrLst/>
+    <dgm:txFillClrLst meth="repeat">
+      <a:schemeClr val="dk1"/>
+    </dgm:txFillClrLst>
+    <dgm:txEffectClrLst/>
+  </dgm:styleLbl>
+  <dgm:styleLbl name="bgShp">
+    <dgm:fillClrLst meth="repeat">
+      <a:schemeClr val="accent1">
+        <a:tint val="40000"/>
+      </a:schemeClr>
+    </dgm:fillClrLst>
+    <dgm:linClrLst meth="repeat">
+      <a:schemeClr val="accent1"/>
+    </dgm:linClrLst>
+    <dgm:effectClrLst/>
+    <dgm:txLinClrLst/>
+    <dgm:txFillClrLst meth="repeat">
+      <a:schemeClr val="dk1"/>
+    </dgm:txFillClrLst>
+    <dgm:txEffectClrLst/>
+  </dgm:styleLbl>
+  <dgm:styleLbl name="dkBgShp">
+    <dgm:fillClrLst meth="repeat">
+      <a:schemeClr val="accent1">
+        <a:shade val="80000"/>
+      </a:schemeClr>
+    </dgm:fillClrLst>
+    <dgm:linClrLst meth="repeat">
+      <a:schemeClr val="accent1"/>
+    </dgm:linClrLst>
+    <dgm:effectClrLst/>
+    <dgm:txLinClrLst/>
+    <dgm:txFillClrLst meth="repeat">
+      <a:schemeClr val="lt1"/>
+    </dgm:txFillClrLst>
+    <dgm:txEffectClrLst/>
+  </dgm:styleLbl>
+  <dgm:styleLbl name="trBgShp">
+    <dgm:fillClrLst meth="repeat">
+      <a:schemeClr val="accent1">
+        <a:tint val="50000"/>
+        <a:alpha val="40000"/>
+      </a:schemeClr>
+    </dgm:fillClrLst>
+    <dgm:linClrLst meth="repeat">
+      <a:schemeClr val="accent1"/>
+    </dgm:linClrLst>
+    <dgm:effectClrLst/>
+    <dgm:txLinClrLst/>
+    <dgm:txFillClrLst meth="repeat">
+      <a:schemeClr val="lt1"/>
+    </dgm:txFillClrLst>
+    <dgm:txEffectClrLst/>
+  </dgm:styleLbl>
+  <dgm:styleLbl name="fgShp">
+    <dgm:fillClrLst meth="repeat">
+      <a:schemeClr val="accent1">
+        <a:tint val="60000"/>
+      </a:schemeClr>
+    </dgm:fillClrLst>
+    <dgm:linClrLst meth="repeat">
+      <a:schemeClr val="lt1"/>
+    </dgm:linClrLst>
+    <dgm:effectClrLst/>
+    <dgm:txLinClrLst/>
+    <dgm:txFillClrLst meth="repeat">
+      <a:schemeClr val="dk1"/>
+    </dgm:txFillClrLst>
+    <dgm:txEffectClrLst/>
+  </dgm:styleLbl>
+  <dgm:styleLbl name="revTx">
+    <dgm:fillClrLst meth="repeat">
+      <a:schemeClr val="lt1">
+        <a:alpha val="0"/>
+      </a:schemeClr>
+    </dgm:fillClrLst>
+    <dgm:linClrLst meth="repeat">
+      <a:schemeClr val="dk1">
+        <a:alpha val="0"/>
+      </a:schemeClr>
+    </dgm:linClrLst>
+    <dgm:effectClrLst/>
+    <dgm:txLinClrLst/>
+    <dgm:txFillClrLst meth="repeat">
+      <a:schemeClr val="tx1"/>
+    </dgm:txFillClrLst>
+    <dgm:txEffectClrLst/>
+  </dgm:styleLbl>
+</dgm:colorsDef>
+</file>
+
+<file path=ppt/diagrams/data1.xml><?xml version="1.0" encoding="utf-8"?>
+<dgm:dataModel xmlns:dgm="http://schemas.openxmlformats.org/drawingml/2006/diagram" xmlns:a="http://schemas.openxmlformats.org/drawingml/2006/main">
+  <dgm:ptLst>
+    <dgm:pt modelId="{5322153D-1BAF-4F67-9F53-0321F3804929}" type="doc">
+      <dgm:prSet loTypeId="urn:microsoft.com/office/officeart/2005/8/layout/orgChart1" loCatId="hierarchy" qsTypeId="urn:microsoft.com/office/officeart/2005/8/quickstyle/simple1" qsCatId="simple" csTypeId="urn:microsoft.com/office/officeart/2005/8/colors/accent1_2" csCatId="accent1" phldr="1"/>
+      <dgm:spPr/>
+      <dgm:t>
+        <a:bodyPr/>
+        <a:lstStyle/>
+        <a:p>
+          <a:endParaRPr lang="zh-CN" altLang="en-US"/>
+        </a:p>
+      </dgm:t>
+    </dgm:pt>
+    <dgm:pt modelId="{550A1D27-78FA-41C2-B4B8-8ECD3229E80D}">
+      <dgm:prSet phldrT="[文本]"/>
+      <dgm:spPr/>
+      <dgm:t>
+        <a:bodyPr/>
+        <a:lstStyle/>
+        <a:p>
+          <a:r>
+            <a:rPr lang="zh-CN" dirty="0"/>
+            <a:t>游戏后台管理系统</a:t>
+          </a:r>
+          <a:endParaRPr lang="zh-CN" altLang="en-US" dirty="0"/>
+        </a:p>
+      </dgm:t>
+    </dgm:pt>
+    <dgm:pt modelId="{4FE93888-EBF5-4E88-93F6-4E2D13166DC8}" type="parTrans" cxnId="{C8FFACC0-40DD-497A-8071-43565EB74C92}">
+      <dgm:prSet/>
+      <dgm:spPr/>
+      <dgm:t>
+        <a:bodyPr/>
+        <a:lstStyle/>
+        <a:p>
+          <a:endParaRPr lang="zh-CN" altLang="en-US"/>
+        </a:p>
+      </dgm:t>
+    </dgm:pt>
+    <dgm:pt modelId="{8BD9D143-E8A4-4407-9913-029DFC7133FA}" type="sibTrans" cxnId="{C8FFACC0-40DD-497A-8071-43565EB74C92}">
+      <dgm:prSet/>
+      <dgm:spPr/>
+      <dgm:t>
+        <a:bodyPr/>
+        <a:lstStyle/>
+        <a:p>
+          <a:endParaRPr lang="zh-CN" altLang="en-US"/>
+        </a:p>
+      </dgm:t>
+    </dgm:pt>
+    <dgm:pt modelId="{2980CE87-B69A-424E-90A0-7EFAE77CB879}">
+      <dgm:prSet phldrT="[文本]"/>
+      <dgm:spPr/>
+      <dgm:t>
+        <a:bodyPr/>
+        <a:lstStyle/>
+        <a:p>
+          <a:r>
+            <a:rPr lang="zh-CN" altLang="en-US" dirty="0"/>
+            <a:t>玩家信息管理</a:t>
+          </a:r>
+        </a:p>
+      </dgm:t>
+    </dgm:pt>
+    <dgm:pt modelId="{970AB238-44BF-42EF-B1F1-745769824489}" type="parTrans" cxnId="{13CCB0A5-EB03-4118-890F-479A0A61E823}">
+      <dgm:prSet/>
+      <dgm:spPr/>
+      <dgm:t>
+        <a:bodyPr/>
+        <a:lstStyle/>
+        <a:p>
+          <a:endParaRPr lang="zh-CN" altLang="en-US"/>
+        </a:p>
+      </dgm:t>
+    </dgm:pt>
+    <dgm:pt modelId="{8E847AC4-8F32-4796-ADE5-F8FC31D5EA67}" type="sibTrans" cxnId="{13CCB0A5-EB03-4118-890F-479A0A61E823}">
+      <dgm:prSet/>
+      <dgm:spPr/>
+      <dgm:t>
+        <a:bodyPr/>
+        <a:lstStyle/>
+        <a:p>
+          <a:endParaRPr lang="zh-CN" altLang="en-US"/>
+        </a:p>
+      </dgm:t>
+    </dgm:pt>
+    <dgm:pt modelId="{C1680B62-0BA0-47CF-B109-AB4042D38E7F}">
+      <dgm:prSet phldrT="[文本]"/>
+      <dgm:spPr/>
+      <dgm:t>
+        <a:bodyPr/>
+        <a:lstStyle/>
+        <a:p>
+          <a:r>
+            <a:rPr lang="zh-CN" altLang="en-US" dirty="0"/>
+            <a:t>留言管理</a:t>
+          </a:r>
+        </a:p>
+      </dgm:t>
+    </dgm:pt>
+    <dgm:pt modelId="{30729CC4-21AF-4E40-A082-1A995A17A2E0}" type="parTrans" cxnId="{CF1B00AB-83E9-4A47-BB91-C56B24DD180E}">
+      <dgm:prSet/>
+      <dgm:spPr/>
+      <dgm:t>
+        <a:bodyPr/>
+        <a:lstStyle/>
+        <a:p>
+          <a:endParaRPr lang="zh-CN" altLang="en-US"/>
+        </a:p>
+      </dgm:t>
+    </dgm:pt>
+    <dgm:pt modelId="{2C60E2C3-A01B-48F3-9A52-407D391AAE81}" type="sibTrans" cxnId="{CF1B00AB-83E9-4A47-BB91-C56B24DD180E}">
+      <dgm:prSet/>
+      <dgm:spPr/>
+      <dgm:t>
+        <a:bodyPr/>
+        <a:lstStyle/>
+        <a:p>
+          <a:endParaRPr lang="zh-CN" altLang="en-US"/>
+        </a:p>
+      </dgm:t>
+    </dgm:pt>
+    <dgm:pt modelId="{E73FD76E-9AE6-4AAA-84B3-66732D986B2D}">
+      <dgm:prSet phldrT="[文本]"/>
+      <dgm:spPr/>
+      <dgm:t>
+        <a:bodyPr/>
+        <a:lstStyle/>
+        <a:p>
+          <a:r>
+            <a:rPr lang="zh-CN" altLang="en-US" dirty="0"/>
+            <a:t>玩家权限管理</a:t>
+          </a:r>
+        </a:p>
+      </dgm:t>
+    </dgm:pt>
+    <dgm:pt modelId="{E3705106-670A-46C9-A1ED-AA2306549FF7}" type="parTrans" cxnId="{EAC7342E-81F8-470F-B870-14B3B195BACE}">
+      <dgm:prSet/>
+      <dgm:spPr/>
+      <dgm:t>
+        <a:bodyPr/>
+        <a:lstStyle/>
+        <a:p>
+          <a:endParaRPr lang="zh-CN" altLang="en-US"/>
+        </a:p>
+      </dgm:t>
+    </dgm:pt>
+    <dgm:pt modelId="{AD2DF8D4-0B48-4DBD-A9C8-AA8B9D07EB81}" type="sibTrans" cxnId="{EAC7342E-81F8-470F-B870-14B3B195BACE}">
+      <dgm:prSet/>
+      <dgm:spPr/>
+      <dgm:t>
+        <a:bodyPr/>
+        <a:lstStyle/>
+        <a:p>
+          <a:endParaRPr lang="zh-CN" altLang="en-US"/>
+        </a:p>
+      </dgm:t>
+    </dgm:pt>
+    <dgm:pt modelId="{942AC999-6533-4A3C-9095-E964C39EE9C6}">
+      <dgm:prSet/>
+      <dgm:spPr/>
+      <dgm:t>
+        <a:bodyPr/>
+        <a:lstStyle/>
+        <a:p>
+          <a:r>
+            <a:rPr lang="zh-CN" altLang="en-US" dirty="0"/>
+            <a:t>总表管理</a:t>
+          </a:r>
+        </a:p>
+      </dgm:t>
+    </dgm:pt>
+    <dgm:pt modelId="{57B77939-9131-4667-AEEB-F77064FAE748}" type="parTrans" cxnId="{1D568723-3CE7-480F-93D5-D1F7B5B9F798}">
+      <dgm:prSet/>
+      <dgm:spPr/>
+      <dgm:t>
+        <a:bodyPr/>
+        <a:lstStyle/>
+        <a:p>
+          <a:endParaRPr lang="zh-CN" altLang="en-US"/>
+        </a:p>
+      </dgm:t>
+    </dgm:pt>
+    <dgm:pt modelId="{CC82DEAB-3AB1-40C7-938B-F7B55115444D}" type="sibTrans" cxnId="{1D568723-3CE7-480F-93D5-D1F7B5B9F798}">
+      <dgm:prSet/>
+      <dgm:spPr/>
+      <dgm:t>
+        <a:bodyPr/>
+        <a:lstStyle/>
+        <a:p>
+          <a:endParaRPr lang="zh-CN" altLang="en-US"/>
+        </a:p>
+      </dgm:t>
+    </dgm:pt>
+    <dgm:pt modelId="{878B80DA-D6E0-4E1E-B5E2-9FDCB69DFD3D}">
+      <dgm:prSet/>
+      <dgm:spPr/>
+      <dgm:t>
+        <a:bodyPr/>
+        <a:lstStyle/>
+        <a:p>
+          <a:r>
+            <a:rPr lang="zh-CN" altLang="en-US" dirty="0"/>
+            <a:t>规则管理</a:t>
+          </a:r>
+        </a:p>
+      </dgm:t>
+    </dgm:pt>
+    <dgm:pt modelId="{CCF8806F-16C5-4C12-BFCA-DBF5C045678A}" type="parTrans" cxnId="{98EF801E-6045-4A75-802B-61A8A4146F9D}">
+      <dgm:prSet/>
+      <dgm:spPr/>
+      <dgm:t>
+        <a:bodyPr/>
+        <a:lstStyle/>
+        <a:p>
+          <a:endParaRPr lang="zh-CN" altLang="en-US"/>
+        </a:p>
+      </dgm:t>
+    </dgm:pt>
+    <dgm:pt modelId="{0CCFB3AD-BC5C-479C-BA13-39FBE110431F}" type="sibTrans" cxnId="{98EF801E-6045-4A75-802B-61A8A4146F9D}">
+      <dgm:prSet/>
+      <dgm:spPr/>
+      <dgm:t>
+        <a:bodyPr/>
+        <a:lstStyle/>
+        <a:p>
+          <a:endParaRPr lang="zh-CN" altLang="en-US"/>
+        </a:p>
+      </dgm:t>
+    </dgm:pt>
+    <dgm:pt modelId="{844791F0-8CD2-4782-BBDB-7E41FD12FBFC}" type="pres">
+      <dgm:prSet presAssocID="{5322153D-1BAF-4F67-9F53-0321F3804929}" presName="hierChild1" presStyleCnt="0">
+        <dgm:presLayoutVars>
+          <dgm:orgChart val="1"/>
+          <dgm:chPref val="1"/>
+          <dgm:dir/>
+          <dgm:animOne val="branch"/>
+          <dgm:animLvl val="lvl"/>
+          <dgm:resizeHandles/>
+        </dgm:presLayoutVars>
+      </dgm:prSet>
+      <dgm:spPr/>
+    </dgm:pt>
+    <dgm:pt modelId="{9FC78C14-3A72-4F07-8B0A-C4637E60200D}" type="pres">
+      <dgm:prSet presAssocID="{550A1D27-78FA-41C2-B4B8-8ECD3229E80D}" presName="hierRoot1" presStyleCnt="0">
+        <dgm:presLayoutVars>
+          <dgm:hierBranch val="init"/>
+        </dgm:presLayoutVars>
+      </dgm:prSet>
+      <dgm:spPr/>
+    </dgm:pt>
+    <dgm:pt modelId="{1A3C7F32-D5AE-4058-8EC3-6FA0EE0384EF}" type="pres">
+      <dgm:prSet presAssocID="{550A1D27-78FA-41C2-B4B8-8ECD3229E80D}" presName="rootComposite1" presStyleCnt="0"/>
+      <dgm:spPr/>
+    </dgm:pt>
+    <dgm:pt modelId="{6DF0BBC0-FA46-4DB9-B44B-ED1B77224566}" type="pres">
+      <dgm:prSet presAssocID="{550A1D27-78FA-41C2-B4B8-8ECD3229E80D}" presName="rootText1" presStyleLbl="node0" presStyleIdx="0" presStyleCnt="1" custScaleX="84218" custScaleY="98778">
+        <dgm:presLayoutVars>
+          <dgm:chPref val="3"/>
+        </dgm:presLayoutVars>
+      </dgm:prSet>
+      <dgm:spPr/>
+    </dgm:pt>
+    <dgm:pt modelId="{CB04C6AA-48C1-4270-A2F8-D1C4458A6B83}" type="pres">
+      <dgm:prSet presAssocID="{550A1D27-78FA-41C2-B4B8-8ECD3229E80D}" presName="rootConnector1" presStyleLbl="node1" presStyleIdx="0" presStyleCnt="0"/>
+      <dgm:spPr/>
+    </dgm:pt>
+    <dgm:pt modelId="{394E30C2-BC60-4248-9FBE-F702F73BBDA8}" type="pres">
+      <dgm:prSet presAssocID="{550A1D27-78FA-41C2-B4B8-8ECD3229E80D}" presName="hierChild2" presStyleCnt="0"/>
+      <dgm:spPr/>
+    </dgm:pt>
+    <dgm:pt modelId="{0A792982-1F20-4F37-B82B-532F99B0A67F}" type="pres">
+      <dgm:prSet presAssocID="{970AB238-44BF-42EF-B1F1-745769824489}" presName="Name37" presStyleLbl="parChTrans1D2" presStyleIdx="0" presStyleCnt="5"/>
+      <dgm:spPr/>
+    </dgm:pt>
+    <dgm:pt modelId="{4211F5F6-4D06-400D-9CD6-D0C9A94557B8}" type="pres">
+      <dgm:prSet presAssocID="{2980CE87-B69A-424E-90A0-7EFAE77CB879}" presName="hierRoot2" presStyleCnt="0">
+        <dgm:presLayoutVars>
+          <dgm:hierBranch val="init"/>
+        </dgm:presLayoutVars>
+      </dgm:prSet>
+      <dgm:spPr/>
+    </dgm:pt>
+    <dgm:pt modelId="{86B881AA-66B4-4C1F-9B2C-F84D3A35A23A}" type="pres">
+      <dgm:prSet presAssocID="{2980CE87-B69A-424E-90A0-7EFAE77CB879}" presName="rootComposite" presStyleCnt="0"/>
+      <dgm:spPr/>
+    </dgm:pt>
+    <dgm:pt modelId="{0024BBC3-43E3-4102-9038-5B358B5F5F43}" type="pres">
+      <dgm:prSet presAssocID="{2980CE87-B69A-424E-90A0-7EFAE77CB879}" presName="rootText" presStyleLbl="node2" presStyleIdx="0" presStyleCnt="5" custScaleX="52643" custScaleY="154376">
+        <dgm:presLayoutVars>
+          <dgm:chPref val="3"/>
+        </dgm:presLayoutVars>
+      </dgm:prSet>
+      <dgm:spPr/>
+    </dgm:pt>
+    <dgm:pt modelId="{881309D8-1B99-40FE-A2FC-D5D80F60A06F}" type="pres">
+      <dgm:prSet presAssocID="{2980CE87-B69A-424E-90A0-7EFAE77CB879}" presName="rootConnector" presStyleLbl="node2" presStyleIdx="0" presStyleCnt="5"/>
+      <dgm:spPr/>
+    </dgm:pt>
+    <dgm:pt modelId="{3FBCBE1B-729D-4BE9-8CE7-9A8753E71D16}" type="pres">
+      <dgm:prSet presAssocID="{2980CE87-B69A-424E-90A0-7EFAE77CB879}" presName="hierChild4" presStyleCnt="0"/>
+      <dgm:spPr/>
+    </dgm:pt>
+    <dgm:pt modelId="{8B208098-02CB-4443-AC16-B5F29A2C16C6}" type="pres">
+      <dgm:prSet presAssocID="{2980CE87-B69A-424E-90A0-7EFAE77CB879}" presName="hierChild5" presStyleCnt="0"/>
+      <dgm:spPr/>
+    </dgm:pt>
+    <dgm:pt modelId="{972D7DEC-09F4-4EC8-A26D-0C04DC441EE6}" type="pres">
+      <dgm:prSet presAssocID="{CCF8806F-16C5-4C12-BFCA-DBF5C045678A}" presName="Name37" presStyleLbl="parChTrans1D2" presStyleIdx="1" presStyleCnt="5"/>
+      <dgm:spPr/>
+    </dgm:pt>
+    <dgm:pt modelId="{DC755A63-7BCA-48D7-A0A8-D47A2C6DA07E}" type="pres">
+      <dgm:prSet presAssocID="{878B80DA-D6E0-4E1E-B5E2-9FDCB69DFD3D}" presName="hierRoot2" presStyleCnt="0">
+        <dgm:presLayoutVars>
+          <dgm:hierBranch val="init"/>
+        </dgm:presLayoutVars>
+      </dgm:prSet>
+      <dgm:spPr/>
+    </dgm:pt>
+    <dgm:pt modelId="{1EFB2794-D80A-400F-A545-D51294457809}" type="pres">
+      <dgm:prSet presAssocID="{878B80DA-D6E0-4E1E-B5E2-9FDCB69DFD3D}" presName="rootComposite" presStyleCnt="0"/>
+      <dgm:spPr/>
+    </dgm:pt>
+    <dgm:pt modelId="{23D9FDF7-3C72-4BC3-B052-40103A2A02E5}" type="pres">
+      <dgm:prSet presAssocID="{878B80DA-D6E0-4E1E-B5E2-9FDCB69DFD3D}" presName="rootText" presStyleLbl="node2" presStyleIdx="1" presStyleCnt="5" custScaleX="58489">
+        <dgm:presLayoutVars>
+          <dgm:chPref val="3"/>
+        </dgm:presLayoutVars>
+      </dgm:prSet>
+      <dgm:spPr/>
+    </dgm:pt>
+    <dgm:pt modelId="{CDAA8C28-0ABA-49E5-BEC3-655A3E907F87}" type="pres">
+      <dgm:prSet presAssocID="{878B80DA-D6E0-4E1E-B5E2-9FDCB69DFD3D}" presName="rootConnector" presStyleLbl="node2" presStyleIdx="1" presStyleCnt="5"/>
+      <dgm:spPr/>
+    </dgm:pt>
+    <dgm:pt modelId="{48283849-77C2-455D-956B-C89DEE2D5081}" type="pres">
+      <dgm:prSet presAssocID="{878B80DA-D6E0-4E1E-B5E2-9FDCB69DFD3D}" presName="hierChild4" presStyleCnt="0"/>
+      <dgm:spPr/>
+    </dgm:pt>
+    <dgm:pt modelId="{6CD1D6E9-7A45-4D17-B1D0-7CE6E92DFBAD}" type="pres">
+      <dgm:prSet presAssocID="{878B80DA-D6E0-4E1E-B5E2-9FDCB69DFD3D}" presName="hierChild5" presStyleCnt="0"/>
+      <dgm:spPr/>
+    </dgm:pt>
+    <dgm:pt modelId="{62D2FF76-DDBE-4F38-8694-96B3550B1F8C}" type="pres">
+      <dgm:prSet presAssocID="{57B77939-9131-4667-AEEB-F77064FAE748}" presName="Name37" presStyleLbl="parChTrans1D2" presStyleIdx="2" presStyleCnt="5"/>
+      <dgm:spPr/>
+    </dgm:pt>
+    <dgm:pt modelId="{D355E1C6-777D-4AEE-956A-BFB680A74C0F}" type="pres">
+      <dgm:prSet presAssocID="{942AC999-6533-4A3C-9095-E964C39EE9C6}" presName="hierRoot2" presStyleCnt="0">
+        <dgm:presLayoutVars>
+          <dgm:hierBranch val="init"/>
+        </dgm:presLayoutVars>
+      </dgm:prSet>
+      <dgm:spPr/>
+    </dgm:pt>
+    <dgm:pt modelId="{EB223993-F518-4FFB-B9D7-BBB7E01E2A77}" type="pres">
+      <dgm:prSet presAssocID="{942AC999-6533-4A3C-9095-E964C39EE9C6}" presName="rootComposite" presStyleCnt="0"/>
+      <dgm:spPr/>
+    </dgm:pt>
+    <dgm:pt modelId="{1931CC2A-7803-4555-BD9A-8D9C82BB46FE}" type="pres">
+      <dgm:prSet presAssocID="{942AC999-6533-4A3C-9095-E964C39EE9C6}" presName="rootText" presStyleLbl="node2" presStyleIdx="2" presStyleCnt="5" custScaleX="50985">
+        <dgm:presLayoutVars>
+          <dgm:chPref val="3"/>
+        </dgm:presLayoutVars>
+      </dgm:prSet>
+      <dgm:spPr/>
+    </dgm:pt>
+    <dgm:pt modelId="{B95DC39F-56FF-4DF3-B631-240BF25AE887}" type="pres">
+      <dgm:prSet presAssocID="{942AC999-6533-4A3C-9095-E964C39EE9C6}" presName="rootConnector" presStyleLbl="node2" presStyleIdx="2" presStyleCnt="5"/>
+      <dgm:spPr/>
+    </dgm:pt>
+    <dgm:pt modelId="{4DC04A4D-956C-4440-B048-602582A00047}" type="pres">
+      <dgm:prSet presAssocID="{942AC999-6533-4A3C-9095-E964C39EE9C6}" presName="hierChild4" presStyleCnt="0"/>
+      <dgm:spPr/>
+    </dgm:pt>
+    <dgm:pt modelId="{804E515B-A8A4-48FD-9CA6-0D287AE3E8BF}" type="pres">
+      <dgm:prSet presAssocID="{942AC999-6533-4A3C-9095-E964C39EE9C6}" presName="hierChild5" presStyleCnt="0"/>
+      <dgm:spPr/>
+    </dgm:pt>
+    <dgm:pt modelId="{9A0F980B-A494-4B29-A0EA-33B8155F14ED}" type="pres">
+      <dgm:prSet presAssocID="{30729CC4-21AF-4E40-A082-1A995A17A2E0}" presName="Name37" presStyleLbl="parChTrans1D2" presStyleIdx="3" presStyleCnt="5"/>
+      <dgm:spPr/>
+    </dgm:pt>
+    <dgm:pt modelId="{83165475-6EAA-4588-AD10-01FF38DBC344}" type="pres">
+      <dgm:prSet presAssocID="{C1680B62-0BA0-47CF-B109-AB4042D38E7F}" presName="hierRoot2" presStyleCnt="0">
+        <dgm:presLayoutVars>
+          <dgm:hierBranch val="init"/>
+        </dgm:presLayoutVars>
+      </dgm:prSet>
+      <dgm:spPr/>
+    </dgm:pt>
+    <dgm:pt modelId="{4A6A04DE-49B3-456E-A5A8-03ABF3EAC59A}" type="pres">
+      <dgm:prSet presAssocID="{C1680B62-0BA0-47CF-B109-AB4042D38E7F}" presName="rootComposite" presStyleCnt="0"/>
+      <dgm:spPr/>
+    </dgm:pt>
+    <dgm:pt modelId="{F9C4CFF9-DFED-4035-A49C-6A137C284AA4}" type="pres">
+      <dgm:prSet presAssocID="{C1680B62-0BA0-47CF-B109-AB4042D38E7F}" presName="rootText" presStyleLbl="node2" presStyleIdx="3" presStyleCnt="5" custScaleX="45178">
+        <dgm:presLayoutVars>
+          <dgm:chPref val="3"/>
+        </dgm:presLayoutVars>
+      </dgm:prSet>
+      <dgm:spPr/>
+    </dgm:pt>
+    <dgm:pt modelId="{19ED2B4F-A8A7-4936-A8AE-DCF8E99B7CE5}" type="pres">
+      <dgm:prSet presAssocID="{C1680B62-0BA0-47CF-B109-AB4042D38E7F}" presName="rootConnector" presStyleLbl="node2" presStyleIdx="3" presStyleCnt="5"/>
+      <dgm:spPr/>
+    </dgm:pt>
+    <dgm:pt modelId="{F5EFA561-4A78-4383-AE85-FFFD81C0EC3F}" type="pres">
+      <dgm:prSet presAssocID="{C1680B62-0BA0-47CF-B109-AB4042D38E7F}" presName="hierChild4" presStyleCnt="0"/>
+      <dgm:spPr/>
+    </dgm:pt>
+    <dgm:pt modelId="{267A92F2-0C54-4B2B-8CD7-ACC9900E4DFC}" type="pres">
+      <dgm:prSet presAssocID="{C1680B62-0BA0-47CF-B109-AB4042D38E7F}" presName="hierChild5" presStyleCnt="0"/>
+      <dgm:spPr/>
+    </dgm:pt>
+    <dgm:pt modelId="{DE1ABF4A-6356-4ED1-BD5C-4391BB0AB367}" type="pres">
+      <dgm:prSet presAssocID="{E3705106-670A-46C9-A1ED-AA2306549FF7}" presName="Name37" presStyleLbl="parChTrans1D2" presStyleIdx="4" presStyleCnt="5"/>
+      <dgm:spPr/>
+    </dgm:pt>
+    <dgm:pt modelId="{07B22187-1716-411C-87E6-06322592ABEA}" type="pres">
+      <dgm:prSet presAssocID="{E73FD76E-9AE6-4AAA-84B3-66732D986B2D}" presName="hierRoot2" presStyleCnt="0">
+        <dgm:presLayoutVars>
+          <dgm:hierBranch val="init"/>
+        </dgm:presLayoutVars>
+      </dgm:prSet>
+      <dgm:spPr/>
+    </dgm:pt>
+    <dgm:pt modelId="{5E2A3E7A-EE23-4979-8B6A-772FD0FF479C}" type="pres">
+      <dgm:prSet presAssocID="{E73FD76E-9AE6-4AAA-84B3-66732D986B2D}" presName="rootComposite" presStyleCnt="0"/>
+      <dgm:spPr/>
+    </dgm:pt>
+    <dgm:pt modelId="{AB6B9B04-D0EB-4285-BB51-49AEC6D3010B}" type="pres">
+      <dgm:prSet presAssocID="{E73FD76E-9AE6-4AAA-84B3-66732D986B2D}" presName="rootText" presStyleLbl="node2" presStyleIdx="4" presStyleCnt="5" custScaleX="53301" custScaleY="149474">
+        <dgm:presLayoutVars>
+          <dgm:chPref val="3"/>
+        </dgm:presLayoutVars>
+      </dgm:prSet>
+      <dgm:spPr/>
+    </dgm:pt>
+    <dgm:pt modelId="{557E9329-BA87-449B-92A9-FE2F41158B64}" type="pres">
+      <dgm:prSet presAssocID="{E73FD76E-9AE6-4AAA-84B3-66732D986B2D}" presName="rootConnector" presStyleLbl="node2" presStyleIdx="4" presStyleCnt="5"/>
+      <dgm:spPr/>
+    </dgm:pt>
+    <dgm:pt modelId="{63CFBA50-B634-4157-950F-D81310BC05A9}" type="pres">
+      <dgm:prSet presAssocID="{E73FD76E-9AE6-4AAA-84B3-66732D986B2D}" presName="hierChild4" presStyleCnt="0"/>
+      <dgm:spPr/>
+    </dgm:pt>
+    <dgm:pt modelId="{652FA9B7-3F36-498F-BFBE-3AD64C8B9424}" type="pres">
+      <dgm:prSet presAssocID="{E73FD76E-9AE6-4AAA-84B3-66732D986B2D}" presName="hierChild5" presStyleCnt="0"/>
+      <dgm:spPr/>
+    </dgm:pt>
+    <dgm:pt modelId="{494D1E69-8C0A-437B-8FDF-07287095F438}" type="pres">
+      <dgm:prSet presAssocID="{550A1D27-78FA-41C2-B4B8-8ECD3229E80D}" presName="hierChild3" presStyleCnt="0"/>
+      <dgm:spPr/>
+    </dgm:pt>
+  </dgm:ptLst>
+  <dgm:cxnLst>
+    <dgm:cxn modelId="{E74CBD01-898F-49A7-B841-C95BB177146F}" type="presOf" srcId="{2980CE87-B69A-424E-90A0-7EFAE77CB879}" destId="{0024BBC3-43E3-4102-9038-5B358B5F5F43}" srcOrd="0" destOrd="0" presId="urn:microsoft.com/office/officeart/2005/8/layout/orgChart1"/>
+    <dgm:cxn modelId="{98EF801E-6045-4A75-802B-61A8A4146F9D}" srcId="{550A1D27-78FA-41C2-B4B8-8ECD3229E80D}" destId="{878B80DA-D6E0-4E1E-B5E2-9FDCB69DFD3D}" srcOrd="1" destOrd="0" parTransId="{CCF8806F-16C5-4C12-BFCA-DBF5C045678A}" sibTransId="{0CCFB3AD-BC5C-479C-BA13-39FBE110431F}"/>
+    <dgm:cxn modelId="{1D568723-3CE7-480F-93D5-D1F7B5B9F798}" srcId="{550A1D27-78FA-41C2-B4B8-8ECD3229E80D}" destId="{942AC999-6533-4A3C-9095-E964C39EE9C6}" srcOrd="2" destOrd="0" parTransId="{57B77939-9131-4667-AEEB-F77064FAE748}" sibTransId="{CC82DEAB-3AB1-40C7-938B-F7B55115444D}"/>
+    <dgm:cxn modelId="{F18E8627-A3F4-4B2B-A1E5-CFAA93B6ABBB}" type="presOf" srcId="{E73FD76E-9AE6-4AAA-84B3-66732D986B2D}" destId="{AB6B9B04-D0EB-4285-BB51-49AEC6D3010B}" srcOrd="0" destOrd="0" presId="urn:microsoft.com/office/officeart/2005/8/layout/orgChart1"/>
+    <dgm:cxn modelId="{76392C29-34AC-480D-A9F4-96DB5D0D4D74}" type="presOf" srcId="{942AC999-6533-4A3C-9095-E964C39EE9C6}" destId="{1931CC2A-7803-4555-BD9A-8D9C82BB46FE}" srcOrd="0" destOrd="0" presId="urn:microsoft.com/office/officeart/2005/8/layout/orgChart1"/>
+    <dgm:cxn modelId="{03CF772B-C682-44F7-AB61-EFD7F0E2485D}" type="presOf" srcId="{C1680B62-0BA0-47CF-B109-AB4042D38E7F}" destId="{F9C4CFF9-DFED-4035-A49C-6A137C284AA4}" srcOrd="0" destOrd="0" presId="urn:microsoft.com/office/officeart/2005/8/layout/orgChart1"/>
+    <dgm:cxn modelId="{EAC7342E-81F8-470F-B870-14B3B195BACE}" srcId="{550A1D27-78FA-41C2-B4B8-8ECD3229E80D}" destId="{E73FD76E-9AE6-4AAA-84B3-66732D986B2D}" srcOrd="4" destOrd="0" parTransId="{E3705106-670A-46C9-A1ED-AA2306549FF7}" sibTransId="{AD2DF8D4-0B48-4DBD-A9C8-AA8B9D07EB81}"/>
+    <dgm:cxn modelId="{56C1DA33-6CC4-47D0-B079-E5D69BE538C2}" type="presOf" srcId="{942AC999-6533-4A3C-9095-E964C39EE9C6}" destId="{B95DC39F-56FF-4DF3-B631-240BF25AE887}" srcOrd="1" destOrd="0" presId="urn:microsoft.com/office/officeart/2005/8/layout/orgChart1"/>
+    <dgm:cxn modelId="{1BB04462-410F-4C3E-907E-31D2B2FEB927}" type="presOf" srcId="{878B80DA-D6E0-4E1E-B5E2-9FDCB69DFD3D}" destId="{CDAA8C28-0ABA-49E5-BEC3-655A3E907F87}" srcOrd="1" destOrd="0" presId="urn:microsoft.com/office/officeart/2005/8/layout/orgChart1"/>
+    <dgm:cxn modelId="{83500064-82DE-4368-B1B4-A044BAC07019}" type="presOf" srcId="{550A1D27-78FA-41C2-B4B8-8ECD3229E80D}" destId="{CB04C6AA-48C1-4270-A2F8-D1C4458A6B83}" srcOrd="1" destOrd="0" presId="urn:microsoft.com/office/officeart/2005/8/layout/orgChart1"/>
+    <dgm:cxn modelId="{98A7996B-6B9C-4612-A590-425229E63774}" type="presOf" srcId="{C1680B62-0BA0-47CF-B109-AB4042D38E7F}" destId="{19ED2B4F-A8A7-4936-A8AE-DCF8E99B7CE5}" srcOrd="1" destOrd="0" presId="urn:microsoft.com/office/officeart/2005/8/layout/orgChart1"/>
+    <dgm:cxn modelId="{4F33B053-BBAC-430E-BCE6-33D14882A60F}" type="presOf" srcId="{5322153D-1BAF-4F67-9F53-0321F3804929}" destId="{844791F0-8CD2-4782-BBDB-7E41FD12FBFC}" srcOrd="0" destOrd="0" presId="urn:microsoft.com/office/officeart/2005/8/layout/orgChart1"/>
+    <dgm:cxn modelId="{F485F180-4259-41B7-90C1-3D57B06B758D}" type="presOf" srcId="{970AB238-44BF-42EF-B1F1-745769824489}" destId="{0A792982-1F20-4F37-B82B-532F99B0A67F}" srcOrd="0" destOrd="0" presId="urn:microsoft.com/office/officeart/2005/8/layout/orgChart1"/>
+    <dgm:cxn modelId="{13CCB0A5-EB03-4118-890F-479A0A61E823}" srcId="{550A1D27-78FA-41C2-B4B8-8ECD3229E80D}" destId="{2980CE87-B69A-424E-90A0-7EFAE77CB879}" srcOrd="0" destOrd="0" parTransId="{970AB238-44BF-42EF-B1F1-745769824489}" sibTransId="{8E847AC4-8F32-4796-ADE5-F8FC31D5EA67}"/>
+    <dgm:cxn modelId="{DFB7F7A9-CD6B-4D6A-B41A-321CBE526D20}" type="presOf" srcId="{2980CE87-B69A-424E-90A0-7EFAE77CB879}" destId="{881309D8-1B99-40FE-A2FC-D5D80F60A06F}" srcOrd="1" destOrd="0" presId="urn:microsoft.com/office/officeart/2005/8/layout/orgChart1"/>
+    <dgm:cxn modelId="{CF1B00AB-83E9-4A47-BB91-C56B24DD180E}" srcId="{550A1D27-78FA-41C2-B4B8-8ECD3229E80D}" destId="{C1680B62-0BA0-47CF-B109-AB4042D38E7F}" srcOrd="3" destOrd="0" parTransId="{30729CC4-21AF-4E40-A082-1A995A17A2E0}" sibTransId="{2C60E2C3-A01B-48F3-9A52-407D391AAE81}"/>
+    <dgm:cxn modelId="{033955B6-B585-46E5-954F-17F218EC755A}" type="presOf" srcId="{550A1D27-78FA-41C2-B4B8-8ECD3229E80D}" destId="{6DF0BBC0-FA46-4DB9-B44B-ED1B77224566}" srcOrd="0" destOrd="0" presId="urn:microsoft.com/office/officeart/2005/8/layout/orgChart1"/>
+    <dgm:cxn modelId="{C213A5B7-A255-46E3-BBD6-4EA1D0ADAE5E}" type="presOf" srcId="{E3705106-670A-46C9-A1ED-AA2306549FF7}" destId="{DE1ABF4A-6356-4ED1-BD5C-4391BB0AB367}" srcOrd="0" destOrd="0" presId="urn:microsoft.com/office/officeart/2005/8/layout/orgChart1"/>
+    <dgm:cxn modelId="{C8FFACC0-40DD-497A-8071-43565EB74C92}" srcId="{5322153D-1BAF-4F67-9F53-0321F3804929}" destId="{550A1D27-78FA-41C2-B4B8-8ECD3229E80D}" srcOrd="0" destOrd="0" parTransId="{4FE93888-EBF5-4E88-93F6-4E2D13166DC8}" sibTransId="{8BD9D143-E8A4-4407-9913-029DFC7133FA}"/>
+    <dgm:cxn modelId="{D8DA65D4-8BCA-42FE-8EB3-AB86D0BD84E7}" type="presOf" srcId="{57B77939-9131-4667-AEEB-F77064FAE748}" destId="{62D2FF76-DDBE-4F38-8694-96B3550B1F8C}" srcOrd="0" destOrd="0" presId="urn:microsoft.com/office/officeart/2005/8/layout/orgChart1"/>
+    <dgm:cxn modelId="{C4FABEDC-40C3-4614-825F-C0DFA37FA080}" type="presOf" srcId="{30729CC4-21AF-4E40-A082-1A995A17A2E0}" destId="{9A0F980B-A494-4B29-A0EA-33B8155F14ED}" srcOrd="0" destOrd="0" presId="urn:microsoft.com/office/officeart/2005/8/layout/orgChart1"/>
+    <dgm:cxn modelId="{19C3D0F5-DFDA-4F8E-8E1E-EEE77B1A18B2}" type="presOf" srcId="{878B80DA-D6E0-4E1E-B5E2-9FDCB69DFD3D}" destId="{23D9FDF7-3C72-4BC3-B052-40103A2A02E5}" srcOrd="0" destOrd="0" presId="urn:microsoft.com/office/officeart/2005/8/layout/orgChart1"/>
+    <dgm:cxn modelId="{FE21CEF9-A23C-40AA-8887-AA1481E4A03B}" type="presOf" srcId="{CCF8806F-16C5-4C12-BFCA-DBF5C045678A}" destId="{972D7DEC-09F4-4EC8-A26D-0C04DC441EE6}" srcOrd="0" destOrd="0" presId="urn:microsoft.com/office/officeart/2005/8/layout/orgChart1"/>
+    <dgm:cxn modelId="{42801DFB-130C-4243-853C-724FD4ECB6E5}" type="presOf" srcId="{E73FD76E-9AE6-4AAA-84B3-66732D986B2D}" destId="{557E9329-BA87-449B-92A9-FE2F41158B64}" srcOrd="1" destOrd="0" presId="urn:microsoft.com/office/officeart/2005/8/layout/orgChart1"/>
+    <dgm:cxn modelId="{B3A14E93-D6D8-4832-83EC-DF5386951805}" type="presParOf" srcId="{844791F0-8CD2-4782-BBDB-7E41FD12FBFC}" destId="{9FC78C14-3A72-4F07-8B0A-C4637E60200D}" srcOrd="0" destOrd="0" presId="urn:microsoft.com/office/officeart/2005/8/layout/orgChart1"/>
+    <dgm:cxn modelId="{0E247CBA-62AF-48AE-A984-5CB5260EC852}" type="presParOf" srcId="{9FC78C14-3A72-4F07-8B0A-C4637E60200D}" destId="{1A3C7F32-D5AE-4058-8EC3-6FA0EE0384EF}" srcOrd="0" destOrd="0" presId="urn:microsoft.com/office/officeart/2005/8/layout/orgChart1"/>
+    <dgm:cxn modelId="{17AFCA79-C27B-44BA-86DF-4CC3F324EE53}" type="presParOf" srcId="{1A3C7F32-D5AE-4058-8EC3-6FA0EE0384EF}" destId="{6DF0BBC0-FA46-4DB9-B44B-ED1B77224566}" srcOrd="0" destOrd="0" presId="urn:microsoft.com/office/officeart/2005/8/layout/orgChart1"/>
+    <dgm:cxn modelId="{E27176EB-44DE-4CF1-8114-BECCB068039A}" type="presParOf" srcId="{1A3C7F32-D5AE-4058-8EC3-6FA0EE0384EF}" destId="{CB04C6AA-48C1-4270-A2F8-D1C4458A6B83}" srcOrd="1" destOrd="0" presId="urn:microsoft.com/office/officeart/2005/8/layout/orgChart1"/>
+    <dgm:cxn modelId="{AA54F5F8-35DA-459F-9ECB-9DABE5C2C286}" type="presParOf" srcId="{9FC78C14-3A72-4F07-8B0A-C4637E60200D}" destId="{394E30C2-BC60-4248-9FBE-F702F73BBDA8}" srcOrd="1" destOrd="0" presId="urn:microsoft.com/office/officeart/2005/8/layout/orgChart1"/>
+    <dgm:cxn modelId="{5B5F134F-01BD-46C7-AB95-C8D15FE8E09A}" type="presParOf" srcId="{394E30C2-BC60-4248-9FBE-F702F73BBDA8}" destId="{0A792982-1F20-4F37-B82B-532F99B0A67F}" srcOrd="0" destOrd="0" presId="urn:microsoft.com/office/officeart/2005/8/layout/orgChart1"/>
+    <dgm:cxn modelId="{1A8FFAFE-206D-4F2C-9AB7-8C49C243425D}" type="presParOf" srcId="{394E30C2-BC60-4248-9FBE-F702F73BBDA8}" destId="{4211F5F6-4D06-400D-9CD6-D0C9A94557B8}" srcOrd="1" destOrd="0" presId="urn:microsoft.com/office/officeart/2005/8/layout/orgChart1"/>
+    <dgm:cxn modelId="{989DE484-6FAA-41E0-ADD0-E5D1879D2128}" type="presParOf" srcId="{4211F5F6-4D06-400D-9CD6-D0C9A94557B8}" destId="{86B881AA-66B4-4C1F-9B2C-F84D3A35A23A}" srcOrd="0" destOrd="0" presId="urn:microsoft.com/office/officeart/2005/8/layout/orgChart1"/>
+    <dgm:cxn modelId="{3ACEFE35-D09A-48E8-933A-AE684A2AD0DD}" type="presParOf" srcId="{86B881AA-66B4-4C1F-9B2C-F84D3A35A23A}" destId="{0024BBC3-43E3-4102-9038-5B358B5F5F43}" srcOrd="0" destOrd="0" presId="urn:microsoft.com/office/officeart/2005/8/layout/orgChart1"/>
+    <dgm:cxn modelId="{0D03E5F3-F32D-46E8-AE54-3F532E20DA4F}" type="presParOf" srcId="{86B881AA-66B4-4C1F-9B2C-F84D3A35A23A}" destId="{881309D8-1B99-40FE-A2FC-D5D80F60A06F}" srcOrd="1" destOrd="0" presId="urn:microsoft.com/office/officeart/2005/8/layout/orgChart1"/>
+    <dgm:cxn modelId="{8DE25909-1CBF-4C7D-ACC5-81B5A521545B}" type="presParOf" srcId="{4211F5F6-4D06-400D-9CD6-D0C9A94557B8}" destId="{3FBCBE1B-729D-4BE9-8CE7-9A8753E71D16}" srcOrd="1" destOrd="0" presId="urn:microsoft.com/office/officeart/2005/8/layout/orgChart1"/>
+    <dgm:cxn modelId="{D0AE215A-1CD4-4CD8-B4E6-13457901E40E}" type="presParOf" srcId="{4211F5F6-4D06-400D-9CD6-D0C9A94557B8}" destId="{8B208098-02CB-4443-AC16-B5F29A2C16C6}" srcOrd="2" destOrd="0" presId="urn:microsoft.com/office/officeart/2005/8/layout/orgChart1"/>
+    <dgm:cxn modelId="{FF4D40AF-B463-47BE-BF6F-8FD90746AF3C}" type="presParOf" srcId="{394E30C2-BC60-4248-9FBE-F702F73BBDA8}" destId="{972D7DEC-09F4-4EC8-A26D-0C04DC441EE6}" srcOrd="2" destOrd="0" presId="urn:microsoft.com/office/officeart/2005/8/layout/orgChart1"/>
+    <dgm:cxn modelId="{36C12493-E3A9-46BF-BE5E-679E8AFF30A6}" type="presParOf" srcId="{394E30C2-BC60-4248-9FBE-F702F73BBDA8}" destId="{DC755A63-7BCA-48D7-A0A8-D47A2C6DA07E}" srcOrd="3" destOrd="0" presId="urn:microsoft.com/office/officeart/2005/8/layout/orgChart1"/>
+    <dgm:cxn modelId="{FBB6669C-90EC-46A9-8DE0-DE4EC794EF9E}" type="presParOf" srcId="{DC755A63-7BCA-48D7-A0A8-D47A2C6DA07E}" destId="{1EFB2794-D80A-400F-A545-D51294457809}" srcOrd="0" destOrd="0" presId="urn:microsoft.com/office/officeart/2005/8/layout/orgChart1"/>
+    <dgm:cxn modelId="{962E542B-0A29-4980-B3D0-E5A7B10F9E97}" type="presParOf" srcId="{1EFB2794-D80A-400F-A545-D51294457809}" destId="{23D9FDF7-3C72-4BC3-B052-40103A2A02E5}" srcOrd="0" destOrd="0" presId="urn:microsoft.com/office/officeart/2005/8/layout/orgChart1"/>
+    <dgm:cxn modelId="{8E548D02-3C14-40E8-89FD-920F03CA0080}" type="presParOf" srcId="{1EFB2794-D80A-400F-A545-D51294457809}" destId="{CDAA8C28-0ABA-49E5-BEC3-655A3E907F87}" srcOrd="1" destOrd="0" presId="urn:microsoft.com/office/officeart/2005/8/layout/orgChart1"/>
+    <dgm:cxn modelId="{8312FF82-FB0C-4504-8841-F2AB68D6D064}" type="presParOf" srcId="{DC755A63-7BCA-48D7-A0A8-D47A2C6DA07E}" destId="{48283849-77C2-455D-956B-C89DEE2D5081}" srcOrd="1" destOrd="0" presId="urn:microsoft.com/office/officeart/2005/8/layout/orgChart1"/>
+    <dgm:cxn modelId="{936E37B7-5A85-460A-9CFB-AF7C1B888EB9}" type="presParOf" srcId="{DC755A63-7BCA-48D7-A0A8-D47A2C6DA07E}" destId="{6CD1D6E9-7A45-4D17-B1D0-7CE6E92DFBAD}" srcOrd="2" destOrd="0" presId="urn:microsoft.com/office/officeart/2005/8/layout/orgChart1"/>
+    <dgm:cxn modelId="{98F45657-DBBE-4802-ACD0-A31988DA1235}" type="presParOf" srcId="{394E30C2-BC60-4248-9FBE-F702F73BBDA8}" destId="{62D2FF76-DDBE-4F38-8694-96B3550B1F8C}" srcOrd="4" destOrd="0" presId="urn:microsoft.com/office/officeart/2005/8/layout/orgChart1"/>
+    <dgm:cxn modelId="{763E00C2-49CE-4DEC-A079-D8DDED81276B}" type="presParOf" srcId="{394E30C2-BC60-4248-9FBE-F702F73BBDA8}" destId="{D355E1C6-777D-4AEE-956A-BFB680A74C0F}" srcOrd="5" destOrd="0" presId="urn:microsoft.com/office/officeart/2005/8/layout/orgChart1"/>
+    <dgm:cxn modelId="{95F6F51B-4E07-4ACE-9C4E-5044BEC44355}" type="presParOf" srcId="{D355E1C6-777D-4AEE-956A-BFB680A74C0F}" destId="{EB223993-F518-4FFB-B9D7-BBB7E01E2A77}" srcOrd="0" destOrd="0" presId="urn:microsoft.com/office/officeart/2005/8/layout/orgChart1"/>
+    <dgm:cxn modelId="{D1332A4F-0C23-4663-8CEC-845509E7C0A0}" type="presParOf" srcId="{EB223993-F518-4FFB-B9D7-BBB7E01E2A77}" destId="{1931CC2A-7803-4555-BD9A-8D9C82BB46FE}" srcOrd="0" destOrd="0" presId="urn:microsoft.com/office/officeart/2005/8/layout/orgChart1"/>
+    <dgm:cxn modelId="{5C68C738-7533-4F1B-95D2-EA246A95EC07}" type="presParOf" srcId="{EB223993-F518-4FFB-B9D7-BBB7E01E2A77}" destId="{B95DC39F-56FF-4DF3-B631-240BF25AE887}" srcOrd="1" destOrd="0" presId="urn:microsoft.com/office/officeart/2005/8/layout/orgChart1"/>
+    <dgm:cxn modelId="{7CAFF56D-5327-4BE9-9BB5-8B09ABDFD467}" type="presParOf" srcId="{D355E1C6-777D-4AEE-956A-BFB680A74C0F}" destId="{4DC04A4D-956C-4440-B048-602582A00047}" srcOrd="1" destOrd="0" presId="urn:microsoft.com/office/officeart/2005/8/layout/orgChart1"/>
+    <dgm:cxn modelId="{8A55B8C6-A494-4466-964D-D76F08CD759B}" type="presParOf" srcId="{D355E1C6-777D-4AEE-956A-BFB680A74C0F}" destId="{804E515B-A8A4-48FD-9CA6-0D287AE3E8BF}" srcOrd="2" destOrd="0" presId="urn:microsoft.com/office/officeart/2005/8/layout/orgChart1"/>
+    <dgm:cxn modelId="{54A8B443-3DC1-48DD-85CA-6FD63CAA76B2}" type="presParOf" srcId="{394E30C2-BC60-4248-9FBE-F702F73BBDA8}" destId="{9A0F980B-A494-4B29-A0EA-33B8155F14ED}" srcOrd="6" destOrd="0" presId="urn:microsoft.com/office/officeart/2005/8/layout/orgChart1"/>
+    <dgm:cxn modelId="{0ECA1730-4840-4A10-A560-D653297871D9}" type="presParOf" srcId="{394E30C2-BC60-4248-9FBE-F702F73BBDA8}" destId="{83165475-6EAA-4588-AD10-01FF38DBC344}" srcOrd="7" destOrd="0" presId="urn:microsoft.com/office/officeart/2005/8/layout/orgChart1"/>
+    <dgm:cxn modelId="{F576294D-E2F0-4264-8164-94566CB3728B}" type="presParOf" srcId="{83165475-6EAA-4588-AD10-01FF38DBC344}" destId="{4A6A04DE-49B3-456E-A5A8-03ABF3EAC59A}" srcOrd="0" destOrd="0" presId="urn:microsoft.com/office/officeart/2005/8/layout/orgChart1"/>
+    <dgm:cxn modelId="{7FE6C1A3-56D8-4CD0-937E-E6D493F25E5C}" type="presParOf" srcId="{4A6A04DE-49B3-456E-A5A8-03ABF3EAC59A}" destId="{F9C4CFF9-DFED-4035-A49C-6A137C284AA4}" srcOrd="0" destOrd="0" presId="urn:microsoft.com/office/officeart/2005/8/layout/orgChart1"/>
+    <dgm:cxn modelId="{DD13B299-01C8-432F-AA7A-70079D615F64}" type="presParOf" srcId="{4A6A04DE-49B3-456E-A5A8-03ABF3EAC59A}" destId="{19ED2B4F-A8A7-4936-A8AE-DCF8E99B7CE5}" srcOrd="1" destOrd="0" presId="urn:microsoft.com/office/officeart/2005/8/layout/orgChart1"/>
+    <dgm:cxn modelId="{E80B0304-614C-4063-A980-5B3C72D7DABE}" type="presParOf" srcId="{83165475-6EAA-4588-AD10-01FF38DBC344}" destId="{F5EFA561-4A78-4383-AE85-FFFD81C0EC3F}" srcOrd="1" destOrd="0" presId="urn:microsoft.com/office/officeart/2005/8/layout/orgChart1"/>
+    <dgm:cxn modelId="{6F6EEE02-501A-492B-9935-3B4A86F105BD}" type="presParOf" srcId="{83165475-6EAA-4588-AD10-01FF38DBC344}" destId="{267A92F2-0C54-4B2B-8CD7-ACC9900E4DFC}" srcOrd="2" destOrd="0" presId="urn:microsoft.com/office/officeart/2005/8/layout/orgChart1"/>
+    <dgm:cxn modelId="{A1A717C5-9369-4581-9D79-9675E357E787}" type="presParOf" srcId="{394E30C2-BC60-4248-9FBE-F702F73BBDA8}" destId="{DE1ABF4A-6356-4ED1-BD5C-4391BB0AB367}" srcOrd="8" destOrd="0" presId="urn:microsoft.com/office/officeart/2005/8/layout/orgChart1"/>
+    <dgm:cxn modelId="{CE732CB2-EAF2-46B7-954D-6E0CC0376A11}" type="presParOf" srcId="{394E30C2-BC60-4248-9FBE-F702F73BBDA8}" destId="{07B22187-1716-411C-87E6-06322592ABEA}" srcOrd="9" destOrd="0" presId="urn:microsoft.com/office/officeart/2005/8/layout/orgChart1"/>
+    <dgm:cxn modelId="{8DCD1A32-084B-4B76-B73A-991AA80F534C}" type="presParOf" srcId="{07B22187-1716-411C-87E6-06322592ABEA}" destId="{5E2A3E7A-EE23-4979-8B6A-772FD0FF479C}" srcOrd="0" destOrd="0" presId="urn:microsoft.com/office/officeart/2005/8/layout/orgChart1"/>
+    <dgm:cxn modelId="{A1D3B221-39D5-43E7-8C20-7E6E8F1DAE9E}" type="presParOf" srcId="{5E2A3E7A-EE23-4979-8B6A-772FD0FF479C}" destId="{AB6B9B04-D0EB-4285-BB51-49AEC6D3010B}" srcOrd="0" destOrd="0" presId="urn:microsoft.com/office/officeart/2005/8/layout/orgChart1"/>
+    <dgm:cxn modelId="{E0B67BCC-A9C4-4EC7-BDD0-F596E4CD946B}" type="presParOf" srcId="{5E2A3E7A-EE23-4979-8B6A-772FD0FF479C}" destId="{557E9329-BA87-449B-92A9-FE2F41158B64}" srcOrd="1" destOrd="0" presId="urn:microsoft.com/office/officeart/2005/8/layout/orgChart1"/>
+    <dgm:cxn modelId="{C011E5E0-8442-46E8-BFC2-28A24B52DD9F}" type="presParOf" srcId="{07B22187-1716-411C-87E6-06322592ABEA}" destId="{63CFBA50-B634-4157-950F-D81310BC05A9}" srcOrd="1" destOrd="0" presId="urn:microsoft.com/office/officeart/2005/8/layout/orgChart1"/>
+    <dgm:cxn modelId="{807358BF-7973-4621-90BA-F05755BDF3E4}" type="presParOf" srcId="{07B22187-1716-411C-87E6-06322592ABEA}" destId="{652FA9B7-3F36-498F-BFBE-3AD64C8B9424}" srcOrd="2" destOrd="0" presId="urn:microsoft.com/office/officeart/2005/8/layout/orgChart1"/>
+    <dgm:cxn modelId="{DEB1EA26-7A58-4445-A756-FE7439313AEE}" type="presParOf" srcId="{9FC78C14-3A72-4F07-8B0A-C4637E60200D}" destId="{494D1E69-8C0A-437B-8FDF-07287095F438}" srcOrd="2" destOrd="0" presId="urn:microsoft.com/office/officeart/2005/8/layout/orgChart1"/>
+  </dgm:cxnLst>
+  <dgm:bg/>
+  <dgm:whole/>
+  <dgm:extLst>
+    <a:ext uri="http://schemas.microsoft.com/office/drawing/2008/diagram">
+      <dsp:dataModelExt xmlns:dsp="http://schemas.microsoft.com/office/drawing/2008/diagram" relId="rId7" minVer="http://schemas.openxmlformats.org/drawingml/2006/diagram"/>
+    </a:ext>
+  </dgm:extLst>
+</dgm:dataModel>
+</file>
+
+<file path=ppt/diagrams/drawing1.xml><?xml version="1.0" encoding="utf-8"?>
+<dsp:drawing xmlns:dgm="http://schemas.openxmlformats.org/drawingml/2006/diagram" xmlns:dsp="http://schemas.microsoft.com/office/drawing/2008/diagram" xmlns:a="http://schemas.openxmlformats.org/drawingml/2006/main">
+  <dsp:spTree>
+    <dsp:nvGrpSpPr>
+      <dsp:cNvPr id="0" name=""/>
+      <dsp:cNvGrpSpPr/>
+    </dsp:nvGrpSpPr>
+    <dsp:grpSpPr/>
+    <dsp:sp modelId="{DE1ABF4A-6356-4ED1-BD5C-4391BB0AB367}">
+      <dsp:nvSpPr>
+        <dsp:cNvPr id="0" name=""/>
+        <dsp:cNvSpPr/>
+      </dsp:nvSpPr>
+      <dsp:spPr>
+        <a:xfrm>
+          <a:off x="5257800" y="1456869"/>
+          <a:ext cx="4290716" cy="618651"/>
+        </a:xfrm>
+        <a:custGeom>
+          <a:avLst/>
+          <a:gdLst/>
+          <a:ahLst/>
+          <a:cxnLst/>
+          <a:rect l="0" t="0" r="0" b="0"/>
+          <a:pathLst>
+            <a:path>
+              <a:moveTo>
+                <a:pt x="0" y="0"/>
+              </a:moveTo>
+              <a:lnTo>
+                <a:pt x="0" y="309325"/>
+              </a:lnTo>
+              <a:lnTo>
+                <a:pt x="4290716" y="309325"/>
+              </a:lnTo>
+              <a:lnTo>
+                <a:pt x="4290716" y="618651"/>
+              </a:lnTo>
+            </a:path>
+          </a:pathLst>
+        </a:custGeom>
+        <a:noFill/>
+        <a:ln w="12700" cap="flat" cmpd="sng" algn="ctr">
+          <a:solidFill>
+            <a:schemeClr val="accent1">
+              <a:shade val="60000"/>
+              <a:hueOff val="0"/>
+              <a:satOff val="0"/>
+              <a:lumOff val="0"/>
+              <a:alphaOff val="0"/>
+            </a:schemeClr>
+          </a:solidFill>
+          <a:prstDash val="solid"/>
+          <a:miter lim="800000"/>
+        </a:ln>
+        <a:effectLst/>
+      </dsp:spPr>
+      <dsp:style>
+        <a:lnRef idx="2">
+          <a:scrgbClr r="0" g="0" b="0"/>
+        </a:lnRef>
+        <a:fillRef idx="0">
+          <a:scrgbClr r="0" g="0" b="0"/>
+        </a:fillRef>
+        <a:effectRef idx="0">
+          <a:scrgbClr r="0" g="0" b="0"/>
+        </a:effectRef>
+        <a:fontRef idx="minor"/>
+      </dsp:style>
+    </dsp:sp>
+    <dsp:sp modelId="{9A0F980B-A494-4B29-A0EA-33B8155F14ED}">
+      <dsp:nvSpPr>
+        <dsp:cNvPr id="0" name=""/>
+        <dsp:cNvSpPr/>
+      </dsp:nvSpPr>
+      <dsp:spPr>
+        <a:xfrm>
+          <a:off x="5257800" y="1456869"/>
+          <a:ext cx="2221489" cy="618651"/>
+        </a:xfrm>
+        <a:custGeom>
+          <a:avLst/>
+          <a:gdLst/>
+          <a:ahLst/>
+          <a:cxnLst/>
+          <a:rect l="0" t="0" r="0" b="0"/>
+          <a:pathLst>
+            <a:path>
+              <a:moveTo>
+                <a:pt x="0" y="0"/>
+              </a:moveTo>
+              <a:lnTo>
+                <a:pt x="0" y="309325"/>
+              </a:lnTo>
+              <a:lnTo>
+                <a:pt x="2221489" y="309325"/>
+              </a:lnTo>
+              <a:lnTo>
+                <a:pt x="2221489" y="618651"/>
+              </a:lnTo>
+            </a:path>
+          </a:pathLst>
+        </a:custGeom>
+        <a:noFill/>
+        <a:ln w="12700" cap="flat" cmpd="sng" algn="ctr">
+          <a:solidFill>
+            <a:schemeClr val="accent1">
+              <a:shade val="60000"/>
+              <a:hueOff val="0"/>
+              <a:satOff val="0"/>
+              <a:lumOff val="0"/>
+              <a:alphaOff val="0"/>
+            </a:schemeClr>
+          </a:solidFill>
+          <a:prstDash val="solid"/>
+          <a:miter lim="800000"/>
+        </a:ln>
+        <a:effectLst/>
+      </dsp:spPr>
+      <dsp:style>
+        <a:lnRef idx="2">
+          <a:scrgbClr r="0" g="0" b="0"/>
+        </a:lnRef>
+        <a:fillRef idx="0">
+          <a:scrgbClr r="0" g="0" b="0"/>
+        </a:fillRef>
+        <a:effectRef idx="0">
+          <a:scrgbClr r="0" g="0" b="0"/>
+        </a:effectRef>
+        <a:fontRef idx="minor"/>
+      </dsp:style>
+    </dsp:sp>
+    <dsp:sp modelId="{62D2FF76-DDBE-4F38-8694-96B3550B1F8C}">
+      <dsp:nvSpPr>
+        <dsp:cNvPr id="0" name=""/>
+        <dsp:cNvSpPr/>
+      </dsp:nvSpPr>
+      <dsp:spPr>
+        <a:xfrm>
+          <a:off x="5257800" y="1456869"/>
+          <a:ext cx="186376" cy="618651"/>
+        </a:xfrm>
+        <a:custGeom>
+          <a:avLst/>
+          <a:gdLst/>
+          <a:ahLst/>
+          <a:cxnLst/>
+          <a:rect l="0" t="0" r="0" b="0"/>
+          <a:pathLst>
+            <a:path>
+              <a:moveTo>
+                <a:pt x="0" y="0"/>
+              </a:moveTo>
+              <a:lnTo>
+                <a:pt x="0" y="309325"/>
+              </a:lnTo>
+              <a:lnTo>
+                <a:pt x="186376" y="309325"/>
+              </a:lnTo>
+              <a:lnTo>
+                <a:pt x="186376" y="618651"/>
+              </a:lnTo>
+            </a:path>
+          </a:pathLst>
+        </a:custGeom>
+        <a:noFill/>
+        <a:ln w="12700" cap="flat" cmpd="sng" algn="ctr">
+          <a:solidFill>
+            <a:schemeClr val="accent1">
+              <a:shade val="60000"/>
+              <a:hueOff val="0"/>
+              <a:satOff val="0"/>
+              <a:lumOff val="0"/>
+              <a:alphaOff val="0"/>
+            </a:schemeClr>
+          </a:solidFill>
+          <a:prstDash val="solid"/>
+          <a:miter lim="800000"/>
+        </a:ln>
+        <a:effectLst/>
+      </dsp:spPr>
+      <dsp:style>
+        <a:lnRef idx="2">
+          <a:scrgbClr r="0" g="0" b="0"/>
+        </a:lnRef>
+        <a:fillRef idx="0">
+          <a:scrgbClr r="0" g="0" b="0"/>
+        </a:fillRef>
+        <a:effectRef idx="0">
+          <a:scrgbClr r="0" g="0" b="0"/>
+        </a:effectRef>
+        <a:fontRef idx="minor"/>
+      </dsp:style>
+    </dsp:sp>
+    <dsp:sp modelId="{972D7DEC-09F4-4EC8-A26D-0C04DC441EE6}">
+      <dsp:nvSpPr>
+        <dsp:cNvPr id="0" name=""/>
+        <dsp:cNvSpPr/>
+      </dsp:nvSpPr>
+      <dsp:spPr>
+        <a:xfrm>
+          <a:off x="3212994" y="1456869"/>
+          <a:ext cx="2044805" cy="618651"/>
+        </a:xfrm>
+        <a:custGeom>
+          <a:avLst/>
+          <a:gdLst/>
+          <a:ahLst/>
+          <a:cxnLst/>
+          <a:rect l="0" t="0" r="0" b="0"/>
+          <a:pathLst>
+            <a:path>
+              <a:moveTo>
+                <a:pt x="2044805" y="0"/>
+              </a:moveTo>
+              <a:lnTo>
+                <a:pt x="2044805" y="309325"/>
+              </a:lnTo>
+              <a:lnTo>
+                <a:pt x="0" y="309325"/>
+              </a:lnTo>
+              <a:lnTo>
+                <a:pt x="0" y="618651"/>
+              </a:lnTo>
+            </a:path>
+          </a:pathLst>
+        </a:custGeom>
+        <a:noFill/>
+        <a:ln w="12700" cap="flat" cmpd="sng" algn="ctr">
+          <a:solidFill>
+            <a:schemeClr val="accent1">
+              <a:shade val="60000"/>
+              <a:hueOff val="0"/>
+              <a:satOff val="0"/>
+              <a:lumOff val="0"/>
+              <a:alphaOff val="0"/>
+            </a:schemeClr>
+          </a:solidFill>
+          <a:prstDash val="solid"/>
+          <a:miter lim="800000"/>
+        </a:ln>
+        <a:effectLst/>
+      </dsp:spPr>
+      <dsp:style>
+        <a:lnRef idx="2">
+          <a:scrgbClr r="0" g="0" b="0"/>
+        </a:lnRef>
+        <a:fillRef idx="0">
+          <a:scrgbClr r="0" g="0" b="0"/>
+        </a:fillRef>
+        <a:effectRef idx="0">
+          <a:scrgbClr r="0" g="0" b="0"/>
+        </a:effectRef>
+        <a:fontRef idx="minor"/>
+      </dsp:style>
+    </dsp:sp>
+    <dsp:sp modelId="{0A792982-1F20-4F37-B82B-532F99B0A67F}">
+      <dsp:nvSpPr>
+        <dsp:cNvPr id="0" name=""/>
+        <dsp:cNvSpPr/>
+      </dsp:nvSpPr>
+      <dsp:spPr>
+        <a:xfrm>
+          <a:off x="957391" y="1456869"/>
+          <a:ext cx="4300408" cy="618651"/>
+        </a:xfrm>
+        <a:custGeom>
+          <a:avLst/>
+          <a:gdLst/>
+          <a:ahLst/>
+          <a:cxnLst/>
+          <a:rect l="0" t="0" r="0" b="0"/>
+          <a:pathLst>
+            <a:path>
+              <a:moveTo>
+                <a:pt x="4300408" y="0"/>
+              </a:moveTo>
+              <a:lnTo>
+                <a:pt x="4300408" y="309325"/>
+              </a:lnTo>
+              <a:lnTo>
+                <a:pt x="0" y="309325"/>
+              </a:lnTo>
+              <a:lnTo>
+                <a:pt x="0" y="618651"/>
+              </a:lnTo>
+            </a:path>
+          </a:pathLst>
+        </a:custGeom>
+        <a:noFill/>
+        <a:ln w="12700" cap="flat" cmpd="sng" algn="ctr">
+          <a:solidFill>
+            <a:schemeClr val="accent1">
+              <a:shade val="60000"/>
+              <a:hueOff val="0"/>
+              <a:satOff val="0"/>
+              <a:lumOff val="0"/>
+              <a:alphaOff val="0"/>
+            </a:schemeClr>
+          </a:solidFill>
+          <a:prstDash val="solid"/>
+          <a:miter lim="800000"/>
+        </a:ln>
+        <a:effectLst/>
+      </dsp:spPr>
+      <dsp:style>
+        <a:lnRef idx="2">
+          <a:scrgbClr r="0" g="0" b="0"/>
+        </a:lnRef>
+        <a:fillRef idx="0">
+          <a:scrgbClr r="0" g="0" b="0"/>
+        </a:fillRef>
+        <a:effectRef idx="0">
+          <a:scrgbClr r="0" g="0" b="0"/>
+        </a:effectRef>
+        <a:fontRef idx="minor"/>
+      </dsp:style>
+    </dsp:sp>
+    <dsp:sp modelId="{6DF0BBC0-FA46-4DB9-B44B-ED1B77224566}">
+      <dsp:nvSpPr>
+        <dsp:cNvPr id="0" name=""/>
+        <dsp:cNvSpPr/>
+      </dsp:nvSpPr>
+      <dsp:spPr>
+        <a:xfrm>
+          <a:off x="4017285" y="1889"/>
+          <a:ext cx="2481028" cy="1454980"/>
+        </a:xfrm>
+        <a:prstGeom prst="rect">
+          <a:avLst/>
+        </a:prstGeom>
+        <a:solidFill>
+          <a:schemeClr val="accent1">
+            <a:hueOff val="0"/>
+            <a:satOff val="0"/>
+            <a:lumOff val="0"/>
+            <a:alphaOff val="0"/>
+          </a:schemeClr>
+        </a:solidFill>
+        <a:ln w="12700" cap="flat" cmpd="sng" algn="ctr">
+          <a:solidFill>
+            <a:schemeClr val="lt1">
+              <a:hueOff val="0"/>
+              <a:satOff val="0"/>
+              <a:lumOff val="0"/>
+              <a:alphaOff val="0"/>
+            </a:schemeClr>
+          </a:solidFill>
+          <a:prstDash val="solid"/>
+          <a:miter lim="800000"/>
+        </a:ln>
+        <a:effectLst/>
+      </dsp:spPr>
+      <dsp:style>
+        <a:lnRef idx="2">
+          <a:scrgbClr r="0" g="0" b="0"/>
+        </a:lnRef>
+        <a:fillRef idx="1">
+          <a:scrgbClr r="0" g="0" b="0"/>
+        </a:fillRef>
+        <a:effectRef idx="0">
+          <a:scrgbClr r="0" g="0" b="0"/>
+        </a:effectRef>
+        <a:fontRef idx="minor">
+          <a:schemeClr val="lt1"/>
+        </a:fontRef>
+      </dsp:style>
+      <dsp:txBody>
+        <a:bodyPr spcFirstLastPara="0" vert="horz" wrap="square" lIns="27940" tIns="27940" rIns="27940" bIns="27940" numCol="1" spcCol="1270" anchor="ctr" anchorCtr="0">
+          <a:noAutofit/>
+        </a:bodyPr>
+        <a:lstStyle/>
+        <a:p>
+          <a:pPr marL="0" lvl="0" indent="0" algn="ctr" defTabSz="1955800">
+            <a:lnSpc>
+              <a:spcPct val="90000"/>
+            </a:lnSpc>
+            <a:spcBef>
+              <a:spcPct val="0"/>
+            </a:spcBef>
+            <a:spcAft>
+              <a:spcPct val="35000"/>
+            </a:spcAft>
+            <a:buNone/>
+          </a:pPr>
+          <a:r>
+            <a:rPr lang="zh-CN" sz="4400" kern="1200" dirty="0"/>
+            <a:t>游戏后台管理系统</a:t>
+          </a:r>
+          <a:endParaRPr lang="zh-CN" altLang="en-US" sz="4400" kern="1200" dirty="0"/>
+        </a:p>
+      </dsp:txBody>
+      <dsp:txXfrm>
+        <a:off x="4017285" y="1889"/>
+        <a:ext cx="2481028" cy="1454980"/>
+      </dsp:txXfrm>
+    </dsp:sp>
+    <dsp:sp modelId="{0024BBC3-43E3-4102-9038-5B358B5F5F43}">
+      <dsp:nvSpPr>
+        <dsp:cNvPr id="0" name=""/>
+        <dsp:cNvSpPr/>
+      </dsp:nvSpPr>
+      <dsp:spPr>
+        <a:xfrm>
+          <a:off x="181970" y="2075521"/>
+          <a:ext cx="1550841" cy="2273927"/>
+        </a:xfrm>
+        <a:prstGeom prst="rect">
+          <a:avLst/>
+        </a:prstGeom>
+        <a:solidFill>
+          <a:schemeClr val="accent1">
+            <a:hueOff val="0"/>
+            <a:satOff val="0"/>
+            <a:lumOff val="0"/>
+            <a:alphaOff val="0"/>
+          </a:schemeClr>
+        </a:solidFill>
+        <a:ln w="12700" cap="flat" cmpd="sng" algn="ctr">
+          <a:solidFill>
+            <a:schemeClr val="lt1">
+              <a:hueOff val="0"/>
+              <a:satOff val="0"/>
+              <a:lumOff val="0"/>
+              <a:alphaOff val="0"/>
+            </a:schemeClr>
+          </a:solidFill>
+          <a:prstDash val="solid"/>
+          <a:miter lim="800000"/>
+        </a:ln>
+        <a:effectLst/>
+      </dsp:spPr>
+      <dsp:style>
+        <a:lnRef idx="2">
+          <a:scrgbClr r="0" g="0" b="0"/>
+        </a:lnRef>
+        <a:fillRef idx="1">
+          <a:scrgbClr r="0" g="0" b="0"/>
+        </a:fillRef>
+        <a:effectRef idx="0">
+          <a:scrgbClr r="0" g="0" b="0"/>
+        </a:effectRef>
+        <a:fontRef idx="minor">
+          <a:schemeClr val="lt1"/>
+        </a:fontRef>
+      </dsp:style>
+      <dsp:txBody>
+        <a:bodyPr spcFirstLastPara="0" vert="horz" wrap="square" lIns="27940" tIns="27940" rIns="27940" bIns="27940" numCol="1" spcCol="1270" anchor="ctr" anchorCtr="0">
+          <a:noAutofit/>
+        </a:bodyPr>
+        <a:lstStyle/>
+        <a:p>
+          <a:pPr marL="0" lvl="0" indent="0" algn="ctr" defTabSz="1955800">
+            <a:lnSpc>
+              <a:spcPct val="90000"/>
+            </a:lnSpc>
+            <a:spcBef>
+              <a:spcPct val="0"/>
+            </a:spcBef>
+            <a:spcAft>
+              <a:spcPct val="35000"/>
+            </a:spcAft>
+            <a:buNone/>
+          </a:pPr>
+          <a:r>
+            <a:rPr lang="zh-CN" altLang="en-US" sz="4400" kern="1200" dirty="0"/>
+            <a:t>玩家信息管理</a:t>
+          </a:r>
+        </a:p>
+      </dsp:txBody>
+      <dsp:txXfrm>
+        <a:off x="181970" y="2075521"/>
+        <a:ext cx="1550841" cy="2273927"/>
+      </dsp:txXfrm>
+    </dsp:sp>
+    <dsp:sp modelId="{23D9FDF7-3C72-4BC3-B052-40103A2A02E5}">
+      <dsp:nvSpPr>
+        <dsp:cNvPr id="0" name=""/>
+        <dsp:cNvSpPr/>
+      </dsp:nvSpPr>
+      <dsp:spPr>
+        <a:xfrm>
+          <a:off x="2351463" y="2075521"/>
+          <a:ext cx="1723062" cy="1472979"/>
+        </a:xfrm>
+        <a:prstGeom prst="rect">
+          <a:avLst/>
+        </a:prstGeom>
+        <a:solidFill>
+          <a:schemeClr val="accent1">
+            <a:hueOff val="0"/>
+            <a:satOff val="0"/>
+            <a:lumOff val="0"/>
+            <a:alphaOff val="0"/>
+          </a:schemeClr>
+        </a:solidFill>
+        <a:ln w="12700" cap="flat" cmpd="sng" algn="ctr">
+          <a:solidFill>
+            <a:schemeClr val="lt1">
+              <a:hueOff val="0"/>
+              <a:satOff val="0"/>
+              <a:lumOff val="0"/>
+              <a:alphaOff val="0"/>
+            </a:schemeClr>
+          </a:solidFill>
+          <a:prstDash val="solid"/>
+          <a:miter lim="800000"/>
+        </a:ln>
+        <a:effectLst/>
+      </dsp:spPr>
+      <dsp:style>
+        <a:lnRef idx="2">
+          <a:scrgbClr r="0" g="0" b="0"/>
+        </a:lnRef>
+        <a:fillRef idx="1">
+          <a:scrgbClr r="0" g="0" b="0"/>
+        </a:fillRef>
+        <a:effectRef idx="0">
+          <a:scrgbClr r="0" g="0" b="0"/>
+        </a:effectRef>
+        <a:fontRef idx="minor">
+          <a:schemeClr val="lt1"/>
+        </a:fontRef>
+      </dsp:style>
+      <dsp:txBody>
+        <a:bodyPr spcFirstLastPara="0" vert="horz" wrap="square" lIns="27940" tIns="27940" rIns="27940" bIns="27940" numCol="1" spcCol="1270" anchor="ctr" anchorCtr="0">
+          <a:noAutofit/>
+        </a:bodyPr>
+        <a:lstStyle/>
+        <a:p>
+          <a:pPr marL="0" lvl="0" indent="0" algn="ctr" defTabSz="1955800">
+            <a:lnSpc>
+              <a:spcPct val="90000"/>
+            </a:lnSpc>
+            <a:spcBef>
+              <a:spcPct val="0"/>
+            </a:spcBef>
+            <a:spcAft>
+              <a:spcPct val="35000"/>
+            </a:spcAft>
+            <a:buNone/>
+          </a:pPr>
+          <a:r>
+            <a:rPr lang="zh-CN" altLang="en-US" sz="4400" kern="1200" dirty="0"/>
+            <a:t>规则管理</a:t>
+          </a:r>
+        </a:p>
+      </dsp:txBody>
+      <dsp:txXfrm>
+        <a:off x="2351463" y="2075521"/>
+        <a:ext cx="1723062" cy="1472979"/>
+      </dsp:txXfrm>
+    </dsp:sp>
+    <dsp:sp modelId="{1931CC2A-7803-4555-BD9A-8D9C82BB46FE}">
+      <dsp:nvSpPr>
+        <dsp:cNvPr id="0" name=""/>
+        <dsp:cNvSpPr/>
+      </dsp:nvSpPr>
+      <dsp:spPr>
+        <a:xfrm>
+          <a:off x="4693177" y="2075521"/>
+          <a:ext cx="1501997" cy="1472979"/>
+        </a:xfrm>
+        <a:prstGeom prst="rect">
+          <a:avLst/>
+        </a:prstGeom>
+        <a:solidFill>
+          <a:schemeClr val="accent1">
+            <a:hueOff val="0"/>
+            <a:satOff val="0"/>
+            <a:lumOff val="0"/>
+            <a:alphaOff val="0"/>
+          </a:schemeClr>
+        </a:solidFill>
+        <a:ln w="12700" cap="flat" cmpd="sng" algn="ctr">
+          <a:solidFill>
+            <a:schemeClr val="lt1">
+              <a:hueOff val="0"/>
+              <a:satOff val="0"/>
+              <a:lumOff val="0"/>
+              <a:alphaOff val="0"/>
+            </a:schemeClr>
+          </a:solidFill>
+          <a:prstDash val="solid"/>
+          <a:miter lim="800000"/>
+        </a:ln>
+        <a:effectLst/>
+      </dsp:spPr>
+      <dsp:style>
+        <a:lnRef idx="2">
+          <a:scrgbClr r="0" g="0" b="0"/>
+        </a:lnRef>
+        <a:fillRef idx="1">
+          <a:scrgbClr r="0" g="0" b="0"/>
+        </a:fillRef>
+        <a:effectRef idx="0">
+          <a:scrgbClr r="0" g="0" b="0"/>
+        </a:effectRef>
+        <a:fontRef idx="minor">
+          <a:schemeClr val="lt1"/>
+        </a:fontRef>
+      </dsp:style>
+      <dsp:txBody>
+        <a:bodyPr spcFirstLastPara="0" vert="horz" wrap="square" lIns="27940" tIns="27940" rIns="27940" bIns="27940" numCol="1" spcCol="1270" anchor="ctr" anchorCtr="0">
+          <a:noAutofit/>
+        </a:bodyPr>
+        <a:lstStyle/>
+        <a:p>
+          <a:pPr marL="0" lvl="0" indent="0" algn="ctr" defTabSz="1955800">
+            <a:lnSpc>
+              <a:spcPct val="90000"/>
+            </a:lnSpc>
+            <a:spcBef>
+              <a:spcPct val="0"/>
+            </a:spcBef>
+            <a:spcAft>
+              <a:spcPct val="35000"/>
+            </a:spcAft>
+            <a:buNone/>
+          </a:pPr>
+          <a:r>
+            <a:rPr lang="zh-CN" altLang="en-US" sz="4400" kern="1200" dirty="0"/>
+            <a:t>总表管理</a:t>
+          </a:r>
+        </a:p>
+      </dsp:txBody>
+      <dsp:txXfrm>
+        <a:off x="4693177" y="2075521"/>
+        <a:ext cx="1501997" cy="1472979"/>
+      </dsp:txXfrm>
+    </dsp:sp>
+    <dsp:sp modelId="{F9C4CFF9-DFED-4035-A49C-6A137C284AA4}">
+      <dsp:nvSpPr>
+        <dsp:cNvPr id="0" name=""/>
+        <dsp:cNvSpPr/>
+      </dsp:nvSpPr>
+      <dsp:spPr>
+        <a:xfrm>
+          <a:off x="6813826" y="2075521"/>
+          <a:ext cx="1330925" cy="1472979"/>
+        </a:xfrm>
+        <a:prstGeom prst="rect">
+          <a:avLst/>
+        </a:prstGeom>
+        <a:solidFill>
+          <a:schemeClr val="accent1">
+            <a:hueOff val="0"/>
+            <a:satOff val="0"/>
+            <a:lumOff val="0"/>
+            <a:alphaOff val="0"/>
+          </a:schemeClr>
+        </a:solidFill>
+        <a:ln w="12700" cap="flat" cmpd="sng" algn="ctr">
+          <a:solidFill>
+            <a:schemeClr val="lt1">
+              <a:hueOff val="0"/>
+              <a:satOff val="0"/>
+              <a:lumOff val="0"/>
+              <a:alphaOff val="0"/>
+            </a:schemeClr>
+          </a:solidFill>
+          <a:prstDash val="solid"/>
+          <a:miter lim="800000"/>
+        </a:ln>
+        <a:effectLst/>
+      </dsp:spPr>
+      <dsp:style>
+        <a:lnRef idx="2">
+          <a:scrgbClr r="0" g="0" b="0"/>
+        </a:lnRef>
+        <a:fillRef idx="1">
+          <a:scrgbClr r="0" g="0" b="0"/>
+        </a:fillRef>
+        <a:effectRef idx="0">
+          <a:scrgbClr r="0" g="0" b="0"/>
+        </a:effectRef>
+        <a:fontRef idx="minor">
+          <a:schemeClr val="lt1"/>
+        </a:fontRef>
+      </dsp:style>
+      <dsp:txBody>
+        <a:bodyPr spcFirstLastPara="0" vert="horz" wrap="square" lIns="27940" tIns="27940" rIns="27940" bIns="27940" numCol="1" spcCol="1270" anchor="ctr" anchorCtr="0">
+          <a:noAutofit/>
+        </a:bodyPr>
+        <a:lstStyle/>
+        <a:p>
+          <a:pPr marL="0" lvl="0" indent="0" algn="ctr" defTabSz="1955800">
+            <a:lnSpc>
+              <a:spcPct val="90000"/>
+            </a:lnSpc>
+            <a:spcBef>
+              <a:spcPct val="0"/>
+            </a:spcBef>
+            <a:spcAft>
+              <a:spcPct val="35000"/>
+            </a:spcAft>
+            <a:buNone/>
+          </a:pPr>
+          <a:r>
+            <a:rPr lang="zh-CN" altLang="en-US" sz="4400" kern="1200" dirty="0"/>
+            <a:t>留言管理</a:t>
+          </a:r>
+        </a:p>
+      </dsp:txBody>
+      <dsp:txXfrm>
+        <a:off x="6813826" y="2075521"/>
+        <a:ext cx="1330925" cy="1472979"/>
+      </dsp:txXfrm>
+    </dsp:sp>
+    <dsp:sp modelId="{AB6B9B04-D0EB-4285-BB51-49AEC6D3010B}">
+      <dsp:nvSpPr>
+        <dsp:cNvPr id="0" name=""/>
+        <dsp:cNvSpPr/>
+      </dsp:nvSpPr>
+      <dsp:spPr>
+        <a:xfrm>
+          <a:off x="8763403" y="2075521"/>
+          <a:ext cx="1570225" cy="2201721"/>
+        </a:xfrm>
+        <a:prstGeom prst="rect">
+          <a:avLst/>
+        </a:prstGeom>
+        <a:solidFill>
+          <a:schemeClr val="accent1">
+            <a:hueOff val="0"/>
+            <a:satOff val="0"/>
+            <a:lumOff val="0"/>
+            <a:alphaOff val="0"/>
+          </a:schemeClr>
+        </a:solidFill>
+        <a:ln w="12700" cap="flat" cmpd="sng" algn="ctr">
+          <a:solidFill>
+            <a:schemeClr val="lt1">
+              <a:hueOff val="0"/>
+              <a:satOff val="0"/>
+              <a:lumOff val="0"/>
+              <a:alphaOff val="0"/>
+            </a:schemeClr>
+          </a:solidFill>
+          <a:prstDash val="solid"/>
+          <a:miter lim="800000"/>
+        </a:ln>
+        <a:effectLst/>
+      </dsp:spPr>
+      <dsp:style>
+        <a:lnRef idx="2">
+          <a:scrgbClr r="0" g="0" b="0"/>
+        </a:lnRef>
+        <a:fillRef idx="1">
+          <a:scrgbClr r="0" g="0" b="0"/>
+        </a:fillRef>
+        <a:effectRef idx="0">
+          <a:scrgbClr r="0" g="0" b="0"/>
+        </a:effectRef>
+        <a:fontRef idx="minor">
+          <a:schemeClr val="lt1"/>
+        </a:fontRef>
+      </dsp:style>
+      <dsp:txBody>
+        <a:bodyPr spcFirstLastPara="0" vert="horz" wrap="square" lIns="27940" tIns="27940" rIns="27940" bIns="27940" numCol="1" spcCol="1270" anchor="ctr" anchorCtr="0">
+          <a:noAutofit/>
+        </a:bodyPr>
+        <a:lstStyle/>
+        <a:p>
+          <a:pPr marL="0" lvl="0" indent="0" algn="ctr" defTabSz="1955800">
+            <a:lnSpc>
+              <a:spcPct val="90000"/>
+            </a:lnSpc>
+            <a:spcBef>
+              <a:spcPct val="0"/>
+            </a:spcBef>
+            <a:spcAft>
+              <a:spcPct val="35000"/>
+            </a:spcAft>
+            <a:buNone/>
+          </a:pPr>
+          <a:r>
+            <a:rPr lang="zh-CN" altLang="en-US" sz="4400" kern="1200" dirty="0"/>
+            <a:t>玩家权限管理</a:t>
+          </a:r>
+        </a:p>
+      </dsp:txBody>
+      <dsp:txXfrm>
+        <a:off x="8763403" y="2075521"/>
+        <a:ext cx="1570225" cy="2201721"/>
+      </dsp:txXfrm>
+    </dsp:sp>
+  </dsp:spTree>
+</dsp:drawing>
+</file>
+
+<file path=ppt/diagrams/layout1.xml><?xml version="1.0" encoding="utf-8"?>
+<dgm:layoutDef xmlns:dgm="http://schemas.openxmlformats.org/drawingml/2006/diagram" xmlns:a="http://schemas.openxmlformats.org/drawingml/2006/main" uniqueId="urn:microsoft.com/office/officeart/2005/8/layout/orgChart1">
+  <dgm:title val=""/>
+  <dgm:desc val=""/>
+  <dgm:catLst>
+    <dgm:cat type="hierarchy" pri="1000"/>
+    <dgm:cat type="convert" pri="6000"/>
+  </dgm:catLst>
+  <dgm:sampData>
+    <dgm:dataModel>
+      <dgm:ptLst>
+        <dgm:pt modelId="0" type="doc"/>
+        <dgm:pt modelId="1">
+          <dgm:prSet phldr="1"/>
+        </dgm:pt>
+        <dgm:pt modelId="2" type="asst">
+          <dgm:prSet phldr="1"/>
+        </dgm:pt>
+        <dgm:pt modelId="3">
+          <dgm:prSet phldr="1"/>
+        </dgm:pt>
+        <dgm:pt modelId="4">
+          <dgm:prSet phldr="1"/>
+        </dgm:pt>
+        <dgm:pt modelId="5">
+          <dgm:prSet phldr="1"/>
+        </dgm:pt>
+      </dgm:ptLst>
+      <dgm:cxnLst>
+        <dgm:cxn modelId="5" srcId="0" destId="1" srcOrd="0" destOrd="0"/>
+        <dgm:cxn modelId="6" srcId="1" destId="2" srcOrd="0" destOrd="0"/>
+        <dgm:cxn modelId="7" srcId="1" destId="3" srcOrd="1" destOrd="0"/>
+        <dgm:cxn modelId="8" srcId="1" destId="4" srcOrd="2" destOrd="0"/>
+        <dgm:cxn modelId="9" srcId="1" destId="5" srcOrd="3" destOrd="0"/>
+      </dgm:cxnLst>
+      <dgm:bg/>
+      <dgm:whole/>
+    </dgm:dataModel>
+  </dgm:sampData>
+  <dgm:styleData>
+    <dgm:dataModel>
+      <dgm:ptLst>
+        <dgm:pt modelId="0" type="doc"/>
+        <dgm:pt modelId="1"/>
+        <dgm:pt modelId="12"/>
+        <dgm:pt modelId="13"/>
+      </dgm:ptLst>
+      <dgm:cxnLst>
+        <dgm:cxn modelId="2" srcId="0" destId="1" srcOrd="0" destOrd="0"/>
+        <dgm:cxn modelId="16" srcId="1" destId="12" srcOrd="1" destOrd="0"/>
+        <dgm:cxn modelId="17" srcId="1" destId="13" srcOrd="2" destOrd="0"/>
+      </dgm:cxnLst>
+      <dgm:bg/>
+      <dgm:whole/>
+    </dgm:dataModel>
+  </dgm:styleData>
+  <dgm:clrData>
+    <dgm:dataModel>
+      <dgm:ptLst>
+        <dgm:pt modelId="0" type="doc"/>
+        <dgm:pt modelId="1"/>
+        <dgm:pt modelId="11" type="asst"/>
+        <dgm:pt modelId="12"/>
+        <dgm:pt modelId="13"/>
+        <dgm:pt modelId="14"/>
+      </dgm:ptLst>
+      <dgm:cxnLst>
+        <dgm:cxn modelId="2" srcId="0" destId="1" srcOrd="0" destOrd="0"/>
+        <dgm:cxn modelId="15" srcId="1" destId="11" srcOrd="0" destOrd="0"/>
+        <dgm:cxn modelId="16" srcId="1" destId="12" srcOrd="1" destOrd="0"/>
+        <dgm:cxn modelId="17" srcId="1" destId="13" srcOrd="2" destOrd="0"/>
+        <dgm:cxn modelId="18" srcId="1" destId="14" srcOrd="2" destOrd="0"/>
+      </dgm:cxnLst>
+      <dgm:bg/>
+      <dgm:whole/>
+    </dgm:dataModel>
+  </dgm:clrData>
+  <dgm:layoutNode name="hierChild1">
+    <dgm:varLst>
+      <dgm:orgChart val="1"/>
+      <dgm:chPref val="1"/>
+      <dgm:dir/>
+      <dgm:animOne val="branch"/>
+      <dgm:animLvl val="lvl"/>
+      <dgm:resizeHandles/>
+    </dgm:varLst>
+    <dgm:choose name="Name0">
+      <dgm:if name="Name1" func="var" arg="dir" op="equ" val="norm">
+        <dgm:alg type="hierChild">
+          <dgm:param type="linDir" val="fromL"/>
+        </dgm:alg>
+      </dgm:if>
+      <dgm:else name="Name2">
+        <dgm:alg type="hierChild">
+          <dgm:param type="linDir" val="fromR"/>
+        </dgm:alg>
+      </dgm:else>
+    </dgm:choose>
+    <dgm:shape xmlns:r="http://schemas.openxmlformats.org/officeDocument/2006/relationships" r:blip="">
+      <dgm:adjLst/>
+    </dgm:shape>
+    <dgm:presOf/>
+    <dgm:constrLst>
+      <dgm:constr type="w" for="des" forName="rootComposite1" refType="w" fact="10"/>
+      <dgm:constr type="h" for="des" forName="rootComposite1" refType="w" refFor="des" refForName="rootComposite1" fact="0.5"/>
+      <dgm:constr type="w" for="des" forName="rootComposite" refType="w" fact="10"/>
+      <dgm:constr type="h" for="des" forName="rootComposite" refType="w" refFor="des" refForName="rootComposite1" fact="0.5"/>
+      <dgm:constr type="w" for="des" forName="rootComposite3" refType="w" fact="10"/>
+      <dgm:constr type="h" for="des" forName="rootComposite3" refType="w" refFor="des" refForName="rootComposite1" fact="0.5"/>
+      <dgm:constr type="primFontSz" for="des" ptType="node" op="equ"/>
+      <dgm:constr type="sp" for="des" op="equ"/>
+      <dgm:constr type="sp" for="des" forName="hierRoot1" refType="w" refFor="des" refForName="rootComposite1" fact="0.21"/>
+      <dgm:constr type="sp" for="des" forName="hierRoot2" refType="sp" refFor="des" refForName="hierRoot1"/>
+      <dgm:constr type="sp" for="des" forName="hierRoot3" refType="sp" refFor="des" refForName="hierRoot1"/>
+      <dgm:constr type="sibSp" refType="w" refFor="des" refForName="rootComposite1" fact="0.21"/>
+      <dgm:constr type="sibSp" for="des" forName="hierChild2" refType="sibSp"/>
+      <dgm:constr type="sibSp" for="des" forName="hierChild3" refType="sibSp"/>
+      <dgm:constr type="sibSp" for="des" forName="hierChild4" refType="sibSp"/>
+      <dgm:constr type="sibSp" for="des" forName="hierChild5" refType="sibSp"/>
+      <dgm:constr type="sibSp" for="des" forName="hierChild6" refType="sibSp"/>
+      <dgm:constr type="sibSp" for="des" forName="hierChild7" refType="sibSp"/>
+      <dgm:constr type="secSibSp" refType="w" refFor="des" refForName="rootComposite1" fact="0.21"/>
+      <dgm:constr type="secSibSp" for="des" forName="hierChild2" refType="secSibSp"/>
+      <dgm:constr type="secSibSp" for="des" forName="hierChild3" refType="secSibSp"/>
+      <dgm:constr type="secSibSp" for="des" forName="hierChild4" refType="secSibSp"/>
+      <dgm:constr type="secSibSp" for="des" forName="hierChild5" refType="secSibSp"/>
+      <dgm:constr type="secSibSp" for="des" forName="hierChild6" refType="secSibSp"/>
+      <dgm:constr type="secSibSp" for="des" forName="hierChild7" refType="secSibSp"/>
+    </dgm:constrLst>
+    <dgm:ruleLst/>
+    <dgm:forEach name="Name3" axis="ch">
+      <dgm:forEach name="Name4" axis="self" ptType="node">
+        <dgm:layoutNode name="hierRoot1">
+          <dgm:varLst>
+            <dgm:hierBranch val="init"/>
+          </dgm:varLst>
+          <dgm:choose name="Name5">
+            <dgm:if name="Name6" func="var" arg="hierBranch" op="equ" val="l">
+              <dgm:choose name="Name7">
+                <dgm:if name="Name8" axis="ch" ptType="asst" func="cnt" op="gte" val="1">
+                  <dgm:alg type="hierRoot">
+                    <dgm:param type="hierAlign" val="tR"/>
+                  </dgm:alg>
+                  <dgm:constrLst>
+                    <dgm:constr type="alignOff" val="0.65"/>
+                  </dgm:constrLst>
+                </dgm:if>
+                <dgm:else name="Name9">
+                  <dgm:alg type="hierRoot">
+                    <dgm:param type="hierAlign" val="tR"/>
+                  </dgm:alg>
+                  <dgm:constrLst>
+                    <dgm:constr type="alignOff" val="0.25"/>
+                  </dgm:constrLst>
+                </dgm:else>
+              </dgm:choose>
+            </dgm:if>
+            <dgm:if name="Name10" func="var" arg="hierBranch" op="equ" val="r">
+              <dgm:choose name="Name11">
+                <dgm:if name="Name12" axis="ch" ptType="asst" func="cnt" op="gte" val="1">
+                  <dgm:alg type="hierRoot">
+                    <dgm:param type="hierAlign" val="tL"/>
+                  </dgm:alg>
+                  <dgm:constrLst>
+                    <dgm:constr type="alignOff" val="0.65"/>
+                  </dgm:constrLst>
+                </dgm:if>
+                <dgm:else name="Name13">
+                  <dgm:alg type="hierRoot">
+                    <dgm:param type="hierAlign" val="tL"/>
+                  </dgm:alg>
+                  <dgm:constrLst>
+                    <dgm:constr type="alignOff" val="0.25"/>
+                  </dgm:constrLst>
+                </dgm:else>
+              </dgm:choose>
+            </dgm:if>
+            <dgm:if name="Name14" func="var" arg="hierBranch" op="equ" val="hang">
+              <dgm:alg type="hierRoot"/>
+              <dgm:constrLst>
+                <dgm:constr type="alignOff" val="0.65"/>
+              </dgm:constrLst>
+            </dgm:if>
+            <dgm:else name="Name15">
+              <dgm:alg type="hierRoot"/>
+              <dgm:constrLst>
+                <dgm:constr type="alignOff"/>
+                <dgm:constr type="bendDist" for="des" ptType="parTrans" refType="sp" fact="0.5"/>
+              </dgm:constrLst>
+            </dgm:else>
+          </dgm:choose>
+          <dgm:shape xmlns:r="http://schemas.openxmlformats.org/officeDocument/2006/relationships" r:blip="">
+            <dgm:adjLst/>
+          </dgm:shape>
+          <dgm:presOf/>
+          <dgm:ruleLst/>
+          <dgm:layoutNode name="rootComposite1">
+            <dgm:alg type="composite"/>
+            <dgm:shape xmlns:r="http://schemas.openxmlformats.org/officeDocument/2006/relationships" r:blip="">
+              <dgm:adjLst/>
+            </dgm:shape>
+            <dgm:presOf axis="self" ptType="node" cnt="1"/>
+            <dgm:choose name="Name16">
+              <dgm:if name="Name17" func="var" arg="hierBranch" op="equ" val="init">
+                <dgm:constrLst>
+                  <dgm:constr type="l" for="ch" forName="rootText1"/>
+                  <dgm:constr type="t" for="ch" forName="rootText1"/>
+                  <dgm:constr type="w" for="ch" forName="rootText1" refType="w"/>
+                  <dgm:constr type="h" for="ch" forName="rootText1" refType="h"/>
+                  <dgm:constr type="l" for="ch" forName="rootConnector1"/>
+                  <dgm:constr type="t" for="ch" forName="rootConnector1"/>
+                  <dgm:constr type="w" for="ch" forName="rootConnector1" refType="w" refFor="ch" refForName="rootText1" fact="0.2"/>
+                  <dgm:constr type="h" for="ch" forName="rootConnector1" refType="h" refFor="ch" refForName="rootText1"/>
+                </dgm:constrLst>
+              </dgm:if>
+              <dgm:if name="Name18" func="var" arg="hierBranch" op="equ" val="l">
+                <dgm:constrLst>
+                  <dgm:constr type="l" for="ch" forName="rootText1"/>
+                  <dgm:constr type="t" for="ch" forName="rootText1"/>
+                  <dgm:constr type="w" for="ch" forName="rootText1" refType="w"/>
+                  <dgm:constr type="h" for="ch" forName="rootText1" refType="h"/>
+                  <dgm:constr type="r" for="ch" forName="rootConnector1" refType="w"/>
+                  <dgm:constr type="t" for="ch" forName="rootConnector1"/>
+                  <dgm:constr type="w" for="ch" forName="rootConnector1" refType="w" refFor="ch" refForName="rootText1" fact="0.2"/>
+                  <dgm:constr type="h" for="ch" forName="rootConnector1" refType="h" refFor="ch" refForName="rootText1"/>
+                </dgm:constrLst>
+              </dgm:if>
+              <dgm:if name="Name19" func="var" arg="hierBranch" op="equ" val="r">
+                <dgm:constrLst>
+                  <dgm:constr type="l" for="ch" forName="rootText1"/>
+                  <dgm:constr type="t" for="ch" forName="rootText1"/>
+                  <dgm:constr type="w" for="ch" forName="rootText1" refType="w"/>
+                  <dgm:constr type="h" for="ch" forName="rootText1" refType="h"/>
+                  <dgm:constr type="l" for="ch" forName="rootConnector1"/>
+                  <dgm:constr type="t" for="ch" forName="rootConnector1"/>
+                  <dgm:constr type="w" for="ch" forName="rootConnector1" refType="w" refFor="ch" refForName="rootText1" fact="0.2"/>
+                  <dgm:constr type="h" for="ch" forName="rootConnector1" refType="h" refFor="ch" refForName="rootText1"/>
+                </dgm:constrLst>
+              </dgm:if>
+              <dgm:else name="Name20">
+                <dgm:constrLst>
+                  <dgm:constr type="l" for="ch" forName="rootText1"/>
+                  <dgm:constr type="t" for="ch" forName="rootText1"/>
+                  <dgm:constr type="w" for="ch" forName="rootText1" refType="w"/>
+                  <dgm:constr type="h" for="ch" forName="rootText1" refType="h"/>
+                  <dgm:constr type="r" for="ch" forName="rootConnector1" refType="w"/>
+                  <dgm:constr type="t" for="ch" forName="rootConnector1"/>
+                  <dgm:constr type="w" for="ch" forName="rootConnector1" refType="w" refFor="ch" refForName="rootText1" fact="0.2"/>
+                  <dgm:constr type="h" for="ch" forName="rootConnector1" refType="h" refFor="ch" refForName="rootText1"/>
+                </dgm:constrLst>
+              </dgm:else>
+            </dgm:choose>
+            <dgm:ruleLst/>
+            <dgm:layoutNode name="rootText1" styleLbl="node0">
+              <dgm:varLst>
+                <dgm:chPref val="3"/>
+              </dgm:varLst>
+              <dgm:alg type="tx"/>
+              <dgm:shape xmlns:r="http://schemas.openxmlformats.org/officeDocument/2006/relationships" type="rect" r:blip="">
+                <dgm:adjLst/>
+              </dgm:shape>
+              <dgm:presOf axis="self" ptType="node" cnt="1"/>
+              <dgm:constrLst>
+                <dgm:constr type="primFontSz" val="65"/>
+                <dgm:constr type="lMarg" refType="primFontSz" fact="0.05"/>
+                <dgm:constr type="rMarg" refType="primFontSz" fact="0.05"/>
+                <dgm:constr type="tMarg" refType="primFontSz" fact="0.05"/>
+                <dgm:constr type="bMarg" refType="primFontSz" fact="0.05"/>
+              </dgm:constrLst>
+              <dgm:ruleLst>
+                <dgm:rule type="primFontSz" val="5" fact="NaN" max="NaN"/>
+              </dgm:ruleLst>
+            </dgm:layoutNode>
+            <dgm:layoutNode name="rootConnector1" moveWith="rootText1">
+              <dgm:alg type="sp"/>
+              <dgm:shape xmlns:r="http://schemas.openxmlformats.org/officeDocument/2006/relationships" type="rect" r:blip="" hideGeom="1">
+                <dgm:adjLst/>
+              </dgm:shape>
+              <dgm:presOf axis="self" ptType="node" cnt="1"/>
+              <dgm:constrLst/>
+              <dgm:ruleLst/>
+            </dgm:layoutNode>
+          </dgm:layoutNode>
+          <dgm:layoutNode name="hierChild2">
+            <dgm:choose name="Name21">
+              <dgm:if name="Name22" func="var" arg="hierBranch" op="equ" val="l">
+                <dgm:alg type="hierChild">
+                  <dgm:param type="chAlign" val="r"/>
+                  <dgm:param type="linDir" val="fromT"/>
+                </dgm:alg>
+              </dgm:if>
+              <dgm:if name="Name23" func="var" arg="hierBranch" op="equ" val="r">
+                <dgm:alg type="hierChild">
+                  <dgm:param type="chAlign" val="l"/>
+                  <dgm:param type="linDir" val="fromT"/>
+                </dgm:alg>
+              </dgm:if>
+              <dgm:if name="Name24" func="var" arg="hierBranch" op="equ" val="hang">
+                <dgm:choose name="Name25">
+                  <dgm:if name="Name26" func="var" arg="dir" op="equ" val="norm">
+                    <dgm:alg type="hierChild">
+                      <dgm:param type="chAlign" val="l"/>
+                      <dgm:param type="linDir" val="fromL"/>
+                      <dgm:param type="secChAlign" val="t"/>
+                      <dgm:param type="secLinDir" val="fromT"/>
+                    </dgm:alg>
+                  </dgm:if>
+                  <dgm:else name="Name27">
+                    <dgm:alg type="hierChild">
+                      <dgm:param type="chAlign" val="l"/>
+                      <dgm:param type="linDir" val="fromR"/>
+                      <dgm:param type="secChAlign" val="t"/>
+                      <dgm:param type="secLinDir" val="fromT"/>
+                    </dgm:alg>
+                  </dgm:else>
+                </dgm:choose>
+              </dgm:if>
+              <dgm:else name="Name28">
+                <dgm:choose name="Name29">
+                  <dgm:if name="Name30" func="var" arg="dir" op="equ" val="norm">
+                    <dgm:alg type="hierChild"/>
+                  </dgm:if>
+                  <dgm:else name="Name31">
+                    <dgm:alg type="hierChild">
+                      <dgm:param type="linDir" val="fromR"/>
+                    </dgm:alg>
+                  </dgm:else>
+                </dgm:choose>
+              </dgm:else>
+            </dgm:choose>
+            <dgm:shape xmlns:r="http://schemas.openxmlformats.org/officeDocument/2006/relationships" r:blip="">
+              <dgm:adjLst/>
+            </dgm:shape>
+            <dgm:presOf/>
+            <dgm:constrLst/>
+            <dgm:ruleLst/>
+            <dgm:forEach name="rep2a" axis="ch" ptType="nonAsst">
+              <dgm:forEach name="Name32" axis="precedSib" ptType="parTrans" st="-1" cnt="1">
+                <dgm:choose name="Name33">
+                  <dgm:if name="Name34" func="var" arg="hierBranch" op="equ" val="std">
+                    <dgm:layoutNode name="Name35">
+                      <dgm:alg type="conn">
+                        <dgm:param type="connRout" val="bend"/>
+                        <dgm:param type="dim" val="1D"/>
+                        <dgm:param type="endSty" val="noArr"/>
+                        <dgm:param type="begPts" val="bCtr"/>
+                        <dgm:param type="endPts" val="tCtr"/>
+                        <dgm:param type="bendPt" val="end"/>
+                      </dgm:alg>
+                      <dgm:shape xmlns:r="http://schemas.openxmlformats.org/officeDocument/2006/relationships" type="conn" r:blip="" zOrderOff="-99999">
+                        <dgm:adjLst/>
+                      </dgm:shape>
+                      <dgm:presOf axis="self"/>
+                      <dgm:constrLst>
+                        <dgm:constr type="begPad"/>
+                        <dgm:constr type="endPad"/>
+                      </dgm:constrLst>
+                      <dgm:ruleLst/>
+                    </dgm:layoutNode>
+                  </dgm:if>
+                  <dgm:if name="Name36" func="var" arg="hierBranch" op="equ" val="init">
+                    <dgm:layoutNode name="Name37">
+                      <dgm:choose name="Name38">
+                        <dgm:if name="Name39" axis="self" func="depth" op="lte" val="2">
+                          <dgm:alg type="conn">
+                            <dgm:param type="connRout" val="bend"/>
+                            <dgm:param type="dim" val="1D"/>
+                            <dgm:param type="endSty" val="noArr"/>
+                            <dgm:param type="begPts" val="bCtr"/>
+                            <dgm:param type="endPts" val="tCtr"/>
+                            <dgm:param type="bendPt" val="end"/>
+                          </dgm:alg>
+                        </dgm:if>
+                        <dgm:else name="Name40">
+                          <dgm:choose name="Name41">
+                            <dgm:if name="Name42" axis="par des" func="maxDepth" op="lte" val="1">
+                              <dgm:choose name="Name43">
+                                <dgm:if name="Name44" axis="par ch" ptType="node asst" func="cnt" op="gte" val="1">
+                                  <dgm:alg type="conn">
+                                    <dgm:param type="connRout" val="bend"/>
+                                    <dgm:param type="dim" val="1D"/>
+                                    <dgm:param type="endSty" val="noArr"/>
+                                    <dgm:param type="begPts" val="bCtr"/>
+                                    <dgm:param type="endPts" val="midL midR"/>
+                                  </dgm:alg>
+                                </dgm:if>
+                                <dgm:else name="Name45">
+                                  <dgm:alg type="conn">
+                                    <dgm:param type="connRout" val="bend"/>
+                                    <dgm:param type="dim" val="1D"/>
+                                    <dgm:param type="endSty" val="noArr"/>
+                                    <dgm:param type="begPts" val="bCtr"/>
+                                    <dgm:param type="endPts" val="midL midR"/>
+                                    <dgm:param type="srcNode" val="rootConnector"/>
+                                  </dgm:alg>
+                                </dgm:else>
+                              </dgm:choose>
+                            </dgm:if>
+                            <dgm:else name="Name46">
+                              <dgm:alg type="conn">
+                                <dgm:param type="connRout" val="bend"/>
+                                <dgm:param type="dim" val="1D"/>
+                                <dgm:param type="endSty" val="noArr"/>
+                                <dgm:param type="begPts" val="bCtr"/>
+                                <dgm:param type="endPts" val="tCtr"/>
+                                <dgm:param type="bendPt" val="end"/>
+                              </dgm:alg>
+                            </dgm:else>
+                          </dgm:choose>
+                        </dgm:else>
+                      </dgm:choose>
+                      <dgm:shape xmlns:r="http://schemas.openxmlformats.org/officeDocument/2006/relationships" type="conn" r:blip="" zOrderOff="-99999">
+                        <dgm:adjLst/>
+                      </dgm:shape>
+                      <dgm:presOf axis="self"/>
+                      <dgm:constrLst>
+                        <dgm:constr type="begPad"/>
+                        <dgm:constr type="endPad"/>
+                      </dgm:constrLst>
+                      <dgm:ruleLst/>
+                    </dgm:layoutNode>
+                  </dgm:if>
+                  <dgm:if name="Name47" func="var" arg="hierBranch" op="equ" val="hang">
+                    <dgm:layoutNode name="Name48">
+                      <dgm:alg type="conn">
+                        <dgm:param type="connRout" val="bend"/>
+                        <dgm:param type="dim" val="1D"/>
+                        <dgm:param type="endSty" val="noArr"/>
+                        <dgm:param type="begPts" val="bCtr"/>
+                        <dgm:param type="endPts" val="midL midR"/>
+                      </dgm:alg>
+                      <dgm:shape xmlns:r="http://schemas.openxmlformats.org/officeDocument/2006/relationships" type="conn" r:blip="" zOrderOff="-99999">
+                        <dgm:adjLst/>
+                      </dgm:shape>
+                      <dgm:presOf axis="self"/>
+                      <dgm:constrLst>
+                        <dgm:constr type="begPad"/>
+                        <dgm:constr type="endPad"/>
+                      </dgm:constrLst>
+                      <dgm:ruleLst/>
+                    </dgm:layoutNode>
+                  </dgm:if>
+                  <dgm:else name="Name49">
+                    <dgm:layoutNode name="Name50">
+                      <dgm:choose name="Name51">
+                        <dgm:if name="Name52" axis="self" func="depth" op="lte" val="2">
+                          <dgm:choose name="Name53">
+                            <dgm:if name="Name54" axis="par ch" ptType="node asst" func="cnt" op="gte" val="1">
+                              <dgm:alg type="conn">
+                                <dgm:param type="connRout" val="bend"/>
+                                <dgm:param type="dim" val="1D"/>
+                                <dgm:param type="endSty" val="noArr"/>
+                                <dgm:param type="begPts" val="bCtr"/>
+                                <dgm:param type="endPts" val="midL midR"/>
+                              </dgm:alg>
+                            </dgm:if>
+                            <dgm:else name="Name55">
+                              <dgm:alg type="conn">
+                                <dgm:param type="connRout" val="bend"/>
+                                <dgm:param type="dim" val="1D"/>
+                                <dgm:param type="endSty" val="noArr"/>
+                                <dgm:param type="begPts" val="bCtr"/>
+                                <dgm:param type="endPts" val="midL midR"/>
+                                <dgm:param type="srcNode" val="rootConnector1"/>
+                              </dgm:alg>
+                            </dgm:else>
+                          </dgm:choose>
+                        </dgm:if>
+                        <dgm:else name="Name56">
+                          <dgm:choose name="Name57">
+                            <dgm:if name="Name58" axis="par ch" ptType="node asst" func="cnt" op="gte" val="1">
+                              <dgm:alg type="conn">
+                                <dgm:param type="connRout" val="bend"/>
+                                <dgm:param type="dim" val="1D"/>
+                                <dgm:param type="endSty" val="noArr"/>
+                                <dgm:param type="begPts" val="bCtr"/>
+                                <dgm:param type="endPts" val="midL midR"/>
+                              </dgm:alg>
+                            </dgm:if>
+                            <dgm:else name="Name59">
+                              <dgm:alg type="conn">
+                                <dgm:param type="connRout" val="bend"/>
+                                <dgm:param type="dim" val="1D"/>
+                                <dgm:param type="endSty" val="noArr"/>
+                                <dgm:param type="begPts" val="bCtr"/>
+                                <dgm:param type="endPts" val="midL midR"/>
+                                <dgm:param type="srcNode" val="rootConnector"/>
+                              </dgm:alg>
+                            </dgm:else>
+                          </dgm:choose>
+                        </dgm:else>
+                      </dgm:choose>
+                      <dgm:shape xmlns:r="http://schemas.openxmlformats.org/officeDocument/2006/relationships" type="conn" r:blip="" zOrderOff="-99999">
+                        <dgm:adjLst/>
+                      </dgm:shape>
+                      <dgm:presOf axis="self"/>
+                      <dgm:constrLst>
+                        <dgm:constr type="begPad"/>
+                        <dgm:constr type="endPad"/>
+                      </dgm:constrLst>
+                      <dgm:ruleLst/>
+                    </dgm:layoutNode>
+                  </dgm:else>
+                </dgm:choose>
+              </dgm:forEach>
+              <dgm:layoutNode name="hierRoot2">
+                <dgm:varLst>
+                  <dgm:hierBranch val="init"/>
+                </dgm:varLst>
+                <dgm:choose name="Name60">
+                  <dgm:if name="Name61" func="var" arg="hierBranch" op="equ" val="l">
+                    <dgm:choose name="Name62">
+                      <dgm:if name="Name63" axis="ch" ptType="asst" func="cnt" op="gte" val="1">
+                        <dgm:alg type="hierRoot">
+                          <dgm:param type="hierAlign" val="tR"/>
+                        </dgm:alg>
+                        <dgm:shape xmlns:r="http://schemas.openxmlformats.org/officeDocument/2006/relationships" r:blip="">
+                          <dgm:adjLst/>
+                        </dgm:shape>
+                        <dgm:presOf/>
+                        <dgm:constrLst>
+                          <dgm:constr type="alignOff" val="0.65"/>
+                        </dgm:constrLst>
+                      </dgm:if>
+                      <dgm:else name="Name64">
+                        <dgm:alg type="hierRoot">
+                          <dgm:param type="hierAlign" val="tR"/>
+                        </dgm:alg>
+                        <dgm:shape xmlns:r="http://schemas.openxmlformats.org/officeDocument/2006/relationships" r:blip="">
+                          <dgm:adjLst/>
+                        </dgm:shape>
+                        <dgm:presOf/>
+                        <dgm:constrLst>
+                          <dgm:constr type="alignOff" val="0.25"/>
+                        </dgm:constrLst>
+                      </dgm:else>
+                    </dgm:choose>
+                  </dgm:if>
+                  <dgm:if name="Name65" func="var" arg="hierBranch" op="equ" val="r">
+                    <dgm:choose name="Name66">
+                      <dgm:if name="Name67" axis="ch" ptType="asst" func="cnt" op="gte" val="1">
+                        <dgm:alg type="hierRoot">
+                          <dgm:param type="hierAlign" val="tL"/>
+                        </dgm:alg>
+                        <dgm:shape xmlns:r="http://schemas.openxmlformats.org/officeDocument/2006/relationships" r:blip="">
+                          <dgm:adjLst/>
+                        </dgm:shape>
+                        <dgm:presOf/>
+                        <dgm:constrLst>
+                          <dgm:constr type="alignOff" val="0.65"/>
+                        </dgm:constrLst>
+                      </dgm:if>
+                      <dgm:else name="Name68">
+                        <dgm:alg type="hierRoot">
+                          <dgm:param type="hierAlign" val="tL"/>
+                        </dgm:alg>
+                        <dgm:shape xmlns:r="http://schemas.openxmlformats.org/officeDocument/2006/relationships" r:blip="">
+                          <dgm:adjLst/>
+                        </dgm:shape>
+                        <dgm:presOf/>
+                        <dgm:constrLst>
+                          <dgm:constr type="alignOff" val="0.25"/>
+                        </dgm:constrLst>
+                      </dgm:else>
+                    </dgm:choose>
+                  </dgm:if>
+                  <dgm:if name="Name69" func="var" arg="hierBranch" op="equ" val="std">
+                    <dgm:alg type="hierRoot"/>
+                    <dgm:shape xmlns:r="http://schemas.openxmlformats.org/officeDocument/2006/relationships" r:blip="">
+                      <dgm:adjLst/>
+                    </dgm:shape>
+                    <dgm:presOf/>
+                    <dgm:constrLst>
+                      <dgm:constr type="alignOff"/>
+                      <dgm:constr type="bendDist" for="des" ptType="parTrans" refType="sp" fact="0.5"/>
+                    </dgm:constrLst>
+                  </dgm:if>
+                  <dgm:if name="Name70" func="var" arg="hierBranch" op="equ" val="init">
+                    <dgm:choose name="Name71">
+                      <dgm:if name="Name72" axis="des" func="maxDepth" op="lte" val="1">
+                        <dgm:choose name="Name73">
+                          <dgm:if name="Name74" axis="ch" ptType="asst" func="cnt" op="gte" val="1">
+                            <dgm:alg type="hierRoot">
+                              <dgm:param type="hierAlign" val="tL"/>
+                            </dgm:alg>
+                            <dgm:shape xmlns:r="http://schemas.openxmlformats.org/officeDocument/2006/relationships" r:blip="">
+                              <dgm:adjLst/>
+                            </dgm:shape>
+                            <dgm:presOf/>
+                            <dgm:constrLst>
+                              <dgm:constr type="alignOff" val="0.65"/>
+                            </dgm:constrLst>
+                          </dgm:if>
+                          <dgm:else name="Name75">
+                            <dgm:alg type="hierRoot">
+                              <dgm:param type="hierAlign" val="tL"/>
+                            </dgm:alg>
+                            <dgm:shape xmlns:r="http://schemas.openxmlformats.org/officeDocument/2006/relationships" r:blip="">
+                              <dgm:adjLst/>
+                            </dgm:shape>
+                            <dgm:presOf/>
+                            <dgm:constrLst>
+                              <dgm:constr type="alignOff" val="0.25"/>
+                            </dgm:constrLst>
+                          </dgm:else>
+                        </dgm:choose>
+                      </dgm:if>
+                      <dgm:else name="Name76">
+                        <dgm:alg type="hierRoot"/>
+                        <dgm:shape xmlns:r="http://schemas.openxmlformats.org/officeDocument/2006/relationships" r:blip="">
+                          <dgm:adjLst/>
+                        </dgm:shape>
+                        <dgm:presOf/>
+                        <dgm:constrLst>
+                          <dgm:constr type="alignOff"/>
+                          <dgm:constr type="bendDist" for="des" ptType="parTrans" refType="sp" fact="0.5"/>
+                        </dgm:constrLst>
+                      </dgm:else>
+                    </dgm:choose>
+                  </dgm:if>
+                  <dgm:else name="Name77">
+                    <dgm:alg type="hierRoot"/>
+                    <dgm:shape xmlns:r="http://schemas.openxmlformats.org/officeDocument/2006/relationships" r:blip="">
+                      <dgm:adjLst/>
+                    </dgm:shape>
+                    <dgm:presOf/>
+                    <dgm:constrLst>
+                      <dgm:constr type="alignOff" val="0.65"/>
+                    </dgm:constrLst>
+                  </dgm:else>
+                </dgm:choose>
+                <dgm:ruleLst/>
+                <dgm:layoutNode name="rootComposite">
+                  <dgm:alg type="composite"/>
+                  <dgm:shape xmlns:r="http://schemas.openxmlformats.org/officeDocument/2006/relationships" r:blip="">
+                    <dgm:adjLst/>
+                  </dgm:shape>
+                  <dgm:presOf axis="self" ptType="node" cnt="1"/>
+                  <dgm:choose name="Name78">
+                    <dgm:if name="Name79" func="var" arg="hierBranch" op="equ" val="init">
+                      <dgm:constrLst>
+                        <dgm:constr type="l" for="ch" forName="rootText"/>
+                        <dgm:constr type="t" for="ch" forName="rootText"/>
+                        <dgm:constr type="w" for="ch" forName="rootText" refType="w"/>
+                        <dgm:constr type="h" for="ch" forName="rootText" refType="h"/>
+                        <dgm:constr type="l" for="ch" forName="rootConnector"/>
+                        <dgm:constr type="t" for="ch" forName="rootConnector"/>
+                        <dgm:constr type="w" for="ch" forName="rootConnector" refType="w" refFor="ch" refForName="rootText" fact="0.2"/>
+                        <dgm:constr type="h" for="ch" forName="rootConnector" refType="h" refFor="ch" refForName="rootText"/>
+                      </dgm:constrLst>
+                    </dgm:if>
+                    <dgm:if name="Name80" func="var" arg="hierBranch" op="equ" val="l">
+                      <dgm:constrLst>
+                        <dgm:constr type="l" for="ch" forName="rootText"/>
+                        <dgm:constr type="t" for="ch" forName="rootText"/>
+                        <dgm:constr type="w" for="ch" forName="rootText" refType="w"/>
+                        <dgm:constr type="h" for="ch" forName="rootText" refType="h"/>
+                        <dgm:constr type="r" for="ch" forName="rootConnector" refType="w"/>
+                        <dgm:constr type="t" for="ch" forName="rootConnector"/>
+                        <dgm:constr type="w" for="ch" forName="rootConnector" refType="w" refFor="ch" refForName="rootText" fact="0.2"/>
+                        <dgm:constr type="h" for="ch" forName="rootConnector" refType="h" refFor="ch" refForName="rootText"/>
+                      </dgm:constrLst>
+                    </dgm:if>
+                    <dgm:if name="Name81" func="var" arg="hierBranch" op="equ" val="r">
+                      <dgm:constrLst>
+                        <dgm:constr type="l" for="ch" forName="rootText"/>
+                        <dgm:constr type="t" for="ch" forName="rootText"/>
+                        <dgm:constr type="w" for="ch" forName="rootText" refType="w"/>
+                        <dgm:constr type="h" for="ch" forName="rootText" refType="h"/>
+                        <dgm:constr type="l" for="ch" forName="rootConnector"/>
+                        <dgm:constr type="t" for="ch" forName="rootConnector"/>
+                        <dgm:constr type="w" for="ch" forName="rootConnector" refType="w" refFor="ch" refForName="rootText" fact="0.2"/>
+                        <dgm:constr type="h" for="ch" forName="rootConnector" refType="h" refFor="ch" refForName="rootText"/>
+                      </dgm:constrLst>
+                    </dgm:if>
+                    <dgm:else name="Name82">
+                      <dgm:constrLst>
+                        <dgm:constr type="l" for="ch" forName="rootText"/>
+                        <dgm:constr type="t" for="ch" forName="rootText"/>
+                        <dgm:constr type="w" for="ch" forName="rootText" refType="w"/>
+                        <dgm:constr type="h" for="ch" forName="rootText" refType="h"/>
+                        <dgm:constr type="r" for="ch" forName="rootConnector" refType="w"/>
+                        <dgm:constr type="t" for="ch" forName="rootConnector"/>
+                        <dgm:constr type="w" for="ch" forName="rootConnector" refType="w" refFor="ch" refForName="rootText" fact="0.2"/>
+                        <dgm:constr type="h" for="ch" forName="rootConnector" refType="h" refFor="ch" refForName="rootText"/>
+                      </dgm:constrLst>
+                    </dgm:else>
+                  </dgm:choose>
+                  <dgm:ruleLst/>
+                  <dgm:layoutNode name="rootText">
+                    <dgm:varLst>
+                      <dgm:chPref val="3"/>
+                    </dgm:varLst>
+                    <dgm:alg type="tx"/>
+                    <dgm:shape xmlns:r="http://schemas.openxmlformats.org/officeDocument/2006/relationships" type="rect" r:blip="">
+                      <dgm:adjLst/>
+                    </dgm:shape>
+                    <dgm:presOf axis="self" ptType="node" cnt="1"/>
+                    <dgm:constrLst>
+                      <dgm:constr type="primFontSz" val="65"/>
+                      <dgm:constr type="lMarg" refType="primFontSz" fact="0.05"/>
+                      <dgm:constr type="rMarg" refType="primFontSz" fact="0.05"/>
+                      <dgm:constr type="tMarg" refType="primFontSz" fact="0.05"/>
+                      <dgm:constr type="bMarg" refType="primFontSz" fact="0.05"/>
+                    </dgm:constrLst>
+                    <dgm:ruleLst>
+                      <dgm:rule type="primFontSz" val="5" fact="NaN" max="NaN"/>
+                    </dgm:ruleLst>
+                  </dgm:layoutNode>
+                  <dgm:layoutNode name="rootConnector" moveWith="rootText">
+                    <dgm:alg type="sp"/>
+                    <dgm:shape xmlns:r="http://schemas.openxmlformats.org/officeDocument/2006/relationships" type="rect" r:blip="" hideGeom="1">
+                      <dgm:adjLst/>
+                    </dgm:shape>
+                    <dgm:presOf axis="self" ptType="node" cnt="1"/>
+                    <dgm:constrLst/>
+                    <dgm:ruleLst/>
+                  </dgm:layoutNode>
+                </dgm:layoutNode>
+                <dgm:layoutNode name="hierChild4">
+                  <dgm:choose name="Name83">
+                    <dgm:if name="Name84" func="var" arg="hierBranch" op="equ" val="l">
+                      <dgm:alg type="hierChild">
+                        <dgm:param type="chAlign" val="r"/>
+                        <dgm:param type="linDir" val="fromT"/>
+                      </dgm:alg>
+                    </dgm:if>
+                    <dgm:if name="Name85" func="var" arg="hierBranch" op="equ" val="r">
+                      <dgm:alg type="hierChild">
+                        <dgm:param type="chAlign" val="l"/>
+                        <dgm:param type="linDir" val="fromT"/>
+                      </dgm:alg>
+                    </dgm:if>
+                    <dgm:if name="Name86" func="var" arg="hierBranch" op="equ" val="hang">
+                      <dgm:choose name="Name87">
+                        <dgm:if name="Name88" func="var" arg="dir" op="equ" val="norm">
+                          <dgm:alg type="hierChild">
+                            <dgm:param type="chAlign" val="l"/>
+                            <dgm:param type="linDir" val="fromL"/>
+                            <dgm:param type="secChAlign" val="t"/>
+                            <dgm:param type="secLinDir" val="fromT"/>
+                          </dgm:alg>
+                        </dgm:if>
+                        <dgm:else name="Name89">
+                          <dgm:alg type="hierChild">
+                            <dgm:param type="chAlign" val="l"/>
+                            <dgm:param type="linDir" val="fromR"/>
+                            <dgm:param type="secChAlign" val="t"/>
+                            <dgm:param type="secLinDir" val="fromT"/>
+                          </dgm:alg>
+                        </dgm:else>
+                      </dgm:choose>
+                    </dgm:if>
+                    <dgm:if name="Name90" func="var" arg="hierBranch" op="equ" val="std">
+                      <dgm:choose name="Name91">
+                        <dgm:if name="Name92" func="var" arg="dir" op="equ" val="norm">
+                          <dgm:alg type="hierChild"/>
+                        </dgm:if>
+                        <dgm:else name="Name93">
+                          <dgm:alg type="hierChild">
+                            <dgm:param type="linDir" val="fromR"/>
+                          </dgm:alg>
+                        </dgm:else>
+                      </dgm:choose>
+                    </dgm:if>
+                    <dgm:if name="Name94" func="var" arg="hierBranch" op="equ" val="init">
+                      <dgm:choose name="Name95">
+                        <dgm:if name="Name96" axis="des" func="maxDepth" op="lte" val="1">
+                          <dgm:alg type="hierChild">
+                            <dgm:param type="chAlign" val="l"/>
+                            <dgm:param type="linDir" val="fromT"/>
+                          </dgm:alg>
+                        </dgm:if>
+                        <dgm:else name="Name97">
+                          <dgm:choose name="Name98">
+                            <dgm:if name="Name99" func="var" arg="dir" op="equ" val="norm">
+                              <dgm:alg type="hierChild"/>
+                            </dgm:if>
+                            <dgm:else name="Name100">
+                              <dgm:alg type="hierChild">
+                                <dgm:param type="linDir" val="fromR"/>
+                              </dgm:alg>
+                            </dgm:else>
+                          </dgm:choose>
+                        </dgm:else>
+                      </dgm:choose>
+                    </dgm:if>
+                    <dgm:else name="Name101"/>
+                  </dgm:choose>
+                  <dgm:shape xmlns:r="http://schemas.openxmlformats.org/officeDocument/2006/relationships" r:blip="">
+                    <dgm:adjLst/>
+                  </dgm:shape>
+                  <dgm:presOf/>
+                  <dgm:constrLst/>
+                  <dgm:ruleLst/>
+                  <dgm:forEach name="Name102" ref="rep2a"/>
+                </dgm:layoutNode>
+                <dgm:layoutNode name="hierChild5">
+                  <dgm:choose name="Name103">
+                    <dgm:if name="Name104" func="var" arg="dir" op="equ" val="norm">
+                      <dgm:alg type="hierChild">
+                        <dgm:param type="chAlign" val="l"/>
+                        <dgm:param type="linDir" val="fromL"/>
+                        <dgm:param type="secChAlign" val="t"/>
+                        <dgm:param type="secLinDir" val="fromT"/>
+                      </dgm:alg>
+                    </dgm:if>
+                    <dgm:else name="Name105">
+                      <dgm:alg type="hierChild">
+                        <dgm:param type="chAlign" val="l"/>
+                        <dgm:param type="linDir" val="fromR"/>
+                        <dgm:param type="secChAlign" val="t"/>
+                        <dgm:param type="secLinDir" val="fromT"/>
+                      </dgm:alg>
+                    </dgm:else>
+                  </dgm:choose>
+                  <dgm:shape xmlns:r="http://schemas.openxmlformats.org/officeDocument/2006/relationships" r:blip="">
+                    <dgm:adjLst/>
+                  </dgm:shape>
+                  <dgm:presOf/>
+                  <dgm:constrLst/>
+                  <dgm:ruleLst/>
+                  <dgm:forEach name="Name106" ref="rep2b"/>
+                </dgm:layoutNode>
+              </dgm:layoutNode>
+            </dgm:forEach>
+          </dgm:layoutNode>
+          <dgm:layoutNode name="hierChild3">
+            <dgm:choose name="Name107">
+              <dgm:if name="Name108" func="var" arg="dir" op="equ" val="norm">
+                <dgm:alg type="hierChild">
+                  <dgm:param type="chAlign" val="l"/>
+                  <dgm:param type="linDir" val="fromL"/>
+                  <dgm:param type="secChAlign" val="t"/>
+                  <dgm:param type="secLinDir" val="fromT"/>
+                </dgm:alg>
+              </dgm:if>
+              <dgm:else name="Name109">
+                <dgm:alg type="hierChild">
+                  <dgm:param type="chAlign" val="l"/>
+                  <dgm:param type="linDir" val="fromR"/>
+                  <dgm:param type="secChAlign" val="t"/>
+                  <dgm:param type="secLinDir" val="fromT"/>
+                </dgm:alg>
+              </dgm:else>
+            </dgm:choose>
+            <dgm:shape xmlns:r="http://schemas.openxmlformats.org/officeDocument/2006/relationships" r:blip="">
+              <dgm:adjLst/>
+            </dgm:shape>
+            <dgm:presOf/>
+            <dgm:constrLst/>
+            <dgm:ruleLst/>
+            <dgm:forEach name="rep2b" axis="ch" ptType="asst">
+              <dgm:forEach name="Name110" axis="precedSib" ptType="parTrans" st="-1" cnt="1">
+                <dgm:layoutNode name="Name111">
+                  <dgm:alg type="conn">
+                    <dgm:param type="connRout" val="bend"/>
+                    <dgm:param type="dim" val="1D"/>
+                    <dgm:param type="endSty" val="noArr"/>
+                    <dgm:param type="begPts" val="bCtr"/>
+                    <dgm:param type="endPts" val="midL midR"/>
+                  </dgm:alg>
+                  <dgm:shape xmlns:r="http://schemas.openxmlformats.org/officeDocument/2006/relationships" type="conn" r:blip="" zOrderOff="-99999">
+                    <dgm:adjLst/>
+                  </dgm:shape>
+                  <dgm:presOf axis="self"/>
+                  <dgm:constrLst>
+                    <dgm:constr type="begPad"/>
+                    <dgm:constr type="endPad"/>
+                  </dgm:constrLst>
+                  <dgm:ruleLst/>
+                </dgm:layoutNode>
+              </dgm:forEach>
+              <dgm:layoutNode name="hierRoot3">
+                <dgm:varLst>
+                  <dgm:hierBranch val="init"/>
+                </dgm:varLst>
+                <dgm:choose name="Name112">
+                  <dgm:if name="Name113" func="var" arg="hierBranch" op="equ" val="l">
+                    <dgm:alg type="hierRoot">
+                      <dgm:param type="hierAlign" val="tR"/>
+                    </dgm:alg>
+                    <dgm:shape xmlns:r="http://schemas.openxmlformats.org/officeDocument/2006/relationships" r:blip="">
+                      <dgm:adjLst/>
+                    </dgm:shape>
+                    <dgm:presOf/>
+                    <dgm:constrLst>
+                      <dgm:constr type="alignOff" val="0.65"/>
+                    </dgm:constrLst>
+                  </dgm:if>
+                  <dgm:if name="Name114" func="var" arg="hierBranch" op="equ" val="r">
+                    <dgm:alg type="hierRoot">
+                      <dgm:param type="hierAlign" val="tL"/>
+                    </dgm:alg>
+                    <dgm:shape xmlns:r="http://schemas.openxmlformats.org/officeDocument/2006/relationships" r:blip="">
+                      <dgm:adjLst/>
+                    </dgm:shape>
+                    <dgm:presOf/>
+                    <dgm:constrLst>
+                      <dgm:constr type="alignOff" val="0.65"/>
+                    </dgm:constrLst>
+                  </dgm:if>
+                  <dgm:if name="Name115" func="var" arg="hierBranch" op="equ" val="hang">
+                    <dgm:alg type="hierRoot"/>
+                    <dgm:shape xmlns:r="http://schemas.openxmlformats.org/officeDocument/2006/relationships" r:blip="">
+                      <dgm:adjLst/>
+                    </dgm:shape>
+                    <dgm:presOf/>
+                    <dgm:constrLst>
+                      <dgm:constr type="alignOff" val="0.65"/>
+                    </dgm:constrLst>
+                  </dgm:if>
+                  <dgm:if name="Name116" func="var" arg="hierBranch" op="equ" val="std">
+                    <dgm:alg type="hierRoot"/>
+                    <dgm:shape xmlns:r="http://schemas.openxmlformats.org/officeDocument/2006/relationships" r:blip="">
+                      <dgm:adjLst/>
+                    </dgm:shape>
+                    <dgm:presOf/>
+                    <dgm:constrLst>
+                      <dgm:constr type="alignOff"/>
+                      <dgm:constr type="bendDist" for="des" ptType="parTrans" refType="sp" fact="0.5"/>
+                    </dgm:constrLst>
+                  </dgm:if>
+                  <dgm:if name="Name117" func="var" arg="hierBranch" op="equ" val="init">
+                    <dgm:choose name="Name118">
+                      <dgm:if name="Name119" axis="des" func="maxDepth" op="lte" val="1">
+                        <dgm:alg type="hierRoot">
+                          <dgm:param type="hierAlign" val="tL"/>
+                        </dgm:alg>
+                        <dgm:shape xmlns:r="http://schemas.openxmlformats.org/officeDocument/2006/relationships" r:blip="">
+                          <dgm:adjLst/>
+                        </dgm:shape>
+                        <dgm:presOf/>
+                        <dgm:constrLst>
+                          <dgm:constr type="alignOff" val="0.65"/>
+                        </dgm:constrLst>
+                      </dgm:if>
+                      <dgm:else name="Name120">
+                        <dgm:alg type="hierRoot"/>
+                        <dgm:shape xmlns:r="http://schemas.openxmlformats.org/officeDocument/2006/relationships" r:blip="">
+                          <dgm:adjLst/>
+                        </dgm:shape>
+                        <dgm:presOf/>
+                        <dgm:constrLst>
+                          <dgm:constr type="alignOff"/>
+                          <dgm:constr type="bendDist" for="des" ptType="parTrans" refType="sp" fact="0.5"/>
+                        </dgm:constrLst>
+                      </dgm:else>
+                    </dgm:choose>
+                  </dgm:if>
+                  <dgm:else name="Name121"/>
+                </dgm:choose>
+                <dgm:ruleLst/>
+                <dgm:layoutNode name="rootComposite3">
+                  <dgm:alg type="composite"/>
+                  <dgm:shape xmlns:r="http://schemas.openxmlformats.org/officeDocument/2006/relationships" r:blip="">
+                    <dgm:adjLst/>
+                  </dgm:shape>
+                  <dgm:presOf axis="self" ptType="node" cnt="1"/>
+                  <dgm:choose name="Name122">
+                    <dgm:if name="Name123" func="var" arg="hierBranch" op="equ" val="init">
+                      <dgm:constrLst>
+                        <dgm:constr type="l" for="ch" forName="rootText3"/>
+                        <dgm:constr type="t" for="ch" forName="rootText3"/>
+                        <dgm:constr type="w" for="ch" forName="rootText3" refType="w"/>
+                        <dgm:constr type="h" for="ch" forName="rootText3" refType="h"/>
+                        <dgm:constr type="l" for="ch" forName="rootConnector3"/>
+                        <dgm:constr type="t" for="ch" forName="rootConnector3"/>
+                        <dgm:constr type="w" for="ch" forName="rootConnector3" refType="w" refFor="ch" refForName="rootText3" fact="0.2"/>
+                        <dgm:constr type="h" for="ch" forName="rootConnector3" refType="h" refFor="ch" refForName="rootText3"/>
+                      </dgm:constrLst>
+                    </dgm:if>
+                    <dgm:if name="Name124" func="var" arg="hierBranch" op="equ" val="l">
+                      <dgm:constrLst>
+                        <dgm:constr type="l" for="ch" forName="rootText3"/>
+                        <dgm:constr type="t" for="ch" forName="rootText3"/>
+                        <dgm:constr type="w" for="ch" forName="rootText3" refType="w"/>
+                        <dgm:constr type="h" for="ch" forName="rootText3" refType="h"/>
+                        <dgm:constr type="r" for="ch" forName="rootConnector3" refType="w"/>
+                        <dgm:constr type="t" for="ch" forName="rootConnector3"/>
+                        <dgm:constr type="w" for="ch" forName="rootConnector3" refType="w" refFor="ch" refForName="rootText3" fact="0.2"/>
+                        <dgm:constr type="h" for="ch" forName="rootConnector3" refType="h" refFor="ch" refForName="rootText3"/>
+                      </dgm:constrLst>
+                    </dgm:if>
+                    <dgm:if name="Name125" func="var" arg="hierBranch" op="equ" val="r">
+                      <dgm:constrLst>
+                        <dgm:constr type="l" for="ch" forName="rootText3"/>
+                        <dgm:constr type="t" for="ch" forName="rootText3"/>
+                        <dgm:constr type="w" for="ch" forName="rootText3" refType="w"/>
+                        <dgm:constr type="h" for="ch" forName="rootText3" refType="h"/>
+                        <dgm:constr type="l" for="ch" forName="rootConnector3"/>
+                        <dgm:constr type="t" for="ch" forName="rootConnector3"/>
+                        <dgm:constr type="w" for="ch" forName="rootConnector3" refType="w" refFor="ch" refForName="rootText3" fact="0.2"/>
+                        <dgm:constr type="h" for="ch" forName="rootConnector3" refType="h" refFor="ch" refForName="rootText3"/>
+                      </dgm:constrLst>
+                    </dgm:if>
+                    <dgm:else name="Name126">
+                      <dgm:constrLst>
+                        <dgm:constr type="l" for="ch" forName="rootText3"/>
+                        <dgm:constr type="t" for="ch" forName="rootText3"/>
+                        <dgm:constr type="w" for="ch" forName="rootText3" refType="w"/>
+                        <dgm:constr type="h" for="ch" forName="rootText3" refType="h"/>
+                        <dgm:constr type="r" for="ch" forName="rootConnector3" refType="w"/>
+                        <dgm:constr type="t" for="ch" forName="rootConnector3"/>
+                        <dgm:constr type="w" for="ch" forName="rootConnector3" refType="w" refFor="ch" refForName="rootText3" fact="0.2"/>
+                        <dgm:constr type="h" for="ch" forName="rootConnector3" refType="h" refFor="ch" refForName="rootText3"/>
+                      </dgm:constrLst>
+                    </dgm:else>
+                  </dgm:choose>
+                  <dgm:ruleLst/>
+                  <dgm:layoutNode name="rootText3">
+                    <dgm:varLst>
+                      <dgm:chPref val="3"/>
+                    </dgm:varLst>
+                    <dgm:alg type="tx"/>
+                    <dgm:shape xmlns:r="http://schemas.openxmlformats.org/officeDocument/2006/relationships" type="rect" r:blip="">
+                      <dgm:adjLst/>
+                    </dgm:shape>
+                    <dgm:presOf axis="self" ptType="node" cnt="1"/>
+                    <dgm:constrLst>
+                      <dgm:constr type="primFontSz" val="65"/>
+                      <dgm:constr type="lMarg" refType="primFontSz" fact="0.05"/>
+                      <dgm:constr type="rMarg" refType="primFontSz" fact="0.05"/>
+                      <dgm:constr type="tMarg" refType="primFontSz" fact="0.05"/>
+                      <dgm:constr type="bMarg" refType="primFontSz" fact="0.05"/>
+                    </dgm:constrLst>
+                    <dgm:ruleLst>
+                      <dgm:rule type="primFontSz" val="5" fact="NaN" max="NaN"/>
+                    </dgm:ruleLst>
+                  </dgm:layoutNode>
+                  <dgm:layoutNode name="rootConnector3" moveWith="rootText1">
+                    <dgm:alg type="sp"/>
+                    <dgm:shape xmlns:r="http://schemas.openxmlformats.org/officeDocument/2006/relationships" type="rect" r:blip="" hideGeom="1">
+                      <dgm:adjLst/>
+                    </dgm:shape>
+                    <dgm:presOf axis="self" ptType="node" cnt="1"/>
+                    <dgm:constrLst/>
+                    <dgm:ruleLst/>
+                  </dgm:layoutNode>
+                </dgm:layoutNode>
+                <dgm:layoutNode name="hierChild6">
+                  <dgm:choose name="Name127">
+                    <dgm:if name="Name128" func="var" arg="hierBranch" op="equ" val="l">
+                      <dgm:alg type="hierChild">
+                        <dgm:param type="chAlign" val="r"/>
+                        <dgm:param type="linDir" val="fromT"/>
+                      </dgm:alg>
+                    </dgm:if>
+                    <dgm:if name="Name129" func="var" arg="hierBranch" op="equ" val="r">
+                      <dgm:alg type="hierChild">
+                        <dgm:param type="chAlign" val="l"/>
+                        <dgm:param type="linDir" val="fromT"/>
+                      </dgm:alg>
+                    </dgm:if>
+                    <dgm:if name="Name130" func="var" arg="hierBranch" op="equ" val="hang">
+                      <dgm:choose name="Name131">
+                        <dgm:if name="Name132" func="var" arg="dir" op="equ" val="norm">
+                          <dgm:alg type="hierChild">
+                            <dgm:param type="chAlign" val="l"/>
+                            <dgm:param type="linDir" val="fromL"/>
+                            <dgm:param type="secChAlign" val="t"/>
+                            <dgm:param type="secLinDir" val="fromT"/>
+                          </dgm:alg>
+                        </dgm:if>
+                        <dgm:else name="Name133">
+                          <dgm:alg type="hierChild">
+                            <dgm:param type="chAlign" val="l"/>
+                            <dgm:param type="linDir" val="fromR"/>
+                            <dgm:param type="secChAlign" val="t"/>
+                            <dgm:param type="secLinDir" val="fromT"/>
+                          </dgm:alg>
+                        </dgm:else>
+                      </dgm:choose>
+                    </dgm:if>
+                    <dgm:if name="Name134" func="var" arg="hierBranch" op="equ" val="std">
+                      <dgm:choose name="Name135">
+                        <dgm:if name="Name136" func="var" arg="dir" op="equ" val="norm">
+                          <dgm:alg type="hierChild"/>
+                        </dgm:if>
+                        <dgm:else name="Name137">
+                          <dgm:alg type="hierChild">
+                            <dgm:param type="linDir" val="fromR"/>
+                          </dgm:alg>
+                        </dgm:else>
+                      </dgm:choose>
+                    </dgm:if>
+                    <dgm:if name="Name138" func="var" arg="hierBranch" op="equ" val="init">
+                      <dgm:choose name="Name139">
+                        <dgm:if name="Name140" axis="des" func="maxDepth" op="lte" val="1">
+                          <dgm:alg type="hierChild">
+                            <dgm:param type="chAlign" val="l"/>
+                            <dgm:param type="linDir" val="fromT"/>
+                          </dgm:alg>
+                        </dgm:if>
+                        <dgm:else name="Name141">
+                          <dgm:alg type="hierChild"/>
+                        </dgm:else>
+                      </dgm:choose>
+                    </dgm:if>
+                    <dgm:else name="Name142"/>
+                  </dgm:choose>
+                  <dgm:shape xmlns:r="http://schemas.openxmlformats.org/officeDocument/2006/relationships" r:blip="">
+                    <dgm:adjLst/>
+                  </dgm:shape>
+                  <dgm:presOf/>
+                  <dgm:constrLst/>
+                  <dgm:ruleLst/>
+                  <dgm:forEach name="Name143" ref="rep2a"/>
+                </dgm:layoutNode>
+                <dgm:layoutNode name="hierChild7">
+                  <dgm:choose name="Name144">
+                    <dgm:if name="Name145" func="var" arg="dir" op="equ" val="norm">
+                      <dgm:alg type="hierChild">
+                        <dgm:param type="chAlign" val="l"/>
+                        <dgm:param type="linDir" val="fromL"/>
+                        <dgm:param type="secChAlign" val="t"/>
+                        <dgm:param type="secLinDir" val="fromT"/>
+                      </dgm:alg>
+                    </dgm:if>
+                    <dgm:else name="Name146">
+                      <dgm:alg type="hierChild">
+                        <dgm:param type="chAlign" val="l"/>
+                        <dgm:param type="linDir" val="fromR"/>
+                        <dgm:param type="secChAlign" val="t"/>
+                        <dgm:param type="secLinDir" val="fromT"/>
+                      </dgm:alg>
+                    </dgm:else>
+                  </dgm:choose>
+                  <dgm:shape xmlns:r="http://schemas.openxmlformats.org/officeDocument/2006/relationships" r:blip="">
+                    <dgm:adjLst/>
+                  </dgm:shape>
+                  <dgm:presOf/>
+                  <dgm:constrLst/>
+                  <dgm:ruleLst/>
+                  <dgm:forEach name="Name147" ref="rep2b"/>
+                </dgm:layoutNode>
+              </dgm:layoutNode>
+            </dgm:forEach>
+          </dgm:layoutNode>
+        </dgm:layoutNode>
+      </dgm:forEach>
+    </dgm:forEach>
+  </dgm:layoutNode>
+</dgm:layoutDef>
+</file>
+
+<file path=ppt/diagrams/quickStyle1.xml><?xml version="1.0" encoding="utf-8"?>
+<dgm:styleDef xmlns:dgm="http://schemas.openxmlformats.org/drawingml/2006/diagram" xmlns:a="http://schemas.openxmlformats.org/drawingml/2006/main" uniqueId="urn:microsoft.com/office/officeart/2005/8/quickstyle/simple1">
+  <dgm:title val=""/>
+  <dgm:desc val=""/>
+  <dgm:catLst>
+    <dgm:cat type="simple" pri="10100"/>
+  </dgm:catLst>
+  <dgm:scene3d>
+    <a:camera prst="orthographicFront"/>
+    <a:lightRig rig="threePt" dir="t"/>
+  </dgm:scene3d>
+  <dgm:styleLbl name="node0">
+    <dgm:scene3d>
+      <a:camera prst="orthographicFront"/>
+      <a:lightRig rig="threePt" dir="t"/>
+    </dgm:scene3d>
+    <dgm:sp3d/>
+    <dgm:txPr/>
+    <dgm:style>
+      <a:lnRef idx="2">
+        <a:scrgbClr r="0" g="0" b="0"/>
+      </a:lnRef>
+      <a:fillRef idx="1">
+        <a:scrgbClr r="0" g="0" b="0"/>
+      </a:fillRef>
+      <a:effectRef idx="0">
+        <a:scrgbClr r="0" g="0" b="0"/>
+      </a:effectRef>
+      <a:fontRef idx="minor">
+        <a:schemeClr val="lt1"/>
+      </a:fontRef>
+    </dgm:style>
+  </dgm:styleLbl>
+  <dgm:styleLbl name="lnNode1">
+    <dgm:scene3d>
+      <a:camera prst="orthographicFront"/>
+      <a:lightRig rig="threePt" dir="t"/>
+    </dgm:scene3d>
+    <dgm:sp3d/>
+    <dgm:txPr/>
+    <dgm:style>
+      <a:lnRef idx="2">
+        <a:scrgbClr r="0" g="0" b="0"/>
+      </a:lnRef>
+      <a:fillRef idx="1">
+        <a:scrgbClr r="0" g="0" b="0"/>
+      </a:fillRef>
+      <a:effectRef idx="0">
+        <a:scrgbClr r="0" g="0" b="0"/>
+      </a:effectRef>
+      <a:fontRef idx="minor">
+        <a:schemeClr val="lt1"/>
+      </a:fontRef>
+    </dgm:style>
+  </dgm:styleLbl>
+  <dgm:styleLbl name="vennNode1">
+    <dgm:scene3d>
+      <a:camera prst="orthographicFront"/>
+      <a:lightRig rig="threePt" dir="t"/>
+    </dgm:scene3d>
+    <dgm:sp3d/>
+    <dgm:txPr/>
+    <dgm:style>
+      <a:lnRef idx="2">
+        <a:scrgbClr r="0" g="0" b="0"/>
+      </a:lnRef>
+      <a:fillRef idx="1">
+        <a:scrgbClr r="0" g="0" b="0"/>
+      </a:fillRef>
+      <a:effectRef idx="0">
+        <a:scrgbClr r="0" g="0" b="0"/>
+      </a:effectRef>
+      <a:fontRef idx="minor">
+        <a:schemeClr val="tx1"/>
+      </a:fontRef>
+    </dgm:style>
+  </dgm:styleLbl>
+  <dgm:styleLbl name="alignNode1">
+    <dgm:scene3d>
+      <a:camera prst="orthographicFront"/>
+      <a:lightRig rig="threePt" dir="t"/>
+    </dgm:scene3d>
+    <dgm:sp3d/>
+    <dgm:txPr/>
+    <dgm:style>
+      <a:lnRef idx="2">
+        <a:scrgbClr r="0" g="0" b="0"/>
+      </a:lnRef>
+      <a:fillRef idx="1">
+        <a:scrgbClr r="0" g="0" b="0"/>
+      </a:fillRef>
+      <a:effectRef idx="0">
+        <a:scrgbClr r="0" g="0" b="0"/>
+      </a:effectRef>
+      <a:fontRef idx="minor">
+        <a:schemeClr val="lt1"/>
+      </a:fontRef>
+    </dgm:style>
+  </dgm:styleLbl>
+  <dgm:styleLbl name="node1">
+    <dgm:scene3d>
+      <a:camera prst="orthographicFront"/>
+      <a:lightRig rig="threePt" dir="t"/>
+    </dgm:scene3d>
+    <dgm:sp3d/>
+    <dgm:txPr/>
+    <dgm:style>
+      <a:lnRef idx="2">
+        <a:scrgbClr r="0" g="0" b="0"/>
+      </a:lnRef>
+      <a:fillRef idx="1">
+        <a:scrgbClr r="0" g="0" b="0"/>
+      </a:fillRef>
+      <a:effectRef idx="0">
+        <a:scrgbClr r="0" g="0" b="0"/>
+      </a:effectRef>
+      <a:fontRef idx="minor">
+        <a:schemeClr val="lt1"/>
+      </a:fontRef>
+    </dgm:style>
+  </dgm:styleLbl>
+  <dgm:styleLbl name="node2">
+    <dgm:scene3d>
+      <a:camera prst="orthographicFront"/>
+      <a:lightRig rig="threePt" dir="t"/>
+    </dgm:scene3d>
+    <dgm:sp3d/>
+    <dgm:txPr/>
+    <dgm:style>
+      <a:lnRef idx="2">
+        <a:scrgbClr r="0" g="0" b="0"/>
+      </a:lnRef>
+      <a:fillRef idx="1">
+        <a:scrgbClr r="0" g="0" b="0"/>
+      </a:fillRef>
+      <a:effectRef idx="0">
+        <a:scrgbClr r="0" g="0" b="0"/>
+      </a:effectRef>
+      <a:fontRef idx="minor">
+        <a:schemeClr val="lt1"/>
+      </a:fontRef>
+    </dgm:style>
+  </dgm:styleLbl>
+  <dgm:styleLbl name="node3">
+    <dgm:scene3d>
+      <a:camera prst="orthographicFront"/>
+      <a:lightRig rig="threePt" dir="t"/>
+    </dgm:scene3d>
+    <dgm:sp3d/>
+    <dgm:txPr/>
+    <dgm:style>
+      <a:lnRef idx="2">
+        <a:scrgbClr r="0" g="0" b="0"/>
+      </a:lnRef>
+      <a:fillRef idx="1">
+        <a:scrgbClr r="0" g="0" b="0"/>
+      </a:fillRef>
+      <a:effectRef idx="0">
+        <a:scrgbClr r="0" g="0" b="0"/>
+      </a:effectRef>
+      <a:fontRef idx="minor">
+        <a:schemeClr val="lt1"/>
+      </a:fontRef>
+    </dgm:style>
+  </dgm:styleLbl>
+  <dgm:styleLbl name="node4">
+    <dgm:scene3d>
+      <a:camera prst="orthographicFront"/>
+      <a:lightRig rig="threePt" dir="t"/>
+    </dgm:scene3d>
+    <dgm:sp3d/>
+    <dgm:txPr/>
+    <dgm:style>
+      <a:lnRef idx="2">
+        <a:scrgbClr r="0" g="0" b="0"/>
+      </a:lnRef>
+      <a:fillRef idx="1">
+        <a:scrgbClr r="0" g="0" b="0"/>
+      </a:fillRef>
+      <a:effectRef idx="0">
+        <a:scrgbClr r="0" g="0" b="0"/>
+      </a:effectRef>
+      <a:fontRef idx="minor">
+        <a:schemeClr val="lt1"/>
+      </a:fontRef>
+    </dgm:style>
+  </dgm:styleLbl>
+  <dgm:styleLbl name="fgImgPlace1">
+    <dgm:scene3d>
+      <a:camera prst="orthographicFront"/>
+      <a:lightRig rig="threePt" dir="t"/>
+    </dgm:scene3d>
+    <dgm:sp3d/>
+    <dgm:txPr/>
+    <dgm:style>
+      <a:lnRef idx="2">
+        <a:scrgbClr r="0" g="0" b="0"/>
+      </a:lnRef>
+      <a:fillRef idx="1">
+        <a:scrgbClr r="0" g="0" b="0"/>
+      </a:fillRef>
+      <a:effectRef idx="0">
+        <a:scrgbClr r="0" g="0" b="0"/>
+      </a:effectRef>
+      <a:fontRef idx="minor"/>
+    </dgm:style>
+  </dgm:styleLbl>
+  <dgm:styleLbl name="alignImgPlace1">
+    <dgm:scene3d>
+      <a:camera prst="orthographicFront"/>
+      <a:lightRig rig="threePt" dir="t"/>
+    </dgm:scene3d>
+    <dgm:sp3d/>
+    <dgm:txPr/>
+    <dgm:style>
+      <a:lnRef idx="2">
+        <a:scrgbClr r="0" g="0" b="0"/>
+      </a:lnRef>
+      <a:fillRef idx="1">
+        <a:scrgbClr r="0" g="0" b="0"/>
+      </a:fillRef>
+      <a:effectRef idx="0">
+        <a:scrgbClr r="0" g="0" b="0"/>
+      </a:effectRef>
+      <a:fontRef idx="minor"/>
+    </dgm:style>
+  </dgm:styleLbl>
+  <dgm:styleLbl name="bgImgPlace1">
+    <dgm:scene3d>
+      <a:camera prst="orthographicFront"/>
+      <a:lightRig rig="threePt" dir="t"/>
+    </dgm:scene3d>
+    <dgm:sp3d/>
+    <dgm:txPr/>
+    <dgm:style>
+      <a:lnRef idx="2">
+        <a:scrgbClr r="0" g="0" b="0"/>
+      </a:lnRef>
+      <a:fillRef idx="1">
+        <a:scrgbClr r="0" g="0" b="0"/>
+      </a:fillRef>
+      <a:effectRef idx="0">
+        <a:scrgbClr r="0" g="0" b="0"/>
+      </a:effectRef>
+      <a:fontRef idx="minor"/>
+    </dgm:style>
+  </dgm:styleLbl>
+  <dgm:styleLbl name="sibTrans2D1">
+    <dgm:scene3d>
+      <a:camera prst="orthographicFront"/>
+      <a:lightRig rig="threePt" dir="t"/>
+    </dgm:scene3d>
+    <dgm:sp3d/>
+    <dgm:txPr/>
+    <dgm:style>
+      <a:lnRef idx="0">
+        <a:scrgbClr r="0" g="0" b="0"/>
+      </a:lnRef>
+      <a:fillRef idx="1">
+        <a:scrgbClr r="0" g="0" b="0"/>
+      </a:fillRef>
+      <a:effectRef idx="0">
+        <a:scrgbClr r="0" g="0" b="0"/>
+      </a:effectRef>
+      <a:fontRef idx="minor">
+        <a:schemeClr val="lt1"/>
+      </a:fontRef>
+    </dgm:style>
+  </dgm:styleLbl>
+  <dgm:styleLbl name="fgSibTrans2D1">
+    <dgm:scene3d>
+      <a:camera prst="orthographicFront"/>
+      <a:lightRig rig="threePt" dir="t"/>
+    </dgm:scene3d>
+    <dgm:sp3d/>
+    <dgm:txPr/>
+    <dgm:style>
+      <a:lnRef idx="0">
+        <a:scrgbClr r="0" g="0" b="0"/>
+      </a:lnRef>
+      <a:fillRef idx="1">
+        <a:scrgbClr r="0" g="0" b="0"/>
+      </a:fillRef>
+      <a:effectRef idx="0">
+        <a:scrgbClr r="0" g="0" b="0"/>
+      </a:effectRef>
+      <a:fontRef idx="minor">
+        <a:schemeClr val="lt1"/>
+      </a:fontRef>
+    </dgm:style>
+  </dgm:styleLbl>
+  <dgm:styleLbl name="bgSibTrans2D1">
+    <dgm:scene3d>
+      <a:camera prst="orthographicFront"/>
+      <a:lightRig rig="threePt" dir="t"/>
+    </dgm:scene3d>
+    <dgm:sp3d/>
+    <dgm:txPr/>
+    <dgm:style>
+      <a:lnRef idx="0">
+        <a:scrgbClr r="0" g="0" b="0"/>
+      </a:lnRef>
+      <a:fillRef idx="1">
+        <a:scrgbClr r="0" g="0" b="0"/>
+      </a:fillRef>
+      <a:effectRef idx="0">
+        <a:scrgbClr r="0" g="0" b="0"/>
+      </a:effectRef>
+      <a:fontRef idx="minor">
+        <a:schemeClr val="lt1"/>
+      </a:fontRef>
+    </dgm:style>
+  </dgm:styleLbl>
+  <dgm:styleLbl name="sibTrans1D1">
+    <dgm:scene3d>
+      <a:camera prst="orthographicFront"/>
+      <a:lightRig rig="threePt" dir="t"/>
+    </dgm:scene3d>
+    <dgm:sp3d/>
+    <dgm:txPr/>
+    <dgm:style>
+      <a:lnRef idx="1">
+        <a:scrgbClr r="0" g="0" b="0"/>
+      </a:lnRef>
+      <a:fillRef idx="0">
+        <a:scrgbClr r="0" g="0" b="0"/>
+      </a:fillRef>
+      <a:effectRef idx="0">
+        <a:scrgbClr r="0" g="0" b="0"/>
+      </a:effectRef>
+      <a:fontRef idx="minor"/>
+    </dgm:style>
+  </dgm:styleLbl>
+  <dgm:styleLbl name="callout">
+    <dgm:scene3d>
+      <a:camera prst="orthographicFront"/>
+      <a:lightRig rig="threePt" dir="t"/>
+    </dgm:scene3d>
+    <dgm:sp3d/>
+    <dgm:txPr/>
+    <dgm:style>
+      <a:lnRef idx="2">
+        <a:scrgbClr r="0" g="0" b="0"/>
+      </a:lnRef>
+      <a:fillRef idx="1">
+        <a:scrgbClr r="0" g="0" b="0"/>
+      </a:fillRef>
+      <a:effectRef idx="0">
+        <a:scrgbClr r="0" g="0" b="0"/>
+      </a:effectRef>
+      <a:fontRef idx="minor"/>
+    </dgm:style>
+  </dgm:styleLbl>
+  <dgm:styleLbl name="asst0">
+    <dgm:scene3d>
+      <a:camera prst="orthographicFront"/>
+      <a:lightRig rig="threePt" dir="t"/>
+    </dgm:scene3d>
+    <dgm:sp3d/>
+    <dgm:txPr/>
+    <dgm:style>
+      <a:lnRef idx="2">
+        <a:scrgbClr r="0" g="0" b="0"/>
+      </a:lnRef>
+      <a:fillRef idx="1">
+        <a:scrgbClr r="0" g="0" b="0"/>
+      </a:fillRef>
+      <a:effectRef idx="0">
+        <a:scrgbClr r="0" g="0" b="0"/>
+      </a:effectRef>
+      <a:fontRef idx="minor">
+        <a:schemeClr val="lt1"/>
+      </a:fontRef>
+    </dgm:style>
+  </dgm:styleLbl>
+  <dgm:styleLbl name="asst1">
+    <dgm:scene3d>
+      <a:camera prst="orthographicFront"/>
+      <a:lightRig rig="threePt" dir="t"/>
+    </dgm:scene3d>
+    <dgm:sp3d/>
+    <dgm:txPr/>
+    <dgm:style>
+      <a:lnRef idx="2">
+        <a:scrgbClr r="0" g="0" b="0"/>
+      </a:lnRef>
+      <a:fillRef idx="1">
+        <a:scrgbClr r="0" g="0" b="0"/>
+      </a:fillRef>
+      <a:effectRef idx="0">
+        <a:scrgbClr r="0" g="0" b="0"/>
+      </a:effectRef>
+      <a:fontRef idx="minor">
+        <a:schemeClr val="lt1"/>
+      </a:fontRef>
+    </dgm:style>
+  </dgm:styleLbl>
+  <dgm:styleLbl name="asst2">
+    <dgm:scene3d>
+      <a:camera prst="orthographicFront"/>
+      <a:lightRig rig="threePt" dir="t"/>
+    </dgm:scene3d>
+    <dgm:sp3d/>
+    <dgm:txPr/>
+    <dgm:style>
+      <a:lnRef idx="2">
+        <a:scrgbClr r="0" g="0" b="0"/>
+      </a:lnRef>
+      <a:fillRef idx="1">
+        <a:scrgbClr r="0" g="0" b="0"/>
+      </a:fillRef>
+      <a:effectRef idx="0">
+        <a:scrgbClr r="0" g="0" b="0"/>
+      </a:effectRef>
+      <a:fontRef idx="minor">
+        <a:schemeClr val="lt1"/>
+      </a:fontRef>
+    </dgm:style>
+  </dgm:styleLbl>
+  <dgm:styleLbl name="asst3">
+    <dgm:scene3d>
+      <a:camera prst="orthographicFront"/>
+      <a:lightRig rig="threePt" dir="t"/>
+    </dgm:scene3d>
+    <dgm:sp3d/>
+    <dgm:txPr/>
+    <dgm:style>
+      <a:lnRef idx="2">
+        <a:scrgbClr r="0" g="0" b="0"/>
+      </a:lnRef>
+      <a:fillRef idx="1">
+        <a:scrgbClr r="0" g="0" b="0"/>
+      </a:fillRef>
+      <a:effectRef idx="0">
+        <a:scrgbClr r="0" g="0" b="0"/>
+      </a:effectRef>
+      <a:fontRef idx="minor">
+        <a:schemeClr val="lt1"/>
+      </a:fontRef>
+    </dgm:style>
+  </dgm:styleLbl>
+  <dgm:styleLbl name="asst4">
+    <dgm:scene3d>
+      <a:camera prst="orthographicFront"/>
+      <a:lightRig rig="threePt" dir="t"/>
+    </dgm:scene3d>
+    <dgm:sp3d/>
+    <dgm:txPr/>
+    <dgm:style>
+      <a:lnRef idx="2">
+        <a:scrgbClr r="0" g="0" b="0"/>
+      </a:lnRef>
+      <a:fillRef idx="1">
+        <a:scrgbClr r="0" g="0" b="0"/>
+      </a:fillRef>
+      <a:effectRef idx="0">
+        <a:scrgbClr r="0" g="0" b="0"/>
+      </a:effectRef>
+      <a:fontRef idx="minor">
+        <a:schemeClr val="lt1"/>
+      </a:fontRef>
+    </dgm:style>
+  </dgm:styleLbl>
+  <dgm:styleLbl name="parChTrans2D1">
+    <dgm:scene3d>
+      <a:camera prst="orthographicFront"/>
+      <a:lightRig rig="threePt" dir="t"/>
+    </dgm:scene3d>
+    <dgm:sp3d/>
+    <dgm:txPr/>
+    <dgm:style>
+      <a:lnRef idx="2">
+        <a:scrgbClr r="0" g="0" b="0"/>
+      </a:lnRef>
+      <a:fillRef idx="1">
+        <a:scrgbClr r="0" g="0" b="0"/>
+      </a:fillRef>
+      <a:effectRef idx="0">
+        <a:scrgbClr r="0" g="0" b="0"/>
+      </a:effectRef>
+      <a:fontRef idx="minor">
+        <a:schemeClr val="lt1"/>
+      </a:fontRef>
+    </dgm:style>
+  </dgm:styleLbl>
+  <dgm:styleLbl name="parChTrans2D2">
+    <dgm:scene3d>
+      <a:camera prst="orthographicFront"/>
+      <a:lightRig rig="threePt" dir="t"/>
+    </dgm:scene3d>
+    <dgm:sp3d/>
+    <dgm:txPr/>
+    <dgm:style>
+      <a:lnRef idx="2">
+        <a:scrgbClr r="0" g="0" b="0"/>
+      </a:lnRef>
+      <a:fillRef idx="1">
+        <a:scrgbClr r="0" g="0" b="0"/>
+      </a:fillRef>
+      <a:effectRef idx="0">
+        <a:scrgbClr r="0" g="0" b="0"/>
+      </a:effectRef>
+      <a:fontRef idx="minor">
+        <a:schemeClr val="lt1"/>
+      </a:fontRef>
+    </dgm:style>
+  </dgm:styleLbl>
+  <dgm:styleLbl name="parChTrans2D3">
+    <dgm:scene3d>
+      <a:camera prst="orthographicFront"/>
+      <a:lightRig rig="threePt" dir="t"/>
+    </dgm:scene3d>
+    <dgm:sp3d/>
+    <dgm:txPr/>
+    <dgm:style>
+      <a:lnRef idx="2">
+        <a:scrgbClr r="0" g="0" b="0"/>
+      </a:lnRef>
+      <a:fillRef idx="1">
+        <a:scrgbClr r="0" g="0" b="0"/>
+      </a:fillRef>
+      <a:effectRef idx="0">
+        <a:scrgbClr r="0" g="0" b="0"/>
+      </a:effectRef>
+      <a:fontRef idx="minor">
+        <a:schemeClr val="lt1"/>
+      </a:fontRef>
+    </dgm:style>
+  </dgm:styleLbl>
+  <dgm:styleLbl name="parChTrans2D4">
+    <dgm:scene3d>
+      <a:camera prst="orthographicFront"/>
+      <a:lightRig rig="threePt" dir="t"/>
+    </dgm:scene3d>
+    <dgm:sp3d/>
+    <dgm:txPr/>
+    <dgm:style>
+      <a:lnRef idx="2">
+        <a:scrgbClr r="0" g="0" b="0"/>
+      </a:lnRef>
+      <a:fillRef idx="1">
+        <a:scrgbClr r="0" g="0" b="0"/>
+      </a:fillRef>
+      <a:effectRef idx="0">
+        <a:scrgbClr r="0" g="0" b="0"/>
+      </a:effectRef>
+      <a:fontRef idx="minor">
+        <a:schemeClr val="lt1"/>
+      </a:fontRef>
+    </dgm:style>
+  </dgm:styleLbl>
+  <dgm:styleLbl name="parChTrans1D1">
+    <dgm:scene3d>
+      <a:camera prst="orthographicFront"/>
+      <a:lightRig rig="threePt" dir="t"/>
+    </dgm:scene3d>
+    <dgm:sp3d/>
+    <dgm:txPr/>
+    <dgm:style>
+      <a:lnRef idx="2">
+        <a:scrgbClr r="0" g="0" b="0"/>
+      </a:lnRef>
+      <a:fillRef idx="0">
+        <a:scrgbClr r="0" g="0" b="0"/>
+      </a:fillRef>
+      <a:effectRef idx="0">
+        <a:scrgbClr r="0" g="0" b="0"/>
+      </a:effectRef>
+      <a:fontRef idx="minor"/>
+    </dgm:style>
+  </dgm:styleLbl>
+  <dgm:styleLbl name="parChTrans1D2">
+    <dgm:scene3d>
+      <a:camera prst="orthographicFront"/>
+      <a:lightRig rig="threePt" dir="t"/>
+    </dgm:scene3d>
+    <dgm:sp3d/>
+    <dgm:txPr/>
+    <dgm:style>
+      <a:lnRef idx="2">
+        <a:scrgbClr r="0" g="0" b="0"/>
+      </a:lnRef>
+      <a:fillRef idx="0">
+        <a:scrgbClr r="0" g="0" b="0"/>
+      </a:fillRef>
+      <a:effectRef idx="0">
+        <a:scrgbClr r="0" g="0" b="0"/>
+      </a:effectRef>
+      <a:fontRef idx="minor"/>
+    </dgm:style>
+  </dgm:styleLbl>
+  <dgm:styleLbl name="parChTrans1D3">
+    <dgm:scene3d>
+      <a:camera prst="orthographicFront"/>
+      <a:lightRig rig="threePt" dir="t"/>
+    </dgm:scene3d>
+    <dgm:sp3d/>
+    <dgm:txPr/>
+    <dgm:style>
+      <a:lnRef idx="2">
+        <a:scrgbClr r="0" g="0" b="0"/>
+      </a:lnRef>
+      <a:fillRef idx="0">
+        <a:scrgbClr r="0" g="0" b="0"/>
+      </a:fillRef>
+      <a:effectRef idx="0">
+        <a:scrgbClr r="0" g="0" b="0"/>
+      </a:effectRef>
+      <a:fontRef idx="minor"/>
+    </dgm:style>
+  </dgm:styleLbl>
+  <dgm:styleLbl name="parChTrans1D4">
+    <dgm:scene3d>
+      <a:camera prst="orthographicFront"/>
+      <a:lightRig rig="threePt" dir="t"/>
+    </dgm:scene3d>
+    <dgm:sp3d/>
+    <dgm:txPr/>
+    <dgm:style>
+      <a:lnRef idx="2">
+        <a:scrgbClr r="0" g="0" b="0"/>
+      </a:lnRef>
+      <a:fillRef idx="0">
+        <a:scrgbClr r="0" g="0" b="0"/>
+      </a:fillRef>
+      <a:effectRef idx="0">
+        <a:scrgbClr r="0" g="0" b="0"/>
+      </a:effectRef>
+      <a:fontRef idx="minor"/>
+    </dgm:style>
+  </dgm:styleLbl>
+  <dgm:styleLbl name="fgAcc1">
+    <dgm:scene3d>
+      <a:camera prst="orthographicFront"/>
+      <a:lightRig rig="threePt" dir="t"/>
+    </dgm:scene3d>
+    <dgm:sp3d/>
+    <dgm:txPr/>
+    <dgm:style>
+      <a:lnRef idx="2">
+        <a:scrgbClr r="0" g="0" b="0"/>
+      </a:lnRef>
+      <a:fillRef idx="1">
+        <a:scrgbClr r="0" g="0" b="0"/>
+      </a:fillRef>
+      <a:effectRef idx="0">
+        <a:scrgbClr r="0" g="0" b="0"/>
+      </a:effectRef>
+      <a:fontRef idx="minor"/>
+    </dgm:style>
+  </dgm:styleLbl>
+  <dgm:styleLbl name="conFgAcc1">
+    <dgm:scene3d>
+      <a:camera prst="orthographicFront"/>
+      <a:lightRig rig="threePt" dir="t"/>
+    </dgm:scene3d>
+    <dgm:sp3d/>
+    <dgm:txPr/>
+    <dgm:style>
+      <a:lnRef idx="2">
+        <a:scrgbClr r="0" g="0" b="0"/>
+      </a:lnRef>
+      <a:fillRef idx="1">
+        <a:scrgbClr r="0" g="0" b="0"/>
+      </a:fillRef>
+      <a:effectRef idx="0">
+        <a:scrgbClr r="0" g="0" b="0"/>
+      </a:effectRef>
+      <a:fontRef idx="minor"/>
+    </dgm:style>
+  </dgm:styleLbl>
+  <dgm:styleLbl name="alignAcc1">
+    <dgm:scene3d>
+      <a:camera prst="orthographicFront"/>
+      <a:lightRig rig="threePt" dir="t"/>
+    </dgm:scene3d>
+    <dgm:sp3d/>
+    <dgm:txPr/>
+    <dgm:style>
+      <a:lnRef idx="2">
+        <a:scrgbClr r="0" g="0" b="0"/>
+      </a:lnRef>
+      <a:fillRef idx="1">
+        <a:scrgbClr r="0" g="0" b="0"/>
+      </a:fillRef>
+      <a:effectRef idx="0">
+        <a:scrgbClr r="0" g="0" b="0"/>
+      </a:effectRef>
+      <a:fontRef idx="minor"/>
+    </dgm:style>
+  </dgm:styleLbl>
+  <dgm:styleLbl name="trAlignAcc1">
+    <dgm:scene3d>
+      <a:camera prst="orthographicFront"/>
+      <a:lightRig rig="threePt" dir="t"/>
+    </dgm:scene3d>
+    <dgm:sp3d/>
+    <dgm:txPr/>
+    <dgm:style>
+      <a:lnRef idx="1">
+        <a:scrgbClr r="0" g="0" b="0"/>
+      </a:lnRef>
+      <a:fillRef idx="1">
+        <a:scrgbClr r="0" g="0" b="0"/>
+      </a:fillRef>
+      <a:effectRef idx="0">
+        <a:scrgbClr r="0" g="0" b="0"/>
+      </a:effectRef>
+      <a:fontRef idx="minor"/>
+    </dgm:style>
+  </dgm:styleLbl>
+  <dgm:styleLbl name="bgAcc1">
+    <dgm:scene3d>
+      <a:camera prst="orthographicFront"/>
+      <a:lightRig rig="threePt" dir="t"/>
+    </dgm:scene3d>
+    <dgm:sp3d/>
+    <dgm:txPr/>
+    <dgm:style>
+      <a:lnRef idx="2">
+        <a:scrgbClr r="0" g="0" b="0"/>
+      </a:lnRef>
+      <a:fillRef idx="1">
+        <a:scrgbClr r="0" g="0" b="0"/>
+      </a:fillRef>
+      <a:effectRef idx="0">
+        <a:scrgbClr r="0" g="0" b="0"/>
+      </a:effectRef>
+      <a:fontRef idx="minor"/>
+    </dgm:style>
+  </dgm:styleLbl>
+  <dgm:styleLbl name="solidFgAcc1">
+    <dgm:scene3d>
+      <a:camera prst="orthographicFront"/>
+      <a:lightRig rig="threePt" dir="t"/>
+    </dgm:scene3d>
+    <dgm:sp3d/>
+    <dgm:txPr/>
+    <dgm:style>
+      <a:lnRef idx="2">
+        <a:scrgbClr r="0" g="0" b="0"/>
+      </a:lnRef>
+      <a:fillRef idx="1">
+        <a:scrgbClr r="0" g="0" b="0"/>
+      </a:fillRef>
+      <a:effectRef idx="0">
+        <a:scrgbClr r="0" g="0" b="0"/>
+      </a:effectRef>
+      <a:fontRef idx="minor"/>
+    </dgm:style>
+  </dgm:styleLbl>
+  <dgm:styleLbl name="solidAlignAcc1">
+    <dgm:scene3d>
+      <a:camera prst="orthographicFront"/>
+      <a:lightRig rig="threePt" dir="t"/>
+    </dgm:scene3d>
+    <dgm:sp3d/>
+    <dgm:txPr/>
+    <dgm:style>
+      <a:lnRef idx="2">
+        <a:scrgbClr r="0" g="0" b="0"/>
+      </a:lnRef>
+      <a:fillRef idx="1">
+        <a:scrgbClr r="0" g="0" b="0"/>
+      </a:fillRef>
+      <a:effectRef idx="0">
+        <a:scrgbClr r="0" g="0" b="0"/>
+      </a:effectRef>
+      <a:fontRef idx="minor"/>
+    </dgm:style>
+  </dgm:styleLbl>
+  <dgm:styleLbl name="solidBgAcc1">
+    <dgm:scene3d>
+      <a:camera prst="orthographicFront"/>
+      <a:lightRig rig="threePt" dir="t"/>
+    </dgm:scene3d>
+    <dgm:sp3d/>
+    <dgm:txPr/>
+    <dgm:style>
+      <a:lnRef idx="2">
+        <a:scrgbClr r="0" g="0" b="0"/>
+      </a:lnRef>
+      <a:fillRef idx="1">
+        <a:scrgbClr r="0" g="0" b="0"/>
+      </a:fillRef>
+      <a:effectRef idx="0">
+        <a:scrgbClr r="0" g="0" b="0"/>
+      </a:effectRef>
+      <a:fontRef idx="minor"/>
+    </dgm:style>
+  </dgm:styleLbl>
+  <dgm:styleLbl name="fgAccFollowNode1">
+    <dgm:scene3d>
+      <a:camera prst="orthographicFront"/>
+      <a:lightRig rig="threePt" dir="t"/>
+    </dgm:scene3d>
+    <dgm:sp3d/>
+    <dgm:txPr/>
+    <dgm:style>
+      <a:lnRef idx="2">
+        <a:scrgbClr r="0" g="0" b="0"/>
+      </a:lnRef>
+      <a:fillRef idx="1">
+        <a:scrgbClr r="0" g="0" b="0"/>
+      </a:fillRef>
+      <a:effectRef idx="0">
+        <a:scrgbClr r="0" g="0" b="0"/>
+      </a:effectRef>
+      <a:fontRef idx="minor"/>
+    </dgm:style>
+  </dgm:styleLbl>
+  <dgm:styleLbl name="alignAccFollowNode1">
+    <dgm:scene3d>
+      <a:camera prst="orthographicFront"/>
+      <a:lightRig rig="threePt" dir="t"/>
+    </dgm:scene3d>
+    <dgm:sp3d/>
+    <dgm:txPr/>
+    <dgm:style>
+      <a:lnRef idx="2">
+        <a:scrgbClr r="0" g="0" b="0"/>
+      </a:lnRef>
+      <a:fillRef idx="1">
+        <a:scrgbClr r="0" g="0" b="0"/>
+      </a:fillRef>
+      <a:effectRef idx="0">
+        <a:scrgbClr r="0" g="0" b="0"/>
+      </a:effectRef>
+      <a:fontRef idx="minor"/>
+    </dgm:style>
+  </dgm:styleLbl>
+  <dgm:styleLbl name="bgAccFollowNode1">
+    <dgm:scene3d>
+      <a:camera prst="orthographicFront"/>
+      <a:lightRig rig="threePt" dir="t"/>
+    </dgm:scene3d>
+    <dgm:sp3d/>
+    <dgm:txPr/>
+    <dgm:style>
+      <a:lnRef idx="2">
+        <a:scrgbClr r="0" g="0" b="0"/>
+      </a:lnRef>
+      <a:fillRef idx="1">
+        <a:scrgbClr r="0" g="0" b="0"/>
+      </a:fillRef>
+      <a:effectRef idx="0">
+        <a:scrgbClr r="0" g="0" b="0"/>
+      </a:effectRef>
+      <a:fontRef idx="minor"/>
+    </dgm:style>
+  </dgm:styleLbl>
+  <dgm:styleLbl name="fgAcc0">
+    <dgm:scene3d>
+      <a:camera prst="orthographicFront"/>
+      <a:lightRig rig="threePt" dir="t"/>
+    </dgm:scene3d>
+    <dgm:sp3d/>
+    <dgm:txPr/>
+    <dgm:style>
+      <a:lnRef idx="2">
+        <a:scrgbClr r="0" g="0" b="0"/>
+      </a:lnRef>
+      <a:fillRef idx="1">
+        <a:scrgbClr r="0" g="0" b="0"/>
+      </a:fillRef>
+      <a:effectRef idx="0">
+        <a:scrgbClr r="0" g="0" b="0"/>
+      </a:effectRef>
+      <a:fontRef idx="minor"/>
+    </dgm:style>
+  </dgm:styleLbl>
+  <dgm:styleLbl name="fgAcc2">
+    <dgm:scene3d>
+      <a:camera prst="orthographicFront"/>
+      <a:lightRig rig="threePt" dir="t"/>
+    </dgm:scene3d>
+    <dgm:sp3d/>
+    <dgm:txPr/>
+    <dgm:style>
+      <a:lnRef idx="2">
+        <a:scrgbClr r="0" g="0" b="0"/>
+      </a:lnRef>
+      <a:fillRef idx="1">
+        <a:scrgbClr r="0" g="0" b="0"/>
+      </a:fillRef>
+      <a:effectRef idx="0">
+        <a:scrgbClr r="0" g="0" b="0"/>
+      </a:effectRef>
+      <a:fontRef idx="minor"/>
+    </dgm:style>
+  </dgm:styleLbl>
+  <dgm:styleLbl name="fgAcc3">
+    <dgm:scene3d>
+      <a:camera prst="orthographicFront"/>
+      <a:lightRig rig="threePt" dir="t"/>
+    </dgm:scene3d>
+    <dgm:sp3d/>
+    <dgm:txPr/>
+    <dgm:style>
+      <a:lnRef idx="2">
+        <a:scrgbClr r="0" g="0" b="0"/>
+      </a:lnRef>
+      <a:fillRef idx="1">
+        <a:scrgbClr r="0" g="0" b="0"/>
+      </a:fillRef>
+      <a:effectRef idx="0">
+        <a:scrgbClr r="0" g="0" b="0"/>
+      </a:effectRef>
+      <a:fontRef idx="minor"/>
+    </dgm:style>
+  </dgm:styleLbl>
+  <dgm:styleLbl name="fgAcc4">
+    <dgm:scene3d>
+      <a:camera prst="orthographicFront"/>
+      <a:lightRig rig="threePt" dir="t"/>
+    </dgm:scene3d>
+    <dgm:sp3d/>
+    <dgm:txPr/>
+    <dgm:style>
+      <a:lnRef idx="2">
+        <a:scrgbClr r="0" g="0" b="0"/>
+      </a:lnRef>
+      <a:fillRef idx="1">
+        <a:scrgbClr r="0" g="0" b="0"/>
+      </a:fillRef>
+      <a:effectRef idx="0">
+        <a:scrgbClr r="0" g="0" b="0"/>
+      </a:effectRef>
+      <a:fontRef idx="minor"/>
+    </dgm:style>
+  </dgm:styleLbl>
+  <dgm:styleLbl name="bgShp">
+    <dgm:scene3d>
+      <a:camera prst="orthographicFront"/>
+      <a:lightRig rig="threePt" dir="t"/>
+    </dgm:scene3d>
+    <dgm:sp3d/>
+    <dgm:txPr/>
+    <dgm:style>
+      <a:lnRef idx="0">
+        <a:scrgbClr r="0" g="0" b="0"/>
+      </a:lnRef>
+      <a:fillRef idx="1">
+        <a:scrgbClr r="0" g="0" b="0"/>
+      </a:fillRef>
+      <a:effectRef idx="0">
+        <a:scrgbClr r="0" g="0" b="0"/>
+      </a:effectRef>
+      <a:fontRef idx="minor"/>
+    </dgm:style>
+  </dgm:styleLbl>
+  <dgm:styleLbl name="dkBgShp">
+    <dgm:scene3d>
+      <a:camera prst="orthographicFront"/>
+      <a:lightRig rig="threePt" dir="t"/>
+    </dgm:scene3d>
+    <dgm:sp3d/>
+    <dgm:txPr/>
+    <dgm:style>
+      <a:lnRef idx="0">
+        <a:scrgbClr r="0" g="0" b="0"/>
+      </a:lnRef>
+      <a:fillRef idx="1">
+        <a:scrgbClr r="0" g="0" b="0"/>
+      </a:fillRef>
+      <a:effectRef idx="0">
+        <a:scrgbClr r="0" g="0" b="0"/>
+      </a:effectRef>
+      <a:fontRef idx="minor"/>
+    </dgm:style>
+  </dgm:styleLbl>
+  <dgm:styleLbl name="trBgShp">
+    <dgm:scene3d>
+      <a:camera prst="orthographicFront"/>
+      <a:lightRig rig="threePt" dir="t"/>
+    </dgm:scene3d>
+    <dgm:sp3d/>
+    <dgm:txPr/>
+    <dgm:style>
+      <a:lnRef idx="0">
+        <a:scrgbClr r="0" g="0" b="0"/>
+      </a:lnRef>
+      <a:fillRef idx="1">
+        <a:scrgbClr r="0" g="0" b="0"/>
+      </a:fillRef>
+      <a:effectRef idx="0">
+        <a:scrgbClr r="0" g="0" b="0"/>
+      </a:effectRef>
+      <a:fontRef idx="minor"/>
+    </dgm:style>
+  </dgm:styleLbl>
+  <dgm:styleLbl name="fgShp">
+    <dgm:scene3d>
+      <a:camera prst="orthographicFront"/>
+      <a:lightRig rig="threePt" dir="t"/>
+    </dgm:scene3d>
+    <dgm:sp3d/>
+    <dgm:txPr/>
+    <dgm:style>
+      <a:lnRef idx="2">
+        <a:scrgbClr r="0" g="0" b="0"/>
+      </a:lnRef>
+      <a:fillRef idx="1">
+        <a:scrgbClr r="0" g="0" b="0"/>
+      </a:fillRef>
+      <a:effectRef idx="0">
+        <a:scrgbClr r="0" g="0" b="0"/>
+      </a:effectRef>
+      <a:fontRef idx="minor"/>
+    </dgm:style>
+  </dgm:styleLbl>
+  <dgm:styleLbl name="revTx">
+    <dgm:scene3d>
+      <a:camera prst="orthographicFront"/>
+      <a:lightRig rig="threePt" dir="t"/>
+    </dgm:scene3d>
+    <dgm:sp3d/>
+    <dgm:txPr/>
+    <dgm:style>
+      <a:lnRef idx="0">
+        <a:scrgbClr r="0" g="0" b="0"/>
+      </a:lnRef>
+      <a:fillRef idx="0">
+        <a:scrgbClr r="0" g="0" b="0"/>
+      </a:fillRef>
+      <a:effectRef idx="0">
+        <a:scrgbClr r="0" g="0" b="0"/>
+      </a:effectRef>
+      <a:fontRef idx="minor"/>
+    </dgm:style>
+  </dgm:styleLbl>
+</dgm:styleDef>
+</file>
+
+<file path=ppt/notesMasters/notesMaster1.xml><?xml version="1.0" encoding="utf-8"?>
+<p:notesMaster xmlns:a="http://schemas.openxmlformats.org/drawingml/2006/main" xmlns:r="http://schemas.openxmlformats.org/officeDocument/2006/relationships" xmlns:p="http://schemas.openxmlformats.org/presentationml/2006/main">
+  <p:cSld>
+    <p:bg>
+      <p:bgRef idx="1001">
+        <a:schemeClr val="bg1"/>
+      </p:bgRef>
+    </p:bg>
+    <p:spTree>
+      <p:nvGrpSpPr>
+        <p:cNvPr id="1" name=""/>
+        <p:cNvGrpSpPr/>
+        <p:nvPr/>
+      </p:nvGrpSpPr>
+      <p:grpSpPr>
+        <a:xfrm>
+          <a:off x="0" y="0"/>
+          <a:ext cx="0" cy="0"/>
+          <a:chOff x="0" y="0"/>
+          <a:chExt cx="0" cy="0"/>
+        </a:xfrm>
+      </p:grpSpPr>
+      <p:sp>
+        <p:nvSpPr>
+          <p:cNvPr id="2" name="页眉占位符 1"/>
+          <p:cNvSpPr>
+            <a:spLocks noGrp="1"/>
+          </p:cNvSpPr>
+          <p:nvPr>
+            <p:ph type="hdr" sz="quarter"/>
+          </p:nvPr>
+        </p:nvSpPr>
+        <p:spPr>
+          <a:xfrm>
+            <a:off x="0" y="0"/>
+            <a:ext cx="2971800" cy="458788"/>
+          </a:xfrm>
+          <a:prstGeom prst="rect">
+            <a:avLst/>
+          </a:prstGeom>
+        </p:spPr>
+        <p:txBody>
+          <a:bodyPr vert="horz" lIns="91440" tIns="45720" rIns="91440" bIns="45720" rtlCol="0"/>
+          <a:lstStyle>
+            <a:lvl1pPr algn="l">
+              <a:defRPr sz="1200"/>
+            </a:lvl1pPr>
+          </a:lstStyle>
+          <a:p>
+            <a:endParaRPr lang="zh-CN" altLang="en-US"/>
+          </a:p>
+        </p:txBody>
+      </p:sp>
+      <p:sp>
+        <p:nvSpPr>
+          <p:cNvPr id="3" name="日期占位符 2"/>
+          <p:cNvSpPr>
+            <a:spLocks noGrp="1"/>
+          </p:cNvSpPr>
+          <p:nvPr>
+            <p:ph type="dt" idx="1"/>
+          </p:nvPr>
+        </p:nvSpPr>
+        <p:spPr>
+          <a:xfrm>
+            <a:off x="3884613" y="0"/>
+            <a:ext cx="2971800" cy="458788"/>
+          </a:xfrm>
+          <a:prstGeom prst="rect">
+            <a:avLst/>
+          </a:prstGeom>
+        </p:spPr>
+        <p:txBody>
+          <a:bodyPr vert="horz" lIns="91440" tIns="45720" rIns="91440" bIns="45720" rtlCol="0"/>
+          <a:lstStyle>
+            <a:lvl1pPr algn="r">
+              <a:defRPr sz="1200"/>
+            </a:lvl1pPr>
+          </a:lstStyle>
+          <a:p>
+            <a:fld id="{8DFBE367-D07E-4E64-9378-BAD63A9F73B5}" type="datetimeFigureOut">
+              <a:rPr lang="zh-CN" altLang="en-US" smtClean="0"/>
+              <a:t>2018/11/14</a:t>
+            </a:fld>
+            <a:endParaRPr lang="zh-CN" altLang="en-US"/>
+          </a:p>
+        </p:txBody>
+      </p:sp>
+      <p:sp>
+        <p:nvSpPr>
+          <p:cNvPr id="4" name="幻灯片图像占位符 3"/>
+          <p:cNvSpPr>
+            <a:spLocks noGrp="1" noRot="1" noChangeAspect="1"/>
+          </p:cNvSpPr>
+          <p:nvPr>
+            <p:ph type="sldImg" idx="2"/>
+          </p:nvPr>
+        </p:nvSpPr>
+        <p:spPr>
+          <a:xfrm>
+            <a:off x="685800" y="1143000"/>
+            <a:ext cx="5486400" cy="3086100"/>
+          </a:xfrm>
+          <a:prstGeom prst="rect">
+            <a:avLst/>
+          </a:prstGeom>
+          <a:noFill/>
+          <a:ln w="12700">
+            <a:solidFill>
+              <a:prstClr val="black"/>
+            </a:solidFill>
+          </a:ln>
+        </p:spPr>
+        <p:txBody>
+          <a:bodyPr vert="horz" lIns="91440" tIns="45720" rIns="91440" bIns="45720" rtlCol="0" anchor="ctr"/>
+          <a:lstStyle/>
+          <a:p>
+            <a:endParaRPr lang="zh-CN" altLang="en-US"/>
+          </a:p>
+        </p:txBody>
+      </p:sp>
+      <p:sp>
+        <p:nvSpPr>
+          <p:cNvPr id="5" name="备注占位符 4"/>
+          <p:cNvSpPr>
+            <a:spLocks noGrp="1"/>
+          </p:cNvSpPr>
+          <p:nvPr>
+            <p:ph type="body" sz="quarter" idx="3"/>
+          </p:nvPr>
+        </p:nvSpPr>
+        <p:spPr>
+          <a:xfrm>
+            <a:off x="685800" y="4400550"/>
+            <a:ext cx="5486400" cy="3600450"/>
+          </a:xfrm>
+          <a:prstGeom prst="rect">
+            <a:avLst/>
+          </a:prstGeom>
+        </p:spPr>
+        <p:txBody>
+          <a:bodyPr vert="horz" lIns="91440" tIns="45720" rIns="91440" bIns="45720" rtlCol="0"/>
+          <a:lstStyle/>
+          <a:p>
+            <a:pPr lvl="0"/>
+            <a:r>
+              <a:rPr lang="zh-CN" altLang="en-US"/>
+              <a:t>编辑母版文本样式</a:t>
+            </a:r>
+          </a:p>
+          <a:p>
+            <a:pPr lvl="1"/>
+            <a:r>
+              <a:rPr lang="zh-CN" altLang="en-US"/>
+              <a:t>第二级</a:t>
+            </a:r>
+          </a:p>
+          <a:p>
+            <a:pPr lvl="2"/>
+            <a:r>
+              <a:rPr lang="zh-CN" altLang="en-US"/>
+              <a:t>第三级</a:t>
+            </a:r>
+          </a:p>
+          <a:p>
+            <a:pPr lvl="3"/>
+            <a:r>
+              <a:rPr lang="zh-CN" altLang="en-US"/>
+              <a:t>第四级</a:t>
+            </a:r>
+          </a:p>
+          <a:p>
+            <a:pPr lvl="4"/>
+            <a:r>
+              <a:rPr lang="zh-CN" altLang="en-US"/>
+              <a:t>第五级</a:t>
+            </a:r>
+          </a:p>
+        </p:txBody>
+      </p:sp>
+      <p:sp>
+        <p:nvSpPr>
+          <p:cNvPr id="6" name="页脚占位符 5"/>
+          <p:cNvSpPr>
+            <a:spLocks noGrp="1"/>
+          </p:cNvSpPr>
+          <p:nvPr>
+            <p:ph type="ftr" sz="quarter" idx="4"/>
+          </p:nvPr>
+        </p:nvSpPr>
+        <p:spPr>
+          <a:xfrm>
+            <a:off x="0" y="8685213"/>
+            <a:ext cx="2971800" cy="458787"/>
+          </a:xfrm>
+          <a:prstGeom prst="rect">
+            <a:avLst/>
+          </a:prstGeom>
+        </p:spPr>
+        <p:txBody>
+          <a:bodyPr vert="horz" lIns="91440" tIns="45720" rIns="91440" bIns="45720" rtlCol="0" anchor="b"/>
+          <a:lstStyle>
+            <a:lvl1pPr algn="l">
+              <a:defRPr sz="1200"/>
+            </a:lvl1pPr>
+          </a:lstStyle>
+          <a:p>
+            <a:endParaRPr lang="zh-CN" altLang="en-US"/>
+          </a:p>
+        </p:txBody>
+      </p:sp>
+      <p:sp>
+        <p:nvSpPr>
+          <p:cNvPr id="7" name="灯片编号占位符 6"/>
+          <p:cNvSpPr>
+            <a:spLocks noGrp="1"/>
+          </p:cNvSpPr>
+          <p:nvPr>
+            <p:ph type="sldNum" sz="quarter" idx="5"/>
+          </p:nvPr>
+        </p:nvSpPr>
+        <p:spPr>
+          <a:xfrm>
+            <a:off x="3884613" y="8685213"/>
+            <a:ext cx="2971800" cy="458787"/>
+          </a:xfrm>
+          <a:prstGeom prst="rect">
+            <a:avLst/>
+          </a:prstGeom>
+        </p:spPr>
+        <p:txBody>
+          <a:bodyPr vert="horz" lIns="91440" tIns="45720" rIns="91440" bIns="45720" rtlCol="0" anchor="b"/>
+          <a:lstStyle>
+            <a:lvl1pPr algn="r">
+              <a:defRPr sz="1200"/>
+            </a:lvl1pPr>
+          </a:lstStyle>
+          <a:p>
+            <a:fld id="{08EA74F8-3446-4BE5-84AA-52F00D363431}" type="slidenum">
+              <a:rPr lang="zh-CN" altLang="en-US" smtClean="0"/>
+              <a:t>‹#›</a:t>
+            </a:fld>
+            <a:endParaRPr lang="zh-CN" altLang="en-US"/>
+          </a:p>
+        </p:txBody>
+      </p:sp>
+    </p:spTree>
+    <p:extLst>
+      <p:ext uri="{BB962C8B-B14F-4D97-AF65-F5344CB8AC3E}">
+        <p14:creationId xmlns:p14="http://schemas.microsoft.com/office/powerpoint/2010/main" val="2185193370"/>
+      </p:ext>
+    </p:extLst>
+  </p:cSld>
+  <p:clrMap bg1="lt1" tx1="dk1" bg2="lt2" tx2="dk2" accent1="accent1" accent2="accent2" accent3="accent3" accent4="accent4" accent5="accent5" accent6="accent6" hlink="hlink" folHlink="folHlink"/>
+  <p:notesStyle>
+    <a:lvl1pPr marL="0" algn="l" defTabSz="914400" rtl="0" eaLnBrk="1" latinLnBrk="0" hangingPunct="1">
+      <a:defRPr sz="1200" kern="1200">
+        <a:solidFill>
+          <a:schemeClr val="tx1"/>
+        </a:solidFill>
+        <a:latin typeface="+mn-lt"/>
+        <a:ea typeface="+mn-ea"/>
+        <a:cs typeface="+mn-cs"/>
+      </a:defRPr>
+    </a:lvl1pPr>
+    <a:lvl2pPr marL="457200" algn="l" defTabSz="914400" rtl="0" eaLnBrk="1" latinLnBrk="0" hangingPunct="1">
+      <a:defRPr sz="1200" kern="1200">
+        <a:solidFill>
+          <a:schemeClr val="tx1"/>
+        </a:solidFill>
+        <a:latin typeface="+mn-lt"/>
+        <a:ea typeface="+mn-ea"/>
+        <a:cs typeface="+mn-cs"/>
+      </a:defRPr>
+    </a:lvl2pPr>
+    <a:lvl3pPr marL="914400" algn="l" defTabSz="914400" rtl="0" eaLnBrk="1" latinLnBrk="0" hangingPunct="1">
+      <a:defRPr sz="1200" kern="1200">
+        <a:solidFill>
+          <a:schemeClr val="tx1"/>
+        </a:solidFill>
+        <a:latin typeface="+mn-lt"/>
+        <a:ea typeface="+mn-ea"/>
+        <a:cs typeface="+mn-cs"/>
+      </a:defRPr>
+    </a:lvl3pPr>
+    <a:lvl4pPr marL="1371600" algn="l" defTabSz="914400" rtl="0" eaLnBrk="1" latinLnBrk="0" hangingPunct="1">
+      <a:defRPr sz="1200" kern="1200">
+        <a:solidFill>
+          <a:schemeClr val="tx1"/>
+        </a:solidFill>
+        <a:latin typeface="+mn-lt"/>
+        <a:ea typeface="+mn-ea"/>
+        <a:cs typeface="+mn-cs"/>
+      </a:defRPr>
+    </a:lvl4pPr>
+    <a:lvl5pPr marL="1828800" algn="l" defTabSz="914400" rtl="0" eaLnBrk="1" latinLnBrk="0" hangingPunct="1">
+      <a:defRPr sz="1200" kern="1200">
+        <a:solidFill>
+          <a:schemeClr val="tx1"/>
+        </a:solidFill>
+        <a:latin typeface="+mn-lt"/>
+        <a:ea typeface="+mn-ea"/>
+        <a:cs typeface="+mn-cs"/>
+      </a:defRPr>
+    </a:lvl5pPr>
+    <a:lvl6pPr marL="2286000" algn="l" defTabSz="914400" rtl="0" eaLnBrk="1" latinLnBrk="0" hangingPunct="1">
+      <a:defRPr sz="1200" kern="1200">
+        <a:solidFill>
+          <a:schemeClr val="tx1"/>
+        </a:solidFill>
+        <a:latin typeface="+mn-lt"/>
+        <a:ea typeface="+mn-ea"/>
+        <a:cs typeface="+mn-cs"/>
+      </a:defRPr>
+    </a:lvl6pPr>
+    <a:lvl7pPr marL="2743200" algn="l" defTabSz="914400" rtl="0" eaLnBrk="1" latinLnBrk="0" hangingPunct="1">
+      <a:defRPr sz="1200" kern="1200">
+        <a:solidFill>
+          <a:schemeClr val="tx1"/>
+        </a:solidFill>
+        <a:latin typeface="+mn-lt"/>
+        <a:ea typeface="+mn-ea"/>
+        <a:cs typeface="+mn-cs"/>
+      </a:defRPr>
+    </a:lvl7pPr>
+    <a:lvl8pPr marL="3200400" algn="l" defTabSz="914400" rtl="0" eaLnBrk="1" latinLnBrk="0" hangingPunct="1">
+      <a:defRPr sz="1200" kern="1200">
+        <a:solidFill>
+          <a:schemeClr val="tx1"/>
+        </a:solidFill>
+        <a:latin typeface="+mn-lt"/>
+        <a:ea typeface="+mn-ea"/>
+        <a:cs typeface="+mn-cs"/>
+      </a:defRPr>
+    </a:lvl8pPr>
+    <a:lvl9pPr marL="3657600" algn="l" defTabSz="914400" rtl="0" eaLnBrk="1" latinLnBrk="0" hangingPunct="1">
+      <a:defRPr sz="1200" kern="1200">
+        <a:solidFill>
+          <a:schemeClr val="tx1"/>
+        </a:solidFill>
+        <a:latin typeface="+mn-lt"/>
+        <a:ea typeface="+mn-ea"/>
+        <a:cs typeface="+mn-cs"/>
+      </a:defRPr>
+    </a:lvl9pPr>
+  </p:notesStyle>
+</p:notesMaster>
+</file>
+
+<file path=ppt/notesSlides/notesSlide1.xml><?xml version="1.0" encoding="utf-8"?>
+<p:notes xmlns:a="http://schemas.openxmlformats.org/drawingml/2006/main" xmlns:r="http://schemas.openxmlformats.org/officeDocument/2006/relationships" xmlns:p="http://schemas.openxmlformats.org/presentationml/2006/main">
+  <p:cSld>
+    <p:spTree>
+      <p:nvGrpSpPr>
+        <p:cNvPr id="1" name=""/>
+        <p:cNvGrpSpPr/>
+        <p:nvPr/>
+      </p:nvGrpSpPr>
+      <p:grpSpPr>
+        <a:xfrm>
+          <a:off x="0" y="0"/>
+          <a:ext cx="0" cy="0"/>
+          <a:chOff x="0" y="0"/>
+          <a:chExt cx="0" cy="0"/>
+        </a:xfrm>
+      </p:grpSpPr>
+      <p:sp>
+        <p:nvSpPr>
+          <p:cNvPr id="2" name="幻灯片图像占位符 1"/>
+          <p:cNvSpPr>
+            <a:spLocks noGrp="1" noRot="1" noChangeAspect="1"/>
+          </p:cNvSpPr>
+          <p:nvPr>
+            <p:ph type="sldImg"/>
+          </p:nvPr>
+        </p:nvSpPr>
+        <p:spPr/>
+      </p:sp>
+      <p:sp>
+        <p:nvSpPr>
+          <p:cNvPr id="3" name="备注占位符 2"/>
+          <p:cNvSpPr>
+            <a:spLocks noGrp="1"/>
+          </p:cNvSpPr>
+          <p:nvPr>
+            <p:ph type="body" idx="1"/>
+          </p:nvPr>
+        </p:nvSpPr>
+        <p:spPr/>
+        <p:txBody>
+          <a:bodyPr/>
+          <a:lstStyle/>
+          <a:p>
+            <a:endParaRPr lang="en-US" altLang="zh-CN" dirty="0"/>
+          </a:p>
+          <a:p>
+            <a:endParaRPr lang="zh-CN" altLang="en-US" dirty="0"/>
+          </a:p>
+        </p:txBody>
+      </p:sp>
+      <p:sp>
+        <p:nvSpPr>
+          <p:cNvPr id="4" name="灯片编号占位符 3"/>
+          <p:cNvSpPr>
+            <a:spLocks noGrp="1"/>
+          </p:cNvSpPr>
+          <p:nvPr>
+            <p:ph type="sldNum" sz="quarter" idx="5"/>
+          </p:nvPr>
+        </p:nvSpPr>
+        <p:spPr/>
+        <p:txBody>
+          <a:bodyPr/>
+          <a:lstStyle/>
+          <a:p>
+            <a:fld id="{08EA74F8-3446-4BE5-84AA-52F00D363431}" type="slidenum">
+              <a:rPr lang="zh-CN" altLang="en-US" smtClean="0"/>
+              <a:t>2</a:t>
+            </a:fld>
+            <a:endParaRPr lang="zh-CN" altLang="en-US"/>
+          </a:p>
+        </p:txBody>
+      </p:sp>
+    </p:spTree>
+    <p:extLst>
+      <p:ext uri="{BB962C8B-B14F-4D97-AF65-F5344CB8AC3E}">
+        <p14:creationId xmlns:p14="http://schemas.microsoft.com/office/powerpoint/2010/main" val="2016127190"/>
+      </p:ext>
+    </p:extLst>
+  </p:cSld>
+  <p:clrMapOvr>
+    <a:masterClrMapping/>
+  </p:clrMapOvr>
+</p:notes>
 </file>
 
 <file path=ppt/slideLayouts/slideLayout1.xml><?xml version="1.0" encoding="utf-8"?>
@@ -254,7 +4951,7 @@
           <a:p>
             <a:fld id="{4CB4035A-1D71-4DD2-A2A9-62AED16A2FCE}" type="datetimeFigureOut">
               <a:rPr lang="zh-CN" altLang="en-US" smtClean="0"/>
-              <a:t>2018/11/12</a:t>
+              <a:t>2018/11/14</a:t>
             </a:fld>
             <a:endParaRPr lang="zh-CN" altLang="en-US"/>
           </a:p>
@@ -452,7 +5149,7 @@
           <a:p>
             <a:fld id="{4CB4035A-1D71-4DD2-A2A9-62AED16A2FCE}" type="datetimeFigureOut">
               <a:rPr lang="zh-CN" altLang="en-US" smtClean="0"/>
-              <a:t>2018/11/12</a:t>
+              <a:t>2018/11/14</a:t>
             </a:fld>
             <a:endParaRPr lang="zh-CN" altLang="en-US"/>
           </a:p>
@@ -660,7 +5357,7 @@
           <a:p>
             <a:fld id="{4CB4035A-1D71-4DD2-A2A9-62AED16A2FCE}" type="datetimeFigureOut">
               <a:rPr lang="zh-CN" altLang="en-US" smtClean="0"/>
-              <a:t>2018/11/12</a:t>
+              <a:t>2018/11/14</a:t>
             </a:fld>
             <a:endParaRPr lang="zh-CN" altLang="en-US"/>
           </a:p>
@@ -858,7 +5555,7 @@
           <a:p>
             <a:fld id="{4CB4035A-1D71-4DD2-A2A9-62AED16A2FCE}" type="datetimeFigureOut">
               <a:rPr lang="zh-CN" altLang="en-US" smtClean="0"/>
-              <a:t>2018/11/12</a:t>
+              <a:t>2018/11/14</a:t>
             </a:fld>
             <a:endParaRPr lang="zh-CN" altLang="en-US"/>
           </a:p>
@@ -1133,7 +5830,7 @@
           <a:p>
             <a:fld id="{4CB4035A-1D71-4DD2-A2A9-62AED16A2FCE}" type="datetimeFigureOut">
               <a:rPr lang="zh-CN" altLang="en-US" smtClean="0"/>
-              <a:t>2018/11/12</a:t>
+              <a:t>2018/11/14</a:t>
             </a:fld>
             <a:endParaRPr lang="zh-CN" altLang="en-US"/>
           </a:p>
@@ -1398,7 +6095,7 @@
           <a:p>
             <a:fld id="{4CB4035A-1D71-4DD2-A2A9-62AED16A2FCE}" type="datetimeFigureOut">
               <a:rPr lang="zh-CN" altLang="en-US" smtClean="0"/>
-              <a:t>2018/11/12</a:t>
+              <a:t>2018/11/14</a:t>
             </a:fld>
             <a:endParaRPr lang="zh-CN" altLang="en-US"/>
           </a:p>
@@ -1810,7 +6507,7 @@
           <a:p>
             <a:fld id="{4CB4035A-1D71-4DD2-A2A9-62AED16A2FCE}" type="datetimeFigureOut">
               <a:rPr lang="zh-CN" altLang="en-US" smtClean="0"/>
-              <a:t>2018/11/12</a:t>
+              <a:t>2018/11/14</a:t>
             </a:fld>
             <a:endParaRPr lang="zh-CN" altLang="en-US"/>
           </a:p>
@@ -1951,7 +6648,7 @@
           <a:p>
             <a:fld id="{4CB4035A-1D71-4DD2-A2A9-62AED16A2FCE}" type="datetimeFigureOut">
               <a:rPr lang="zh-CN" altLang="en-US" smtClean="0"/>
-              <a:t>2018/11/12</a:t>
+              <a:t>2018/11/14</a:t>
             </a:fld>
             <a:endParaRPr lang="zh-CN" altLang="en-US"/>
           </a:p>
@@ -2064,7 +6761,7 @@
           <a:p>
             <a:fld id="{4CB4035A-1D71-4DD2-A2A9-62AED16A2FCE}" type="datetimeFigureOut">
               <a:rPr lang="zh-CN" altLang="en-US" smtClean="0"/>
-              <a:t>2018/11/12</a:t>
+              <a:t>2018/11/14</a:t>
             </a:fld>
             <a:endParaRPr lang="zh-CN" altLang="en-US"/>
           </a:p>
@@ -2375,7 +7072,7 @@
           <a:p>
             <a:fld id="{4CB4035A-1D71-4DD2-A2A9-62AED16A2FCE}" type="datetimeFigureOut">
               <a:rPr lang="zh-CN" altLang="en-US" smtClean="0"/>
-              <a:t>2018/11/12</a:t>
+              <a:t>2018/11/14</a:t>
             </a:fld>
             <a:endParaRPr lang="zh-CN" altLang="en-US"/>
           </a:p>
@@ -2663,7 +7360,7 @@
           <a:p>
             <a:fld id="{4CB4035A-1D71-4DD2-A2A9-62AED16A2FCE}" type="datetimeFigureOut">
               <a:rPr lang="zh-CN" altLang="en-US" smtClean="0"/>
-              <a:t>2018/11/12</a:t>
+              <a:t>2018/11/14</a:t>
             </a:fld>
             <a:endParaRPr lang="zh-CN" altLang="en-US"/>
           </a:p>
@@ -2904,7 +7601,7 @@
           <a:p>
             <a:fld id="{4CB4035A-1D71-4DD2-A2A9-62AED16A2FCE}" type="datetimeFigureOut">
               <a:rPr lang="zh-CN" altLang="en-US" smtClean="0"/>
-              <a:t>2018/11/12</a:t>
+              <a:t>2018/11/14</a:t>
             </a:fld>
             <a:endParaRPr lang="zh-CN" altLang="en-US"/>
           </a:p>
@@ -3372,52 +8069,6 @@
       </p:sp>
       <p:sp>
         <p:nvSpPr>
-          <p:cNvPr id="7" name="椭圆 6">
-            <a:extLst>
-              <a:ext uri="{FF2B5EF4-FFF2-40B4-BE49-F238E27FC236}">
-                <a16:creationId xmlns:a16="http://schemas.microsoft.com/office/drawing/2014/main" id="{A0ECF5E8-99AE-429F-AD41-A819C5D64E5E}"/>
-              </a:ext>
-            </a:extLst>
-          </p:cNvPr>
-          <p:cNvSpPr/>
-          <p:nvPr/>
-        </p:nvSpPr>
-        <p:spPr>
-          <a:xfrm>
-            <a:off x="1376176" y="5687042"/>
-            <a:ext cx="1281793" cy="710292"/>
-          </a:xfrm>
-          <a:prstGeom prst="ellipse">
-            <a:avLst/>
-          </a:prstGeom>
-        </p:spPr>
-        <p:style>
-          <a:lnRef idx="2">
-            <a:schemeClr val="accent1">
-              <a:shade val="50000"/>
-            </a:schemeClr>
-          </a:lnRef>
-          <a:fillRef idx="1">
-            <a:schemeClr val="accent1"/>
-          </a:fillRef>
-          <a:effectRef idx="0">
-            <a:schemeClr val="accent1"/>
-          </a:effectRef>
-          <a:fontRef idx="minor">
-            <a:schemeClr val="lt1"/>
-          </a:fontRef>
-        </p:style>
-        <p:txBody>
-          <a:bodyPr rtlCol="0" anchor="ctr"/>
-          <a:lstStyle/>
-          <a:p>
-            <a:pPr algn="ctr"/>
-            <a:endParaRPr lang="zh-CN" altLang="en-US"/>
-          </a:p>
-        </p:txBody>
-      </p:sp>
-      <p:sp>
-        <p:nvSpPr>
           <p:cNvPr id="8" name="菱形 7">
             <a:extLst>
               <a:ext uri="{FF2B5EF4-FFF2-40B4-BE49-F238E27FC236}">
@@ -3663,55 +8314,6 @@
       </p:sp>
       <p:sp>
         <p:nvSpPr>
-          <p:cNvPr id="13" name="矩形 12">
-            <a:extLst>
-              <a:ext uri="{FF2B5EF4-FFF2-40B4-BE49-F238E27FC236}">
-                <a16:creationId xmlns:a16="http://schemas.microsoft.com/office/drawing/2014/main" id="{74284DF0-827E-449E-881A-8D1EF5CE1488}"/>
-              </a:ext>
-            </a:extLst>
-          </p:cNvPr>
-          <p:cNvSpPr/>
-          <p:nvPr/>
-        </p:nvSpPr>
-        <p:spPr>
-          <a:xfrm>
-            <a:off x="1523812" y="2851818"/>
-            <a:ext cx="1047327" cy="551460"/>
-          </a:xfrm>
-          <a:prstGeom prst="rect">
-            <a:avLst/>
-          </a:prstGeom>
-        </p:spPr>
-        <p:style>
-          <a:lnRef idx="2">
-            <a:schemeClr val="accent1">
-              <a:shade val="50000"/>
-            </a:schemeClr>
-          </a:lnRef>
-          <a:fillRef idx="1">
-            <a:schemeClr val="accent1"/>
-          </a:fillRef>
-          <a:effectRef idx="0">
-            <a:schemeClr val="accent1"/>
-          </a:effectRef>
-          <a:fontRef idx="minor">
-            <a:schemeClr val="lt1"/>
-          </a:fontRef>
-        </p:style>
-        <p:txBody>
-          <a:bodyPr rtlCol="0" anchor="ctr"/>
-          <a:lstStyle/>
-          <a:p>
-            <a:pPr algn="ctr"/>
-            <a:r>
-              <a:rPr lang="zh-CN" altLang="en-US" dirty="0"/>
-              <a:t>规则</a:t>
-            </a:r>
-          </a:p>
-        </p:txBody>
-      </p:sp>
-      <p:sp>
-        <p:nvSpPr>
           <p:cNvPr id="14" name="矩形 13">
             <a:extLst>
               <a:ext uri="{FF2B5EF4-FFF2-40B4-BE49-F238E27FC236}">
@@ -3724,7 +8326,7 @@
         </p:nvSpPr>
         <p:spPr>
           <a:xfrm>
-            <a:off x="1499542" y="443594"/>
+            <a:off x="2020667" y="1640663"/>
             <a:ext cx="1095871" cy="587828"/>
           </a:xfrm>
           <a:prstGeom prst="rect">
@@ -3759,104 +8361,125 @@
           </a:p>
         </p:txBody>
       </p:sp>
-      <p:sp>
-        <p:nvSpPr>
-          <p:cNvPr id="15" name="矩形 14">
+      <p:grpSp>
+        <p:nvGrpSpPr>
+          <p:cNvPr id="107" name="组合 106">
             <a:extLst>
               <a:ext uri="{FF2B5EF4-FFF2-40B4-BE49-F238E27FC236}">
-                <a16:creationId xmlns:a16="http://schemas.microsoft.com/office/drawing/2014/main" id="{3521CA6B-0DDC-4609-8E76-6E4557BB591C}"/>
+                <a16:creationId xmlns:a16="http://schemas.microsoft.com/office/drawing/2014/main" id="{66BCE779-7666-42C5-AFAC-8DA33C0E11AC}"/>
               </a:ext>
             </a:extLst>
           </p:cNvPr>
-          <p:cNvSpPr/>
+          <p:cNvGrpSpPr/>
           <p:nvPr/>
-        </p:nvSpPr>
-        <p:spPr>
+        </p:nvGrpSpPr>
+        <p:grpSpPr>
           <a:xfrm>
-            <a:off x="2321053" y="4594262"/>
-            <a:ext cx="1316181" cy="551460"/>
+            <a:off x="923073" y="5258947"/>
+            <a:ext cx="1281785" cy="685422"/>
+            <a:chOff x="923073" y="5258947"/>
+            <a:chExt cx="1281785" cy="685422"/>
           </a:xfrm>
-          <a:prstGeom prst="rect">
-            <a:avLst/>
-          </a:prstGeom>
-        </p:spPr>
-        <p:style>
-          <a:lnRef idx="2">
-            <a:schemeClr val="accent1">
-              <a:shade val="50000"/>
-            </a:schemeClr>
-          </a:lnRef>
-          <a:fillRef idx="1">
-            <a:schemeClr val="accent1"/>
-          </a:fillRef>
-          <a:effectRef idx="0">
-            <a:schemeClr val="accent1"/>
-          </a:effectRef>
-          <a:fontRef idx="minor">
-            <a:schemeClr val="lt1"/>
-          </a:fontRef>
-        </p:style>
-        <p:txBody>
-          <a:bodyPr rtlCol="0" anchor="ctr"/>
-          <a:lstStyle/>
-          <a:p>
-            <a:pPr algn="ctr"/>
-            <a:r>
-              <a:rPr lang="zh-CN" altLang="en-US" dirty="0"/>
-              <a:t>段位规则</a:t>
-            </a:r>
-          </a:p>
-        </p:txBody>
-      </p:sp>
-      <p:sp>
-        <p:nvSpPr>
-          <p:cNvPr id="16" name="矩形 15">
-            <a:extLst>
-              <a:ext uri="{FF2B5EF4-FFF2-40B4-BE49-F238E27FC236}">
-                <a16:creationId xmlns:a16="http://schemas.microsoft.com/office/drawing/2014/main" id="{D9550077-2C77-4C36-B57E-93E149326FB5}"/>
-              </a:ext>
-            </a:extLst>
-          </p:cNvPr>
-          <p:cNvSpPr/>
-          <p:nvPr/>
-        </p:nvSpPr>
-        <p:spPr>
-          <a:xfrm>
-            <a:off x="503184" y="4594262"/>
-            <a:ext cx="1316181" cy="551460"/>
-          </a:xfrm>
-          <a:prstGeom prst="rect">
-            <a:avLst/>
-          </a:prstGeom>
-        </p:spPr>
-        <p:style>
-          <a:lnRef idx="2">
-            <a:schemeClr val="accent1">
-              <a:shade val="50000"/>
-            </a:schemeClr>
-          </a:lnRef>
-          <a:fillRef idx="1">
-            <a:schemeClr val="accent1"/>
-          </a:fillRef>
-          <a:effectRef idx="0">
-            <a:schemeClr val="accent1"/>
-          </a:effectRef>
-          <a:fontRef idx="minor">
-            <a:schemeClr val="lt1"/>
-          </a:fontRef>
-        </p:style>
-        <p:txBody>
-          <a:bodyPr rtlCol="0" anchor="ctr"/>
-          <a:lstStyle/>
-          <a:p>
-            <a:pPr algn="ctr"/>
-            <a:r>
-              <a:rPr lang="zh-CN" altLang="en-US" dirty="0"/>
-              <a:t>积分规则</a:t>
-            </a:r>
-          </a:p>
-        </p:txBody>
-      </p:sp>
+        </p:grpSpPr>
+        <p:sp>
+          <p:nvSpPr>
+            <p:cNvPr id="106" name="矩形 105">
+              <a:extLst>
+                <a:ext uri="{FF2B5EF4-FFF2-40B4-BE49-F238E27FC236}">
+                  <a16:creationId xmlns:a16="http://schemas.microsoft.com/office/drawing/2014/main" id="{27FF7F54-7662-4E78-9B96-009C6B0F0BDF}"/>
+                </a:ext>
+              </a:extLst>
+            </p:cNvPr>
+            <p:cNvSpPr/>
+            <p:nvPr/>
+          </p:nvSpPr>
+          <p:spPr>
+            <a:xfrm>
+              <a:off x="923073" y="5258947"/>
+              <a:ext cx="1281785" cy="685422"/>
+            </a:xfrm>
+            <a:prstGeom prst="rect">
+              <a:avLst/>
+            </a:prstGeom>
+            <a:solidFill>
+              <a:schemeClr val="accent5"/>
+            </a:solidFill>
+          </p:spPr>
+          <p:style>
+            <a:lnRef idx="2">
+              <a:schemeClr val="accent1">
+                <a:shade val="50000"/>
+              </a:schemeClr>
+            </a:lnRef>
+            <a:fillRef idx="1">
+              <a:schemeClr val="accent1"/>
+            </a:fillRef>
+            <a:effectRef idx="0">
+              <a:schemeClr val="accent1"/>
+            </a:effectRef>
+            <a:fontRef idx="minor">
+              <a:schemeClr val="lt1"/>
+            </a:fontRef>
+          </p:style>
+          <p:txBody>
+            <a:bodyPr rtlCol="0" anchor="ctr"/>
+            <a:lstStyle/>
+            <a:p>
+              <a:pPr algn="ctr"/>
+              <a:endParaRPr lang="zh-CN" altLang="en-US" dirty="0"/>
+            </a:p>
+          </p:txBody>
+        </p:sp>
+        <p:sp>
+          <p:nvSpPr>
+            <p:cNvPr id="15" name="矩形 14">
+              <a:extLst>
+                <a:ext uri="{FF2B5EF4-FFF2-40B4-BE49-F238E27FC236}">
+                  <a16:creationId xmlns:a16="http://schemas.microsoft.com/office/drawing/2014/main" id="{3521CA6B-0DDC-4609-8E76-6E4557BB591C}"/>
+                </a:ext>
+              </a:extLst>
+            </p:cNvPr>
+            <p:cNvSpPr/>
+            <p:nvPr/>
+          </p:nvSpPr>
+          <p:spPr>
+            <a:xfrm>
+              <a:off x="1016030" y="5318783"/>
+              <a:ext cx="1095871" cy="568901"/>
+            </a:xfrm>
+            <a:prstGeom prst="rect">
+              <a:avLst/>
+            </a:prstGeom>
+          </p:spPr>
+          <p:style>
+            <a:lnRef idx="2">
+              <a:schemeClr val="accent1">
+                <a:shade val="50000"/>
+              </a:schemeClr>
+            </a:lnRef>
+            <a:fillRef idx="1">
+              <a:schemeClr val="accent1"/>
+            </a:fillRef>
+            <a:effectRef idx="0">
+              <a:schemeClr val="accent1"/>
+            </a:effectRef>
+            <a:fontRef idx="minor">
+              <a:schemeClr val="lt1"/>
+            </a:fontRef>
+          </p:style>
+          <p:txBody>
+            <a:bodyPr rtlCol="0" anchor="ctr"/>
+            <a:lstStyle/>
+            <a:p>
+              <a:pPr algn="ctr"/>
+              <a:r>
+                <a:rPr lang="zh-CN" altLang="en-US" dirty="0"/>
+                <a:t>段位</a:t>
+              </a:r>
+            </a:p>
+          </p:txBody>
+        </p:sp>
+      </p:grpSp>
       <p:sp>
         <p:nvSpPr>
           <p:cNvPr id="17" name="菱形 16">
@@ -3957,10 +8580,10 @@
       </p:sp>
       <p:sp>
         <p:nvSpPr>
-          <p:cNvPr id="19" name="菱形 18">
+          <p:cNvPr id="20" name="菱形 19">
             <a:extLst>
               <a:ext uri="{FF2B5EF4-FFF2-40B4-BE49-F238E27FC236}">
-                <a16:creationId xmlns:a16="http://schemas.microsoft.com/office/drawing/2014/main" id="{07E6D2F9-CB66-415E-AAC1-DF2134DA612E}"/>
+                <a16:creationId xmlns:a16="http://schemas.microsoft.com/office/drawing/2014/main" id="{6D477BA2-1291-4CB1-A8CA-665B6EFF2FB5}"/>
               </a:ext>
             </a:extLst>
           </p:cNvPr>
@@ -3969,7 +8592,7 @@
         </p:nvSpPr>
         <p:spPr>
           <a:xfrm>
-            <a:off x="1406580" y="1628905"/>
+            <a:off x="4623790" y="1640663"/>
             <a:ext cx="1281793" cy="587828"/>
           </a:xfrm>
           <a:prstGeom prst="diamond">
@@ -3999,55 +8622,6 @@
             <a:pPr algn="ctr"/>
             <a:r>
               <a:rPr lang="zh-CN" altLang="en-US" dirty="0"/>
-              <a:t>制定</a:t>
-            </a:r>
-          </a:p>
-        </p:txBody>
-      </p:sp>
-      <p:sp>
-        <p:nvSpPr>
-          <p:cNvPr id="20" name="菱形 19">
-            <a:extLst>
-              <a:ext uri="{FF2B5EF4-FFF2-40B4-BE49-F238E27FC236}">
-                <a16:creationId xmlns:a16="http://schemas.microsoft.com/office/drawing/2014/main" id="{6D477BA2-1291-4CB1-A8CA-665B6EFF2FB5}"/>
-              </a:ext>
-            </a:extLst>
-          </p:cNvPr>
-          <p:cNvSpPr/>
-          <p:nvPr/>
-        </p:nvSpPr>
-        <p:spPr>
-          <a:xfrm>
-            <a:off x="5455103" y="1628905"/>
-            <a:ext cx="1281793" cy="587828"/>
-          </a:xfrm>
-          <a:prstGeom prst="diamond">
-            <a:avLst/>
-          </a:prstGeom>
-        </p:spPr>
-        <p:style>
-          <a:lnRef idx="2">
-            <a:schemeClr val="accent1">
-              <a:shade val="50000"/>
-            </a:schemeClr>
-          </a:lnRef>
-          <a:fillRef idx="1">
-            <a:schemeClr val="accent1"/>
-          </a:fillRef>
-          <a:effectRef idx="0">
-            <a:schemeClr val="accent1"/>
-          </a:effectRef>
-          <a:fontRef idx="minor">
-            <a:schemeClr val="lt1"/>
-          </a:fontRef>
-        </p:style>
-        <p:txBody>
-          <a:bodyPr rtlCol="0" anchor="ctr"/>
-          <a:lstStyle/>
-          <a:p>
-            <a:pPr algn="ctr"/>
-            <a:r>
-              <a:rPr lang="zh-CN" altLang="en-US" dirty="0"/>
               <a:t>发布</a:t>
             </a:r>
           </a:p>
@@ -4067,7 +8641,7 @@
         </p:nvSpPr>
         <p:spPr>
           <a:xfrm>
-            <a:off x="3415319" y="443594"/>
+            <a:off x="3432512" y="443594"/>
             <a:ext cx="1316180" cy="587828"/>
           </a:xfrm>
           <a:prstGeom prst="diamond">
@@ -4097,7 +8671,7 @@
             <a:pPr algn="ctr"/>
             <a:r>
               <a:rPr lang="zh-CN" altLang="en-US" dirty="0"/>
-              <a:t>回复</a:t>
+              <a:t>管理</a:t>
             </a:r>
           </a:p>
         </p:txBody>
@@ -4151,144 +8725,6 @@
           </a:p>
         </p:txBody>
       </p:sp>
-      <p:sp>
-        <p:nvSpPr>
-          <p:cNvPr id="23" name="菱形 22">
-            <a:extLst>
-              <a:ext uri="{FF2B5EF4-FFF2-40B4-BE49-F238E27FC236}">
-                <a16:creationId xmlns:a16="http://schemas.microsoft.com/office/drawing/2014/main" id="{2DA77C30-332A-4B88-BCD9-127606CEFF24}"/>
-              </a:ext>
-            </a:extLst>
-          </p:cNvPr>
-          <p:cNvSpPr/>
-          <p:nvPr/>
-        </p:nvSpPr>
-        <p:spPr>
-          <a:xfrm>
-            <a:off x="3432512" y="2833634"/>
-            <a:ext cx="1281793" cy="587828"/>
-          </a:xfrm>
-          <a:prstGeom prst="diamond">
-            <a:avLst/>
-          </a:prstGeom>
-        </p:spPr>
-        <p:style>
-          <a:lnRef idx="2">
-            <a:schemeClr val="accent1">
-              <a:shade val="50000"/>
-            </a:schemeClr>
-          </a:lnRef>
-          <a:fillRef idx="1">
-            <a:schemeClr val="accent1"/>
-          </a:fillRef>
-          <a:effectRef idx="0">
-            <a:schemeClr val="accent1"/>
-          </a:effectRef>
-          <a:fontRef idx="minor">
-            <a:schemeClr val="lt1"/>
-          </a:fontRef>
-        </p:style>
-        <p:txBody>
-          <a:bodyPr rtlCol="0" anchor="ctr"/>
-          <a:lstStyle/>
-          <a:p>
-            <a:pPr algn="ctr"/>
-            <a:r>
-              <a:rPr lang="zh-CN" altLang="en-US" dirty="0"/>
-              <a:t>查询</a:t>
-            </a:r>
-          </a:p>
-        </p:txBody>
-      </p:sp>
-      <p:sp>
-        <p:nvSpPr>
-          <p:cNvPr id="24" name="流程图: 合并 23">
-            <a:extLst>
-              <a:ext uri="{FF2B5EF4-FFF2-40B4-BE49-F238E27FC236}">
-                <a16:creationId xmlns:a16="http://schemas.microsoft.com/office/drawing/2014/main" id="{7BBAE4BC-BE87-41F8-9076-B34B2CE96A11}"/>
-              </a:ext>
-            </a:extLst>
-          </p:cNvPr>
-          <p:cNvSpPr/>
-          <p:nvPr/>
-        </p:nvSpPr>
-        <p:spPr>
-          <a:xfrm>
-            <a:off x="1496405" y="3636258"/>
-            <a:ext cx="1095871" cy="551460"/>
-          </a:xfrm>
-          <a:prstGeom prst="flowChartMerge">
-            <a:avLst/>
-          </a:prstGeom>
-        </p:spPr>
-        <p:style>
-          <a:lnRef idx="2">
-            <a:schemeClr val="accent1">
-              <a:shade val="50000"/>
-            </a:schemeClr>
-          </a:lnRef>
-          <a:fillRef idx="1">
-            <a:schemeClr val="accent1"/>
-          </a:fillRef>
-          <a:effectRef idx="0">
-            <a:schemeClr val="accent1"/>
-          </a:effectRef>
-          <a:fontRef idx="minor">
-            <a:schemeClr val="lt1"/>
-          </a:fontRef>
-        </p:style>
-        <p:txBody>
-          <a:bodyPr rtlCol="0" anchor="ctr"/>
-          <a:lstStyle/>
-          <a:p>
-            <a:pPr algn="ctr"/>
-            <a:r>
-              <a:rPr lang="en-US" altLang="zh-CN" dirty="0"/>
-              <a:t>ISA</a:t>
-            </a:r>
-          </a:p>
-        </p:txBody>
-      </p:sp>
-      <p:cxnSp>
-        <p:nvCxnSpPr>
-          <p:cNvPr id="26" name="直接连接符 25">
-            <a:extLst>
-              <a:ext uri="{FF2B5EF4-FFF2-40B4-BE49-F238E27FC236}">
-                <a16:creationId xmlns:a16="http://schemas.microsoft.com/office/drawing/2014/main" id="{62ACC38E-CADE-4391-A3C1-67FB49F72261}"/>
-              </a:ext>
-            </a:extLst>
-          </p:cNvPr>
-          <p:cNvCxnSpPr>
-            <a:cxnSpLocks/>
-            <a:stCxn id="14" idx="2"/>
-            <a:endCxn id="19" idx="0"/>
-          </p:cNvCxnSpPr>
-          <p:nvPr/>
-        </p:nvCxnSpPr>
-        <p:spPr>
-          <a:xfrm flipH="1">
-            <a:off x="2047477" y="1031422"/>
-            <a:ext cx="1" cy="597483"/>
-          </a:xfrm>
-          <a:prstGeom prst="line">
-            <a:avLst/>
-          </a:prstGeom>
-        </p:spPr>
-        <p:style>
-          <a:lnRef idx="1">
-            <a:schemeClr val="accent1"/>
-          </a:lnRef>
-          <a:fillRef idx="0">
-            <a:schemeClr val="accent1"/>
-          </a:fillRef>
-          <a:effectRef idx="0">
-            <a:schemeClr val="accent1"/>
-          </a:effectRef>
-          <a:fontRef idx="minor">
-            <a:schemeClr val="tx1"/>
-          </a:fontRef>
-        </p:style>
-      </p:cxnSp>
       <p:cxnSp>
         <p:nvCxnSpPr>
           <p:cNvPr id="29" name="直接连接符 28">
@@ -4300,15 +8736,15 @@
           </p:cNvPr>
           <p:cNvCxnSpPr>
             <a:cxnSpLocks/>
-            <a:stCxn id="14" idx="3"/>
+            <a:stCxn id="14" idx="0"/>
             <a:endCxn id="21" idx="1"/>
           </p:cNvCxnSpPr>
           <p:nvPr/>
         </p:nvCxnSpPr>
         <p:spPr>
-          <a:xfrm>
-            <a:off x="2595413" y="737508"/>
-            <a:ext cx="819906" cy="0"/>
+          <a:xfrm flipV="1">
+            <a:off x="2568603" y="737508"/>
+            <a:ext cx="863909" cy="903155"/>
           </a:xfrm>
           <a:prstGeom prst="line">
             <a:avLst/>
@@ -4346,9 +8782,9 @@
           <p:nvPr/>
         </p:nvCxnSpPr>
         <p:spPr>
-          <a:xfrm flipH="1" flipV="1">
-            <a:off x="6071879" y="1014668"/>
-            <a:ext cx="24121" cy="614237"/>
+          <a:xfrm flipV="1">
+            <a:off x="5264687" y="1014668"/>
+            <a:ext cx="807192" cy="625995"/>
           </a:xfrm>
           <a:prstGeom prst="line">
             <a:avLst/>
@@ -4387,8 +8823,8 @@
         </p:nvCxnSpPr>
         <p:spPr>
           <a:xfrm>
-            <a:off x="4731499" y="737508"/>
-            <a:ext cx="795786" cy="5634"/>
+            <a:off x="4748692" y="737508"/>
+            <a:ext cx="778593" cy="5634"/>
           </a:xfrm>
           <a:prstGeom prst="line">
             <a:avLst/>
@@ -4460,134 +8896,15 @@
           </p:cNvPr>
           <p:cNvCxnSpPr>
             <a:cxnSpLocks/>
-            <a:stCxn id="24" idx="3"/>
-            <a:endCxn id="15" idx="0"/>
+            <a:stCxn id="15" idx="3"/>
+            <a:endCxn id="63" idx="1"/>
           </p:cNvCxnSpPr>
           <p:nvPr/>
         </p:nvCxnSpPr>
         <p:spPr>
-          <a:xfrm>
-            <a:off x="2318308" y="3911988"/>
-            <a:ext cx="660836" cy="682274"/>
-          </a:xfrm>
-          <a:prstGeom prst="line">
-            <a:avLst/>
-          </a:prstGeom>
-        </p:spPr>
-        <p:style>
-          <a:lnRef idx="1">
-            <a:schemeClr val="accent1"/>
-          </a:lnRef>
-          <a:fillRef idx="0">
-            <a:schemeClr val="accent1"/>
-          </a:fillRef>
-          <a:effectRef idx="0">
-            <a:schemeClr val="accent1"/>
-          </a:effectRef>
-          <a:fontRef idx="minor">
-            <a:schemeClr val="tx1"/>
-          </a:fontRef>
-        </p:style>
-      </p:cxnSp>
-      <p:cxnSp>
-        <p:nvCxnSpPr>
-          <p:cNvPr id="41" name="直接连接符 40">
-            <a:extLst>
-              <a:ext uri="{FF2B5EF4-FFF2-40B4-BE49-F238E27FC236}">
-                <a16:creationId xmlns:a16="http://schemas.microsoft.com/office/drawing/2014/main" id="{6E54D5AC-807F-4587-9D09-370574CAF011}"/>
-              </a:ext>
-            </a:extLst>
-          </p:cNvPr>
-          <p:cNvCxnSpPr>
-            <a:cxnSpLocks/>
-            <a:stCxn id="19" idx="2"/>
-            <a:endCxn id="13" idx="0"/>
-          </p:cNvCxnSpPr>
-          <p:nvPr/>
-        </p:nvCxnSpPr>
-        <p:spPr>
-          <a:xfrm flipH="1">
-            <a:off x="2047476" y="2216733"/>
-            <a:ext cx="1" cy="635085"/>
-          </a:xfrm>
-          <a:prstGeom prst="line">
-            <a:avLst/>
-          </a:prstGeom>
-        </p:spPr>
-        <p:style>
-          <a:lnRef idx="1">
-            <a:schemeClr val="accent1"/>
-          </a:lnRef>
-          <a:fillRef idx="0">
-            <a:schemeClr val="accent1"/>
-          </a:fillRef>
-          <a:effectRef idx="0">
-            <a:schemeClr val="accent1"/>
-          </a:effectRef>
-          <a:fontRef idx="minor">
-            <a:schemeClr val="tx1"/>
-          </a:fontRef>
-        </p:style>
-      </p:cxnSp>
-      <p:cxnSp>
-        <p:nvCxnSpPr>
-          <p:cNvPr id="47" name="直接连接符 46">
-            <a:extLst>
-              <a:ext uri="{FF2B5EF4-FFF2-40B4-BE49-F238E27FC236}">
-                <a16:creationId xmlns:a16="http://schemas.microsoft.com/office/drawing/2014/main" id="{049E9D31-019C-4D0A-9D1F-5C1DE4AC1D40}"/>
-              </a:ext>
-            </a:extLst>
-          </p:cNvPr>
-          <p:cNvCxnSpPr>
-            <a:cxnSpLocks/>
-            <a:stCxn id="23" idx="3"/>
-          </p:cNvCxnSpPr>
-          <p:nvPr/>
-        </p:nvCxnSpPr>
-        <p:spPr>
-          <a:xfrm>
-            <a:off x="4714305" y="3127548"/>
-            <a:ext cx="1100765" cy="0"/>
-          </a:xfrm>
-          <a:prstGeom prst="line">
-            <a:avLst/>
-          </a:prstGeom>
-        </p:spPr>
-        <p:style>
-          <a:lnRef idx="1">
-            <a:schemeClr val="accent1"/>
-          </a:lnRef>
-          <a:fillRef idx="0">
-            <a:schemeClr val="accent1"/>
-          </a:fillRef>
-          <a:effectRef idx="0">
-            <a:schemeClr val="accent1"/>
-          </a:effectRef>
-          <a:fontRef idx="minor">
-            <a:schemeClr val="tx1"/>
-          </a:fontRef>
-        </p:style>
-      </p:cxnSp>
-      <p:cxnSp>
-        <p:nvCxnSpPr>
-          <p:cNvPr id="48" name="直接连接符 47">
-            <a:extLst>
-              <a:ext uri="{FF2B5EF4-FFF2-40B4-BE49-F238E27FC236}">
-                <a16:creationId xmlns:a16="http://schemas.microsoft.com/office/drawing/2014/main" id="{93EDA762-CBE2-4C5E-8720-03BE51BC7B1D}"/>
-              </a:ext>
-            </a:extLst>
-          </p:cNvPr>
-          <p:cNvCxnSpPr>
-            <a:cxnSpLocks/>
-            <a:stCxn id="24" idx="1"/>
-            <a:endCxn id="16" idx="0"/>
-          </p:cNvCxnSpPr>
-          <p:nvPr/>
-        </p:nvCxnSpPr>
-        <p:spPr>
-          <a:xfrm flipH="1">
-            <a:off x="1161275" y="3911988"/>
-            <a:ext cx="609098" cy="682274"/>
+          <a:xfrm flipV="1">
+            <a:off x="2111901" y="5600083"/>
+            <a:ext cx="893161" cy="3151"/>
           </a:xfrm>
           <a:prstGeom prst="line">
             <a:avLst/>
@@ -4628,46 +8945,6 @@
           <a:xfrm>
             <a:off x="6096000" y="3379775"/>
             <a:ext cx="0" cy="646831"/>
-          </a:xfrm>
-          <a:prstGeom prst="line">
-            <a:avLst/>
-          </a:prstGeom>
-        </p:spPr>
-        <p:style>
-          <a:lnRef idx="1">
-            <a:schemeClr val="accent1"/>
-          </a:lnRef>
-          <a:fillRef idx="0">
-            <a:schemeClr val="accent1"/>
-          </a:fillRef>
-          <a:effectRef idx="0">
-            <a:schemeClr val="accent1"/>
-          </a:effectRef>
-          <a:fontRef idx="minor">
-            <a:schemeClr val="tx1"/>
-          </a:fontRef>
-        </p:style>
-      </p:cxnSp>
-      <p:cxnSp>
-        <p:nvCxnSpPr>
-          <p:cNvPr id="53" name="直接连接符 52">
-            <a:extLst>
-              <a:ext uri="{FF2B5EF4-FFF2-40B4-BE49-F238E27FC236}">
-                <a16:creationId xmlns:a16="http://schemas.microsoft.com/office/drawing/2014/main" id="{EA0B7546-B53D-4D2F-AECA-C8FAF4A3E9E4}"/>
-              </a:ext>
-            </a:extLst>
-          </p:cNvPr>
-          <p:cNvCxnSpPr>
-            <a:cxnSpLocks/>
-            <a:stCxn id="13" idx="3"/>
-            <a:endCxn id="23" idx="1"/>
-          </p:cNvCxnSpPr>
-          <p:nvPr/>
-        </p:nvCxnSpPr>
-        <p:spPr>
-          <a:xfrm>
-            <a:off x="2571139" y="3127548"/>
-            <a:ext cx="861373" cy="0"/>
           </a:xfrm>
           <a:prstGeom prst="line">
             <a:avLst/>
@@ -4746,8 +9023,8 @@
         </p:nvCxnSpPr>
         <p:spPr>
           <a:xfrm>
-            <a:off x="6096000" y="2216733"/>
-            <a:ext cx="0" cy="658589"/>
+            <a:off x="5264687" y="2228491"/>
+            <a:ext cx="831313" cy="646831"/>
           </a:xfrm>
           <a:prstGeom prst="line">
             <a:avLst/>
@@ -4979,15 +9256,15 @@
           </p:cNvPr>
           <p:cNvCxnSpPr>
             <a:cxnSpLocks/>
-            <a:stCxn id="13" idx="2"/>
-            <a:endCxn id="24" idx="0"/>
+            <a:stCxn id="9" idx="1"/>
+            <a:endCxn id="63" idx="3"/>
           </p:cNvCxnSpPr>
           <p:nvPr/>
         </p:nvCxnSpPr>
         <p:spPr>
           <a:xfrm flipH="1">
-            <a:off x="2044341" y="3403278"/>
-            <a:ext cx="3135" cy="232980"/>
+            <a:off x="4657509" y="5593770"/>
+            <a:ext cx="918018" cy="6313"/>
           </a:xfrm>
           <a:prstGeom prst="line">
             <a:avLst/>
@@ -5008,10 +9285,448 @@
           </a:fontRef>
         </p:style>
       </p:cxnSp>
+      <p:sp>
+        <p:nvSpPr>
+          <p:cNvPr id="42" name="菱形 41">
+            <a:extLst>
+              <a:ext uri="{FF2B5EF4-FFF2-40B4-BE49-F238E27FC236}">
+                <a16:creationId xmlns:a16="http://schemas.microsoft.com/office/drawing/2014/main" id="{C96E612F-2CFB-4969-BD58-E9439BF4412D}"/>
+              </a:ext>
+            </a:extLst>
+          </p:cNvPr>
+          <p:cNvSpPr/>
+          <p:nvPr/>
+        </p:nvSpPr>
+        <p:spPr>
+          <a:xfrm>
+            <a:off x="6382939" y="1619811"/>
+            <a:ext cx="1281793" cy="587828"/>
+          </a:xfrm>
+          <a:prstGeom prst="diamond">
+            <a:avLst/>
+          </a:prstGeom>
+        </p:spPr>
+        <p:style>
+          <a:lnRef idx="2">
+            <a:schemeClr val="accent1">
+              <a:shade val="50000"/>
+            </a:schemeClr>
+          </a:lnRef>
+          <a:fillRef idx="1">
+            <a:schemeClr val="accent1"/>
+          </a:fillRef>
+          <a:effectRef idx="0">
+            <a:schemeClr val="accent1"/>
+          </a:effectRef>
+          <a:fontRef idx="minor">
+            <a:schemeClr val="lt1"/>
+          </a:fontRef>
+        </p:style>
+        <p:txBody>
+          <a:bodyPr rtlCol="0" anchor="ctr"/>
+          <a:lstStyle/>
+          <a:p>
+            <a:pPr algn="ctr"/>
+            <a:r>
+              <a:rPr lang="zh-CN" altLang="en-US" dirty="0"/>
+              <a:t>评论</a:t>
+            </a:r>
+          </a:p>
+        </p:txBody>
+      </p:sp>
+      <p:cxnSp>
+        <p:nvCxnSpPr>
+          <p:cNvPr id="43" name="直接连接符 42">
+            <a:extLst>
+              <a:ext uri="{FF2B5EF4-FFF2-40B4-BE49-F238E27FC236}">
+                <a16:creationId xmlns:a16="http://schemas.microsoft.com/office/drawing/2014/main" id="{CF8C4AD1-98CB-4B51-AE35-738D77BDE634}"/>
+              </a:ext>
+            </a:extLst>
+          </p:cNvPr>
+          <p:cNvCxnSpPr>
+            <a:cxnSpLocks/>
+            <a:stCxn id="42" idx="0"/>
+            <a:endCxn id="11" idx="2"/>
+          </p:cNvCxnSpPr>
+          <p:nvPr/>
+        </p:nvCxnSpPr>
+        <p:spPr>
+          <a:xfrm flipH="1" flipV="1">
+            <a:off x="6071879" y="1014668"/>
+            <a:ext cx="951957" cy="605143"/>
+          </a:xfrm>
+          <a:prstGeom prst="line">
+            <a:avLst/>
+          </a:prstGeom>
+        </p:spPr>
+        <p:style>
+          <a:lnRef idx="1">
+            <a:schemeClr val="accent1"/>
+          </a:lnRef>
+          <a:fillRef idx="0">
+            <a:schemeClr val="accent1"/>
+          </a:fillRef>
+          <a:effectRef idx="0">
+            <a:schemeClr val="accent1"/>
+          </a:effectRef>
+          <a:fontRef idx="minor">
+            <a:schemeClr val="tx1"/>
+          </a:fontRef>
+        </p:style>
+      </p:cxnSp>
+      <p:cxnSp>
+        <p:nvCxnSpPr>
+          <p:cNvPr id="44" name="直接连接符 43">
+            <a:extLst>
+              <a:ext uri="{FF2B5EF4-FFF2-40B4-BE49-F238E27FC236}">
+                <a16:creationId xmlns:a16="http://schemas.microsoft.com/office/drawing/2014/main" id="{44E7C243-7FBA-4B3B-A974-243A69556F33}"/>
+              </a:ext>
+            </a:extLst>
+          </p:cNvPr>
+          <p:cNvCxnSpPr>
+            <a:cxnSpLocks/>
+            <a:stCxn id="42" idx="2"/>
+            <a:endCxn id="4" idx="0"/>
+          </p:cNvCxnSpPr>
+          <p:nvPr/>
+        </p:nvCxnSpPr>
+        <p:spPr>
+          <a:xfrm flipH="1">
+            <a:off x="6096000" y="2207639"/>
+            <a:ext cx="927836" cy="667683"/>
+          </a:xfrm>
+          <a:prstGeom prst="line">
+            <a:avLst/>
+          </a:prstGeom>
+        </p:spPr>
+        <p:style>
+          <a:lnRef idx="1">
+            <a:schemeClr val="accent1"/>
+          </a:lnRef>
+          <a:fillRef idx="0">
+            <a:schemeClr val="accent1"/>
+          </a:fillRef>
+          <a:effectRef idx="0">
+            <a:schemeClr val="accent1"/>
+          </a:effectRef>
+          <a:fontRef idx="minor">
+            <a:schemeClr val="tx1"/>
+          </a:fontRef>
+        </p:style>
+      </p:cxnSp>
+      <p:sp>
+        <p:nvSpPr>
+          <p:cNvPr id="56" name="菱形 55">
+            <a:extLst>
+              <a:ext uri="{FF2B5EF4-FFF2-40B4-BE49-F238E27FC236}">
+                <a16:creationId xmlns:a16="http://schemas.microsoft.com/office/drawing/2014/main" id="{23F62105-BED0-4A7B-BE2D-59D28C69A180}"/>
+              </a:ext>
+            </a:extLst>
+          </p:cNvPr>
+          <p:cNvSpPr/>
+          <p:nvPr/>
+        </p:nvSpPr>
+        <p:spPr>
+          <a:xfrm>
+            <a:off x="3380541" y="2841172"/>
+            <a:ext cx="1281793" cy="587828"/>
+          </a:xfrm>
+          <a:prstGeom prst="diamond">
+            <a:avLst/>
+          </a:prstGeom>
+        </p:spPr>
+        <p:style>
+          <a:lnRef idx="2">
+            <a:schemeClr val="accent1">
+              <a:shade val="50000"/>
+            </a:schemeClr>
+          </a:lnRef>
+          <a:fillRef idx="1">
+            <a:schemeClr val="accent1"/>
+          </a:fillRef>
+          <a:effectRef idx="0">
+            <a:schemeClr val="accent1"/>
+          </a:effectRef>
+          <a:fontRef idx="minor">
+            <a:schemeClr val="lt1"/>
+          </a:fontRef>
+        </p:style>
+        <p:txBody>
+          <a:bodyPr rtlCol="0" anchor="ctr"/>
+          <a:lstStyle/>
+          <a:p>
+            <a:pPr algn="ctr"/>
+            <a:r>
+              <a:rPr lang="zh-CN" altLang="en-US" dirty="0"/>
+              <a:t>处理</a:t>
+            </a:r>
+          </a:p>
+        </p:txBody>
+      </p:sp>
+      <p:cxnSp>
+        <p:nvCxnSpPr>
+          <p:cNvPr id="57" name="直接连接符 56">
+            <a:extLst>
+              <a:ext uri="{FF2B5EF4-FFF2-40B4-BE49-F238E27FC236}">
+                <a16:creationId xmlns:a16="http://schemas.microsoft.com/office/drawing/2014/main" id="{379A4735-75EB-4215-8C14-8B5AE5D8A264}"/>
+              </a:ext>
+            </a:extLst>
+          </p:cNvPr>
+          <p:cNvCxnSpPr>
+            <a:cxnSpLocks/>
+            <a:stCxn id="14" idx="2"/>
+            <a:endCxn id="56" idx="1"/>
+          </p:cNvCxnSpPr>
+          <p:nvPr/>
+        </p:nvCxnSpPr>
+        <p:spPr>
+          <a:xfrm>
+            <a:off x="2568603" y="2228491"/>
+            <a:ext cx="811938" cy="906595"/>
+          </a:xfrm>
+          <a:prstGeom prst="line">
+            <a:avLst/>
+          </a:prstGeom>
+        </p:spPr>
+        <p:style>
+          <a:lnRef idx="1">
+            <a:schemeClr val="accent1"/>
+          </a:lnRef>
+          <a:fillRef idx="0">
+            <a:schemeClr val="accent1"/>
+          </a:fillRef>
+          <a:effectRef idx="0">
+            <a:schemeClr val="accent1"/>
+          </a:effectRef>
+          <a:fontRef idx="minor">
+            <a:schemeClr val="tx1"/>
+          </a:fontRef>
+        </p:style>
+      </p:cxnSp>
+      <p:cxnSp>
+        <p:nvCxnSpPr>
+          <p:cNvPr id="58" name="直接连接符 57">
+            <a:extLst>
+              <a:ext uri="{FF2B5EF4-FFF2-40B4-BE49-F238E27FC236}">
+                <a16:creationId xmlns:a16="http://schemas.microsoft.com/office/drawing/2014/main" id="{F33B3951-D200-4982-B1DD-580F3B5F3295}"/>
+              </a:ext>
+            </a:extLst>
+          </p:cNvPr>
+          <p:cNvCxnSpPr>
+            <a:cxnSpLocks/>
+            <a:stCxn id="56" idx="3"/>
+            <a:endCxn id="4" idx="1"/>
+          </p:cNvCxnSpPr>
+          <p:nvPr/>
+        </p:nvCxnSpPr>
+        <p:spPr>
+          <a:xfrm flipV="1">
+            <a:off x="4662334" y="3127549"/>
+            <a:ext cx="961344" cy="7537"/>
+          </a:xfrm>
+          <a:prstGeom prst="line">
+            <a:avLst/>
+          </a:prstGeom>
+        </p:spPr>
+        <p:style>
+          <a:lnRef idx="1">
+            <a:schemeClr val="accent1"/>
+          </a:lnRef>
+          <a:fillRef idx="0">
+            <a:schemeClr val="accent1"/>
+          </a:fillRef>
+          <a:effectRef idx="0">
+            <a:schemeClr val="accent1"/>
+          </a:effectRef>
+          <a:fontRef idx="minor">
+            <a:schemeClr val="tx1"/>
+          </a:fontRef>
+        </p:style>
+      </p:cxnSp>
+      <p:grpSp>
+        <p:nvGrpSpPr>
+          <p:cNvPr id="50" name="组合 49">
+            <a:extLst>
+              <a:ext uri="{FF2B5EF4-FFF2-40B4-BE49-F238E27FC236}">
+                <a16:creationId xmlns:a16="http://schemas.microsoft.com/office/drawing/2014/main" id="{4135C76C-7961-4A80-871E-31F64FBBABC5}"/>
+              </a:ext>
+            </a:extLst>
+          </p:cNvPr>
+          <p:cNvGrpSpPr/>
+          <p:nvPr/>
+        </p:nvGrpSpPr>
+        <p:grpSpPr>
+          <a:xfrm>
+            <a:off x="3005062" y="5217337"/>
+            <a:ext cx="1652447" cy="765491"/>
+            <a:chOff x="1017424" y="3651913"/>
+            <a:chExt cx="1942903" cy="900044"/>
+          </a:xfrm>
+        </p:grpSpPr>
+        <p:sp>
+          <p:nvSpPr>
+            <p:cNvPr id="63" name="菱形 62">
+              <a:extLst>
+                <a:ext uri="{FF2B5EF4-FFF2-40B4-BE49-F238E27FC236}">
+                  <a16:creationId xmlns:a16="http://schemas.microsoft.com/office/drawing/2014/main" id="{C170C8FB-A072-4016-8FD6-71B107E6C62A}"/>
+                </a:ext>
+              </a:extLst>
+            </p:cNvPr>
+            <p:cNvSpPr/>
+            <p:nvPr/>
+          </p:nvSpPr>
+          <p:spPr>
+            <a:xfrm>
+              <a:off x="1017424" y="3651913"/>
+              <a:ext cx="1942903" cy="900044"/>
+            </a:xfrm>
+            <a:prstGeom prst="diamond">
+              <a:avLst/>
+            </a:prstGeom>
+            <a:solidFill>
+              <a:schemeClr val="accent5"/>
+            </a:solidFill>
+          </p:spPr>
+          <p:style>
+            <a:lnRef idx="2">
+              <a:schemeClr val="accent1">
+                <a:shade val="50000"/>
+              </a:schemeClr>
+            </a:lnRef>
+            <a:fillRef idx="1">
+              <a:schemeClr val="accent1"/>
+            </a:fillRef>
+            <a:effectRef idx="0">
+              <a:schemeClr val="accent1"/>
+            </a:effectRef>
+            <a:fontRef idx="minor">
+              <a:schemeClr val="lt1"/>
+            </a:fontRef>
+          </p:style>
+          <p:txBody>
+            <a:bodyPr rtlCol="0" anchor="ctr"/>
+            <a:lstStyle/>
+            <a:p>
+              <a:pPr algn="ctr"/>
+              <a:endParaRPr lang="zh-CN" altLang="en-US"/>
+            </a:p>
+          </p:txBody>
+        </p:sp>
+        <p:sp>
+          <p:nvSpPr>
+            <p:cNvPr id="49" name="菱形 48">
+              <a:extLst>
+                <a:ext uri="{FF2B5EF4-FFF2-40B4-BE49-F238E27FC236}">
+                  <a16:creationId xmlns:a16="http://schemas.microsoft.com/office/drawing/2014/main" id="{B6789DCD-BD40-4262-B331-D663CDE9BA0E}"/>
+                </a:ext>
+              </a:extLst>
+            </p:cNvPr>
+            <p:cNvSpPr/>
+            <p:nvPr/>
+          </p:nvSpPr>
+          <p:spPr>
+            <a:xfrm>
+              <a:off x="1223475" y="3730901"/>
+              <a:ext cx="1530800" cy="733323"/>
+            </a:xfrm>
+            <a:prstGeom prst="diamond">
+              <a:avLst/>
+            </a:prstGeom>
+          </p:spPr>
+          <p:style>
+            <a:lnRef idx="2">
+              <a:schemeClr val="accent1">
+                <a:shade val="50000"/>
+              </a:schemeClr>
+            </a:lnRef>
+            <a:fillRef idx="1">
+              <a:schemeClr val="accent1"/>
+            </a:fillRef>
+            <a:effectRef idx="0">
+              <a:schemeClr val="accent1"/>
+            </a:effectRef>
+            <a:fontRef idx="minor">
+              <a:schemeClr val="lt1"/>
+            </a:fontRef>
+          </p:style>
+          <p:txBody>
+            <a:bodyPr rtlCol="0" anchor="ctr"/>
+            <a:lstStyle/>
+            <a:p>
+              <a:pPr algn="ctr"/>
+              <a:r>
+                <a:rPr lang="zh-CN" altLang="en-US" dirty="0"/>
+                <a:t>划分</a:t>
+              </a:r>
+            </a:p>
+          </p:txBody>
+        </p:sp>
+      </p:grpSp>
     </p:spTree>
     <p:extLst>
       <p:ext uri="{BB962C8B-B14F-4D97-AF65-F5344CB8AC3E}">
         <p14:creationId xmlns:p14="http://schemas.microsoft.com/office/powerpoint/2010/main" val="3305061866"/>
+      </p:ext>
+    </p:extLst>
+  </p:cSld>
+  <p:clrMapOvr>
+    <a:masterClrMapping/>
+  </p:clrMapOvr>
+</p:sld>
+</file>
+
+<file path=ppt/slides/slide2.xml><?xml version="1.0" encoding="utf-8"?>
+<p:sld xmlns:a="http://schemas.openxmlformats.org/drawingml/2006/main" xmlns:r="http://schemas.openxmlformats.org/officeDocument/2006/relationships" xmlns:p="http://schemas.openxmlformats.org/presentationml/2006/main">
+  <p:cSld>
+    <p:spTree>
+      <p:nvGrpSpPr>
+        <p:cNvPr id="1" name=""/>
+        <p:cNvGrpSpPr/>
+        <p:nvPr/>
+      </p:nvGrpSpPr>
+      <p:grpSpPr>
+        <a:xfrm>
+          <a:off x="0" y="0"/>
+          <a:ext cx="0" cy="0"/>
+          <a:chOff x="0" y="0"/>
+          <a:chExt cx="0" cy="0"/>
+        </a:xfrm>
+      </p:grpSpPr>
+      <p:graphicFrame>
+        <p:nvGraphicFramePr>
+          <p:cNvPr id="4" name="内容占位符 3">
+            <a:extLst>
+              <a:ext uri="{FF2B5EF4-FFF2-40B4-BE49-F238E27FC236}">
+                <a16:creationId xmlns:a16="http://schemas.microsoft.com/office/drawing/2014/main" id="{6DA02925-DCEA-4CC9-9AF5-3C37E0503950}"/>
+              </a:ext>
+            </a:extLst>
+          </p:cNvPr>
+          <p:cNvGraphicFramePr>
+            <a:graphicFrameLocks noGrp="1"/>
+          </p:cNvGraphicFramePr>
+          <p:nvPr>
+            <p:ph idx="1"/>
+            <p:extLst>
+              <p:ext uri="{D42A27DB-BD31-4B8C-83A1-F6EECF244321}">
+                <p14:modId xmlns:p14="http://schemas.microsoft.com/office/powerpoint/2010/main" val="334814120"/>
+              </p:ext>
+            </p:extLst>
+          </p:nvPr>
+        </p:nvGraphicFramePr>
+        <p:xfrm>
+          <a:off x="838200" y="1140287"/>
+          <a:ext cx="10515600" cy="4351338"/>
+        </p:xfrm>
+        <a:graphic>
+          <a:graphicData uri="http://schemas.openxmlformats.org/drawingml/2006/diagram">
+            <dgm:relIds xmlns:dgm="http://schemas.openxmlformats.org/drawingml/2006/diagram" xmlns:r="http://schemas.openxmlformats.org/officeDocument/2006/relationships" r:dm="rId3" r:lo="rId4" r:qs="rId5" r:cs="rId6"/>
+          </a:graphicData>
+        </a:graphic>
+      </p:graphicFrame>
+    </p:spTree>
+    <p:extLst>
+      <p:ext uri="{BB962C8B-B14F-4D97-AF65-F5344CB8AC3E}">
+        <p14:creationId xmlns:p14="http://schemas.microsoft.com/office/powerpoint/2010/main" val="613773607"/>
       </p:ext>
     </p:extLst>
   </p:cSld>
@@ -5314,4 +10029,299 @@
     </a:ext>
   </a:extLst>
 </a:theme>
+</file>
+
+<file path=ppt/theme/theme2.xml><?xml version="1.0" encoding="utf-8"?>
+<a:theme xmlns:a="http://schemas.openxmlformats.org/drawingml/2006/main" name="Office 主题​​">
+  <a:themeElements>
+    <a:clrScheme name="Office">
+      <a:dk1>
+        <a:sysClr val="windowText" lastClr="000000"/>
+      </a:dk1>
+      <a:lt1>
+        <a:sysClr val="window" lastClr="FFFFFF"/>
+      </a:lt1>
+      <a:dk2>
+        <a:srgbClr val="44546A"/>
+      </a:dk2>
+      <a:lt2>
+        <a:srgbClr val="E7E6E6"/>
+      </a:lt2>
+      <a:accent1>
+        <a:srgbClr val="4472C4"/>
+      </a:accent1>
+      <a:accent2>
+        <a:srgbClr val="ED7D31"/>
+      </a:accent2>
+      <a:accent3>
+        <a:srgbClr val="A5A5A5"/>
+      </a:accent3>
+      <a:accent4>
+        <a:srgbClr val="FFC000"/>
+      </a:accent4>
+      <a:accent5>
+        <a:srgbClr val="5B9BD5"/>
+      </a:accent5>
+      <a:accent6>
+        <a:srgbClr val="70AD47"/>
+      </a:accent6>
+      <a:hlink>
+        <a:srgbClr val="0563C1"/>
+      </a:hlink>
+      <a:folHlink>
+        <a:srgbClr val="954F72"/>
+      </a:folHlink>
+    </a:clrScheme>
+    <a:fontScheme name="Office">
+      <a:majorFont>
+        <a:latin typeface="等线 Light" panose="020F0302020204030204"/>
+        <a:ea typeface=""/>
+        <a:cs typeface=""/>
+        <a:font script="Jpan" typeface="游ゴシック Light"/>
+        <a:font script="Hang" typeface="맑은 고딕"/>
+        <a:font script="Hans" typeface="等线 Light"/>
+        <a:font script="Hant" typeface="新細明體"/>
+        <a:font script="Arab" typeface="Times New Roman"/>
+        <a:font script="Hebr" typeface="Times New Roman"/>
+        <a:font script="Thai" typeface="Angsana New"/>
+        <a:font script="Ethi" typeface="Nyala"/>
+        <a:font script="Beng" typeface="Vrinda"/>
+        <a:font script="Gujr" typeface="Shruti"/>
+        <a:font script="Khmr" typeface="MoolBoran"/>
+        <a:font script="Knda" typeface="Tunga"/>
+        <a:font script="Guru" typeface="Raavi"/>
+        <a:font script="Cans" typeface="Euphemia"/>
+        <a:font script="Cher" typeface="Plantagenet Cherokee"/>
+        <a:font script="Yiii" typeface="Microsoft Yi Baiti"/>
+        <a:font script="Tibt" typeface="Microsoft Himalaya"/>
+        <a:font script="Thaa" typeface="MV Boli"/>
+        <a:font script="Deva" typeface="Mangal"/>
+        <a:font script="Telu" typeface="Gautami"/>
+        <a:font script="Taml" typeface="Latha"/>
+        <a:font script="Syrc" typeface="Estrangelo Edessa"/>
+        <a:font script="Orya" typeface="Kalinga"/>
+        <a:font script="Mlym" typeface="Kartika"/>
+        <a:font script="Laoo" typeface="DokChampa"/>
+        <a:font script="Sinh" typeface="Iskoola Pota"/>
+        <a:font script="Mong" typeface="Mongolian Baiti"/>
+        <a:font script="Viet" typeface="Times New Roman"/>
+        <a:font script="Uigh" typeface="Microsoft Uighur"/>
+        <a:font script="Geor" typeface="Sylfaen"/>
+        <a:font script="Armn" typeface="Arial"/>
+        <a:font script="Bugi" typeface="Leelawadee UI"/>
+        <a:font script="Bopo" typeface="Microsoft JhengHei"/>
+        <a:font script="Java" typeface="Javanese Text"/>
+        <a:font script="Lisu" typeface="Segoe UI"/>
+        <a:font script="Mymr" typeface="Myanmar Text"/>
+        <a:font script="Nkoo" typeface="Ebrima"/>
+        <a:font script="Olck" typeface="Nirmala UI"/>
+        <a:font script="Osma" typeface="Ebrima"/>
+        <a:font script="Phag" typeface="Phagspa"/>
+        <a:font script="Syrn" typeface="Estrangelo Edessa"/>
+        <a:font script="Syrj" typeface="Estrangelo Edessa"/>
+        <a:font script="Syre" typeface="Estrangelo Edessa"/>
+        <a:font script="Sora" typeface="Nirmala UI"/>
+        <a:font script="Tale" typeface="Microsoft Tai Le"/>
+        <a:font script="Talu" typeface="Microsoft New Tai Lue"/>
+        <a:font script="Tfng" typeface="Ebrima"/>
+      </a:majorFont>
+      <a:minorFont>
+        <a:latin typeface="等线" panose="020F0502020204030204"/>
+        <a:ea typeface=""/>
+        <a:cs typeface=""/>
+        <a:font script="Jpan" typeface="游ゴシック"/>
+        <a:font script="Hang" typeface="맑은 고딕"/>
+        <a:font script="Hans" typeface="等线"/>
+        <a:font script="Hant" typeface="新細明體"/>
+        <a:font script="Arab" typeface="Arial"/>
+        <a:font script="Hebr" typeface="Arial"/>
+        <a:font script="Thai" typeface="Cordia New"/>
+        <a:font script="Ethi" typeface="Nyala"/>
+        <a:font script="Beng" typeface="Vrinda"/>
+        <a:font script="Gujr" typeface="Shruti"/>
+        <a:font script="Khmr" typeface="DaunPenh"/>
+        <a:font script="Knda" typeface="Tunga"/>
+        <a:font script="Guru" typeface="Raavi"/>
+        <a:font script="Cans" typeface="Euphemia"/>
+        <a:font script="Cher" typeface="Plantagenet Cherokee"/>
+        <a:font script="Yiii" typeface="Microsoft Yi Baiti"/>
+        <a:font script="Tibt" typeface="Microsoft Himalaya"/>
+        <a:font script="Thaa" typeface="MV Boli"/>
+        <a:font script="Deva" typeface="Mangal"/>
+        <a:font script="Telu" typeface="Gautami"/>
+        <a:font script="Taml" typeface="Latha"/>
+        <a:font script="Syrc" typeface="Estrangelo Edessa"/>
+        <a:font script="Orya" typeface="Kalinga"/>
+        <a:font script="Mlym" typeface="Kartika"/>
+        <a:font script="Laoo" typeface="DokChampa"/>
+        <a:font script="Sinh" typeface="Iskoola Pota"/>
+        <a:font script="Mong" typeface="Mongolian Baiti"/>
+        <a:font script="Viet" typeface="Arial"/>
+        <a:font script="Uigh" typeface="Microsoft Uighur"/>
+        <a:font script="Geor" typeface="Sylfaen"/>
+        <a:font script="Armn" typeface="Arial"/>
+        <a:font script="Bugi" typeface="Leelawadee UI"/>
+        <a:font script="Bopo" typeface="Microsoft JhengHei"/>
+        <a:font script="Java" typeface="Javanese Text"/>
+        <a:font script="Lisu" typeface="Segoe UI"/>
+        <a:font script="Mymr" typeface="Myanmar Text"/>
+        <a:font script="Nkoo" typeface="Ebrima"/>
+        <a:font script="Olck" typeface="Nirmala UI"/>
+        <a:font script="Osma" typeface="Ebrima"/>
+        <a:font script="Phag" typeface="Phagspa"/>
+        <a:font script="Syrn" typeface="Estrangelo Edessa"/>
+        <a:font script="Syrj" typeface="Estrangelo Edessa"/>
+        <a:font script="Syre" typeface="Estrangelo Edessa"/>
+        <a:font script="Sora" typeface="Nirmala UI"/>
+        <a:font script="Tale" typeface="Microsoft Tai Le"/>
+        <a:font script="Talu" typeface="Microsoft New Tai Lue"/>
+        <a:font script="Tfng" typeface="Ebrima"/>
+      </a:minorFont>
+    </a:fontScheme>
+    <a:fmtScheme name="Office">
+      <a:fillStyleLst>
+        <a:solidFill>
+          <a:schemeClr val="phClr"/>
+        </a:solidFill>
+        <a:gradFill rotWithShape="1">
+          <a:gsLst>
+            <a:gs pos="0">
+              <a:schemeClr val="phClr">
+                <a:lumMod val="110000"/>
+                <a:satMod val="105000"/>
+                <a:tint val="67000"/>
+              </a:schemeClr>
+            </a:gs>
+            <a:gs pos="50000">
+              <a:schemeClr val="phClr">
+                <a:lumMod val="105000"/>
+                <a:satMod val="103000"/>
+                <a:tint val="73000"/>
+              </a:schemeClr>
+            </a:gs>
+            <a:gs pos="100000">
+              <a:schemeClr val="phClr">
+                <a:lumMod val="105000"/>
+                <a:satMod val="109000"/>
+                <a:tint val="81000"/>
+              </a:schemeClr>
+            </a:gs>
+          </a:gsLst>
+          <a:lin ang="5400000" scaled="0"/>
+        </a:gradFill>
+        <a:gradFill rotWithShape="1">
+          <a:gsLst>
+            <a:gs pos="0">
+              <a:schemeClr val="phClr">
+                <a:satMod val="103000"/>
+                <a:lumMod val="102000"/>
+                <a:tint val="94000"/>
+              </a:schemeClr>
+            </a:gs>
+            <a:gs pos="50000">
+              <a:schemeClr val="phClr">
+                <a:satMod val="110000"/>
+                <a:lumMod val="100000"/>
+                <a:shade val="100000"/>
+              </a:schemeClr>
+            </a:gs>
+            <a:gs pos="100000">
+              <a:schemeClr val="phClr">
+                <a:lumMod val="99000"/>
+                <a:satMod val="120000"/>
+                <a:shade val="78000"/>
+              </a:schemeClr>
+            </a:gs>
+          </a:gsLst>
+          <a:lin ang="5400000" scaled="0"/>
+        </a:gradFill>
+      </a:fillStyleLst>
+      <a:lnStyleLst>
+        <a:ln w="6350" cap="flat" cmpd="sng" algn="ctr">
+          <a:solidFill>
+            <a:schemeClr val="phClr"/>
+          </a:solidFill>
+          <a:prstDash val="solid"/>
+          <a:miter lim="800000"/>
+        </a:ln>
+        <a:ln w="12700" cap="flat" cmpd="sng" algn="ctr">
+          <a:solidFill>
+            <a:schemeClr val="phClr"/>
+          </a:solidFill>
+          <a:prstDash val="solid"/>
+          <a:miter lim="800000"/>
+        </a:ln>
+        <a:ln w="19050" cap="flat" cmpd="sng" algn="ctr">
+          <a:solidFill>
+            <a:schemeClr val="phClr"/>
+          </a:solidFill>
+          <a:prstDash val="solid"/>
+          <a:miter lim="800000"/>
+        </a:ln>
+      </a:lnStyleLst>
+      <a:effectStyleLst>
+        <a:effectStyle>
+          <a:effectLst/>
+        </a:effectStyle>
+        <a:effectStyle>
+          <a:effectLst/>
+        </a:effectStyle>
+        <a:effectStyle>
+          <a:effectLst>
+            <a:outerShdw blurRad="57150" dist="19050" dir="5400000" algn="ctr" rotWithShape="0">
+              <a:srgbClr val="000000">
+                <a:alpha val="63000"/>
+              </a:srgbClr>
+            </a:outerShdw>
+          </a:effectLst>
+        </a:effectStyle>
+      </a:effectStyleLst>
+      <a:bgFillStyleLst>
+        <a:solidFill>
+          <a:schemeClr val="phClr"/>
+        </a:solidFill>
+        <a:solidFill>
+          <a:schemeClr val="phClr">
+            <a:tint val="95000"/>
+            <a:satMod val="170000"/>
+          </a:schemeClr>
+        </a:solidFill>
+        <a:gradFill rotWithShape="1">
+          <a:gsLst>
+            <a:gs pos="0">
+              <a:schemeClr val="phClr">
+                <a:tint val="93000"/>
+                <a:satMod val="150000"/>
+                <a:shade val="98000"/>
+                <a:lumMod val="102000"/>
+              </a:schemeClr>
+            </a:gs>
+            <a:gs pos="50000">
+              <a:schemeClr val="phClr">
+                <a:tint val="98000"/>
+                <a:satMod val="130000"/>
+                <a:shade val="90000"/>
+                <a:lumMod val="103000"/>
+              </a:schemeClr>
+            </a:gs>
+            <a:gs pos="100000">
+              <a:schemeClr val="phClr">
+                <a:shade val="63000"/>
+                <a:satMod val="120000"/>
+              </a:schemeClr>
+            </a:gs>
+          </a:gsLst>
+          <a:lin ang="5400000" scaled="0"/>
+        </a:gradFill>
+      </a:bgFillStyleLst>
+    </a:fmtScheme>
+  </a:themeElements>
+  <a:objectDefaults/>
+  <a:extraClrSchemeLst/>
+  <a:extLst>
+    <a:ext uri="{05A4C25C-085E-4340-85A3-A5531E510DB2}">
+      <thm15:themeFamily xmlns:thm15="http://schemas.microsoft.com/office/thememl/2012/main" name="Office Theme" id="{62F939B6-93AF-4DB8-9C6B-D6C7DFDC589F}" vid="{4A3C46E8-61CC-4603-A589-7422A47A8E4A}"/>
+    </a:ext>
+  </a:extLst>
+</a:theme>
 </file>
--- a/ER图.pptx
+++ b/ER图.pptx
@@ -4450,7 +4450,7 @@
           <a:p>
             <a:fld id="{8DFBE367-D07E-4E64-9378-BAD63A9F73B5}" type="datetimeFigureOut">
               <a:rPr lang="zh-CN" altLang="en-US" smtClean="0"/>
-              <a:t>2018/11/14</a:t>
+              <a:t>2018/11/15</a:t>
             </a:fld>
             <a:endParaRPr lang="zh-CN" altLang="en-US"/>
           </a:p>
@@ -4951,7 +4951,7 @@
           <a:p>
             <a:fld id="{4CB4035A-1D71-4DD2-A2A9-62AED16A2FCE}" type="datetimeFigureOut">
               <a:rPr lang="zh-CN" altLang="en-US" smtClean="0"/>
-              <a:t>2018/11/14</a:t>
+              <a:t>2018/11/15</a:t>
             </a:fld>
             <a:endParaRPr lang="zh-CN" altLang="en-US"/>
           </a:p>
@@ -5149,7 +5149,7 @@
           <a:p>
             <a:fld id="{4CB4035A-1D71-4DD2-A2A9-62AED16A2FCE}" type="datetimeFigureOut">
               <a:rPr lang="zh-CN" altLang="en-US" smtClean="0"/>
-              <a:t>2018/11/14</a:t>
+              <a:t>2018/11/15</a:t>
             </a:fld>
             <a:endParaRPr lang="zh-CN" altLang="en-US"/>
           </a:p>
@@ -5357,7 +5357,7 @@
           <a:p>
             <a:fld id="{4CB4035A-1D71-4DD2-A2A9-62AED16A2FCE}" type="datetimeFigureOut">
               <a:rPr lang="zh-CN" altLang="en-US" smtClean="0"/>
-              <a:t>2018/11/14</a:t>
+              <a:t>2018/11/15</a:t>
             </a:fld>
             <a:endParaRPr lang="zh-CN" altLang="en-US"/>
           </a:p>
@@ -5555,7 +5555,7 @@
           <a:p>
             <a:fld id="{4CB4035A-1D71-4DD2-A2A9-62AED16A2FCE}" type="datetimeFigureOut">
               <a:rPr lang="zh-CN" altLang="en-US" smtClean="0"/>
-              <a:t>2018/11/14</a:t>
+              <a:t>2018/11/15</a:t>
             </a:fld>
             <a:endParaRPr lang="zh-CN" altLang="en-US"/>
           </a:p>
@@ -5830,7 +5830,7 @@
           <a:p>
             <a:fld id="{4CB4035A-1D71-4DD2-A2A9-62AED16A2FCE}" type="datetimeFigureOut">
               <a:rPr lang="zh-CN" altLang="en-US" smtClean="0"/>
-              <a:t>2018/11/14</a:t>
+              <a:t>2018/11/15</a:t>
             </a:fld>
             <a:endParaRPr lang="zh-CN" altLang="en-US"/>
           </a:p>
@@ -6095,7 +6095,7 @@
           <a:p>
             <a:fld id="{4CB4035A-1D71-4DD2-A2A9-62AED16A2FCE}" type="datetimeFigureOut">
               <a:rPr lang="zh-CN" altLang="en-US" smtClean="0"/>
-              <a:t>2018/11/14</a:t>
+              <a:t>2018/11/15</a:t>
             </a:fld>
             <a:endParaRPr lang="zh-CN" altLang="en-US"/>
           </a:p>
@@ -6507,7 +6507,7 @@
           <a:p>
             <a:fld id="{4CB4035A-1D71-4DD2-A2A9-62AED16A2FCE}" type="datetimeFigureOut">
               <a:rPr lang="zh-CN" altLang="en-US" smtClean="0"/>
-              <a:t>2018/11/14</a:t>
+              <a:t>2018/11/15</a:t>
             </a:fld>
             <a:endParaRPr lang="zh-CN" altLang="en-US"/>
           </a:p>
@@ -6648,7 +6648,7 @@
           <a:p>
             <a:fld id="{4CB4035A-1D71-4DD2-A2A9-62AED16A2FCE}" type="datetimeFigureOut">
               <a:rPr lang="zh-CN" altLang="en-US" smtClean="0"/>
-              <a:t>2018/11/14</a:t>
+              <a:t>2018/11/15</a:t>
             </a:fld>
             <a:endParaRPr lang="zh-CN" altLang="en-US"/>
           </a:p>
@@ -6761,7 +6761,7 @@
           <a:p>
             <a:fld id="{4CB4035A-1D71-4DD2-A2A9-62AED16A2FCE}" type="datetimeFigureOut">
               <a:rPr lang="zh-CN" altLang="en-US" smtClean="0"/>
-              <a:t>2018/11/14</a:t>
+              <a:t>2018/11/15</a:t>
             </a:fld>
             <a:endParaRPr lang="zh-CN" altLang="en-US"/>
           </a:p>
@@ -7072,7 +7072,7 @@
           <a:p>
             <a:fld id="{4CB4035A-1D71-4DD2-A2A9-62AED16A2FCE}" type="datetimeFigureOut">
               <a:rPr lang="zh-CN" altLang="en-US" smtClean="0"/>
-              <a:t>2018/11/14</a:t>
+              <a:t>2018/11/15</a:t>
             </a:fld>
             <a:endParaRPr lang="zh-CN" altLang="en-US"/>
           </a:p>
@@ -7360,7 +7360,7 @@
           <a:p>
             <a:fld id="{4CB4035A-1D71-4DD2-A2A9-62AED16A2FCE}" type="datetimeFigureOut">
               <a:rPr lang="zh-CN" altLang="en-US" smtClean="0"/>
-              <a:t>2018/11/14</a:t>
+              <a:t>2018/11/15</a:t>
             </a:fld>
             <a:endParaRPr lang="zh-CN" altLang="en-US"/>
           </a:p>
@@ -7601,7 +7601,7 @@
           <a:p>
             <a:fld id="{4CB4035A-1D71-4DD2-A2A9-62AED16A2FCE}" type="datetimeFigureOut">
               <a:rPr lang="zh-CN" altLang="en-US" smtClean="0"/>
-              <a:t>2018/11/14</a:t>
+              <a:t>2018/11/15</a:t>
             </a:fld>
             <a:endParaRPr lang="zh-CN" altLang="en-US"/>
           </a:p>
@@ -8159,9 +8159,10 @@
           <a:p>
             <a:pPr algn="ctr"/>
             <a:r>
-              <a:rPr lang="zh-CN" altLang="en-US" dirty="0"/>
-              <a:t>总表</a:t>
+              <a:rPr lang="zh-CN" altLang="en-US"/>
+              <a:t>战绩</a:t>
             </a:r>
+            <a:endParaRPr lang="zh-CN" altLang="en-US" dirty="0"/>
           </a:p>
         </p:txBody>
       </p:sp>

--- a/ER图.pptx
+++ b/ER图.pptx
@@ -4450,7 +4450,7 @@
           <a:p>
             <a:fld id="{8DFBE367-D07E-4E64-9378-BAD63A9F73B5}" type="datetimeFigureOut">
               <a:rPr lang="zh-CN" altLang="en-US" smtClean="0"/>
-              <a:t>2018/11/15</a:t>
+              <a:t>2018/11/27</a:t>
             </a:fld>
             <a:endParaRPr lang="zh-CN" altLang="en-US"/>
           </a:p>
@@ -4951,7 +4951,7 @@
           <a:p>
             <a:fld id="{4CB4035A-1D71-4DD2-A2A9-62AED16A2FCE}" type="datetimeFigureOut">
               <a:rPr lang="zh-CN" altLang="en-US" smtClean="0"/>
-              <a:t>2018/11/15</a:t>
+              <a:t>2018/11/27</a:t>
             </a:fld>
             <a:endParaRPr lang="zh-CN" altLang="en-US"/>
           </a:p>
@@ -5149,7 +5149,7 @@
           <a:p>
             <a:fld id="{4CB4035A-1D71-4DD2-A2A9-62AED16A2FCE}" type="datetimeFigureOut">
               <a:rPr lang="zh-CN" altLang="en-US" smtClean="0"/>
-              <a:t>2018/11/15</a:t>
+              <a:t>2018/11/27</a:t>
             </a:fld>
             <a:endParaRPr lang="zh-CN" altLang="en-US"/>
           </a:p>
@@ -5357,7 +5357,7 @@
           <a:p>
             <a:fld id="{4CB4035A-1D71-4DD2-A2A9-62AED16A2FCE}" type="datetimeFigureOut">
               <a:rPr lang="zh-CN" altLang="en-US" smtClean="0"/>
-              <a:t>2018/11/15</a:t>
+              <a:t>2018/11/27</a:t>
             </a:fld>
             <a:endParaRPr lang="zh-CN" altLang="en-US"/>
           </a:p>
@@ -5555,7 +5555,7 @@
           <a:p>
             <a:fld id="{4CB4035A-1D71-4DD2-A2A9-62AED16A2FCE}" type="datetimeFigureOut">
               <a:rPr lang="zh-CN" altLang="en-US" smtClean="0"/>
-              <a:t>2018/11/15</a:t>
+              <a:t>2018/11/27</a:t>
             </a:fld>
             <a:endParaRPr lang="zh-CN" altLang="en-US"/>
           </a:p>
@@ -5830,7 +5830,7 @@
           <a:p>
             <a:fld id="{4CB4035A-1D71-4DD2-A2A9-62AED16A2FCE}" type="datetimeFigureOut">
               <a:rPr lang="zh-CN" altLang="en-US" smtClean="0"/>
-              <a:t>2018/11/15</a:t>
+              <a:t>2018/11/27</a:t>
             </a:fld>
             <a:endParaRPr lang="zh-CN" altLang="en-US"/>
           </a:p>
@@ -6095,7 +6095,7 @@
           <a:p>
             <a:fld id="{4CB4035A-1D71-4DD2-A2A9-62AED16A2FCE}" type="datetimeFigureOut">
               <a:rPr lang="zh-CN" altLang="en-US" smtClean="0"/>
-              <a:t>2018/11/15</a:t>
+              <a:t>2018/11/27</a:t>
             </a:fld>
             <a:endParaRPr lang="zh-CN" altLang="en-US"/>
           </a:p>
@@ -6507,7 +6507,7 @@
           <a:p>
             <a:fld id="{4CB4035A-1D71-4DD2-A2A9-62AED16A2FCE}" type="datetimeFigureOut">
               <a:rPr lang="zh-CN" altLang="en-US" smtClean="0"/>
-              <a:t>2018/11/15</a:t>
+              <a:t>2018/11/27</a:t>
             </a:fld>
             <a:endParaRPr lang="zh-CN" altLang="en-US"/>
           </a:p>
@@ -6648,7 +6648,7 @@
           <a:p>
             <a:fld id="{4CB4035A-1D71-4DD2-A2A9-62AED16A2FCE}" type="datetimeFigureOut">
               <a:rPr lang="zh-CN" altLang="en-US" smtClean="0"/>
-              <a:t>2018/11/15</a:t>
+              <a:t>2018/11/27</a:t>
             </a:fld>
             <a:endParaRPr lang="zh-CN" altLang="en-US"/>
           </a:p>
@@ -6761,7 +6761,7 @@
           <a:p>
             <a:fld id="{4CB4035A-1D71-4DD2-A2A9-62AED16A2FCE}" type="datetimeFigureOut">
               <a:rPr lang="zh-CN" altLang="en-US" smtClean="0"/>
-              <a:t>2018/11/15</a:t>
+              <a:t>2018/11/27</a:t>
             </a:fld>
             <a:endParaRPr lang="zh-CN" altLang="en-US"/>
           </a:p>
@@ -7072,7 +7072,7 @@
           <a:p>
             <a:fld id="{4CB4035A-1D71-4DD2-A2A9-62AED16A2FCE}" type="datetimeFigureOut">
               <a:rPr lang="zh-CN" altLang="en-US" smtClean="0"/>
-              <a:t>2018/11/15</a:t>
+              <a:t>2018/11/27</a:t>
             </a:fld>
             <a:endParaRPr lang="zh-CN" altLang="en-US"/>
           </a:p>
@@ -7360,7 +7360,7 @@
           <a:p>
             <a:fld id="{4CB4035A-1D71-4DD2-A2A9-62AED16A2FCE}" type="datetimeFigureOut">
               <a:rPr lang="zh-CN" altLang="en-US" smtClean="0"/>
-              <a:t>2018/11/15</a:t>
+              <a:t>2018/11/27</a:t>
             </a:fld>
             <a:endParaRPr lang="zh-CN" altLang="en-US"/>
           </a:p>
@@ -7601,7 +7601,7 @@
           <a:p>
             <a:fld id="{4CB4035A-1D71-4DD2-A2A9-62AED16A2FCE}" type="datetimeFigureOut">
               <a:rPr lang="zh-CN" altLang="en-US" smtClean="0"/>
-              <a:t>2018/11/15</a:t>
+              <a:t>2018/11/27</a:t>
             </a:fld>
             <a:endParaRPr lang="zh-CN" altLang="en-US"/>
           </a:p>
@@ -8069,55 +8069,6 @@
       </p:sp>
       <p:sp>
         <p:nvSpPr>
-          <p:cNvPr id="8" name="菱形 7">
-            <a:extLst>
-              <a:ext uri="{FF2B5EF4-FFF2-40B4-BE49-F238E27FC236}">
-                <a16:creationId xmlns:a16="http://schemas.microsoft.com/office/drawing/2014/main" id="{42A80136-759D-49F7-8021-BA17A1493BC1}"/>
-              </a:ext>
-            </a:extLst>
-          </p:cNvPr>
-          <p:cNvSpPr/>
-          <p:nvPr/>
-        </p:nvSpPr>
-        <p:spPr>
-          <a:xfrm>
-            <a:off x="10147659" y="4014357"/>
-            <a:ext cx="1281792" cy="587828"/>
-          </a:xfrm>
-          <a:prstGeom prst="diamond">
-            <a:avLst/>
-          </a:prstGeom>
-        </p:spPr>
-        <p:style>
-          <a:lnRef idx="2">
-            <a:schemeClr val="accent1">
-              <a:shade val="50000"/>
-            </a:schemeClr>
-          </a:lnRef>
-          <a:fillRef idx="1">
-            <a:schemeClr val="accent1"/>
-          </a:fillRef>
-          <a:effectRef idx="0">
-            <a:schemeClr val="accent1"/>
-          </a:effectRef>
-          <a:fontRef idx="minor">
-            <a:schemeClr val="lt1"/>
-          </a:fontRef>
-        </p:style>
-        <p:txBody>
-          <a:bodyPr rtlCol="0" anchor="ctr"/>
-          <a:lstStyle/>
-          <a:p>
-            <a:pPr algn="ctr"/>
-            <a:r>
-              <a:rPr lang="zh-CN" altLang="en-US" dirty="0"/>
-              <a:t>生成</a:t>
-            </a:r>
-          </a:p>
-        </p:txBody>
-      </p:sp>
-      <p:sp>
-        <p:nvSpPr>
           <p:cNvPr id="9" name="矩形 8">
             <a:extLst>
               <a:ext uri="{FF2B5EF4-FFF2-40B4-BE49-F238E27FC236}">
@@ -8163,55 +8114,6 @@
               <a:t>战绩</a:t>
             </a:r>
             <a:endParaRPr lang="zh-CN" altLang="en-US" dirty="0"/>
-          </a:p>
-        </p:txBody>
-      </p:sp>
-      <p:sp>
-        <p:nvSpPr>
-          <p:cNvPr id="10" name="矩形 9">
-            <a:extLst>
-              <a:ext uri="{FF2B5EF4-FFF2-40B4-BE49-F238E27FC236}">
-                <a16:creationId xmlns:a16="http://schemas.microsoft.com/office/drawing/2014/main" id="{36D25ECD-67A7-4BE6-9BD5-273552461959}"/>
-              </a:ext>
-            </a:extLst>
-          </p:cNvPr>
-          <p:cNvSpPr/>
-          <p:nvPr/>
-        </p:nvSpPr>
-        <p:spPr>
-          <a:xfrm>
-            <a:off x="10262774" y="5318040"/>
-            <a:ext cx="1040946" cy="587828"/>
-          </a:xfrm>
-          <a:prstGeom prst="rect">
-            <a:avLst/>
-          </a:prstGeom>
-        </p:spPr>
-        <p:style>
-          <a:lnRef idx="2">
-            <a:schemeClr val="accent1">
-              <a:shade val="50000"/>
-            </a:schemeClr>
-          </a:lnRef>
-          <a:fillRef idx="1">
-            <a:schemeClr val="accent1"/>
-          </a:fillRef>
-          <a:effectRef idx="0">
-            <a:schemeClr val="accent1"/>
-          </a:effectRef>
-          <a:fontRef idx="minor">
-            <a:schemeClr val="lt1"/>
-          </a:fontRef>
-        </p:style>
-        <p:txBody>
-          <a:bodyPr rtlCol="0" anchor="ctr"/>
-          <a:lstStyle/>
-          <a:p>
-            <a:pPr algn="ctr"/>
-            <a:r>
-              <a:rPr lang="zh-CN" altLang="en-US" dirty="0"/>
-              <a:t>积分</a:t>
-            </a:r>
           </a:p>
         </p:txBody>
       </p:sp>
@@ -8278,7 +8180,7 @@
         </p:nvSpPr>
         <p:spPr>
           <a:xfrm>
-            <a:off x="10259043" y="2880147"/>
+            <a:off x="8434756" y="4068293"/>
             <a:ext cx="1037794" cy="504453"/>
           </a:xfrm>
           <a:prstGeom prst="rect">
@@ -8362,125 +8264,55 @@
           </a:p>
         </p:txBody>
       </p:sp>
-      <p:grpSp>
-        <p:nvGrpSpPr>
-          <p:cNvPr id="107" name="组合 106">
+      <p:sp>
+        <p:nvSpPr>
+          <p:cNvPr id="15" name="矩形 14">
             <a:extLst>
               <a:ext uri="{FF2B5EF4-FFF2-40B4-BE49-F238E27FC236}">
-                <a16:creationId xmlns:a16="http://schemas.microsoft.com/office/drawing/2014/main" id="{66BCE779-7666-42C5-AFAC-8DA33C0E11AC}"/>
+                <a16:creationId xmlns:a16="http://schemas.microsoft.com/office/drawing/2014/main" id="{3521CA6B-0DDC-4609-8E76-6E4557BB591C}"/>
               </a:ext>
             </a:extLst>
           </p:cNvPr>
-          <p:cNvGrpSpPr/>
+          <p:cNvSpPr/>
           <p:nvPr/>
-        </p:nvGrpSpPr>
-        <p:grpSpPr>
+        </p:nvSpPr>
+        <p:spPr>
           <a:xfrm>
-            <a:off x="923073" y="5258947"/>
-            <a:ext cx="1281785" cy="685422"/>
-            <a:chOff x="923073" y="5258947"/>
-            <a:chExt cx="1281785" cy="685422"/>
+            <a:off x="1572607" y="5318783"/>
+            <a:ext cx="1095871" cy="568901"/>
           </a:xfrm>
-        </p:grpSpPr>
-        <p:sp>
-          <p:nvSpPr>
-            <p:cNvPr id="106" name="矩形 105">
-              <a:extLst>
-                <a:ext uri="{FF2B5EF4-FFF2-40B4-BE49-F238E27FC236}">
-                  <a16:creationId xmlns:a16="http://schemas.microsoft.com/office/drawing/2014/main" id="{27FF7F54-7662-4E78-9B96-009C6B0F0BDF}"/>
-                </a:ext>
-              </a:extLst>
-            </p:cNvPr>
-            <p:cNvSpPr/>
-            <p:nvPr/>
-          </p:nvSpPr>
-          <p:spPr>
-            <a:xfrm>
-              <a:off x="923073" y="5258947"/>
-              <a:ext cx="1281785" cy="685422"/>
-            </a:xfrm>
-            <a:prstGeom prst="rect">
-              <a:avLst/>
-            </a:prstGeom>
-            <a:solidFill>
-              <a:schemeClr val="accent5"/>
-            </a:solidFill>
-          </p:spPr>
-          <p:style>
-            <a:lnRef idx="2">
-              <a:schemeClr val="accent1">
-                <a:shade val="50000"/>
-              </a:schemeClr>
-            </a:lnRef>
-            <a:fillRef idx="1">
-              <a:schemeClr val="accent1"/>
-            </a:fillRef>
-            <a:effectRef idx="0">
-              <a:schemeClr val="accent1"/>
-            </a:effectRef>
-            <a:fontRef idx="minor">
-              <a:schemeClr val="lt1"/>
-            </a:fontRef>
-          </p:style>
-          <p:txBody>
-            <a:bodyPr rtlCol="0" anchor="ctr"/>
-            <a:lstStyle/>
-            <a:p>
-              <a:pPr algn="ctr"/>
-              <a:endParaRPr lang="zh-CN" altLang="en-US" dirty="0"/>
-            </a:p>
-          </p:txBody>
-        </p:sp>
-        <p:sp>
-          <p:nvSpPr>
-            <p:cNvPr id="15" name="矩形 14">
-              <a:extLst>
-                <a:ext uri="{FF2B5EF4-FFF2-40B4-BE49-F238E27FC236}">
-                  <a16:creationId xmlns:a16="http://schemas.microsoft.com/office/drawing/2014/main" id="{3521CA6B-0DDC-4609-8E76-6E4557BB591C}"/>
-                </a:ext>
-              </a:extLst>
-            </p:cNvPr>
-            <p:cNvSpPr/>
-            <p:nvPr/>
-          </p:nvSpPr>
-          <p:spPr>
-            <a:xfrm>
-              <a:off x="1016030" y="5318783"/>
-              <a:ext cx="1095871" cy="568901"/>
-            </a:xfrm>
-            <a:prstGeom prst="rect">
-              <a:avLst/>
-            </a:prstGeom>
-          </p:spPr>
-          <p:style>
-            <a:lnRef idx="2">
-              <a:schemeClr val="accent1">
-                <a:shade val="50000"/>
-              </a:schemeClr>
-            </a:lnRef>
-            <a:fillRef idx="1">
-              <a:schemeClr val="accent1"/>
-            </a:fillRef>
-            <a:effectRef idx="0">
-              <a:schemeClr val="accent1"/>
-            </a:effectRef>
-            <a:fontRef idx="minor">
-              <a:schemeClr val="lt1"/>
-            </a:fontRef>
-          </p:style>
-          <p:txBody>
-            <a:bodyPr rtlCol="0" anchor="ctr"/>
-            <a:lstStyle/>
-            <a:p>
-              <a:pPr algn="ctr"/>
-              <a:r>
-                <a:rPr lang="zh-CN" altLang="en-US" dirty="0"/>
-                <a:t>段位</a:t>
-              </a:r>
-            </a:p>
-          </p:txBody>
-        </p:sp>
-      </p:grpSp>
+          <a:prstGeom prst="rect">
+            <a:avLst/>
+          </a:prstGeom>
+        </p:spPr>
+        <p:style>
+          <a:lnRef idx="2">
+            <a:schemeClr val="accent1">
+              <a:shade val="50000"/>
+            </a:schemeClr>
+          </a:lnRef>
+          <a:fillRef idx="1">
+            <a:schemeClr val="accent1"/>
+          </a:fillRef>
+          <a:effectRef idx="0">
+            <a:schemeClr val="accent1"/>
+          </a:effectRef>
+          <a:fontRef idx="minor">
+            <a:schemeClr val="lt1"/>
+          </a:fontRef>
+        </p:style>
+        <p:txBody>
+          <a:bodyPr rtlCol="0" anchor="ctr"/>
+          <a:lstStyle/>
+          <a:p>
+            <a:pPr algn="ctr"/>
+            <a:r>
+              <a:rPr lang="zh-CN" altLang="en-US" dirty="0"/>
+              <a:t>段位</a:t>
+            </a:r>
+          </a:p>
+        </p:txBody>
+      </p:sp>
       <p:sp>
         <p:nvSpPr>
           <p:cNvPr id="17" name="菱形 16">
@@ -8544,7 +8376,7 @@
         </p:nvSpPr>
         <p:spPr>
           <a:xfrm>
-            <a:off x="7664732" y="2737703"/>
+            <a:off x="8182376" y="2745241"/>
             <a:ext cx="1542555" cy="779690"/>
           </a:xfrm>
           <a:prstGeom prst="diamond">
@@ -8691,7 +8523,7 @@
         </p:nvSpPr>
         <p:spPr>
           <a:xfrm>
-            <a:off x="7729506" y="5265097"/>
+            <a:off x="8248402" y="5250759"/>
             <a:ext cx="1410502" cy="693714"/>
           </a:xfrm>
           <a:prstGeom prst="diamond">
@@ -8858,14 +8690,14 @@
           <p:cNvCxnSpPr>
             <a:cxnSpLocks/>
             <a:stCxn id="12" idx="2"/>
-            <a:endCxn id="8" idx="0"/>
+            <a:endCxn id="22" idx="0"/>
           </p:cNvCxnSpPr>
           <p:nvPr/>
         </p:nvCxnSpPr>
         <p:spPr>
           <a:xfrm>
-            <a:off x="10777940" y="3384600"/>
-            <a:ext cx="10615" cy="629757"/>
+            <a:off x="8953653" y="4572746"/>
+            <a:ext cx="0" cy="678013"/>
           </a:xfrm>
           <a:prstGeom prst="line">
             <a:avLst/>
@@ -8898,14 +8730,14 @@
           <p:cNvCxnSpPr>
             <a:cxnSpLocks/>
             <a:stCxn id="15" idx="3"/>
-            <a:endCxn id="63" idx="1"/>
+            <a:endCxn id="49" idx="1"/>
           </p:cNvCxnSpPr>
           <p:nvPr/>
         </p:nvCxnSpPr>
         <p:spPr>
           <a:xfrm flipV="1">
-            <a:off x="2111901" y="5600083"/>
-            <a:ext cx="893161" cy="3151"/>
+            <a:off x="2668478" y="5596364"/>
+            <a:ext cx="801438" cy="6870"/>
           </a:xfrm>
           <a:prstGeom prst="line">
             <a:avLst/>
@@ -8946,46 +8778,6 @@
           <a:xfrm>
             <a:off x="6096000" y="3379775"/>
             <a:ext cx="0" cy="646831"/>
-          </a:xfrm>
-          <a:prstGeom prst="line">
-            <a:avLst/>
-          </a:prstGeom>
-        </p:spPr>
-        <p:style>
-          <a:lnRef idx="1">
-            <a:schemeClr val="accent1"/>
-          </a:lnRef>
-          <a:fillRef idx="0">
-            <a:schemeClr val="accent1"/>
-          </a:fillRef>
-          <a:effectRef idx="0">
-            <a:schemeClr val="accent1"/>
-          </a:effectRef>
-          <a:fontRef idx="minor">
-            <a:schemeClr val="tx1"/>
-          </a:fontRef>
-        </p:style>
-      </p:cxnSp>
-      <p:cxnSp>
-        <p:nvCxnSpPr>
-          <p:cNvPr id="54" name="直接连接符 53">
-            <a:extLst>
-              <a:ext uri="{FF2B5EF4-FFF2-40B4-BE49-F238E27FC236}">
-                <a16:creationId xmlns:a16="http://schemas.microsoft.com/office/drawing/2014/main" id="{71A9D9F4-ABAF-440E-BE7E-B4C303A976BB}"/>
-              </a:ext>
-            </a:extLst>
-          </p:cNvPr>
-          <p:cNvCxnSpPr>
-            <a:cxnSpLocks/>
-            <a:stCxn id="8" idx="2"/>
-            <a:endCxn id="10" idx="0"/>
-          </p:cNvCxnSpPr>
-          <p:nvPr/>
-        </p:nvCxnSpPr>
-        <p:spPr>
-          <a:xfrm flipH="1">
-            <a:off x="10783247" y="4602185"/>
-            <a:ext cx="5308" cy="715855"/>
           </a:xfrm>
           <a:prstGeom prst="line">
             <a:avLst/>
@@ -9103,9 +8895,9 @@
           <p:nvPr/>
         </p:nvCxnSpPr>
         <p:spPr>
-          <a:xfrm flipV="1">
-            <a:off x="6568321" y="3127548"/>
-            <a:ext cx="1096411" cy="1"/>
+          <a:xfrm>
+            <a:off x="6568321" y="3127549"/>
+            <a:ext cx="1614055" cy="7537"/>
           </a:xfrm>
           <a:prstGeom prst="line">
             <a:avLst/>
@@ -9137,55 +8929,15 @@
           </p:cNvPr>
           <p:cNvCxnSpPr>
             <a:cxnSpLocks/>
-            <a:stCxn id="18" idx="3"/>
-            <a:endCxn id="12" idx="1"/>
+            <a:stCxn id="18" idx="2"/>
+            <a:endCxn id="12" idx="0"/>
           </p:cNvCxnSpPr>
           <p:nvPr/>
         </p:nvCxnSpPr>
         <p:spPr>
-          <a:xfrm>
-            <a:off x="9207287" y="3127548"/>
-            <a:ext cx="1051756" cy="4826"/>
-          </a:xfrm>
-          <a:prstGeom prst="line">
-            <a:avLst/>
-          </a:prstGeom>
-        </p:spPr>
-        <p:style>
-          <a:lnRef idx="1">
-            <a:schemeClr val="accent1"/>
-          </a:lnRef>
-          <a:fillRef idx="0">
-            <a:schemeClr val="accent1"/>
-          </a:fillRef>
-          <a:effectRef idx="0">
-            <a:schemeClr val="accent1"/>
-          </a:effectRef>
-          <a:fontRef idx="minor">
-            <a:schemeClr val="tx1"/>
-          </a:fontRef>
-        </p:style>
-      </p:cxnSp>
-      <p:cxnSp>
-        <p:nvCxnSpPr>
-          <p:cNvPr id="77" name="直接连接符 76">
-            <a:extLst>
-              <a:ext uri="{FF2B5EF4-FFF2-40B4-BE49-F238E27FC236}">
-                <a16:creationId xmlns:a16="http://schemas.microsoft.com/office/drawing/2014/main" id="{4F288CD1-987A-48AD-BC40-8AA045820B29}"/>
-              </a:ext>
-            </a:extLst>
-          </p:cNvPr>
-          <p:cNvCxnSpPr>
-            <a:cxnSpLocks/>
-            <a:stCxn id="22" idx="3"/>
-            <a:endCxn id="10" idx="1"/>
-          </p:cNvCxnSpPr>
-          <p:nvPr/>
-        </p:nvCxnSpPr>
-        <p:spPr>
-          <a:xfrm>
-            <a:off x="9140008" y="5611954"/>
-            <a:ext cx="1122766" cy="0"/>
+          <a:xfrm flipH="1">
+            <a:off x="8953653" y="3524931"/>
+            <a:ext cx="1" cy="543362"/>
           </a:xfrm>
           <a:prstGeom prst="line">
             <a:avLst/>
@@ -9225,7 +8977,7 @@
         <p:spPr>
           <a:xfrm>
             <a:off x="6616473" y="5593770"/>
-            <a:ext cx="1113033" cy="18184"/>
+            <a:ext cx="1631929" cy="3846"/>
           </a:xfrm>
           <a:prstGeom prst="line">
             <a:avLst/>
@@ -9258,14 +9010,14 @@
           <p:cNvCxnSpPr>
             <a:cxnSpLocks/>
             <a:stCxn id="9" idx="1"/>
-            <a:endCxn id="63" idx="3"/>
+            <a:endCxn id="49" idx="3"/>
           </p:cNvCxnSpPr>
           <p:nvPr/>
         </p:nvCxnSpPr>
         <p:spPr>
           <a:xfrm flipH="1">
-            <a:off x="4657509" y="5593770"/>
-            <a:ext cx="918018" cy="6313"/>
+            <a:off x="4771868" y="5593770"/>
+            <a:ext cx="803659" cy="2594"/>
           </a:xfrm>
           <a:prstGeom prst="line">
             <a:avLst/>
@@ -9330,7 +9082,7 @@
             <a:pPr algn="ctr"/>
             <a:r>
               <a:rPr lang="zh-CN" altLang="en-US" dirty="0"/>
-              <a:t>评论</a:t>
+              <a:t>回复</a:t>
             </a:r>
           </a:p>
         </p:txBody>
@@ -9429,8 +9181,8 @@
         </p:nvSpPr>
         <p:spPr>
           <a:xfrm>
-            <a:off x="3380541" y="2841172"/>
-            <a:ext cx="1281793" cy="587828"/>
+            <a:off x="3469916" y="2822654"/>
+            <a:ext cx="1316178" cy="620001"/>
           </a:xfrm>
           <a:prstGeom prst="diamond">
             <a:avLst/>
@@ -9483,7 +9235,7 @@
         <p:spPr>
           <a:xfrm>
             <a:off x="2568603" y="2228491"/>
-            <a:ext cx="811938" cy="906595"/>
+            <a:ext cx="901313" cy="904164"/>
           </a:xfrm>
           <a:prstGeom prst="line">
             <a:avLst/>
@@ -9522,8 +9274,8 @@
         </p:nvCxnSpPr>
         <p:spPr>
           <a:xfrm flipV="1">
-            <a:off x="4662334" y="3127549"/>
-            <a:ext cx="961344" cy="7537"/>
+            <a:off x="4786094" y="3127549"/>
+            <a:ext cx="837584" cy="5106"/>
           </a:xfrm>
           <a:prstGeom prst="line">
             <a:avLst/>
@@ -9544,125 +9296,141 @@
           </a:fontRef>
         </p:style>
       </p:cxnSp>
-      <p:grpSp>
-        <p:nvGrpSpPr>
-          <p:cNvPr id="50" name="组合 49">
+      <p:sp>
+        <p:nvSpPr>
+          <p:cNvPr id="49" name="菱形 48">
             <a:extLst>
               <a:ext uri="{FF2B5EF4-FFF2-40B4-BE49-F238E27FC236}">
-                <a16:creationId xmlns:a16="http://schemas.microsoft.com/office/drawing/2014/main" id="{4135C76C-7961-4A80-871E-31F64FBBABC5}"/>
+                <a16:creationId xmlns:a16="http://schemas.microsoft.com/office/drawing/2014/main" id="{B6789DCD-BD40-4262-B331-D663CDE9BA0E}"/>
               </a:ext>
             </a:extLst>
           </p:cNvPr>
-          <p:cNvGrpSpPr/>
+          <p:cNvSpPr/>
           <p:nvPr/>
-        </p:nvGrpSpPr>
-        <p:grpSpPr>
+        </p:nvSpPr>
+        <p:spPr>
           <a:xfrm>
-            <a:off x="3005062" y="5217337"/>
-            <a:ext cx="1652447" cy="765491"/>
-            <a:chOff x="1017424" y="3651913"/>
-            <a:chExt cx="1942903" cy="900044"/>
+            <a:off x="3469916" y="5284517"/>
+            <a:ext cx="1301952" cy="623694"/>
           </a:xfrm>
-        </p:grpSpPr>
-        <p:sp>
-          <p:nvSpPr>
-            <p:cNvPr id="63" name="菱形 62">
-              <a:extLst>
-                <a:ext uri="{FF2B5EF4-FFF2-40B4-BE49-F238E27FC236}">
-                  <a16:creationId xmlns:a16="http://schemas.microsoft.com/office/drawing/2014/main" id="{C170C8FB-A072-4016-8FD6-71B107E6C62A}"/>
-                </a:ext>
-              </a:extLst>
-            </p:cNvPr>
-            <p:cNvSpPr/>
-            <p:nvPr/>
-          </p:nvSpPr>
-          <p:spPr>
-            <a:xfrm>
-              <a:off x="1017424" y="3651913"/>
-              <a:ext cx="1942903" cy="900044"/>
-            </a:xfrm>
-            <a:prstGeom prst="diamond">
-              <a:avLst/>
-            </a:prstGeom>
-            <a:solidFill>
-              <a:schemeClr val="accent5"/>
-            </a:solidFill>
-          </p:spPr>
-          <p:style>
-            <a:lnRef idx="2">
-              <a:schemeClr val="accent1">
-                <a:shade val="50000"/>
-              </a:schemeClr>
-            </a:lnRef>
-            <a:fillRef idx="1">
-              <a:schemeClr val="accent1"/>
-            </a:fillRef>
-            <a:effectRef idx="0">
-              <a:schemeClr val="accent1"/>
-            </a:effectRef>
-            <a:fontRef idx="minor">
-              <a:schemeClr val="lt1"/>
-            </a:fontRef>
-          </p:style>
-          <p:txBody>
-            <a:bodyPr rtlCol="0" anchor="ctr"/>
-            <a:lstStyle/>
-            <a:p>
-              <a:pPr algn="ctr"/>
-              <a:endParaRPr lang="zh-CN" altLang="en-US"/>
-            </a:p>
-          </p:txBody>
-        </p:sp>
-        <p:sp>
-          <p:nvSpPr>
-            <p:cNvPr id="49" name="菱形 48">
-              <a:extLst>
-                <a:ext uri="{FF2B5EF4-FFF2-40B4-BE49-F238E27FC236}">
-                  <a16:creationId xmlns:a16="http://schemas.microsoft.com/office/drawing/2014/main" id="{B6789DCD-BD40-4262-B331-D663CDE9BA0E}"/>
-                </a:ext>
-              </a:extLst>
-            </p:cNvPr>
-            <p:cNvSpPr/>
-            <p:nvPr/>
-          </p:nvSpPr>
-          <p:spPr>
-            <a:xfrm>
-              <a:off x="1223475" y="3730901"/>
-              <a:ext cx="1530800" cy="733323"/>
-            </a:xfrm>
-            <a:prstGeom prst="diamond">
-              <a:avLst/>
-            </a:prstGeom>
-          </p:spPr>
-          <p:style>
-            <a:lnRef idx="2">
-              <a:schemeClr val="accent1">
-                <a:shade val="50000"/>
-              </a:schemeClr>
-            </a:lnRef>
-            <a:fillRef idx="1">
-              <a:schemeClr val="accent1"/>
-            </a:fillRef>
-            <a:effectRef idx="0">
-              <a:schemeClr val="accent1"/>
-            </a:effectRef>
-            <a:fontRef idx="minor">
-              <a:schemeClr val="lt1"/>
-            </a:fontRef>
-          </p:style>
-          <p:txBody>
-            <a:bodyPr rtlCol="0" anchor="ctr"/>
-            <a:lstStyle/>
-            <a:p>
-              <a:pPr algn="ctr"/>
-              <a:r>
-                <a:rPr lang="zh-CN" altLang="en-US" dirty="0"/>
-                <a:t>划分</a:t>
-              </a:r>
-            </a:p>
-          </p:txBody>
-        </p:sp>
-      </p:grpSp>
+          <a:prstGeom prst="diamond">
+            <a:avLst/>
+          </a:prstGeom>
+        </p:spPr>
+        <p:style>
+          <a:lnRef idx="2">
+            <a:schemeClr val="accent1">
+              <a:shade val="50000"/>
+            </a:schemeClr>
+          </a:lnRef>
+          <a:fillRef idx="1">
+            <a:schemeClr val="accent1"/>
+          </a:fillRef>
+          <a:effectRef idx="0">
+            <a:schemeClr val="accent1"/>
+          </a:effectRef>
+          <a:fontRef idx="minor">
+            <a:schemeClr val="lt1"/>
+          </a:fontRef>
+        </p:style>
+        <p:txBody>
+          <a:bodyPr rtlCol="0" anchor="ctr"/>
+          <a:lstStyle/>
+          <a:p>
+            <a:pPr algn="ctr"/>
+            <a:r>
+              <a:rPr lang="zh-CN" altLang="en-US" dirty="0"/>
+              <a:t>划分</a:t>
+            </a:r>
+          </a:p>
+        </p:txBody>
+      </p:sp>
+      <p:cxnSp>
+        <p:nvCxnSpPr>
+          <p:cNvPr id="80" name="直接箭头连接符 79">
+            <a:extLst>
+              <a:ext uri="{FF2B5EF4-FFF2-40B4-BE49-F238E27FC236}">
+                <a16:creationId xmlns:a16="http://schemas.microsoft.com/office/drawing/2014/main" id="{21EE06D0-70A1-437C-8514-7A8CD0268329}"/>
+              </a:ext>
+            </a:extLst>
+          </p:cNvPr>
+          <p:cNvCxnSpPr>
+            <a:cxnSpLocks/>
+            <a:stCxn id="42" idx="2"/>
+            <a:endCxn id="4" idx="0"/>
+          </p:cNvCxnSpPr>
+          <p:nvPr/>
+        </p:nvCxnSpPr>
+        <p:spPr>
+          <a:xfrm flipH="1">
+            <a:off x="6096000" y="2207639"/>
+            <a:ext cx="927836" cy="667683"/>
+          </a:xfrm>
+          <a:prstGeom prst="straightConnector1">
+            <a:avLst/>
+          </a:prstGeom>
+          <a:ln>
+            <a:tailEnd type="triangle"/>
+          </a:ln>
+        </p:spPr>
+        <p:style>
+          <a:lnRef idx="1">
+            <a:schemeClr val="accent1"/>
+          </a:lnRef>
+          <a:fillRef idx="0">
+            <a:schemeClr val="accent1"/>
+          </a:fillRef>
+          <a:effectRef idx="0">
+            <a:schemeClr val="accent1"/>
+          </a:effectRef>
+          <a:fontRef idx="minor">
+            <a:schemeClr val="tx1"/>
+          </a:fontRef>
+        </p:style>
+      </p:cxnSp>
+      <p:cxnSp>
+        <p:nvCxnSpPr>
+          <p:cNvPr id="84" name="直接箭头连接符 83">
+            <a:extLst>
+              <a:ext uri="{FF2B5EF4-FFF2-40B4-BE49-F238E27FC236}">
+                <a16:creationId xmlns:a16="http://schemas.microsoft.com/office/drawing/2014/main" id="{EC8CC81A-E223-46CF-AF35-F8FFEBA9F083}"/>
+              </a:ext>
+            </a:extLst>
+          </p:cNvPr>
+          <p:cNvCxnSpPr>
+            <a:cxnSpLocks/>
+            <a:stCxn id="20" idx="2"/>
+            <a:endCxn id="4" idx="0"/>
+          </p:cNvCxnSpPr>
+          <p:nvPr/>
+        </p:nvCxnSpPr>
+        <p:spPr>
+          <a:xfrm>
+            <a:off x="5264687" y="2228491"/>
+            <a:ext cx="831313" cy="646831"/>
+          </a:xfrm>
+          <a:prstGeom prst="straightConnector1">
+            <a:avLst/>
+          </a:prstGeom>
+          <a:ln>
+            <a:tailEnd type="triangle"/>
+          </a:ln>
+        </p:spPr>
+        <p:style>
+          <a:lnRef idx="1">
+            <a:schemeClr val="accent1"/>
+          </a:lnRef>
+          <a:fillRef idx="0">
+            <a:schemeClr val="accent1"/>
+          </a:fillRef>
+          <a:effectRef idx="0">
+            <a:schemeClr val="accent1"/>
+          </a:effectRef>
+          <a:fontRef idx="minor">
+            <a:schemeClr val="tx1"/>
+          </a:fontRef>
+        </p:style>
+      </p:cxnSp>
     </p:spTree>
     <p:extLst>
       <p:ext uri="{BB962C8B-B14F-4D97-AF65-F5344CB8AC3E}">

--- a/ER图.pptx
+++ b/ER图.pptx
@@ -4450,7 +4450,7 @@
           <a:p>
             <a:fld id="{8DFBE367-D07E-4E64-9378-BAD63A9F73B5}" type="datetimeFigureOut">
               <a:rPr lang="zh-CN" altLang="en-US" smtClean="0"/>
-              <a:t>2018/11/27</a:t>
+              <a:t>2018/12/4</a:t>
             </a:fld>
             <a:endParaRPr lang="zh-CN" altLang="en-US"/>
           </a:p>
@@ -4951,7 +4951,7 @@
           <a:p>
             <a:fld id="{4CB4035A-1D71-4DD2-A2A9-62AED16A2FCE}" type="datetimeFigureOut">
               <a:rPr lang="zh-CN" altLang="en-US" smtClean="0"/>
-              <a:t>2018/11/27</a:t>
+              <a:t>2018/12/4</a:t>
             </a:fld>
             <a:endParaRPr lang="zh-CN" altLang="en-US"/>
           </a:p>
@@ -5149,7 +5149,7 @@
           <a:p>
             <a:fld id="{4CB4035A-1D71-4DD2-A2A9-62AED16A2FCE}" type="datetimeFigureOut">
               <a:rPr lang="zh-CN" altLang="en-US" smtClean="0"/>
-              <a:t>2018/11/27</a:t>
+              <a:t>2018/12/4</a:t>
             </a:fld>
             <a:endParaRPr lang="zh-CN" altLang="en-US"/>
           </a:p>
@@ -5357,7 +5357,7 @@
           <a:p>
             <a:fld id="{4CB4035A-1D71-4DD2-A2A9-62AED16A2FCE}" type="datetimeFigureOut">
               <a:rPr lang="zh-CN" altLang="en-US" smtClean="0"/>
-              <a:t>2018/11/27</a:t>
+              <a:t>2018/12/4</a:t>
             </a:fld>
             <a:endParaRPr lang="zh-CN" altLang="en-US"/>
           </a:p>
@@ -5555,7 +5555,7 @@
           <a:p>
             <a:fld id="{4CB4035A-1D71-4DD2-A2A9-62AED16A2FCE}" type="datetimeFigureOut">
               <a:rPr lang="zh-CN" altLang="en-US" smtClean="0"/>
-              <a:t>2018/11/27</a:t>
+              <a:t>2018/12/4</a:t>
             </a:fld>
             <a:endParaRPr lang="zh-CN" altLang="en-US"/>
           </a:p>
@@ -5830,7 +5830,7 @@
           <a:p>
             <a:fld id="{4CB4035A-1D71-4DD2-A2A9-62AED16A2FCE}" type="datetimeFigureOut">
               <a:rPr lang="zh-CN" altLang="en-US" smtClean="0"/>
-              <a:t>2018/11/27</a:t>
+              <a:t>2018/12/4</a:t>
             </a:fld>
             <a:endParaRPr lang="zh-CN" altLang="en-US"/>
           </a:p>
@@ -6095,7 +6095,7 @@
           <a:p>
             <a:fld id="{4CB4035A-1D71-4DD2-A2A9-62AED16A2FCE}" type="datetimeFigureOut">
               <a:rPr lang="zh-CN" altLang="en-US" smtClean="0"/>
-              <a:t>2018/11/27</a:t>
+              <a:t>2018/12/4</a:t>
             </a:fld>
             <a:endParaRPr lang="zh-CN" altLang="en-US"/>
           </a:p>
@@ -6507,7 +6507,7 @@
           <a:p>
             <a:fld id="{4CB4035A-1D71-4DD2-A2A9-62AED16A2FCE}" type="datetimeFigureOut">
               <a:rPr lang="zh-CN" altLang="en-US" smtClean="0"/>
-              <a:t>2018/11/27</a:t>
+              <a:t>2018/12/4</a:t>
             </a:fld>
             <a:endParaRPr lang="zh-CN" altLang="en-US"/>
           </a:p>
@@ -6648,7 +6648,7 @@
           <a:p>
             <a:fld id="{4CB4035A-1D71-4DD2-A2A9-62AED16A2FCE}" type="datetimeFigureOut">
               <a:rPr lang="zh-CN" altLang="en-US" smtClean="0"/>
-              <a:t>2018/11/27</a:t>
+              <a:t>2018/12/4</a:t>
             </a:fld>
             <a:endParaRPr lang="zh-CN" altLang="en-US"/>
           </a:p>
@@ -6761,7 +6761,7 @@
           <a:p>
             <a:fld id="{4CB4035A-1D71-4DD2-A2A9-62AED16A2FCE}" type="datetimeFigureOut">
               <a:rPr lang="zh-CN" altLang="en-US" smtClean="0"/>
-              <a:t>2018/11/27</a:t>
+              <a:t>2018/12/4</a:t>
             </a:fld>
             <a:endParaRPr lang="zh-CN" altLang="en-US"/>
           </a:p>
@@ -7072,7 +7072,7 @@
           <a:p>
             <a:fld id="{4CB4035A-1D71-4DD2-A2A9-62AED16A2FCE}" type="datetimeFigureOut">
               <a:rPr lang="zh-CN" altLang="en-US" smtClean="0"/>
-              <a:t>2018/11/27</a:t>
+              <a:t>2018/12/4</a:t>
             </a:fld>
             <a:endParaRPr lang="zh-CN" altLang="en-US"/>
           </a:p>
@@ -7360,7 +7360,7 @@
           <a:p>
             <a:fld id="{4CB4035A-1D71-4DD2-A2A9-62AED16A2FCE}" type="datetimeFigureOut">
               <a:rPr lang="zh-CN" altLang="en-US" smtClean="0"/>
-              <a:t>2018/11/27</a:t>
+              <a:t>2018/12/4</a:t>
             </a:fld>
             <a:endParaRPr lang="zh-CN" altLang="en-US"/>
           </a:p>
@@ -7601,7 +7601,7 @@
           <a:p>
             <a:fld id="{4CB4035A-1D71-4DD2-A2A9-62AED16A2FCE}" type="datetimeFigureOut">
               <a:rPr lang="zh-CN" altLang="en-US" smtClean="0"/>
-              <a:t>2018/11/27</a:t>
+              <a:t>2018/12/4</a:t>
             </a:fld>
             <a:endParaRPr lang="zh-CN" altLang="en-US"/>
           </a:p>
@@ -8018,6 +8018,556 @@
           <a:chExt cx="0" cy="0"/>
         </a:xfrm>
       </p:grpSpPr>
+      <p:grpSp>
+        <p:nvGrpSpPr>
+          <p:cNvPr id="299" name="组合 298">
+            <a:extLst>
+              <a:ext uri="{FF2B5EF4-FFF2-40B4-BE49-F238E27FC236}">
+                <a16:creationId xmlns:a16="http://schemas.microsoft.com/office/drawing/2014/main" id="{AD0EFF8E-455F-4D2D-BA2A-216EDA111521}"/>
+              </a:ext>
+            </a:extLst>
+          </p:cNvPr>
+          <p:cNvGrpSpPr/>
+          <p:nvPr/>
+        </p:nvGrpSpPr>
+        <p:grpSpPr>
+          <a:xfrm>
+            <a:off x="8640489" y="1816228"/>
+            <a:ext cx="2236924" cy="850977"/>
+            <a:chOff x="5946857" y="1417632"/>
+            <a:chExt cx="2236924" cy="850977"/>
+          </a:xfrm>
+        </p:grpSpPr>
+        <p:sp>
+          <p:nvSpPr>
+            <p:cNvPr id="300" name="椭圆 299">
+              <a:extLst>
+                <a:ext uri="{FF2B5EF4-FFF2-40B4-BE49-F238E27FC236}">
+                  <a16:creationId xmlns:a16="http://schemas.microsoft.com/office/drawing/2014/main" id="{58E3303F-3731-435E-B0CB-F4355239DA3F}"/>
+                </a:ext>
+              </a:extLst>
+            </p:cNvPr>
+            <p:cNvSpPr/>
+            <p:nvPr/>
+          </p:nvSpPr>
+          <p:spPr>
+            <a:xfrm>
+              <a:off x="7257200" y="1729093"/>
+              <a:ext cx="926581" cy="539516"/>
+            </a:xfrm>
+            <a:prstGeom prst="ellipse">
+              <a:avLst/>
+            </a:prstGeom>
+          </p:spPr>
+          <p:style>
+            <a:lnRef idx="2">
+              <a:schemeClr val="accent1">
+                <a:shade val="50000"/>
+              </a:schemeClr>
+            </a:lnRef>
+            <a:fillRef idx="1">
+              <a:schemeClr val="accent1"/>
+            </a:fillRef>
+            <a:effectRef idx="0">
+              <a:schemeClr val="accent1"/>
+            </a:effectRef>
+            <a:fontRef idx="minor">
+              <a:schemeClr val="lt1"/>
+            </a:fontRef>
+          </p:style>
+          <p:txBody>
+            <a:bodyPr rtlCol="0" anchor="ctr"/>
+            <a:lstStyle/>
+            <a:p>
+              <a:pPr algn="ctr"/>
+              <a:r>
+                <a:rPr lang="zh-CN" altLang="en-US" dirty="0"/>
+                <a:t>回复序号</a:t>
+              </a:r>
+            </a:p>
+          </p:txBody>
+        </p:sp>
+        <p:cxnSp>
+          <p:nvCxnSpPr>
+            <p:cNvPr id="301" name="直接连接符 300">
+              <a:extLst>
+                <a:ext uri="{FF2B5EF4-FFF2-40B4-BE49-F238E27FC236}">
+                  <a16:creationId xmlns:a16="http://schemas.microsoft.com/office/drawing/2014/main" id="{DA9B0259-C41A-4F91-949A-62B57E052A1D}"/>
+                </a:ext>
+              </a:extLst>
+            </p:cNvPr>
+            <p:cNvCxnSpPr>
+              <a:cxnSpLocks/>
+              <a:stCxn id="42" idx="3"/>
+              <a:endCxn id="300" idx="2"/>
+            </p:cNvCxnSpPr>
+            <p:nvPr/>
+          </p:nvCxnSpPr>
+          <p:spPr>
+            <a:xfrm>
+              <a:off x="5946857" y="1417632"/>
+              <a:ext cx="1310343" cy="581219"/>
+            </a:xfrm>
+            <a:prstGeom prst="line">
+              <a:avLst/>
+            </a:prstGeom>
+          </p:spPr>
+          <p:style>
+            <a:lnRef idx="1">
+              <a:schemeClr val="accent1"/>
+            </a:lnRef>
+            <a:fillRef idx="0">
+              <a:schemeClr val="accent1"/>
+            </a:fillRef>
+            <a:effectRef idx="0">
+              <a:schemeClr val="accent1"/>
+            </a:effectRef>
+            <a:fontRef idx="minor">
+              <a:schemeClr val="tx1"/>
+            </a:fontRef>
+          </p:style>
+        </p:cxnSp>
+      </p:grpSp>
+      <p:grpSp>
+        <p:nvGrpSpPr>
+          <p:cNvPr id="294" name="组合 293">
+            <a:extLst>
+              <a:ext uri="{FF2B5EF4-FFF2-40B4-BE49-F238E27FC236}">
+                <a16:creationId xmlns:a16="http://schemas.microsoft.com/office/drawing/2014/main" id="{CACBA153-C6D2-4642-96FC-F5C4E374B7E0}"/>
+              </a:ext>
+            </a:extLst>
+          </p:cNvPr>
+          <p:cNvGrpSpPr/>
+          <p:nvPr/>
+        </p:nvGrpSpPr>
+        <p:grpSpPr>
+          <a:xfrm>
+            <a:off x="8640489" y="1688399"/>
+            <a:ext cx="2971197" cy="539516"/>
+            <a:chOff x="5469982" y="2133939"/>
+            <a:chExt cx="2971197" cy="539516"/>
+          </a:xfrm>
+        </p:grpSpPr>
+        <p:sp>
+          <p:nvSpPr>
+            <p:cNvPr id="295" name="椭圆 294">
+              <a:extLst>
+                <a:ext uri="{FF2B5EF4-FFF2-40B4-BE49-F238E27FC236}">
+                  <a16:creationId xmlns:a16="http://schemas.microsoft.com/office/drawing/2014/main" id="{C3146725-41DC-43EF-82B1-4C256089A2F4}"/>
+                </a:ext>
+              </a:extLst>
+            </p:cNvPr>
+            <p:cNvSpPr/>
+            <p:nvPr/>
+          </p:nvSpPr>
+          <p:spPr>
+            <a:xfrm>
+              <a:off x="7514598" y="2133939"/>
+              <a:ext cx="926581" cy="539516"/>
+            </a:xfrm>
+            <a:prstGeom prst="ellipse">
+              <a:avLst/>
+            </a:prstGeom>
+          </p:spPr>
+          <p:style>
+            <a:lnRef idx="2">
+              <a:schemeClr val="accent1">
+                <a:shade val="50000"/>
+              </a:schemeClr>
+            </a:lnRef>
+            <a:fillRef idx="1">
+              <a:schemeClr val="accent1"/>
+            </a:fillRef>
+            <a:effectRef idx="0">
+              <a:schemeClr val="accent1"/>
+            </a:effectRef>
+            <a:fontRef idx="minor">
+              <a:schemeClr val="lt1"/>
+            </a:fontRef>
+          </p:style>
+          <p:txBody>
+            <a:bodyPr rtlCol="0" anchor="ctr"/>
+            <a:lstStyle/>
+            <a:p>
+              <a:pPr algn="ctr"/>
+              <a:r>
+                <a:rPr lang="zh-CN" altLang="en-US" dirty="0"/>
+                <a:t>留言序号</a:t>
+              </a:r>
+            </a:p>
+          </p:txBody>
+        </p:sp>
+        <p:cxnSp>
+          <p:nvCxnSpPr>
+            <p:cNvPr id="296" name="直接连接符 295">
+              <a:extLst>
+                <a:ext uri="{FF2B5EF4-FFF2-40B4-BE49-F238E27FC236}">
+                  <a16:creationId xmlns:a16="http://schemas.microsoft.com/office/drawing/2014/main" id="{E0A4E764-C9E9-46B5-8758-9494FA2CF7EF}"/>
+                </a:ext>
+              </a:extLst>
+            </p:cNvPr>
+            <p:cNvCxnSpPr>
+              <a:cxnSpLocks/>
+              <a:stCxn id="42" idx="3"/>
+              <a:endCxn id="295" idx="2"/>
+            </p:cNvCxnSpPr>
+            <p:nvPr/>
+          </p:nvCxnSpPr>
+          <p:spPr>
+            <a:xfrm>
+              <a:off x="5469982" y="2261768"/>
+              <a:ext cx="2044616" cy="141929"/>
+            </a:xfrm>
+            <a:prstGeom prst="line">
+              <a:avLst/>
+            </a:prstGeom>
+          </p:spPr>
+          <p:style>
+            <a:lnRef idx="1">
+              <a:schemeClr val="accent1"/>
+            </a:lnRef>
+            <a:fillRef idx="0">
+              <a:schemeClr val="accent1"/>
+            </a:fillRef>
+            <a:effectRef idx="0">
+              <a:schemeClr val="accent1"/>
+            </a:effectRef>
+            <a:fontRef idx="minor">
+              <a:schemeClr val="tx1"/>
+            </a:fontRef>
+          </p:style>
+        </p:cxnSp>
+      </p:grpSp>
+      <p:grpSp>
+        <p:nvGrpSpPr>
+          <p:cNvPr id="224" name="组合 223">
+            <a:extLst>
+              <a:ext uri="{FF2B5EF4-FFF2-40B4-BE49-F238E27FC236}">
+                <a16:creationId xmlns:a16="http://schemas.microsoft.com/office/drawing/2014/main" id="{AB230112-D6AD-4F7D-A480-3531353FC8E6}"/>
+              </a:ext>
+            </a:extLst>
+          </p:cNvPr>
+          <p:cNvGrpSpPr/>
+          <p:nvPr/>
+        </p:nvGrpSpPr>
+        <p:grpSpPr>
+          <a:xfrm>
+            <a:off x="7216722" y="272534"/>
+            <a:ext cx="4209749" cy="539516"/>
+            <a:chOff x="3974032" y="1729093"/>
+            <a:chExt cx="4209749" cy="539516"/>
+          </a:xfrm>
+        </p:grpSpPr>
+        <p:sp>
+          <p:nvSpPr>
+            <p:cNvPr id="225" name="椭圆 224">
+              <a:extLst>
+                <a:ext uri="{FF2B5EF4-FFF2-40B4-BE49-F238E27FC236}">
+                  <a16:creationId xmlns:a16="http://schemas.microsoft.com/office/drawing/2014/main" id="{D7A5C80A-36E8-4CF0-9A5C-5C91930293DB}"/>
+                </a:ext>
+              </a:extLst>
+            </p:cNvPr>
+            <p:cNvSpPr/>
+            <p:nvPr/>
+          </p:nvSpPr>
+          <p:spPr>
+            <a:xfrm>
+              <a:off x="7257200" y="1729093"/>
+              <a:ext cx="926581" cy="539516"/>
+            </a:xfrm>
+            <a:prstGeom prst="ellipse">
+              <a:avLst/>
+            </a:prstGeom>
+          </p:spPr>
+          <p:style>
+            <a:lnRef idx="2">
+              <a:schemeClr val="accent1">
+                <a:shade val="50000"/>
+              </a:schemeClr>
+            </a:lnRef>
+            <a:fillRef idx="1">
+              <a:schemeClr val="accent1"/>
+            </a:fillRef>
+            <a:effectRef idx="0">
+              <a:schemeClr val="accent1"/>
+            </a:effectRef>
+            <a:fontRef idx="minor">
+              <a:schemeClr val="lt1"/>
+            </a:fontRef>
+          </p:style>
+          <p:txBody>
+            <a:bodyPr rtlCol="0" anchor="ctr"/>
+            <a:lstStyle/>
+            <a:p>
+              <a:pPr algn="ctr"/>
+              <a:r>
+                <a:rPr lang="zh-CN" altLang="en-US" dirty="0"/>
+                <a:t>留言时间</a:t>
+              </a:r>
+            </a:p>
+          </p:txBody>
+        </p:sp>
+        <p:cxnSp>
+          <p:nvCxnSpPr>
+            <p:cNvPr id="226" name="直接连接符 225">
+              <a:extLst>
+                <a:ext uri="{FF2B5EF4-FFF2-40B4-BE49-F238E27FC236}">
+                  <a16:creationId xmlns:a16="http://schemas.microsoft.com/office/drawing/2014/main" id="{52A912CF-71FB-4F1B-A938-FB80ABDEDCC0}"/>
+                </a:ext>
+              </a:extLst>
+            </p:cNvPr>
+            <p:cNvCxnSpPr>
+              <a:cxnSpLocks/>
+              <a:stCxn id="11" idx="3"/>
+              <a:endCxn id="225" idx="2"/>
+            </p:cNvCxnSpPr>
+            <p:nvPr/>
+          </p:nvCxnSpPr>
+          <p:spPr>
+            <a:xfrm>
+              <a:off x="3974032" y="1922541"/>
+              <a:ext cx="3283168" cy="76310"/>
+            </a:xfrm>
+            <a:prstGeom prst="line">
+              <a:avLst/>
+            </a:prstGeom>
+          </p:spPr>
+          <p:style>
+            <a:lnRef idx="1">
+              <a:schemeClr val="accent1"/>
+            </a:lnRef>
+            <a:fillRef idx="0">
+              <a:schemeClr val="accent1"/>
+            </a:fillRef>
+            <a:effectRef idx="0">
+              <a:schemeClr val="accent1"/>
+            </a:effectRef>
+            <a:fontRef idx="minor">
+              <a:schemeClr val="tx1"/>
+            </a:fontRef>
+          </p:style>
+        </p:cxnSp>
+      </p:grpSp>
+      <p:grpSp>
+        <p:nvGrpSpPr>
+          <p:cNvPr id="220" name="组合 219">
+            <a:extLst>
+              <a:ext uri="{FF2B5EF4-FFF2-40B4-BE49-F238E27FC236}">
+                <a16:creationId xmlns:a16="http://schemas.microsoft.com/office/drawing/2014/main" id="{584B3691-F8EC-429A-9264-4370B59EEC42}"/>
+              </a:ext>
+            </a:extLst>
+          </p:cNvPr>
+          <p:cNvGrpSpPr/>
+          <p:nvPr/>
+        </p:nvGrpSpPr>
+        <p:grpSpPr>
+          <a:xfrm>
+            <a:off x="7216722" y="465982"/>
+            <a:ext cx="2799882" cy="718523"/>
+            <a:chOff x="5383899" y="1550086"/>
+            <a:chExt cx="2799882" cy="718523"/>
+          </a:xfrm>
+        </p:grpSpPr>
+        <p:sp>
+          <p:nvSpPr>
+            <p:cNvPr id="221" name="椭圆 220">
+              <a:extLst>
+                <a:ext uri="{FF2B5EF4-FFF2-40B4-BE49-F238E27FC236}">
+                  <a16:creationId xmlns:a16="http://schemas.microsoft.com/office/drawing/2014/main" id="{999D9FA3-1CD7-4B98-BF4B-F2EE3796564F}"/>
+                </a:ext>
+              </a:extLst>
+            </p:cNvPr>
+            <p:cNvSpPr/>
+            <p:nvPr/>
+          </p:nvSpPr>
+          <p:spPr>
+            <a:xfrm>
+              <a:off x="7257200" y="1729093"/>
+              <a:ext cx="926581" cy="539516"/>
+            </a:xfrm>
+            <a:prstGeom prst="ellipse">
+              <a:avLst/>
+            </a:prstGeom>
+          </p:spPr>
+          <p:style>
+            <a:lnRef idx="2">
+              <a:schemeClr val="accent1">
+                <a:shade val="50000"/>
+              </a:schemeClr>
+            </a:lnRef>
+            <a:fillRef idx="1">
+              <a:schemeClr val="accent1"/>
+            </a:fillRef>
+            <a:effectRef idx="0">
+              <a:schemeClr val="accent1"/>
+            </a:effectRef>
+            <a:fontRef idx="minor">
+              <a:schemeClr val="lt1"/>
+            </a:fontRef>
+          </p:style>
+          <p:txBody>
+            <a:bodyPr rtlCol="0" anchor="ctr"/>
+            <a:lstStyle/>
+            <a:p>
+              <a:pPr algn="ctr"/>
+              <a:r>
+                <a:rPr lang="zh-CN" altLang="en-US" dirty="0"/>
+                <a:t>具体内容</a:t>
+              </a:r>
+            </a:p>
+          </p:txBody>
+        </p:sp>
+        <p:cxnSp>
+          <p:nvCxnSpPr>
+            <p:cNvPr id="222" name="直接连接符 221">
+              <a:extLst>
+                <a:ext uri="{FF2B5EF4-FFF2-40B4-BE49-F238E27FC236}">
+                  <a16:creationId xmlns:a16="http://schemas.microsoft.com/office/drawing/2014/main" id="{0E794A47-E23B-412C-8CDE-4766C47F6206}"/>
+                </a:ext>
+              </a:extLst>
+            </p:cNvPr>
+            <p:cNvCxnSpPr>
+              <a:cxnSpLocks/>
+              <a:stCxn id="11" idx="3"/>
+              <a:endCxn id="221" idx="2"/>
+            </p:cNvCxnSpPr>
+            <p:nvPr/>
+          </p:nvCxnSpPr>
+          <p:spPr>
+            <a:xfrm>
+              <a:off x="5383899" y="1550086"/>
+              <a:ext cx="1873301" cy="448765"/>
+            </a:xfrm>
+            <a:prstGeom prst="line">
+              <a:avLst/>
+            </a:prstGeom>
+          </p:spPr>
+          <p:style>
+            <a:lnRef idx="1">
+              <a:schemeClr val="accent1"/>
+            </a:lnRef>
+            <a:fillRef idx="0">
+              <a:schemeClr val="accent1"/>
+            </a:fillRef>
+            <a:effectRef idx="0">
+              <a:schemeClr val="accent1"/>
+            </a:effectRef>
+            <a:fontRef idx="minor">
+              <a:schemeClr val="tx1"/>
+            </a:fontRef>
+          </p:style>
+        </p:cxnSp>
+      </p:grpSp>
+      <p:grpSp>
+        <p:nvGrpSpPr>
+          <p:cNvPr id="216" name="组合 215">
+            <a:extLst>
+              <a:ext uri="{FF2B5EF4-FFF2-40B4-BE49-F238E27FC236}">
+                <a16:creationId xmlns:a16="http://schemas.microsoft.com/office/drawing/2014/main" id="{ECF3DB41-99E9-40F1-A734-C8FAC0964246}"/>
+              </a:ext>
+            </a:extLst>
+          </p:cNvPr>
+          <p:cNvGrpSpPr/>
+          <p:nvPr/>
+        </p:nvGrpSpPr>
+        <p:grpSpPr>
+          <a:xfrm>
+            <a:off x="7216722" y="35837"/>
+            <a:ext cx="2799882" cy="539516"/>
+            <a:chOff x="5383899" y="1729093"/>
+            <a:chExt cx="2799882" cy="539516"/>
+          </a:xfrm>
+        </p:grpSpPr>
+        <p:sp>
+          <p:nvSpPr>
+            <p:cNvPr id="217" name="椭圆 216">
+              <a:extLst>
+                <a:ext uri="{FF2B5EF4-FFF2-40B4-BE49-F238E27FC236}">
+                  <a16:creationId xmlns:a16="http://schemas.microsoft.com/office/drawing/2014/main" id="{848BDB26-D1B6-4D0B-860F-75BDCF45E1C3}"/>
+                </a:ext>
+              </a:extLst>
+            </p:cNvPr>
+            <p:cNvSpPr/>
+            <p:nvPr/>
+          </p:nvSpPr>
+          <p:spPr>
+            <a:xfrm>
+              <a:off x="7257200" y="1729093"/>
+              <a:ext cx="926581" cy="539516"/>
+            </a:xfrm>
+            <a:prstGeom prst="ellipse">
+              <a:avLst/>
+            </a:prstGeom>
+          </p:spPr>
+          <p:style>
+            <a:lnRef idx="2">
+              <a:schemeClr val="accent1">
+                <a:shade val="50000"/>
+              </a:schemeClr>
+            </a:lnRef>
+            <a:fillRef idx="1">
+              <a:schemeClr val="accent1"/>
+            </a:fillRef>
+            <a:effectRef idx="0">
+              <a:schemeClr val="accent1"/>
+            </a:effectRef>
+            <a:fontRef idx="minor">
+              <a:schemeClr val="lt1"/>
+            </a:fontRef>
+          </p:style>
+          <p:txBody>
+            <a:bodyPr rtlCol="0" anchor="ctr"/>
+            <a:lstStyle/>
+            <a:p>
+              <a:pPr algn="ctr"/>
+              <a:r>
+                <a:rPr lang="zh-CN" altLang="en-US" dirty="0"/>
+                <a:t>问题</a:t>
+              </a:r>
+            </a:p>
+          </p:txBody>
+        </p:sp>
+        <p:cxnSp>
+          <p:nvCxnSpPr>
+            <p:cNvPr id="218" name="直接连接符 217">
+              <a:extLst>
+                <a:ext uri="{FF2B5EF4-FFF2-40B4-BE49-F238E27FC236}">
+                  <a16:creationId xmlns:a16="http://schemas.microsoft.com/office/drawing/2014/main" id="{2342BDF4-8B7E-41EF-9140-DD97C3A42506}"/>
+                </a:ext>
+              </a:extLst>
+            </p:cNvPr>
+            <p:cNvCxnSpPr>
+              <a:cxnSpLocks/>
+              <a:stCxn id="11" idx="3"/>
+              <a:endCxn id="217" idx="2"/>
+            </p:cNvCxnSpPr>
+            <p:nvPr/>
+          </p:nvCxnSpPr>
+          <p:spPr>
+            <a:xfrm flipV="1">
+              <a:off x="5383899" y="1998851"/>
+              <a:ext cx="1873301" cy="160387"/>
+            </a:xfrm>
+            <a:prstGeom prst="line">
+              <a:avLst/>
+            </a:prstGeom>
+          </p:spPr>
+          <p:style>
+            <a:lnRef idx="1">
+              <a:schemeClr val="accent1"/>
+            </a:lnRef>
+            <a:fillRef idx="0">
+              <a:schemeClr val="accent1"/>
+            </a:fillRef>
+            <a:effectRef idx="0">
+              <a:schemeClr val="accent1"/>
+            </a:effectRef>
+            <a:fontRef idx="minor">
+              <a:schemeClr val="tx1"/>
+            </a:fontRef>
+          </p:style>
+        </p:cxnSp>
+      </p:grpSp>
       <p:sp>
         <p:nvSpPr>
           <p:cNvPr id="4" name="矩形 3">
@@ -8032,7 +8582,7 @@
         </p:nvSpPr>
         <p:spPr>
           <a:xfrm>
-            <a:off x="5623678" y="2875322"/>
+            <a:off x="6164178" y="2924547"/>
             <a:ext cx="944643" cy="504453"/>
           </a:xfrm>
           <a:prstGeom prst="rect">
@@ -8081,7 +8631,7 @@
         </p:nvSpPr>
         <p:spPr>
           <a:xfrm>
-            <a:off x="5575527" y="5299856"/>
+            <a:off x="6116027" y="5938196"/>
             <a:ext cx="1040946" cy="587828"/>
           </a:xfrm>
           <a:prstGeom prst="rect">
@@ -8110,10 +8660,9 @@
           <a:p>
             <a:pPr algn="ctr"/>
             <a:r>
-              <a:rPr lang="zh-CN" altLang="en-US"/>
+              <a:rPr lang="zh-CN" altLang="en-US" dirty="0"/>
               <a:t>战绩</a:t>
             </a:r>
-            <a:endParaRPr lang="zh-CN" altLang="en-US" dirty="0"/>
           </a:p>
         </p:txBody>
       </p:sp>
@@ -8131,7 +8680,7 @@
         </p:nvSpPr>
         <p:spPr>
           <a:xfrm>
-            <a:off x="5527285" y="471616"/>
+            <a:off x="6127534" y="194456"/>
             <a:ext cx="1089188" cy="543052"/>
           </a:xfrm>
           <a:prstGeom prst="rect">
@@ -8180,7 +8729,7 @@
         </p:nvSpPr>
         <p:spPr>
           <a:xfrm>
-            <a:off x="8434756" y="4068293"/>
+            <a:off x="10391893" y="4362207"/>
             <a:ext cx="1037794" cy="504453"/>
           </a:xfrm>
           <a:prstGeom prst="rect">
@@ -8229,7 +8778,7 @@
         </p:nvSpPr>
         <p:spPr>
           <a:xfrm>
-            <a:off x="2020667" y="1640663"/>
+            <a:off x="476735" y="1439433"/>
             <a:ext cx="1095871" cy="587828"/>
           </a:xfrm>
           <a:prstGeom prst="rect">
@@ -8278,7 +8827,7 @@
         </p:nvSpPr>
         <p:spPr>
           <a:xfrm>
-            <a:off x="1572607" y="5318783"/>
+            <a:off x="1024671" y="5965458"/>
             <a:ext cx="1095871" cy="568901"/>
           </a:xfrm>
           <a:prstGeom prst="rect">
@@ -8327,7 +8876,7 @@
         </p:nvSpPr>
         <p:spPr>
           <a:xfrm>
-            <a:off x="5455104" y="4026606"/>
+            <a:off x="5995604" y="4557081"/>
             <a:ext cx="1281792" cy="587828"/>
           </a:xfrm>
           <a:prstGeom prst="diamond">
@@ -8376,7 +8925,7 @@
         </p:nvSpPr>
         <p:spPr>
           <a:xfrm>
-            <a:off x="8182376" y="2745241"/>
+            <a:off x="10139513" y="2737703"/>
             <a:ext cx="1542555" cy="779690"/>
           </a:xfrm>
           <a:prstGeom prst="diamond">
@@ -8425,7 +8974,7 @@
         </p:nvSpPr>
         <p:spPr>
           <a:xfrm>
-            <a:off x="4623790" y="1640663"/>
+            <a:off x="4654203" y="1521822"/>
             <a:ext cx="1281793" cy="587828"/>
           </a:xfrm>
           <a:prstGeom prst="diamond">
@@ -8474,7 +9023,7 @@
         </p:nvSpPr>
         <p:spPr>
           <a:xfrm>
-            <a:off x="3432512" y="443594"/>
+            <a:off x="2703069" y="518136"/>
             <a:ext cx="1316180" cy="587828"/>
           </a:xfrm>
           <a:prstGeom prst="diamond">
@@ -8523,7 +9072,7 @@
         </p:nvSpPr>
         <p:spPr>
           <a:xfrm>
-            <a:off x="8248402" y="5250759"/>
+            <a:off x="10207697" y="5887684"/>
             <a:ext cx="1410502" cy="693714"/>
           </a:xfrm>
           <a:prstGeom prst="diamond">
@@ -8576,8 +9125,8 @@
         </p:nvCxnSpPr>
         <p:spPr>
           <a:xfrm flipV="1">
-            <a:off x="2568603" y="737508"/>
-            <a:ext cx="863909" cy="903155"/>
+            <a:off x="1024671" y="812050"/>
+            <a:ext cx="1678398" cy="627383"/>
           </a:xfrm>
           <a:prstGeom prst="line">
             <a:avLst/>
@@ -8616,8 +9165,8 @@
         </p:nvCxnSpPr>
         <p:spPr>
           <a:xfrm flipV="1">
-            <a:off x="5264687" y="1014668"/>
-            <a:ext cx="807192" cy="625995"/>
+            <a:off x="5295100" y="737508"/>
+            <a:ext cx="1377028" cy="784314"/>
           </a:xfrm>
           <a:prstGeom prst="line">
             <a:avLst/>
@@ -8655,9 +9204,9 @@
           <p:nvPr/>
         </p:nvCxnSpPr>
         <p:spPr>
-          <a:xfrm>
-            <a:off x="4748692" y="737508"/>
-            <a:ext cx="778593" cy="5634"/>
+          <a:xfrm flipV="1">
+            <a:off x="4019249" y="465982"/>
+            <a:ext cx="2108285" cy="346068"/>
           </a:xfrm>
           <a:prstGeom prst="line">
             <a:avLst/>
@@ -8696,8 +9245,8 @@
         </p:nvCxnSpPr>
         <p:spPr>
           <a:xfrm>
-            <a:off x="8953653" y="4572746"/>
-            <a:ext cx="0" cy="678013"/>
+            <a:off x="10910790" y="4866660"/>
+            <a:ext cx="2158" cy="1021024"/>
           </a:xfrm>
           <a:prstGeom prst="line">
             <a:avLst/>
@@ -8735,9 +9284,9 @@
           <p:nvPr/>
         </p:nvCxnSpPr>
         <p:spPr>
-          <a:xfrm flipV="1">
-            <a:off x="2668478" y="5596364"/>
-            <a:ext cx="801438" cy="6870"/>
+          <a:xfrm>
+            <a:off x="2120542" y="6249909"/>
+            <a:ext cx="1558141" cy="134"/>
           </a:xfrm>
           <a:prstGeom prst="line">
             <a:avLst/>
@@ -8776,8 +9325,8 @@
         </p:nvCxnSpPr>
         <p:spPr>
           <a:xfrm>
-            <a:off x="6096000" y="3379775"/>
-            <a:ext cx="0" cy="646831"/>
+            <a:off x="6636500" y="3429000"/>
+            <a:ext cx="0" cy="1128081"/>
           </a:xfrm>
           <a:prstGeom prst="line">
             <a:avLst/>
@@ -8816,8 +9365,8 @@
         </p:nvCxnSpPr>
         <p:spPr>
           <a:xfrm>
-            <a:off x="5264687" y="2228491"/>
-            <a:ext cx="831313" cy="646831"/>
+            <a:off x="5295100" y="2109650"/>
+            <a:ext cx="1341400" cy="814897"/>
           </a:xfrm>
           <a:prstGeom prst="line">
             <a:avLst/>
@@ -8856,8 +9405,8 @@
         </p:nvCxnSpPr>
         <p:spPr>
           <a:xfrm>
-            <a:off x="6096000" y="4614434"/>
-            <a:ext cx="0" cy="685422"/>
+            <a:off x="6636500" y="5144909"/>
+            <a:ext cx="0" cy="793287"/>
           </a:xfrm>
           <a:prstGeom prst="line">
             <a:avLst/>
@@ -8895,9 +9444,9 @@
           <p:nvPr/>
         </p:nvCxnSpPr>
         <p:spPr>
-          <a:xfrm>
-            <a:off x="6568321" y="3127549"/>
-            <a:ext cx="1614055" cy="7537"/>
+          <a:xfrm flipV="1">
+            <a:off x="7108821" y="3127548"/>
+            <a:ext cx="3030692" cy="49226"/>
           </a:xfrm>
           <a:prstGeom prst="line">
             <a:avLst/>
@@ -8936,8 +9485,8 @@
         </p:nvCxnSpPr>
         <p:spPr>
           <a:xfrm flipH="1">
-            <a:off x="8953653" y="3524931"/>
-            <a:ext cx="1" cy="543362"/>
+            <a:off x="10910790" y="3517393"/>
+            <a:ext cx="1" cy="844814"/>
           </a:xfrm>
           <a:prstGeom prst="line">
             <a:avLst/>
@@ -8976,8 +9525,8 @@
         </p:nvCxnSpPr>
         <p:spPr>
           <a:xfrm>
-            <a:off x="6616473" y="5593770"/>
-            <a:ext cx="1631929" cy="3846"/>
+            <a:off x="7156973" y="6232110"/>
+            <a:ext cx="3050724" cy="2431"/>
           </a:xfrm>
           <a:prstGeom prst="line">
             <a:avLst/>
@@ -9016,8 +9565,8 @@
         </p:nvCxnSpPr>
         <p:spPr>
           <a:xfrm flipH="1">
-            <a:off x="4771868" y="5593770"/>
-            <a:ext cx="803659" cy="2594"/>
+            <a:off x="4980635" y="6232110"/>
+            <a:ext cx="1135392" cy="17933"/>
           </a:xfrm>
           <a:prstGeom prst="line">
             <a:avLst/>
@@ -9052,7 +9601,7 @@
         </p:nvSpPr>
         <p:spPr>
           <a:xfrm>
-            <a:off x="6382939" y="1619811"/>
+            <a:off x="7358696" y="1522314"/>
             <a:ext cx="1281793" cy="587828"/>
           </a:xfrm>
           <a:prstGeom prst="diamond">
@@ -9105,8 +9654,8 @@
         </p:nvCxnSpPr>
         <p:spPr>
           <a:xfrm flipH="1" flipV="1">
-            <a:off x="6071879" y="1014668"/>
-            <a:ext cx="951957" cy="605143"/>
+            <a:off x="6672128" y="737508"/>
+            <a:ext cx="1327465" cy="784806"/>
           </a:xfrm>
           <a:prstGeom prst="line">
             <a:avLst/>
@@ -9145,8 +9694,8 @@
         </p:nvCxnSpPr>
         <p:spPr>
           <a:xfrm flipH="1">
-            <a:off x="6096000" y="2207639"/>
-            <a:ext cx="927836" cy="667683"/>
+            <a:off x="6636500" y="2110142"/>
+            <a:ext cx="1363093" cy="814405"/>
           </a:xfrm>
           <a:prstGeom prst="line">
             <a:avLst/>
@@ -9181,7 +9730,7 @@
         </p:nvSpPr>
         <p:spPr>
           <a:xfrm>
-            <a:off x="3469916" y="2822654"/>
+            <a:off x="2703071" y="2283114"/>
             <a:ext cx="1316178" cy="620001"/>
           </a:xfrm>
           <a:prstGeom prst="diamond">
@@ -9234,8 +9783,8 @@
         </p:nvCxnSpPr>
         <p:spPr>
           <a:xfrm>
-            <a:off x="2568603" y="2228491"/>
-            <a:ext cx="901313" cy="904164"/>
+            <a:off x="1024671" y="2027261"/>
+            <a:ext cx="1678400" cy="565854"/>
           </a:xfrm>
           <a:prstGeom prst="line">
             <a:avLst/>
@@ -9273,9 +9822,9 @@
           <p:nvPr/>
         </p:nvCxnSpPr>
         <p:spPr>
-          <a:xfrm flipV="1">
-            <a:off x="4786094" y="3127549"/>
-            <a:ext cx="837584" cy="5106"/>
+          <a:xfrm>
+            <a:off x="4019249" y="2593115"/>
+            <a:ext cx="2144929" cy="583659"/>
           </a:xfrm>
           <a:prstGeom prst="line">
             <a:avLst/>
@@ -9310,7 +9859,7 @@
         </p:nvSpPr>
         <p:spPr>
           <a:xfrm>
-            <a:off x="3469916" y="5284517"/>
+            <a:off x="3678683" y="5938196"/>
             <a:ext cx="1301952" cy="623694"/>
           </a:xfrm>
           <a:prstGeom prst="diamond">
@@ -9363,8 +9912,8 @@
         </p:nvCxnSpPr>
         <p:spPr>
           <a:xfrm flipH="1">
-            <a:off x="6096000" y="2207639"/>
-            <a:ext cx="927836" cy="667683"/>
+            <a:off x="6636500" y="2110142"/>
+            <a:ext cx="1363093" cy="814405"/>
           </a:xfrm>
           <a:prstGeom prst="straightConnector1">
             <a:avLst/>
@@ -9406,8 +9955,8 @@
         </p:nvCxnSpPr>
         <p:spPr>
           <a:xfrm>
-            <a:off x="5264687" y="2228491"/>
-            <a:ext cx="831313" cy="646831"/>
+            <a:off x="5295100" y="2109650"/>
+            <a:ext cx="1341400" cy="814897"/>
           </a:xfrm>
           <a:prstGeom prst="straightConnector1">
             <a:avLst/>
@@ -9431,6 +9980,3735 @@
           </a:fontRef>
         </p:style>
       </p:cxnSp>
+      <p:grpSp>
+        <p:nvGrpSpPr>
+          <p:cNvPr id="6" name="组合 5">
+            <a:extLst>
+              <a:ext uri="{FF2B5EF4-FFF2-40B4-BE49-F238E27FC236}">
+                <a16:creationId xmlns:a16="http://schemas.microsoft.com/office/drawing/2014/main" id="{8BA3F8E9-FA51-42E2-ABBE-D26906B06FDA}"/>
+              </a:ext>
+            </a:extLst>
+          </p:cNvPr>
+          <p:cNvGrpSpPr/>
+          <p:nvPr/>
+        </p:nvGrpSpPr>
+        <p:grpSpPr>
+          <a:xfrm>
+            <a:off x="7108821" y="3176774"/>
+            <a:ext cx="1269876" cy="691168"/>
+            <a:chOff x="6781738" y="2875323"/>
+            <a:chExt cx="1269876" cy="691168"/>
+          </a:xfrm>
+        </p:grpSpPr>
+        <p:sp>
+          <p:nvSpPr>
+            <p:cNvPr id="2" name="椭圆 1">
+              <a:extLst>
+                <a:ext uri="{FF2B5EF4-FFF2-40B4-BE49-F238E27FC236}">
+                  <a16:creationId xmlns:a16="http://schemas.microsoft.com/office/drawing/2014/main" id="{9227743E-B04E-44B1-A405-110422A8BCDC}"/>
+                </a:ext>
+              </a:extLst>
+            </p:cNvPr>
+            <p:cNvSpPr/>
+            <p:nvPr/>
+          </p:nvSpPr>
+          <p:spPr>
+            <a:xfrm>
+              <a:off x="7125033" y="3026975"/>
+              <a:ext cx="926581" cy="539516"/>
+            </a:xfrm>
+            <a:prstGeom prst="ellipse">
+              <a:avLst/>
+            </a:prstGeom>
+          </p:spPr>
+          <p:style>
+            <a:lnRef idx="2">
+              <a:schemeClr val="accent1">
+                <a:shade val="50000"/>
+              </a:schemeClr>
+            </a:lnRef>
+            <a:fillRef idx="1">
+              <a:schemeClr val="accent1"/>
+            </a:fillRef>
+            <a:effectRef idx="0">
+              <a:schemeClr val="accent1"/>
+            </a:effectRef>
+            <a:fontRef idx="minor">
+              <a:schemeClr val="lt1"/>
+            </a:fontRef>
+          </p:style>
+          <p:txBody>
+            <a:bodyPr rtlCol="0" anchor="ctr"/>
+            <a:lstStyle/>
+            <a:p>
+              <a:pPr algn="ctr"/>
+              <a:r>
+                <a:rPr lang="zh-CN" altLang="en-US" dirty="0"/>
+                <a:t>玩家序号</a:t>
+              </a:r>
+            </a:p>
+          </p:txBody>
+        </p:sp>
+        <p:cxnSp>
+          <p:nvCxnSpPr>
+            <p:cNvPr id="5" name="直接连接符 4">
+              <a:extLst>
+                <a:ext uri="{FF2B5EF4-FFF2-40B4-BE49-F238E27FC236}">
+                  <a16:creationId xmlns:a16="http://schemas.microsoft.com/office/drawing/2014/main" id="{09A42B34-DFFB-4A23-A057-0C676F7194A3}"/>
+                </a:ext>
+              </a:extLst>
+            </p:cNvPr>
+            <p:cNvCxnSpPr>
+              <a:cxnSpLocks/>
+              <a:stCxn id="2" idx="1"/>
+              <a:endCxn id="4" idx="3"/>
+            </p:cNvCxnSpPr>
+            <p:nvPr/>
+          </p:nvCxnSpPr>
+          <p:spPr>
+            <a:xfrm flipH="1" flipV="1">
+              <a:off x="6781738" y="2875323"/>
+              <a:ext cx="478990" cy="230662"/>
+            </a:xfrm>
+            <a:prstGeom prst="line">
+              <a:avLst/>
+            </a:prstGeom>
+          </p:spPr>
+          <p:style>
+            <a:lnRef idx="1">
+              <a:schemeClr val="accent1"/>
+            </a:lnRef>
+            <a:fillRef idx="0">
+              <a:schemeClr val="accent1"/>
+            </a:fillRef>
+            <a:effectRef idx="0">
+              <a:schemeClr val="accent1"/>
+            </a:effectRef>
+            <a:fontRef idx="minor">
+              <a:schemeClr val="tx1"/>
+            </a:fontRef>
+          </p:style>
+        </p:cxnSp>
+      </p:grpSp>
+      <p:grpSp>
+        <p:nvGrpSpPr>
+          <p:cNvPr id="41" name="组合 40">
+            <a:extLst>
+              <a:ext uri="{FF2B5EF4-FFF2-40B4-BE49-F238E27FC236}">
+                <a16:creationId xmlns:a16="http://schemas.microsoft.com/office/drawing/2014/main" id="{DEF9029C-CF13-48E5-B5D2-EA164AB32BD9}"/>
+              </a:ext>
+            </a:extLst>
+          </p:cNvPr>
+          <p:cNvGrpSpPr/>
+          <p:nvPr/>
+        </p:nvGrpSpPr>
+        <p:grpSpPr>
+          <a:xfrm>
+            <a:off x="4651662" y="3176774"/>
+            <a:ext cx="1512516" cy="940996"/>
+            <a:chOff x="7845645" y="1828169"/>
+            <a:chExt cx="1512516" cy="940996"/>
+          </a:xfrm>
+        </p:grpSpPr>
+        <p:sp>
+          <p:nvSpPr>
+            <p:cNvPr id="45" name="椭圆 44">
+              <a:extLst>
+                <a:ext uri="{FF2B5EF4-FFF2-40B4-BE49-F238E27FC236}">
+                  <a16:creationId xmlns:a16="http://schemas.microsoft.com/office/drawing/2014/main" id="{E0215F4B-5C72-42F3-97FC-0AB6E0E56E1E}"/>
+                </a:ext>
+              </a:extLst>
+            </p:cNvPr>
+            <p:cNvSpPr/>
+            <p:nvPr/>
+          </p:nvSpPr>
+          <p:spPr>
+            <a:xfrm>
+              <a:off x="7845645" y="2229649"/>
+              <a:ext cx="926581" cy="539516"/>
+            </a:xfrm>
+            <a:prstGeom prst="ellipse">
+              <a:avLst/>
+            </a:prstGeom>
+          </p:spPr>
+          <p:style>
+            <a:lnRef idx="2">
+              <a:schemeClr val="accent1">
+                <a:shade val="50000"/>
+              </a:schemeClr>
+            </a:lnRef>
+            <a:fillRef idx="1">
+              <a:schemeClr val="accent1"/>
+            </a:fillRef>
+            <a:effectRef idx="0">
+              <a:schemeClr val="accent1"/>
+            </a:effectRef>
+            <a:fontRef idx="minor">
+              <a:schemeClr val="lt1"/>
+            </a:fontRef>
+          </p:style>
+          <p:txBody>
+            <a:bodyPr rtlCol="0" anchor="ctr"/>
+            <a:lstStyle/>
+            <a:p>
+              <a:pPr algn="ctr"/>
+              <a:r>
+                <a:rPr lang="zh-CN" altLang="en-US" dirty="0"/>
+                <a:t>玩家昵称</a:t>
+              </a:r>
+            </a:p>
+          </p:txBody>
+        </p:sp>
+        <p:cxnSp>
+          <p:nvCxnSpPr>
+            <p:cNvPr id="46" name="直接连接符 45">
+              <a:extLst>
+                <a:ext uri="{FF2B5EF4-FFF2-40B4-BE49-F238E27FC236}">
+                  <a16:creationId xmlns:a16="http://schemas.microsoft.com/office/drawing/2014/main" id="{0566EBF2-E8B6-4F0B-B465-BA5B52DDB4C1}"/>
+                </a:ext>
+              </a:extLst>
+            </p:cNvPr>
+            <p:cNvCxnSpPr>
+              <a:cxnSpLocks/>
+              <a:stCxn id="45" idx="7"/>
+              <a:endCxn id="4" idx="1"/>
+            </p:cNvCxnSpPr>
+            <p:nvPr/>
+          </p:nvCxnSpPr>
+          <p:spPr>
+            <a:xfrm flipV="1">
+              <a:off x="8636531" y="1828169"/>
+              <a:ext cx="721630" cy="480490"/>
+            </a:xfrm>
+            <a:prstGeom prst="line">
+              <a:avLst/>
+            </a:prstGeom>
+          </p:spPr>
+          <p:style>
+            <a:lnRef idx="1">
+              <a:schemeClr val="accent1"/>
+            </a:lnRef>
+            <a:fillRef idx="0">
+              <a:schemeClr val="accent1"/>
+            </a:fillRef>
+            <a:effectRef idx="0">
+              <a:schemeClr val="accent1"/>
+            </a:effectRef>
+            <a:fontRef idx="minor">
+              <a:schemeClr val="tx1"/>
+            </a:fontRef>
+          </p:style>
+        </p:cxnSp>
+      </p:grpSp>
+      <p:grpSp>
+        <p:nvGrpSpPr>
+          <p:cNvPr id="47" name="组合 46">
+            <a:extLst>
+              <a:ext uri="{FF2B5EF4-FFF2-40B4-BE49-F238E27FC236}">
+                <a16:creationId xmlns:a16="http://schemas.microsoft.com/office/drawing/2014/main" id="{E9D995FF-45CE-44D9-9783-BE441310928E}"/>
+              </a:ext>
+            </a:extLst>
+          </p:cNvPr>
+          <p:cNvGrpSpPr/>
+          <p:nvPr/>
+        </p:nvGrpSpPr>
+        <p:grpSpPr>
+          <a:xfrm>
+            <a:off x="6862318" y="3176774"/>
+            <a:ext cx="926581" cy="1249224"/>
+            <a:chOff x="6594834" y="2325544"/>
+            <a:chExt cx="926581" cy="1249224"/>
+          </a:xfrm>
+        </p:grpSpPr>
+        <p:sp>
+          <p:nvSpPr>
+            <p:cNvPr id="48" name="椭圆 47">
+              <a:extLst>
+                <a:ext uri="{FF2B5EF4-FFF2-40B4-BE49-F238E27FC236}">
+                  <a16:creationId xmlns:a16="http://schemas.microsoft.com/office/drawing/2014/main" id="{52188E03-3B27-4926-98E4-D60284F44806}"/>
+                </a:ext>
+              </a:extLst>
+            </p:cNvPr>
+            <p:cNvSpPr/>
+            <p:nvPr/>
+          </p:nvSpPr>
+          <p:spPr>
+            <a:xfrm>
+              <a:off x="6594834" y="3035252"/>
+              <a:ext cx="926581" cy="539516"/>
+            </a:xfrm>
+            <a:prstGeom prst="ellipse">
+              <a:avLst/>
+            </a:prstGeom>
+          </p:spPr>
+          <p:style>
+            <a:lnRef idx="2">
+              <a:schemeClr val="accent1">
+                <a:shade val="50000"/>
+              </a:schemeClr>
+            </a:lnRef>
+            <a:fillRef idx="1">
+              <a:schemeClr val="accent1"/>
+            </a:fillRef>
+            <a:effectRef idx="0">
+              <a:schemeClr val="accent1"/>
+            </a:effectRef>
+            <a:fontRef idx="minor">
+              <a:schemeClr val="lt1"/>
+            </a:fontRef>
+          </p:style>
+          <p:txBody>
+            <a:bodyPr rtlCol="0" anchor="ctr"/>
+            <a:lstStyle/>
+            <a:p>
+              <a:pPr algn="ctr"/>
+              <a:r>
+                <a:rPr lang="zh-CN" altLang="en-US" dirty="0"/>
+                <a:t>玩家密码</a:t>
+              </a:r>
+            </a:p>
+          </p:txBody>
+        </p:sp>
+        <p:cxnSp>
+          <p:nvCxnSpPr>
+            <p:cNvPr id="50" name="直接连接符 49">
+              <a:extLst>
+                <a:ext uri="{FF2B5EF4-FFF2-40B4-BE49-F238E27FC236}">
+                  <a16:creationId xmlns:a16="http://schemas.microsoft.com/office/drawing/2014/main" id="{2CBF9245-4AC5-4D31-9E60-56CC2DD35291}"/>
+                </a:ext>
+              </a:extLst>
+            </p:cNvPr>
+            <p:cNvCxnSpPr>
+              <a:cxnSpLocks/>
+              <a:stCxn id="48" idx="1"/>
+              <a:endCxn id="4" idx="3"/>
+            </p:cNvCxnSpPr>
+            <p:nvPr/>
+          </p:nvCxnSpPr>
+          <p:spPr>
+            <a:xfrm flipV="1">
+              <a:off x="6730529" y="2325544"/>
+              <a:ext cx="110808" cy="788718"/>
+            </a:xfrm>
+            <a:prstGeom prst="line">
+              <a:avLst/>
+            </a:prstGeom>
+          </p:spPr>
+          <p:style>
+            <a:lnRef idx="1">
+              <a:schemeClr val="accent1"/>
+            </a:lnRef>
+            <a:fillRef idx="0">
+              <a:schemeClr val="accent1"/>
+            </a:fillRef>
+            <a:effectRef idx="0">
+              <a:schemeClr val="accent1"/>
+            </a:effectRef>
+            <a:fontRef idx="minor">
+              <a:schemeClr val="tx1"/>
+            </a:fontRef>
+          </p:style>
+        </p:cxnSp>
+      </p:grpSp>
+      <p:grpSp>
+        <p:nvGrpSpPr>
+          <p:cNvPr id="51" name="组合 50">
+            <a:extLst>
+              <a:ext uri="{FF2B5EF4-FFF2-40B4-BE49-F238E27FC236}">
+                <a16:creationId xmlns:a16="http://schemas.microsoft.com/office/drawing/2014/main" id="{7BEB23EE-97B5-489D-BAC3-88C1B09C9878}"/>
+              </a:ext>
+            </a:extLst>
+          </p:cNvPr>
+          <p:cNvGrpSpPr/>
+          <p:nvPr/>
+        </p:nvGrpSpPr>
+        <p:grpSpPr>
+          <a:xfrm>
+            <a:off x="5090153" y="3176774"/>
+            <a:ext cx="1074025" cy="1530204"/>
+            <a:chOff x="8472400" y="1561867"/>
+            <a:chExt cx="1074025" cy="1530204"/>
+          </a:xfrm>
+        </p:grpSpPr>
+        <p:sp>
+          <p:nvSpPr>
+            <p:cNvPr id="53" name="椭圆 52">
+              <a:extLst>
+                <a:ext uri="{FF2B5EF4-FFF2-40B4-BE49-F238E27FC236}">
+                  <a16:creationId xmlns:a16="http://schemas.microsoft.com/office/drawing/2014/main" id="{669E217D-4B92-4DFE-AF4B-B92CB5EC2149}"/>
+                </a:ext>
+              </a:extLst>
+            </p:cNvPr>
+            <p:cNvSpPr/>
+            <p:nvPr/>
+          </p:nvSpPr>
+          <p:spPr>
+            <a:xfrm>
+              <a:off x="8472400" y="2552555"/>
+              <a:ext cx="926581" cy="539516"/>
+            </a:xfrm>
+            <a:prstGeom prst="ellipse">
+              <a:avLst/>
+            </a:prstGeom>
+          </p:spPr>
+          <p:style>
+            <a:lnRef idx="2">
+              <a:schemeClr val="accent1">
+                <a:shade val="50000"/>
+              </a:schemeClr>
+            </a:lnRef>
+            <a:fillRef idx="1">
+              <a:schemeClr val="accent1"/>
+            </a:fillRef>
+            <a:effectRef idx="0">
+              <a:schemeClr val="accent1"/>
+            </a:effectRef>
+            <a:fontRef idx="minor">
+              <a:schemeClr val="lt1"/>
+            </a:fontRef>
+          </p:style>
+          <p:txBody>
+            <a:bodyPr rtlCol="0" anchor="ctr"/>
+            <a:lstStyle/>
+            <a:p>
+              <a:pPr algn="ctr"/>
+              <a:r>
+                <a:rPr lang="zh-CN" altLang="en-US" dirty="0"/>
+                <a:t>注册日期</a:t>
+              </a:r>
+            </a:p>
+          </p:txBody>
+        </p:sp>
+        <p:cxnSp>
+          <p:nvCxnSpPr>
+            <p:cNvPr id="54" name="直接连接符 53">
+              <a:extLst>
+                <a:ext uri="{FF2B5EF4-FFF2-40B4-BE49-F238E27FC236}">
+                  <a16:creationId xmlns:a16="http://schemas.microsoft.com/office/drawing/2014/main" id="{A4B0EA9F-9263-428D-9F7F-014F9BD6FEB7}"/>
+                </a:ext>
+              </a:extLst>
+            </p:cNvPr>
+            <p:cNvCxnSpPr>
+              <a:cxnSpLocks/>
+              <a:stCxn id="53" idx="7"/>
+              <a:endCxn id="4" idx="1"/>
+            </p:cNvCxnSpPr>
+            <p:nvPr/>
+          </p:nvCxnSpPr>
+          <p:spPr>
+            <a:xfrm flipV="1">
+              <a:off x="9263286" y="1561867"/>
+              <a:ext cx="283139" cy="1069698"/>
+            </a:xfrm>
+            <a:prstGeom prst="line">
+              <a:avLst/>
+            </a:prstGeom>
+          </p:spPr>
+          <p:style>
+            <a:lnRef idx="1">
+              <a:schemeClr val="accent1"/>
+            </a:lnRef>
+            <a:fillRef idx="0">
+              <a:schemeClr val="accent1"/>
+            </a:fillRef>
+            <a:effectRef idx="0">
+              <a:schemeClr val="accent1"/>
+            </a:effectRef>
+            <a:fontRef idx="minor">
+              <a:schemeClr val="tx1"/>
+            </a:fontRef>
+          </p:style>
+        </p:cxnSp>
+      </p:grpSp>
+      <p:grpSp>
+        <p:nvGrpSpPr>
+          <p:cNvPr id="59" name="组合 58">
+            <a:extLst>
+              <a:ext uri="{FF2B5EF4-FFF2-40B4-BE49-F238E27FC236}">
+                <a16:creationId xmlns:a16="http://schemas.microsoft.com/office/drawing/2014/main" id="{0D568D2E-CA12-4DA2-8320-2794B71ACFFD}"/>
+              </a:ext>
+            </a:extLst>
+          </p:cNvPr>
+          <p:cNvGrpSpPr/>
+          <p:nvPr/>
+        </p:nvGrpSpPr>
+        <p:grpSpPr>
+          <a:xfrm>
+            <a:off x="3833449" y="3038219"/>
+            <a:ext cx="2330729" cy="539516"/>
+            <a:chOff x="7232122" y="3005254"/>
+            <a:chExt cx="2330729" cy="539516"/>
+          </a:xfrm>
+        </p:grpSpPr>
+        <p:sp>
+          <p:nvSpPr>
+            <p:cNvPr id="60" name="椭圆 59">
+              <a:extLst>
+                <a:ext uri="{FF2B5EF4-FFF2-40B4-BE49-F238E27FC236}">
+                  <a16:creationId xmlns:a16="http://schemas.microsoft.com/office/drawing/2014/main" id="{04F269A7-E653-4DBB-AF83-74B4C9B1FC0E}"/>
+                </a:ext>
+              </a:extLst>
+            </p:cNvPr>
+            <p:cNvSpPr/>
+            <p:nvPr/>
+          </p:nvSpPr>
+          <p:spPr>
+            <a:xfrm>
+              <a:off x="7232122" y="3005254"/>
+              <a:ext cx="926581" cy="539516"/>
+            </a:xfrm>
+            <a:prstGeom prst="ellipse">
+              <a:avLst/>
+            </a:prstGeom>
+          </p:spPr>
+          <p:style>
+            <a:lnRef idx="2">
+              <a:schemeClr val="accent1">
+                <a:shade val="50000"/>
+              </a:schemeClr>
+            </a:lnRef>
+            <a:fillRef idx="1">
+              <a:schemeClr val="accent1"/>
+            </a:fillRef>
+            <a:effectRef idx="0">
+              <a:schemeClr val="accent1"/>
+            </a:effectRef>
+            <a:fontRef idx="minor">
+              <a:schemeClr val="lt1"/>
+            </a:fontRef>
+          </p:style>
+          <p:txBody>
+            <a:bodyPr rtlCol="0" anchor="ctr"/>
+            <a:lstStyle/>
+            <a:p>
+              <a:pPr algn="ctr"/>
+              <a:r>
+                <a:rPr lang="zh-CN" altLang="en-US" dirty="0"/>
+                <a:t>初测邮箱</a:t>
+              </a:r>
+            </a:p>
+          </p:txBody>
+        </p:sp>
+        <p:cxnSp>
+          <p:nvCxnSpPr>
+            <p:cNvPr id="61" name="直接连接符 60">
+              <a:extLst>
+                <a:ext uri="{FF2B5EF4-FFF2-40B4-BE49-F238E27FC236}">
+                  <a16:creationId xmlns:a16="http://schemas.microsoft.com/office/drawing/2014/main" id="{F1A42822-8025-48C0-9E6F-B3FAB36BE057}"/>
+                </a:ext>
+              </a:extLst>
+            </p:cNvPr>
+            <p:cNvCxnSpPr>
+              <a:cxnSpLocks/>
+              <a:stCxn id="60" idx="7"/>
+              <a:endCxn id="4" idx="1"/>
+            </p:cNvCxnSpPr>
+            <p:nvPr/>
+          </p:nvCxnSpPr>
+          <p:spPr>
+            <a:xfrm>
+              <a:off x="8023008" y="3084264"/>
+              <a:ext cx="1539843" cy="59545"/>
+            </a:xfrm>
+            <a:prstGeom prst="line">
+              <a:avLst/>
+            </a:prstGeom>
+          </p:spPr>
+          <p:style>
+            <a:lnRef idx="1">
+              <a:schemeClr val="accent1"/>
+            </a:lnRef>
+            <a:fillRef idx="0">
+              <a:schemeClr val="accent1"/>
+            </a:fillRef>
+            <a:effectRef idx="0">
+              <a:schemeClr val="accent1"/>
+            </a:effectRef>
+            <a:fontRef idx="minor">
+              <a:schemeClr val="tx1"/>
+            </a:fontRef>
+          </p:style>
+        </p:cxnSp>
+      </p:grpSp>
+      <p:grpSp>
+        <p:nvGrpSpPr>
+          <p:cNvPr id="136" name="组合 135">
+            <a:extLst>
+              <a:ext uri="{FF2B5EF4-FFF2-40B4-BE49-F238E27FC236}">
+                <a16:creationId xmlns:a16="http://schemas.microsoft.com/office/drawing/2014/main" id="{5492D277-BDA9-487B-AF80-2BD2EEC07CED}"/>
+              </a:ext>
+            </a:extLst>
+          </p:cNvPr>
+          <p:cNvGrpSpPr/>
+          <p:nvPr/>
+        </p:nvGrpSpPr>
+        <p:grpSpPr>
+          <a:xfrm>
+            <a:off x="9168594" y="3644923"/>
+            <a:ext cx="1223299" cy="969511"/>
+            <a:chOff x="7014204" y="1751519"/>
+            <a:chExt cx="1223299" cy="969511"/>
+          </a:xfrm>
+        </p:grpSpPr>
+        <p:sp>
+          <p:nvSpPr>
+            <p:cNvPr id="137" name="椭圆 136">
+              <a:extLst>
+                <a:ext uri="{FF2B5EF4-FFF2-40B4-BE49-F238E27FC236}">
+                  <a16:creationId xmlns:a16="http://schemas.microsoft.com/office/drawing/2014/main" id="{12D5698B-55AB-4B7E-BFA8-24F901A0894B}"/>
+                </a:ext>
+              </a:extLst>
+            </p:cNvPr>
+            <p:cNvSpPr/>
+            <p:nvPr/>
+          </p:nvSpPr>
+          <p:spPr>
+            <a:xfrm>
+              <a:off x="7014204" y="1751519"/>
+              <a:ext cx="926581" cy="539516"/>
+            </a:xfrm>
+            <a:prstGeom prst="ellipse">
+              <a:avLst/>
+            </a:prstGeom>
+          </p:spPr>
+          <p:style>
+            <a:lnRef idx="2">
+              <a:schemeClr val="accent1">
+                <a:shade val="50000"/>
+              </a:schemeClr>
+            </a:lnRef>
+            <a:fillRef idx="1">
+              <a:schemeClr val="accent1"/>
+            </a:fillRef>
+            <a:effectRef idx="0">
+              <a:schemeClr val="accent1"/>
+            </a:effectRef>
+            <a:fontRef idx="minor">
+              <a:schemeClr val="lt1"/>
+            </a:fontRef>
+          </p:style>
+          <p:txBody>
+            <a:bodyPr rtlCol="0" anchor="ctr"/>
+            <a:lstStyle/>
+            <a:p>
+              <a:pPr algn="ctr"/>
+              <a:r>
+                <a:rPr lang="zh-CN" altLang="en-US" dirty="0"/>
+                <a:t>棋局序号</a:t>
+              </a:r>
+            </a:p>
+          </p:txBody>
+        </p:sp>
+        <p:cxnSp>
+          <p:nvCxnSpPr>
+            <p:cNvPr id="138" name="直接连接符 137">
+              <a:extLst>
+                <a:ext uri="{FF2B5EF4-FFF2-40B4-BE49-F238E27FC236}">
+                  <a16:creationId xmlns:a16="http://schemas.microsoft.com/office/drawing/2014/main" id="{1CFA6438-DC15-4715-A6C3-3D1CBA088A91}"/>
+                </a:ext>
+              </a:extLst>
+            </p:cNvPr>
+            <p:cNvCxnSpPr>
+              <a:cxnSpLocks/>
+              <a:stCxn id="137" idx="1"/>
+              <a:endCxn id="12" idx="1"/>
+            </p:cNvCxnSpPr>
+            <p:nvPr/>
+          </p:nvCxnSpPr>
+          <p:spPr>
+            <a:xfrm>
+              <a:off x="7149899" y="1830529"/>
+              <a:ext cx="1087604" cy="890501"/>
+            </a:xfrm>
+            <a:prstGeom prst="line">
+              <a:avLst/>
+            </a:prstGeom>
+          </p:spPr>
+          <p:style>
+            <a:lnRef idx="1">
+              <a:schemeClr val="accent1"/>
+            </a:lnRef>
+            <a:fillRef idx="0">
+              <a:schemeClr val="accent1"/>
+            </a:fillRef>
+            <a:effectRef idx="0">
+              <a:schemeClr val="accent1"/>
+            </a:effectRef>
+            <a:fontRef idx="minor">
+              <a:schemeClr val="tx1"/>
+            </a:fontRef>
+          </p:style>
+        </p:cxnSp>
+      </p:grpSp>
+      <p:grpSp>
+        <p:nvGrpSpPr>
+          <p:cNvPr id="141" name="组合 140">
+            <a:extLst>
+              <a:ext uri="{FF2B5EF4-FFF2-40B4-BE49-F238E27FC236}">
+                <a16:creationId xmlns:a16="http://schemas.microsoft.com/office/drawing/2014/main" id="{45DD57AE-590B-4301-BA12-4163C805FBA1}"/>
+              </a:ext>
+            </a:extLst>
+          </p:cNvPr>
+          <p:cNvGrpSpPr/>
+          <p:nvPr/>
+        </p:nvGrpSpPr>
+        <p:grpSpPr>
+          <a:xfrm>
+            <a:off x="8548827" y="4129677"/>
+            <a:ext cx="1843066" cy="539516"/>
+            <a:chOff x="7014204" y="1751519"/>
+            <a:chExt cx="1843066" cy="539516"/>
+          </a:xfrm>
+        </p:grpSpPr>
+        <p:sp>
+          <p:nvSpPr>
+            <p:cNvPr id="142" name="椭圆 141">
+              <a:extLst>
+                <a:ext uri="{FF2B5EF4-FFF2-40B4-BE49-F238E27FC236}">
+                  <a16:creationId xmlns:a16="http://schemas.microsoft.com/office/drawing/2014/main" id="{A7B419A1-3571-4356-9AF4-FCE4B56FCBD1}"/>
+                </a:ext>
+              </a:extLst>
+            </p:cNvPr>
+            <p:cNvSpPr/>
+            <p:nvPr/>
+          </p:nvSpPr>
+          <p:spPr>
+            <a:xfrm>
+              <a:off x="7014204" y="1751519"/>
+              <a:ext cx="926581" cy="539516"/>
+            </a:xfrm>
+            <a:prstGeom prst="ellipse">
+              <a:avLst/>
+            </a:prstGeom>
+          </p:spPr>
+          <p:style>
+            <a:lnRef idx="2">
+              <a:schemeClr val="accent1">
+                <a:shade val="50000"/>
+              </a:schemeClr>
+            </a:lnRef>
+            <a:fillRef idx="1">
+              <a:schemeClr val="accent1"/>
+            </a:fillRef>
+            <a:effectRef idx="0">
+              <a:schemeClr val="accent1"/>
+            </a:effectRef>
+            <a:fontRef idx="minor">
+              <a:schemeClr val="lt1"/>
+            </a:fontRef>
+          </p:style>
+          <p:txBody>
+            <a:bodyPr rtlCol="0" anchor="ctr"/>
+            <a:lstStyle/>
+            <a:p>
+              <a:pPr algn="ctr"/>
+              <a:r>
+                <a:rPr lang="zh-CN" altLang="en-US" dirty="0"/>
+                <a:t>下棋时间</a:t>
+              </a:r>
+              <a:endParaRPr lang="en-US" altLang="zh-CN" dirty="0"/>
+            </a:p>
+          </p:txBody>
+        </p:sp>
+        <p:cxnSp>
+          <p:nvCxnSpPr>
+            <p:cNvPr id="143" name="直接连接符 142">
+              <a:extLst>
+                <a:ext uri="{FF2B5EF4-FFF2-40B4-BE49-F238E27FC236}">
+                  <a16:creationId xmlns:a16="http://schemas.microsoft.com/office/drawing/2014/main" id="{3A695743-99A5-4D73-ABC2-1C1B63B93826}"/>
+                </a:ext>
+              </a:extLst>
+            </p:cNvPr>
+            <p:cNvCxnSpPr>
+              <a:cxnSpLocks/>
+              <a:stCxn id="12" idx="1"/>
+              <a:endCxn id="142" idx="6"/>
+            </p:cNvCxnSpPr>
+            <p:nvPr/>
+          </p:nvCxnSpPr>
+          <p:spPr>
+            <a:xfrm flipH="1" flipV="1">
+              <a:off x="7940785" y="2021277"/>
+              <a:ext cx="916485" cy="214999"/>
+            </a:xfrm>
+            <a:prstGeom prst="line">
+              <a:avLst/>
+            </a:prstGeom>
+          </p:spPr>
+          <p:style>
+            <a:lnRef idx="1">
+              <a:schemeClr val="accent1"/>
+            </a:lnRef>
+            <a:fillRef idx="0">
+              <a:schemeClr val="accent1"/>
+            </a:fillRef>
+            <a:effectRef idx="0">
+              <a:schemeClr val="accent1"/>
+            </a:effectRef>
+            <a:fontRef idx="minor">
+              <a:schemeClr val="tx1"/>
+            </a:fontRef>
+          </p:style>
+        </p:cxnSp>
+      </p:grpSp>
+      <p:grpSp>
+        <p:nvGrpSpPr>
+          <p:cNvPr id="147" name="组合 146">
+            <a:extLst>
+              <a:ext uri="{FF2B5EF4-FFF2-40B4-BE49-F238E27FC236}">
+                <a16:creationId xmlns:a16="http://schemas.microsoft.com/office/drawing/2014/main" id="{CEF3D372-5D40-4BE9-A3F8-93C41D130DA8}"/>
+              </a:ext>
+            </a:extLst>
+          </p:cNvPr>
+          <p:cNvGrpSpPr/>
+          <p:nvPr/>
+        </p:nvGrpSpPr>
+        <p:grpSpPr>
+          <a:xfrm>
+            <a:off x="9131231" y="4607659"/>
+            <a:ext cx="1260662" cy="539516"/>
+            <a:chOff x="8073502" y="1493826"/>
+            <a:chExt cx="1260662" cy="539516"/>
+          </a:xfrm>
+        </p:grpSpPr>
+        <p:sp>
+          <p:nvSpPr>
+            <p:cNvPr id="148" name="椭圆 147">
+              <a:extLst>
+                <a:ext uri="{FF2B5EF4-FFF2-40B4-BE49-F238E27FC236}">
+                  <a16:creationId xmlns:a16="http://schemas.microsoft.com/office/drawing/2014/main" id="{219B5106-084E-40CB-966A-CD48A8BFD60B}"/>
+                </a:ext>
+              </a:extLst>
+            </p:cNvPr>
+            <p:cNvSpPr/>
+            <p:nvPr/>
+          </p:nvSpPr>
+          <p:spPr>
+            <a:xfrm>
+              <a:off x="8073502" y="1493826"/>
+              <a:ext cx="926581" cy="539516"/>
+            </a:xfrm>
+            <a:prstGeom prst="ellipse">
+              <a:avLst/>
+            </a:prstGeom>
+          </p:spPr>
+          <p:style>
+            <a:lnRef idx="2">
+              <a:schemeClr val="accent1">
+                <a:shade val="50000"/>
+              </a:schemeClr>
+            </a:lnRef>
+            <a:fillRef idx="1">
+              <a:schemeClr val="accent1"/>
+            </a:fillRef>
+            <a:effectRef idx="0">
+              <a:schemeClr val="accent1"/>
+            </a:effectRef>
+            <a:fontRef idx="minor">
+              <a:schemeClr val="lt1"/>
+            </a:fontRef>
+          </p:style>
+          <p:txBody>
+            <a:bodyPr rtlCol="0" anchor="ctr"/>
+            <a:lstStyle/>
+            <a:p>
+              <a:pPr algn="ctr"/>
+              <a:r>
+                <a:rPr lang="zh-CN" altLang="en-US" dirty="0"/>
+                <a:t>输赢结果</a:t>
+              </a:r>
+            </a:p>
+          </p:txBody>
+        </p:sp>
+        <p:cxnSp>
+          <p:nvCxnSpPr>
+            <p:cNvPr id="149" name="直接连接符 148">
+              <a:extLst>
+                <a:ext uri="{FF2B5EF4-FFF2-40B4-BE49-F238E27FC236}">
+                  <a16:creationId xmlns:a16="http://schemas.microsoft.com/office/drawing/2014/main" id="{34882B8F-8DAE-4EB9-BE7E-FACFB4DE66FF}"/>
+                </a:ext>
+              </a:extLst>
+            </p:cNvPr>
+            <p:cNvCxnSpPr>
+              <a:cxnSpLocks/>
+              <a:stCxn id="12" idx="1"/>
+              <a:endCxn id="148" idx="6"/>
+            </p:cNvCxnSpPr>
+            <p:nvPr/>
+          </p:nvCxnSpPr>
+          <p:spPr>
+            <a:xfrm flipH="1">
+              <a:off x="9000083" y="1500601"/>
+              <a:ext cx="334081" cy="262983"/>
+            </a:xfrm>
+            <a:prstGeom prst="line">
+              <a:avLst/>
+            </a:prstGeom>
+          </p:spPr>
+          <p:style>
+            <a:lnRef idx="1">
+              <a:schemeClr val="accent1"/>
+            </a:lnRef>
+            <a:fillRef idx="0">
+              <a:schemeClr val="accent1"/>
+            </a:fillRef>
+            <a:effectRef idx="0">
+              <a:schemeClr val="accent1"/>
+            </a:effectRef>
+            <a:fontRef idx="minor">
+              <a:schemeClr val="tx1"/>
+            </a:fontRef>
+          </p:style>
+        </p:cxnSp>
+      </p:grpSp>
+      <p:grpSp>
+        <p:nvGrpSpPr>
+          <p:cNvPr id="154" name="组合 153">
+            <a:extLst>
+              <a:ext uri="{FF2B5EF4-FFF2-40B4-BE49-F238E27FC236}">
+                <a16:creationId xmlns:a16="http://schemas.microsoft.com/office/drawing/2014/main" id="{7C9A3FF0-2A4E-4DA0-A8EB-1CC9D8BE234D}"/>
+              </a:ext>
+            </a:extLst>
+          </p:cNvPr>
+          <p:cNvGrpSpPr/>
+          <p:nvPr/>
+        </p:nvGrpSpPr>
+        <p:grpSpPr>
+          <a:xfrm>
+            <a:off x="9928602" y="4614434"/>
+            <a:ext cx="926581" cy="984378"/>
+            <a:chOff x="9085133" y="693044"/>
+            <a:chExt cx="926581" cy="984378"/>
+          </a:xfrm>
+        </p:grpSpPr>
+        <p:sp>
+          <p:nvSpPr>
+            <p:cNvPr id="155" name="椭圆 154">
+              <a:extLst>
+                <a:ext uri="{FF2B5EF4-FFF2-40B4-BE49-F238E27FC236}">
+                  <a16:creationId xmlns:a16="http://schemas.microsoft.com/office/drawing/2014/main" id="{F2447A1E-7675-43A0-80DE-92A7063C33D9}"/>
+                </a:ext>
+              </a:extLst>
+            </p:cNvPr>
+            <p:cNvSpPr/>
+            <p:nvPr/>
+          </p:nvSpPr>
+          <p:spPr>
+            <a:xfrm>
+              <a:off x="9085133" y="1137906"/>
+              <a:ext cx="926581" cy="539516"/>
+            </a:xfrm>
+            <a:prstGeom prst="ellipse">
+              <a:avLst/>
+            </a:prstGeom>
+          </p:spPr>
+          <p:style>
+            <a:lnRef idx="2">
+              <a:schemeClr val="accent1">
+                <a:shade val="50000"/>
+              </a:schemeClr>
+            </a:lnRef>
+            <a:fillRef idx="1">
+              <a:schemeClr val="accent1"/>
+            </a:fillRef>
+            <a:effectRef idx="0">
+              <a:schemeClr val="accent1"/>
+            </a:effectRef>
+            <a:fontRef idx="minor">
+              <a:schemeClr val="lt1"/>
+            </a:fontRef>
+          </p:style>
+          <p:txBody>
+            <a:bodyPr rtlCol="0" anchor="ctr"/>
+            <a:lstStyle/>
+            <a:p>
+              <a:pPr algn="ctr"/>
+              <a:r>
+                <a:rPr lang="zh-CN" altLang="en-US" dirty="0"/>
+                <a:t>步数</a:t>
+              </a:r>
+            </a:p>
+          </p:txBody>
+        </p:sp>
+        <p:cxnSp>
+          <p:nvCxnSpPr>
+            <p:cNvPr id="156" name="直接连接符 155">
+              <a:extLst>
+                <a:ext uri="{FF2B5EF4-FFF2-40B4-BE49-F238E27FC236}">
+                  <a16:creationId xmlns:a16="http://schemas.microsoft.com/office/drawing/2014/main" id="{085E9A06-3EBD-4E8E-9637-0B22E2139E47}"/>
+                </a:ext>
+              </a:extLst>
+            </p:cNvPr>
+            <p:cNvCxnSpPr>
+              <a:cxnSpLocks/>
+              <a:stCxn id="12" idx="1"/>
+              <a:endCxn id="155" idx="6"/>
+            </p:cNvCxnSpPr>
+            <p:nvPr/>
+          </p:nvCxnSpPr>
+          <p:spPr>
+            <a:xfrm>
+              <a:off x="9548424" y="693044"/>
+              <a:ext cx="463290" cy="714620"/>
+            </a:xfrm>
+            <a:prstGeom prst="line">
+              <a:avLst/>
+            </a:prstGeom>
+          </p:spPr>
+          <p:style>
+            <a:lnRef idx="1">
+              <a:schemeClr val="accent1"/>
+            </a:lnRef>
+            <a:fillRef idx="0">
+              <a:schemeClr val="accent1"/>
+            </a:fillRef>
+            <a:effectRef idx="0">
+              <a:schemeClr val="accent1"/>
+            </a:effectRef>
+            <a:fontRef idx="minor">
+              <a:schemeClr val="tx1"/>
+            </a:fontRef>
+          </p:style>
+        </p:cxnSp>
+      </p:grpSp>
+      <p:grpSp>
+        <p:nvGrpSpPr>
+          <p:cNvPr id="160" name="组合 159">
+            <a:extLst>
+              <a:ext uri="{FF2B5EF4-FFF2-40B4-BE49-F238E27FC236}">
+                <a16:creationId xmlns:a16="http://schemas.microsoft.com/office/drawing/2014/main" id="{02CD500D-6A6F-4BD2-B498-CBFB6D8CEC70}"/>
+              </a:ext>
+            </a:extLst>
+          </p:cNvPr>
+          <p:cNvGrpSpPr/>
+          <p:nvPr/>
+        </p:nvGrpSpPr>
+        <p:grpSpPr>
+          <a:xfrm>
+            <a:off x="8887262" y="4614434"/>
+            <a:ext cx="1504631" cy="1166039"/>
+            <a:chOff x="8158923" y="818324"/>
+            <a:chExt cx="1504631" cy="1166039"/>
+          </a:xfrm>
+        </p:grpSpPr>
+        <p:sp>
+          <p:nvSpPr>
+            <p:cNvPr id="161" name="椭圆 160">
+              <a:extLst>
+                <a:ext uri="{FF2B5EF4-FFF2-40B4-BE49-F238E27FC236}">
+                  <a16:creationId xmlns:a16="http://schemas.microsoft.com/office/drawing/2014/main" id="{26EBAF4B-6013-4B03-8F06-F626771959E7}"/>
+                </a:ext>
+              </a:extLst>
+            </p:cNvPr>
+            <p:cNvSpPr/>
+            <p:nvPr/>
+          </p:nvSpPr>
+          <p:spPr>
+            <a:xfrm>
+              <a:off x="8158923" y="1444847"/>
+              <a:ext cx="926581" cy="539516"/>
+            </a:xfrm>
+            <a:prstGeom prst="ellipse">
+              <a:avLst/>
+            </a:prstGeom>
+          </p:spPr>
+          <p:style>
+            <a:lnRef idx="2">
+              <a:schemeClr val="accent1">
+                <a:shade val="50000"/>
+              </a:schemeClr>
+            </a:lnRef>
+            <a:fillRef idx="1">
+              <a:schemeClr val="accent1"/>
+            </a:fillRef>
+            <a:effectRef idx="0">
+              <a:schemeClr val="accent1"/>
+            </a:effectRef>
+            <a:fontRef idx="minor">
+              <a:schemeClr val="lt1"/>
+            </a:fontRef>
+          </p:style>
+          <p:txBody>
+            <a:bodyPr rtlCol="0" anchor="ctr"/>
+            <a:lstStyle/>
+            <a:p>
+              <a:pPr algn="ctr"/>
+              <a:r>
+                <a:rPr lang="zh-CN" altLang="en-US" dirty="0"/>
+                <a:t>下棋日期</a:t>
+              </a:r>
+            </a:p>
+          </p:txBody>
+        </p:sp>
+        <p:cxnSp>
+          <p:nvCxnSpPr>
+            <p:cNvPr id="162" name="直接连接符 161">
+              <a:extLst>
+                <a:ext uri="{FF2B5EF4-FFF2-40B4-BE49-F238E27FC236}">
+                  <a16:creationId xmlns:a16="http://schemas.microsoft.com/office/drawing/2014/main" id="{9E4007AA-9049-422E-9C2F-F2E0A372F1C5}"/>
+                </a:ext>
+              </a:extLst>
+            </p:cNvPr>
+            <p:cNvCxnSpPr>
+              <a:cxnSpLocks/>
+              <a:stCxn id="12" idx="1"/>
+              <a:endCxn id="161" idx="6"/>
+            </p:cNvCxnSpPr>
+            <p:nvPr/>
+          </p:nvCxnSpPr>
+          <p:spPr>
+            <a:xfrm flipH="1">
+              <a:off x="9085504" y="818324"/>
+              <a:ext cx="578050" cy="896281"/>
+            </a:xfrm>
+            <a:prstGeom prst="line">
+              <a:avLst/>
+            </a:prstGeom>
+          </p:spPr>
+          <p:style>
+            <a:lnRef idx="1">
+              <a:schemeClr val="accent1"/>
+            </a:lnRef>
+            <a:fillRef idx="0">
+              <a:schemeClr val="accent1"/>
+            </a:fillRef>
+            <a:effectRef idx="0">
+              <a:schemeClr val="accent1"/>
+            </a:effectRef>
+            <a:fontRef idx="minor">
+              <a:schemeClr val="tx1"/>
+            </a:fontRef>
+          </p:style>
+        </p:cxnSp>
+      </p:grpSp>
+      <p:grpSp>
+        <p:nvGrpSpPr>
+          <p:cNvPr id="165" name="组合 164">
+            <a:extLst>
+              <a:ext uri="{FF2B5EF4-FFF2-40B4-BE49-F238E27FC236}">
+                <a16:creationId xmlns:a16="http://schemas.microsoft.com/office/drawing/2014/main" id="{AF63AA19-9D88-4FD3-A295-6366B2994D61}"/>
+              </a:ext>
+            </a:extLst>
+          </p:cNvPr>
+          <p:cNvGrpSpPr/>
+          <p:nvPr/>
+        </p:nvGrpSpPr>
+        <p:grpSpPr>
+          <a:xfrm>
+            <a:off x="10150781" y="3719421"/>
+            <a:ext cx="926581" cy="895013"/>
+            <a:chOff x="7722233" y="1544166"/>
+            <a:chExt cx="926581" cy="895013"/>
+          </a:xfrm>
+        </p:grpSpPr>
+        <p:sp>
+          <p:nvSpPr>
+            <p:cNvPr id="166" name="椭圆 165">
+              <a:extLst>
+                <a:ext uri="{FF2B5EF4-FFF2-40B4-BE49-F238E27FC236}">
+                  <a16:creationId xmlns:a16="http://schemas.microsoft.com/office/drawing/2014/main" id="{D24E573F-B687-4D05-828F-A42012D0BBD3}"/>
+                </a:ext>
+              </a:extLst>
+            </p:cNvPr>
+            <p:cNvSpPr/>
+            <p:nvPr/>
+          </p:nvSpPr>
+          <p:spPr>
+            <a:xfrm>
+              <a:off x="7722233" y="1544166"/>
+              <a:ext cx="926581" cy="539516"/>
+            </a:xfrm>
+            <a:prstGeom prst="ellipse">
+              <a:avLst/>
+            </a:prstGeom>
+          </p:spPr>
+          <p:style>
+            <a:lnRef idx="2">
+              <a:schemeClr val="accent1">
+                <a:shade val="50000"/>
+              </a:schemeClr>
+            </a:lnRef>
+            <a:fillRef idx="1">
+              <a:schemeClr val="accent1"/>
+            </a:fillRef>
+            <a:effectRef idx="0">
+              <a:schemeClr val="accent1"/>
+            </a:effectRef>
+            <a:fontRef idx="minor">
+              <a:schemeClr val="lt1"/>
+            </a:fontRef>
+          </p:style>
+          <p:txBody>
+            <a:bodyPr rtlCol="0" anchor="ctr"/>
+            <a:lstStyle/>
+            <a:p>
+              <a:pPr algn="ctr"/>
+              <a:r>
+                <a:rPr lang="zh-CN" altLang="en-US" dirty="0"/>
+                <a:t>单局积分</a:t>
+              </a:r>
+            </a:p>
+          </p:txBody>
+        </p:sp>
+        <p:cxnSp>
+          <p:nvCxnSpPr>
+            <p:cNvPr id="167" name="直接连接符 166">
+              <a:extLst>
+                <a:ext uri="{FF2B5EF4-FFF2-40B4-BE49-F238E27FC236}">
+                  <a16:creationId xmlns:a16="http://schemas.microsoft.com/office/drawing/2014/main" id="{DC8A72C2-98B9-40F9-86ED-266EC5B520A3}"/>
+                </a:ext>
+              </a:extLst>
+            </p:cNvPr>
+            <p:cNvCxnSpPr>
+              <a:cxnSpLocks/>
+              <a:stCxn id="12" idx="1"/>
+              <a:endCxn id="166" idx="6"/>
+            </p:cNvCxnSpPr>
+            <p:nvPr/>
+          </p:nvCxnSpPr>
+          <p:spPr>
+            <a:xfrm flipV="1">
+              <a:off x="7963345" y="1813924"/>
+              <a:ext cx="685469" cy="625255"/>
+            </a:xfrm>
+            <a:prstGeom prst="line">
+              <a:avLst/>
+            </a:prstGeom>
+          </p:spPr>
+          <p:style>
+            <a:lnRef idx="1">
+              <a:schemeClr val="accent1"/>
+            </a:lnRef>
+            <a:fillRef idx="0">
+              <a:schemeClr val="accent1"/>
+            </a:fillRef>
+            <a:effectRef idx="0">
+              <a:schemeClr val="accent1"/>
+            </a:effectRef>
+            <a:fontRef idx="minor">
+              <a:schemeClr val="tx1"/>
+            </a:fontRef>
+          </p:style>
+        </p:cxnSp>
+      </p:grpSp>
+      <p:grpSp>
+        <p:nvGrpSpPr>
+          <p:cNvPr id="170" name="组合 169">
+            <a:extLst>
+              <a:ext uri="{FF2B5EF4-FFF2-40B4-BE49-F238E27FC236}">
+                <a16:creationId xmlns:a16="http://schemas.microsoft.com/office/drawing/2014/main" id="{782B6177-7478-4733-9290-5347F6B2DD25}"/>
+              </a:ext>
+            </a:extLst>
+          </p:cNvPr>
+          <p:cNvGrpSpPr/>
+          <p:nvPr/>
+        </p:nvGrpSpPr>
+        <p:grpSpPr>
+          <a:xfrm>
+            <a:off x="11083314" y="4614434"/>
+            <a:ext cx="926581" cy="1114572"/>
+            <a:chOff x="8235462" y="1012318"/>
+            <a:chExt cx="926581" cy="1114572"/>
+          </a:xfrm>
+        </p:grpSpPr>
+        <p:sp>
+          <p:nvSpPr>
+            <p:cNvPr id="171" name="椭圆 170">
+              <a:extLst>
+                <a:ext uri="{FF2B5EF4-FFF2-40B4-BE49-F238E27FC236}">
+                  <a16:creationId xmlns:a16="http://schemas.microsoft.com/office/drawing/2014/main" id="{68FCDCD2-04A1-4695-A93E-80593B2627DE}"/>
+                </a:ext>
+              </a:extLst>
+            </p:cNvPr>
+            <p:cNvSpPr/>
+            <p:nvPr/>
+          </p:nvSpPr>
+          <p:spPr>
+            <a:xfrm>
+              <a:off x="8235462" y="1587374"/>
+              <a:ext cx="926581" cy="539516"/>
+            </a:xfrm>
+            <a:prstGeom prst="ellipse">
+              <a:avLst/>
+            </a:prstGeom>
+          </p:spPr>
+          <p:style>
+            <a:lnRef idx="2">
+              <a:schemeClr val="accent1">
+                <a:shade val="50000"/>
+              </a:schemeClr>
+            </a:lnRef>
+            <a:fillRef idx="1">
+              <a:schemeClr val="accent1"/>
+            </a:fillRef>
+            <a:effectRef idx="0">
+              <a:schemeClr val="accent1"/>
+            </a:effectRef>
+            <a:fontRef idx="minor">
+              <a:schemeClr val="lt1"/>
+            </a:fontRef>
+          </p:style>
+          <p:txBody>
+            <a:bodyPr rtlCol="0" anchor="ctr"/>
+            <a:lstStyle/>
+            <a:p>
+              <a:pPr algn="ctr"/>
+              <a:r>
+                <a:rPr lang="zh-CN" altLang="en-US" dirty="0"/>
+                <a:t>玩家序号</a:t>
+              </a:r>
+            </a:p>
+          </p:txBody>
+        </p:sp>
+        <p:cxnSp>
+          <p:nvCxnSpPr>
+            <p:cNvPr id="172" name="直接连接符 171">
+              <a:extLst>
+                <a:ext uri="{FF2B5EF4-FFF2-40B4-BE49-F238E27FC236}">
+                  <a16:creationId xmlns:a16="http://schemas.microsoft.com/office/drawing/2014/main" id="{5CDD3429-FF35-4FC9-A606-79CF8C7DC032}"/>
+                </a:ext>
+              </a:extLst>
+            </p:cNvPr>
+            <p:cNvCxnSpPr>
+              <a:cxnSpLocks/>
+              <a:stCxn id="12" idx="3"/>
+              <a:endCxn id="171" idx="0"/>
+            </p:cNvCxnSpPr>
+            <p:nvPr/>
+          </p:nvCxnSpPr>
+          <p:spPr>
+            <a:xfrm>
+              <a:off x="8581835" y="1012318"/>
+              <a:ext cx="116918" cy="575056"/>
+            </a:xfrm>
+            <a:prstGeom prst="line">
+              <a:avLst/>
+            </a:prstGeom>
+          </p:spPr>
+          <p:style>
+            <a:lnRef idx="1">
+              <a:schemeClr val="accent1"/>
+            </a:lnRef>
+            <a:fillRef idx="0">
+              <a:schemeClr val="accent1"/>
+            </a:fillRef>
+            <a:effectRef idx="0">
+              <a:schemeClr val="accent1"/>
+            </a:effectRef>
+            <a:fontRef idx="minor">
+              <a:schemeClr val="tx1"/>
+            </a:fontRef>
+          </p:style>
+        </p:cxnSp>
+      </p:grpSp>
+      <p:grpSp>
+        <p:nvGrpSpPr>
+          <p:cNvPr id="176" name="组合 175">
+            <a:extLst>
+              <a:ext uri="{FF2B5EF4-FFF2-40B4-BE49-F238E27FC236}">
+                <a16:creationId xmlns:a16="http://schemas.microsoft.com/office/drawing/2014/main" id="{3F454B26-98F6-4ACF-900A-296AFF5BCE77}"/>
+              </a:ext>
+            </a:extLst>
+          </p:cNvPr>
+          <p:cNvGrpSpPr/>
+          <p:nvPr/>
+        </p:nvGrpSpPr>
+        <p:grpSpPr>
+          <a:xfrm>
+            <a:off x="5092210" y="5572917"/>
+            <a:ext cx="1544290" cy="539516"/>
+            <a:chOff x="8522216" y="2007447"/>
+            <a:chExt cx="1544290" cy="539516"/>
+          </a:xfrm>
+        </p:grpSpPr>
+        <p:sp>
+          <p:nvSpPr>
+            <p:cNvPr id="177" name="椭圆 176">
+              <a:extLst>
+                <a:ext uri="{FF2B5EF4-FFF2-40B4-BE49-F238E27FC236}">
+                  <a16:creationId xmlns:a16="http://schemas.microsoft.com/office/drawing/2014/main" id="{12668300-A902-439B-BD39-B5D1103E99E8}"/>
+                </a:ext>
+              </a:extLst>
+            </p:cNvPr>
+            <p:cNvSpPr/>
+            <p:nvPr/>
+          </p:nvSpPr>
+          <p:spPr>
+            <a:xfrm>
+              <a:off x="8522216" y="2007447"/>
+              <a:ext cx="926581" cy="539516"/>
+            </a:xfrm>
+            <a:prstGeom prst="ellipse">
+              <a:avLst/>
+            </a:prstGeom>
+          </p:spPr>
+          <p:style>
+            <a:lnRef idx="2">
+              <a:schemeClr val="accent1">
+                <a:shade val="50000"/>
+              </a:schemeClr>
+            </a:lnRef>
+            <a:fillRef idx="1">
+              <a:schemeClr val="accent1"/>
+            </a:fillRef>
+            <a:effectRef idx="0">
+              <a:schemeClr val="accent1"/>
+            </a:effectRef>
+            <a:fontRef idx="minor">
+              <a:schemeClr val="lt1"/>
+            </a:fontRef>
+          </p:style>
+          <p:txBody>
+            <a:bodyPr rtlCol="0" anchor="ctr"/>
+            <a:lstStyle/>
+            <a:p>
+              <a:pPr algn="ctr"/>
+              <a:r>
+                <a:rPr lang="zh-CN" altLang="en-US" dirty="0"/>
+                <a:t>玩家序号</a:t>
+              </a:r>
+            </a:p>
+          </p:txBody>
+        </p:sp>
+        <p:cxnSp>
+          <p:nvCxnSpPr>
+            <p:cNvPr id="178" name="直接连接符 177">
+              <a:extLst>
+                <a:ext uri="{FF2B5EF4-FFF2-40B4-BE49-F238E27FC236}">
+                  <a16:creationId xmlns:a16="http://schemas.microsoft.com/office/drawing/2014/main" id="{0AFBB252-E471-42EA-AC20-83B169606A33}"/>
+                </a:ext>
+              </a:extLst>
+            </p:cNvPr>
+            <p:cNvCxnSpPr>
+              <a:cxnSpLocks/>
+              <a:stCxn id="9" idx="0"/>
+              <a:endCxn id="177" idx="6"/>
+            </p:cNvCxnSpPr>
+            <p:nvPr/>
+          </p:nvCxnSpPr>
+          <p:spPr>
+            <a:xfrm flipH="1" flipV="1">
+              <a:off x="9448797" y="2277205"/>
+              <a:ext cx="617709" cy="95521"/>
+            </a:xfrm>
+            <a:prstGeom prst="line">
+              <a:avLst/>
+            </a:prstGeom>
+          </p:spPr>
+          <p:style>
+            <a:lnRef idx="1">
+              <a:schemeClr val="accent1"/>
+            </a:lnRef>
+            <a:fillRef idx="0">
+              <a:schemeClr val="accent1"/>
+            </a:fillRef>
+            <a:effectRef idx="0">
+              <a:schemeClr val="accent1"/>
+            </a:effectRef>
+            <a:fontRef idx="minor">
+              <a:schemeClr val="tx1"/>
+            </a:fontRef>
+          </p:style>
+        </p:cxnSp>
+      </p:grpSp>
+      <p:grpSp>
+        <p:nvGrpSpPr>
+          <p:cNvPr id="183" name="组合 182">
+            <a:extLst>
+              <a:ext uri="{FF2B5EF4-FFF2-40B4-BE49-F238E27FC236}">
+                <a16:creationId xmlns:a16="http://schemas.microsoft.com/office/drawing/2014/main" id="{F4FAA83B-8374-4D36-AEB4-0B918D2AB5A0}"/>
+              </a:ext>
+            </a:extLst>
+          </p:cNvPr>
+          <p:cNvGrpSpPr/>
+          <p:nvPr/>
+        </p:nvGrpSpPr>
+        <p:grpSpPr>
+          <a:xfrm>
+            <a:off x="6636500" y="5226467"/>
+            <a:ext cx="1247365" cy="711729"/>
+            <a:chOff x="8582545" y="2021694"/>
+            <a:chExt cx="1247365" cy="711729"/>
+          </a:xfrm>
+        </p:grpSpPr>
+        <p:sp>
+          <p:nvSpPr>
+            <p:cNvPr id="184" name="椭圆 183">
+              <a:extLst>
+                <a:ext uri="{FF2B5EF4-FFF2-40B4-BE49-F238E27FC236}">
+                  <a16:creationId xmlns:a16="http://schemas.microsoft.com/office/drawing/2014/main" id="{C6B3B90D-07F0-41C3-9EC3-B325CADCBA01}"/>
+                </a:ext>
+              </a:extLst>
+            </p:cNvPr>
+            <p:cNvSpPr/>
+            <p:nvPr/>
+          </p:nvSpPr>
+          <p:spPr>
+            <a:xfrm>
+              <a:off x="8903329" y="2021694"/>
+              <a:ext cx="926581" cy="539516"/>
+            </a:xfrm>
+            <a:prstGeom prst="ellipse">
+              <a:avLst/>
+            </a:prstGeom>
+          </p:spPr>
+          <p:style>
+            <a:lnRef idx="2">
+              <a:schemeClr val="accent1">
+                <a:shade val="50000"/>
+              </a:schemeClr>
+            </a:lnRef>
+            <a:fillRef idx="1">
+              <a:schemeClr val="accent1"/>
+            </a:fillRef>
+            <a:effectRef idx="0">
+              <a:schemeClr val="accent1"/>
+            </a:effectRef>
+            <a:fontRef idx="minor">
+              <a:schemeClr val="lt1"/>
+            </a:fontRef>
+          </p:style>
+          <p:txBody>
+            <a:bodyPr rtlCol="0" anchor="ctr"/>
+            <a:lstStyle/>
+            <a:p>
+              <a:pPr algn="ctr"/>
+              <a:r>
+                <a:rPr lang="zh-CN" altLang="en-US" dirty="0"/>
+                <a:t>总积分</a:t>
+              </a:r>
+            </a:p>
+          </p:txBody>
+        </p:sp>
+        <p:cxnSp>
+          <p:nvCxnSpPr>
+            <p:cNvPr id="185" name="直接连接符 184">
+              <a:extLst>
+                <a:ext uri="{FF2B5EF4-FFF2-40B4-BE49-F238E27FC236}">
+                  <a16:creationId xmlns:a16="http://schemas.microsoft.com/office/drawing/2014/main" id="{EED89CF4-CF95-4888-86CD-5BAF62E0EEF8}"/>
+                </a:ext>
+              </a:extLst>
+            </p:cNvPr>
+            <p:cNvCxnSpPr>
+              <a:cxnSpLocks/>
+              <a:stCxn id="9" idx="0"/>
+              <a:endCxn id="184" idx="3"/>
+            </p:cNvCxnSpPr>
+            <p:nvPr/>
+          </p:nvCxnSpPr>
+          <p:spPr>
+            <a:xfrm flipV="1">
+              <a:off x="8582545" y="2482200"/>
+              <a:ext cx="456479" cy="251223"/>
+            </a:xfrm>
+            <a:prstGeom prst="line">
+              <a:avLst/>
+            </a:prstGeom>
+          </p:spPr>
+          <p:style>
+            <a:lnRef idx="1">
+              <a:schemeClr val="accent1"/>
+            </a:lnRef>
+            <a:fillRef idx="0">
+              <a:schemeClr val="accent1"/>
+            </a:fillRef>
+            <a:effectRef idx="0">
+              <a:schemeClr val="accent1"/>
+            </a:effectRef>
+            <a:fontRef idx="minor">
+              <a:schemeClr val="tx1"/>
+            </a:fontRef>
+          </p:style>
+        </p:cxnSp>
+      </p:grpSp>
+      <p:grpSp>
+        <p:nvGrpSpPr>
+          <p:cNvPr id="189" name="组合 188">
+            <a:extLst>
+              <a:ext uri="{FF2B5EF4-FFF2-40B4-BE49-F238E27FC236}">
+                <a16:creationId xmlns:a16="http://schemas.microsoft.com/office/drawing/2014/main" id="{A0A484BF-C9A3-40E8-9F38-BC856C26788D}"/>
+              </a:ext>
+            </a:extLst>
+          </p:cNvPr>
+          <p:cNvGrpSpPr/>
+          <p:nvPr/>
+        </p:nvGrpSpPr>
+        <p:grpSpPr>
+          <a:xfrm>
+            <a:off x="5274433" y="4954721"/>
+            <a:ext cx="1362067" cy="983475"/>
+            <a:chOff x="9355875" y="2007447"/>
+            <a:chExt cx="1362067" cy="983475"/>
+          </a:xfrm>
+        </p:grpSpPr>
+        <p:sp>
+          <p:nvSpPr>
+            <p:cNvPr id="190" name="椭圆 189">
+              <a:extLst>
+                <a:ext uri="{FF2B5EF4-FFF2-40B4-BE49-F238E27FC236}">
+                  <a16:creationId xmlns:a16="http://schemas.microsoft.com/office/drawing/2014/main" id="{9118D98B-20DA-455B-8567-61F33FD3AD28}"/>
+                </a:ext>
+              </a:extLst>
+            </p:cNvPr>
+            <p:cNvSpPr/>
+            <p:nvPr/>
+          </p:nvSpPr>
+          <p:spPr>
+            <a:xfrm>
+              <a:off x="9355875" y="2007447"/>
+              <a:ext cx="926581" cy="539516"/>
+            </a:xfrm>
+            <a:prstGeom prst="ellipse">
+              <a:avLst/>
+            </a:prstGeom>
+          </p:spPr>
+          <p:style>
+            <a:lnRef idx="2">
+              <a:schemeClr val="accent1">
+                <a:shade val="50000"/>
+              </a:schemeClr>
+            </a:lnRef>
+            <a:fillRef idx="1">
+              <a:schemeClr val="accent1"/>
+            </a:fillRef>
+            <a:effectRef idx="0">
+              <a:schemeClr val="accent1"/>
+            </a:effectRef>
+            <a:fontRef idx="minor">
+              <a:schemeClr val="lt1"/>
+            </a:fontRef>
+          </p:style>
+          <p:txBody>
+            <a:bodyPr rtlCol="0" anchor="ctr"/>
+            <a:lstStyle/>
+            <a:p>
+              <a:pPr algn="ctr"/>
+              <a:r>
+                <a:rPr lang="zh-CN" altLang="en-US" dirty="0"/>
+                <a:t>赢局次数</a:t>
+              </a:r>
+            </a:p>
+          </p:txBody>
+        </p:sp>
+        <p:cxnSp>
+          <p:nvCxnSpPr>
+            <p:cNvPr id="191" name="直接连接符 190">
+              <a:extLst>
+                <a:ext uri="{FF2B5EF4-FFF2-40B4-BE49-F238E27FC236}">
+                  <a16:creationId xmlns:a16="http://schemas.microsoft.com/office/drawing/2014/main" id="{D0C86A22-9EC0-4362-9BE5-BD77A41E2EE8}"/>
+                </a:ext>
+              </a:extLst>
+            </p:cNvPr>
+            <p:cNvCxnSpPr>
+              <a:cxnSpLocks/>
+              <a:stCxn id="9" idx="0"/>
+              <a:endCxn id="190" idx="6"/>
+            </p:cNvCxnSpPr>
+            <p:nvPr/>
+          </p:nvCxnSpPr>
+          <p:spPr>
+            <a:xfrm flipH="1" flipV="1">
+              <a:off x="10282456" y="2277205"/>
+              <a:ext cx="435486" cy="713717"/>
+            </a:xfrm>
+            <a:prstGeom prst="line">
+              <a:avLst/>
+            </a:prstGeom>
+          </p:spPr>
+          <p:style>
+            <a:lnRef idx="1">
+              <a:schemeClr val="accent1"/>
+            </a:lnRef>
+            <a:fillRef idx="0">
+              <a:schemeClr val="accent1"/>
+            </a:fillRef>
+            <a:effectRef idx="0">
+              <a:schemeClr val="accent1"/>
+            </a:effectRef>
+            <a:fontRef idx="minor">
+              <a:schemeClr val="tx1"/>
+            </a:fontRef>
+          </p:style>
+        </p:cxnSp>
+      </p:grpSp>
+      <p:grpSp>
+        <p:nvGrpSpPr>
+          <p:cNvPr id="194" name="组合 193">
+            <a:extLst>
+              <a:ext uri="{FF2B5EF4-FFF2-40B4-BE49-F238E27FC236}">
+                <a16:creationId xmlns:a16="http://schemas.microsoft.com/office/drawing/2014/main" id="{242E385D-D688-4946-BDA8-2C1AA95D825E}"/>
+              </a:ext>
+            </a:extLst>
+          </p:cNvPr>
+          <p:cNvGrpSpPr/>
+          <p:nvPr/>
+        </p:nvGrpSpPr>
+        <p:grpSpPr>
+          <a:xfrm>
+            <a:off x="6636500" y="5613302"/>
+            <a:ext cx="1988652" cy="539516"/>
+            <a:chOff x="7345642" y="2007447"/>
+            <a:chExt cx="1988652" cy="539516"/>
+          </a:xfrm>
+        </p:grpSpPr>
+        <p:sp>
+          <p:nvSpPr>
+            <p:cNvPr id="195" name="椭圆 194">
+              <a:extLst>
+                <a:ext uri="{FF2B5EF4-FFF2-40B4-BE49-F238E27FC236}">
+                  <a16:creationId xmlns:a16="http://schemas.microsoft.com/office/drawing/2014/main" id="{B2C55D86-7377-464E-B2A3-6EE04185E33A}"/>
+                </a:ext>
+              </a:extLst>
+            </p:cNvPr>
+            <p:cNvSpPr/>
+            <p:nvPr/>
+          </p:nvSpPr>
+          <p:spPr>
+            <a:xfrm>
+              <a:off x="8407713" y="2007447"/>
+              <a:ext cx="926581" cy="539516"/>
+            </a:xfrm>
+            <a:prstGeom prst="ellipse">
+              <a:avLst/>
+            </a:prstGeom>
+          </p:spPr>
+          <p:style>
+            <a:lnRef idx="2">
+              <a:schemeClr val="accent1">
+                <a:shade val="50000"/>
+              </a:schemeClr>
+            </a:lnRef>
+            <a:fillRef idx="1">
+              <a:schemeClr val="accent1"/>
+            </a:fillRef>
+            <a:effectRef idx="0">
+              <a:schemeClr val="accent1"/>
+            </a:effectRef>
+            <a:fontRef idx="minor">
+              <a:schemeClr val="lt1"/>
+            </a:fontRef>
+          </p:style>
+          <p:txBody>
+            <a:bodyPr rtlCol="0" anchor="ctr"/>
+            <a:lstStyle/>
+            <a:p>
+              <a:pPr algn="ctr"/>
+              <a:r>
+                <a:rPr lang="zh-CN" altLang="en-US" dirty="0"/>
+                <a:t>输局次数</a:t>
+              </a:r>
+            </a:p>
+          </p:txBody>
+        </p:sp>
+        <p:cxnSp>
+          <p:nvCxnSpPr>
+            <p:cNvPr id="196" name="直接连接符 195">
+              <a:extLst>
+                <a:ext uri="{FF2B5EF4-FFF2-40B4-BE49-F238E27FC236}">
+                  <a16:creationId xmlns:a16="http://schemas.microsoft.com/office/drawing/2014/main" id="{3879C9F6-54F3-41B1-A1EE-1CC2A385300F}"/>
+                </a:ext>
+              </a:extLst>
+            </p:cNvPr>
+            <p:cNvCxnSpPr>
+              <a:cxnSpLocks/>
+              <a:stCxn id="9" idx="0"/>
+              <a:endCxn id="195" idx="2"/>
+            </p:cNvCxnSpPr>
+            <p:nvPr/>
+          </p:nvCxnSpPr>
+          <p:spPr>
+            <a:xfrm flipV="1">
+              <a:off x="7345642" y="2277205"/>
+              <a:ext cx="1062071" cy="55136"/>
+            </a:xfrm>
+            <a:prstGeom prst="line">
+              <a:avLst/>
+            </a:prstGeom>
+          </p:spPr>
+          <p:style>
+            <a:lnRef idx="1">
+              <a:schemeClr val="accent1"/>
+            </a:lnRef>
+            <a:fillRef idx="0">
+              <a:schemeClr val="accent1"/>
+            </a:fillRef>
+            <a:effectRef idx="0">
+              <a:schemeClr val="accent1"/>
+            </a:effectRef>
+            <a:fontRef idx="minor">
+              <a:schemeClr val="tx1"/>
+            </a:fontRef>
+          </p:style>
+        </p:cxnSp>
+      </p:grpSp>
+      <p:grpSp>
+        <p:nvGrpSpPr>
+          <p:cNvPr id="200" name="组合 199">
+            <a:extLst>
+              <a:ext uri="{FF2B5EF4-FFF2-40B4-BE49-F238E27FC236}">
+                <a16:creationId xmlns:a16="http://schemas.microsoft.com/office/drawing/2014/main" id="{55531C34-ABA7-4D48-9F9C-FA928AEF33AC}"/>
+              </a:ext>
+            </a:extLst>
+          </p:cNvPr>
+          <p:cNvGrpSpPr/>
+          <p:nvPr/>
+        </p:nvGrpSpPr>
+        <p:grpSpPr>
+          <a:xfrm>
+            <a:off x="7216722" y="75347"/>
+            <a:ext cx="1332105" cy="539516"/>
+            <a:chOff x="6851676" y="1729093"/>
+            <a:chExt cx="1332105" cy="539516"/>
+          </a:xfrm>
+        </p:grpSpPr>
+        <p:sp>
+          <p:nvSpPr>
+            <p:cNvPr id="201" name="椭圆 200">
+              <a:extLst>
+                <a:ext uri="{FF2B5EF4-FFF2-40B4-BE49-F238E27FC236}">
+                  <a16:creationId xmlns:a16="http://schemas.microsoft.com/office/drawing/2014/main" id="{76C4059C-090A-48EB-A6EE-E345C7D3E6BF}"/>
+                </a:ext>
+              </a:extLst>
+            </p:cNvPr>
+            <p:cNvSpPr/>
+            <p:nvPr/>
+          </p:nvSpPr>
+          <p:spPr>
+            <a:xfrm>
+              <a:off x="7257200" y="1729093"/>
+              <a:ext cx="926581" cy="539516"/>
+            </a:xfrm>
+            <a:prstGeom prst="ellipse">
+              <a:avLst/>
+            </a:prstGeom>
+          </p:spPr>
+          <p:style>
+            <a:lnRef idx="2">
+              <a:schemeClr val="accent1">
+                <a:shade val="50000"/>
+              </a:schemeClr>
+            </a:lnRef>
+            <a:fillRef idx="1">
+              <a:schemeClr val="accent1"/>
+            </a:fillRef>
+            <a:effectRef idx="0">
+              <a:schemeClr val="accent1"/>
+            </a:effectRef>
+            <a:fontRef idx="minor">
+              <a:schemeClr val="lt1"/>
+            </a:fontRef>
+          </p:style>
+          <p:txBody>
+            <a:bodyPr rtlCol="0" anchor="ctr"/>
+            <a:lstStyle/>
+            <a:p>
+              <a:pPr algn="ctr"/>
+              <a:r>
+                <a:rPr lang="zh-CN" altLang="en-US" dirty="0"/>
+                <a:t>留言序号</a:t>
+              </a:r>
+            </a:p>
+          </p:txBody>
+        </p:sp>
+        <p:cxnSp>
+          <p:nvCxnSpPr>
+            <p:cNvPr id="202" name="直接连接符 201">
+              <a:extLst>
+                <a:ext uri="{FF2B5EF4-FFF2-40B4-BE49-F238E27FC236}">
+                  <a16:creationId xmlns:a16="http://schemas.microsoft.com/office/drawing/2014/main" id="{CDCA9FD3-03F0-4C1E-ADCF-02B9E5D401B0}"/>
+                </a:ext>
+              </a:extLst>
+            </p:cNvPr>
+            <p:cNvCxnSpPr>
+              <a:cxnSpLocks/>
+              <a:stCxn id="11" idx="3"/>
+              <a:endCxn id="201" idx="2"/>
+            </p:cNvCxnSpPr>
+            <p:nvPr/>
+          </p:nvCxnSpPr>
+          <p:spPr>
+            <a:xfrm flipV="1">
+              <a:off x="6851676" y="1998851"/>
+              <a:ext cx="405524" cy="120877"/>
+            </a:xfrm>
+            <a:prstGeom prst="line">
+              <a:avLst/>
+            </a:prstGeom>
+          </p:spPr>
+          <p:style>
+            <a:lnRef idx="1">
+              <a:schemeClr val="accent1"/>
+            </a:lnRef>
+            <a:fillRef idx="0">
+              <a:schemeClr val="accent1"/>
+            </a:fillRef>
+            <a:effectRef idx="0">
+              <a:schemeClr val="accent1"/>
+            </a:effectRef>
+            <a:fontRef idx="minor">
+              <a:schemeClr val="tx1"/>
+            </a:fontRef>
+          </p:style>
+        </p:cxnSp>
+      </p:grpSp>
+      <p:grpSp>
+        <p:nvGrpSpPr>
+          <p:cNvPr id="212" name="组合 211">
+            <a:extLst>
+              <a:ext uri="{FF2B5EF4-FFF2-40B4-BE49-F238E27FC236}">
+                <a16:creationId xmlns:a16="http://schemas.microsoft.com/office/drawing/2014/main" id="{EBE6CE8A-A31F-4791-A2D3-C12C6C062E63}"/>
+              </a:ext>
+            </a:extLst>
+          </p:cNvPr>
+          <p:cNvGrpSpPr/>
+          <p:nvPr/>
+        </p:nvGrpSpPr>
+        <p:grpSpPr>
+          <a:xfrm>
+            <a:off x="7216722" y="465982"/>
+            <a:ext cx="1619945" cy="795844"/>
+            <a:chOff x="6563836" y="1472765"/>
+            <a:chExt cx="1619945" cy="795844"/>
+          </a:xfrm>
+        </p:grpSpPr>
+        <p:sp>
+          <p:nvSpPr>
+            <p:cNvPr id="213" name="椭圆 212">
+              <a:extLst>
+                <a:ext uri="{FF2B5EF4-FFF2-40B4-BE49-F238E27FC236}">
+                  <a16:creationId xmlns:a16="http://schemas.microsoft.com/office/drawing/2014/main" id="{3F17A969-E5A0-4417-A265-E9CD5AFF1F6B}"/>
+                </a:ext>
+              </a:extLst>
+            </p:cNvPr>
+            <p:cNvSpPr/>
+            <p:nvPr/>
+          </p:nvSpPr>
+          <p:spPr>
+            <a:xfrm>
+              <a:off x="7257200" y="1729093"/>
+              <a:ext cx="926581" cy="539516"/>
+            </a:xfrm>
+            <a:prstGeom prst="ellipse">
+              <a:avLst/>
+            </a:prstGeom>
+          </p:spPr>
+          <p:style>
+            <a:lnRef idx="2">
+              <a:schemeClr val="accent1">
+                <a:shade val="50000"/>
+              </a:schemeClr>
+            </a:lnRef>
+            <a:fillRef idx="1">
+              <a:schemeClr val="accent1"/>
+            </a:fillRef>
+            <a:effectRef idx="0">
+              <a:schemeClr val="accent1"/>
+            </a:effectRef>
+            <a:fontRef idx="minor">
+              <a:schemeClr val="lt1"/>
+            </a:fontRef>
+          </p:style>
+          <p:txBody>
+            <a:bodyPr rtlCol="0" anchor="ctr"/>
+            <a:lstStyle/>
+            <a:p>
+              <a:pPr algn="ctr"/>
+              <a:r>
+                <a:rPr lang="zh-CN" altLang="en-US" dirty="0"/>
+                <a:t>留言人</a:t>
+              </a:r>
+            </a:p>
+          </p:txBody>
+        </p:sp>
+        <p:cxnSp>
+          <p:nvCxnSpPr>
+            <p:cNvPr id="214" name="直接连接符 213">
+              <a:extLst>
+                <a:ext uri="{FF2B5EF4-FFF2-40B4-BE49-F238E27FC236}">
+                  <a16:creationId xmlns:a16="http://schemas.microsoft.com/office/drawing/2014/main" id="{CBD2B078-34AB-4D0B-AB0B-4AD21D40EDF4}"/>
+                </a:ext>
+              </a:extLst>
+            </p:cNvPr>
+            <p:cNvCxnSpPr>
+              <a:cxnSpLocks/>
+              <a:stCxn id="11" idx="3"/>
+              <a:endCxn id="213" idx="2"/>
+            </p:cNvCxnSpPr>
+            <p:nvPr/>
+          </p:nvCxnSpPr>
+          <p:spPr>
+            <a:xfrm>
+              <a:off x="6563836" y="1472765"/>
+              <a:ext cx="693364" cy="526086"/>
+            </a:xfrm>
+            <a:prstGeom prst="line">
+              <a:avLst/>
+            </a:prstGeom>
+          </p:spPr>
+          <p:style>
+            <a:lnRef idx="1">
+              <a:schemeClr val="accent1"/>
+            </a:lnRef>
+            <a:fillRef idx="0">
+              <a:schemeClr val="accent1"/>
+            </a:fillRef>
+            <a:effectRef idx="0">
+              <a:schemeClr val="accent1"/>
+            </a:effectRef>
+            <a:fontRef idx="minor">
+              <a:schemeClr val="tx1"/>
+            </a:fontRef>
+          </p:style>
+        </p:cxnSp>
+      </p:grpSp>
+      <p:grpSp>
+        <p:nvGrpSpPr>
+          <p:cNvPr id="228" name="组合 227">
+            <a:extLst>
+              <a:ext uri="{FF2B5EF4-FFF2-40B4-BE49-F238E27FC236}">
+                <a16:creationId xmlns:a16="http://schemas.microsoft.com/office/drawing/2014/main" id="{F6731198-7728-4678-9239-C320EE3B1605}"/>
+              </a:ext>
+            </a:extLst>
+          </p:cNvPr>
+          <p:cNvGrpSpPr/>
+          <p:nvPr/>
+        </p:nvGrpSpPr>
+        <p:grpSpPr>
+          <a:xfrm>
+            <a:off x="122624" y="2027261"/>
+            <a:ext cx="1361017" cy="795369"/>
+            <a:chOff x="7289811" y="1596035"/>
+            <a:chExt cx="1361017" cy="795369"/>
+          </a:xfrm>
+        </p:grpSpPr>
+        <p:sp>
+          <p:nvSpPr>
+            <p:cNvPr id="229" name="椭圆 228">
+              <a:extLst>
+                <a:ext uri="{FF2B5EF4-FFF2-40B4-BE49-F238E27FC236}">
+                  <a16:creationId xmlns:a16="http://schemas.microsoft.com/office/drawing/2014/main" id="{B072D08B-7FF9-4BF4-B7E3-AB826B3B1CC6}"/>
+                </a:ext>
+              </a:extLst>
+            </p:cNvPr>
+            <p:cNvSpPr/>
+            <p:nvPr/>
+          </p:nvSpPr>
+          <p:spPr>
+            <a:xfrm>
+              <a:off x="7289811" y="1851888"/>
+              <a:ext cx="1361017" cy="539516"/>
+            </a:xfrm>
+            <a:prstGeom prst="ellipse">
+              <a:avLst/>
+            </a:prstGeom>
+          </p:spPr>
+          <p:style>
+            <a:lnRef idx="2">
+              <a:schemeClr val="accent1">
+                <a:shade val="50000"/>
+              </a:schemeClr>
+            </a:lnRef>
+            <a:fillRef idx="1">
+              <a:schemeClr val="accent1"/>
+            </a:fillRef>
+            <a:effectRef idx="0">
+              <a:schemeClr val="accent1"/>
+            </a:effectRef>
+            <a:fontRef idx="minor">
+              <a:schemeClr val="lt1"/>
+            </a:fontRef>
+          </p:style>
+          <p:txBody>
+            <a:bodyPr rtlCol="0" anchor="ctr"/>
+            <a:lstStyle/>
+            <a:p>
+              <a:pPr algn="ctr"/>
+              <a:r>
+                <a:rPr lang="zh-CN" altLang="en-US" dirty="0"/>
+                <a:t>管理员邮箱</a:t>
+              </a:r>
+            </a:p>
+          </p:txBody>
+        </p:sp>
+        <p:cxnSp>
+          <p:nvCxnSpPr>
+            <p:cNvPr id="230" name="直接连接符 229">
+              <a:extLst>
+                <a:ext uri="{FF2B5EF4-FFF2-40B4-BE49-F238E27FC236}">
+                  <a16:creationId xmlns:a16="http://schemas.microsoft.com/office/drawing/2014/main" id="{1887DE9A-9864-4F3D-89F1-CE4CEA134500}"/>
+                </a:ext>
+              </a:extLst>
+            </p:cNvPr>
+            <p:cNvCxnSpPr>
+              <a:cxnSpLocks/>
+              <a:stCxn id="229" idx="0"/>
+              <a:endCxn id="14" idx="2"/>
+            </p:cNvCxnSpPr>
+            <p:nvPr/>
+          </p:nvCxnSpPr>
+          <p:spPr>
+            <a:xfrm flipV="1">
+              <a:off x="7970320" y="1596035"/>
+              <a:ext cx="221538" cy="255853"/>
+            </a:xfrm>
+            <a:prstGeom prst="line">
+              <a:avLst/>
+            </a:prstGeom>
+          </p:spPr>
+          <p:style>
+            <a:lnRef idx="1">
+              <a:schemeClr val="accent1"/>
+            </a:lnRef>
+            <a:fillRef idx="0">
+              <a:schemeClr val="accent1"/>
+            </a:fillRef>
+            <a:effectRef idx="0">
+              <a:schemeClr val="accent1"/>
+            </a:effectRef>
+            <a:fontRef idx="minor">
+              <a:schemeClr val="tx1"/>
+            </a:fontRef>
+          </p:style>
+        </p:cxnSp>
+      </p:grpSp>
+      <p:grpSp>
+        <p:nvGrpSpPr>
+          <p:cNvPr id="238" name="组合 237">
+            <a:extLst>
+              <a:ext uri="{FF2B5EF4-FFF2-40B4-BE49-F238E27FC236}">
+                <a16:creationId xmlns:a16="http://schemas.microsoft.com/office/drawing/2014/main" id="{57F9120C-601F-4681-9109-D3E0B2738D9D}"/>
+              </a:ext>
+            </a:extLst>
+          </p:cNvPr>
+          <p:cNvGrpSpPr/>
+          <p:nvPr/>
+        </p:nvGrpSpPr>
+        <p:grpSpPr>
+          <a:xfrm>
+            <a:off x="1024671" y="1226401"/>
+            <a:ext cx="2265911" cy="800860"/>
+            <a:chOff x="7003369" y="274115"/>
+            <a:chExt cx="2265911" cy="800860"/>
+          </a:xfrm>
+        </p:grpSpPr>
+        <p:sp>
+          <p:nvSpPr>
+            <p:cNvPr id="239" name="椭圆 238">
+              <a:extLst>
+                <a:ext uri="{FF2B5EF4-FFF2-40B4-BE49-F238E27FC236}">
+                  <a16:creationId xmlns:a16="http://schemas.microsoft.com/office/drawing/2014/main" id="{0455012D-4AF7-49FB-A4B1-CB9A22BF087D}"/>
+                </a:ext>
+              </a:extLst>
+            </p:cNvPr>
+            <p:cNvSpPr/>
+            <p:nvPr/>
+          </p:nvSpPr>
+          <p:spPr>
+            <a:xfrm>
+              <a:off x="7908263" y="274115"/>
+              <a:ext cx="1361017" cy="539516"/>
+            </a:xfrm>
+            <a:prstGeom prst="ellipse">
+              <a:avLst/>
+            </a:prstGeom>
+          </p:spPr>
+          <p:style>
+            <a:lnRef idx="2">
+              <a:schemeClr val="accent1">
+                <a:shade val="50000"/>
+              </a:schemeClr>
+            </a:lnRef>
+            <a:fillRef idx="1">
+              <a:schemeClr val="accent1"/>
+            </a:fillRef>
+            <a:effectRef idx="0">
+              <a:schemeClr val="accent1"/>
+            </a:effectRef>
+            <a:fontRef idx="minor">
+              <a:schemeClr val="lt1"/>
+            </a:fontRef>
+          </p:style>
+          <p:txBody>
+            <a:bodyPr rtlCol="0" anchor="ctr"/>
+            <a:lstStyle/>
+            <a:p>
+              <a:pPr algn="ctr"/>
+              <a:r>
+                <a:rPr lang="zh-CN" altLang="en-US" dirty="0"/>
+                <a:t>管理员序号</a:t>
+              </a:r>
+            </a:p>
+          </p:txBody>
+        </p:sp>
+        <p:cxnSp>
+          <p:nvCxnSpPr>
+            <p:cNvPr id="240" name="直接连接符 239">
+              <a:extLst>
+                <a:ext uri="{FF2B5EF4-FFF2-40B4-BE49-F238E27FC236}">
+                  <a16:creationId xmlns:a16="http://schemas.microsoft.com/office/drawing/2014/main" id="{DD227A1F-68CD-401E-AB6C-BD587B02BC1A}"/>
+                </a:ext>
+              </a:extLst>
+            </p:cNvPr>
+            <p:cNvCxnSpPr>
+              <a:cxnSpLocks/>
+              <a:stCxn id="239" idx="2"/>
+              <a:endCxn id="14" idx="2"/>
+            </p:cNvCxnSpPr>
+            <p:nvPr/>
+          </p:nvCxnSpPr>
+          <p:spPr>
+            <a:xfrm flipH="1">
+              <a:off x="7003369" y="543873"/>
+              <a:ext cx="904894" cy="531102"/>
+            </a:xfrm>
+            <a:prstGeom prst="line">
+              <a:avLst/>
+            </a:prstGeom>
+          </p:spPr>
+          <p:style>
+            <a:lnRef idx="1">
+              <a:schemeClr val="accent1"/>
+            </a:lnRef>
+            <a:fillRef idx="0">
+              <a:schemeClr val="accent1"/>
+            </a:fillRef>
+            <a:effectRef idx="0">
+              <a:schemeClr val="accent1"/>
+            </a:effectRef>
+            <a:fontRef idx="minor">
+              <a:schemeClr val="tx1"/>
+            </a:fontRef>
+          </p:style>
+        </p:cxnSp>
+      </p:grpSp>
+      <p:grpSp>
+        <p:nvGrpSpPr>
+          <p:cNvPr id="247" name="组合 246">
+            <a:extLst>
+              <a:ext uri="{FF2B5EF4-FFF2-40B4-BE49-F238E27FC236}">
+                <a16:creationId xmlns:a16="http://schemas.microsoft.com/office/drawing/2014/main" id="{C2CA23D4-1A95-47AA-BEEF-E9BD16C0A105}"/>
+              </a:ext>
+            </a:extLst>
+          </p:cNvPr>
+          <p:cNvGrpSpPr/>
+          <p:nvPr/>
+        </p:nvGrpSpPr>
+        <p:grpSpPr>
+          <a:xfrm>
+            <a:off x="1572606" y="1733347"/>
+            <a:ext cx="1706569" cy="662801"/>
+            <a:chOff x="7708419" y="928122"/>
+            <a:chExt cx="1706569" cy="662801"/>
+          </a:xfrm>
+        </p:grpSpPr>
+        <p:sp>
+          <p:nvSpPr>
+            <p:cNvPr id="248" name="椭圆 247">
+              <a:extLst>
+                <a:ext uri="{FF2B5EF4-FFF2-40B4-BE49-F238E27FC236}">
+                  <a16:creationId xmlns:a16="http://schemas.microsoft.com/office/drawing/2014/main" id="{86F6E656-1CAE-4A81-AB52-9D6F5725AB80}"/>
+                </a:ext>
+              </a:extLst>
+            </p:cNvPr>
+            <p:cNvSpPr/>
+            <p:nvPr/>
+          </p:nvSpPr>
+          <p:spPr>
+            <a:xfrm>
+              <a:off x="8053971" y="1051407"/>
+              <a:ext cx="1361017" cy="539516"/>
+            </a:xfrm>
+            <a:prstGeom prst="ellipse">
+              <a:avLst/>
+            </a:prstGeom>
+          </p:spPr>
+          <p:style>
+            <a:lnRef idx="2">
+              <a:schemeClr val="accent1">
+                <a:shade val="50000"/>
+              </a:schemeClr>
+            </a:lnRef>
+            <a:fillRef idx="1">
+              <a:schemeClr val="accent1"/>
+            </a:fillRef>
+            <a:effectRef idx="0">
+              <a:schemeClr val="accent1"/>
+            </a:effectRef>
+            <a:fontRef idx="minor">
+              <a:schemeClr val="lt1"/>
+            </a:fontRef>
+          </p:style>
+          <p:txBody>
+            <a:bodyPr rtlCol="0" anchor="ctr"/>
+            <a:lstStyle/>
+            <a:p>
+              <a:pPr algn="ctr"/>
+              <a:r>
+                <a:rPr lang="zh-CN" altLang="en-US" dirty="0"/>
+                <a:t>管理员名字</a:t>
+              </a:r>
+            </a:p>
+          </p:txBody>
+        </p:sp>
+        <p:cxnSp>
+          <p:nvCxnSpPr>
+            <p:cNvPr id="249" name="直接连接符 248">
+              <a:extLst>
+                <a:ext uri="{FF2B5EF4-FFF2-40B4-BE49-F238E27FC236}">
+                  <a16:creationId xmlns:a16="http://schemas.microsoft.com/office/drawing/2014/main" id="{47DCA431-4ADD-49E5-B069-D5E1DA49E6E3}"/>
+                </a:ext>
+              </a:extLst>
+            </p:cNvPr>
+            <p:cNvCxnSpPr>
+              <a:cxnSpLocks/>
+              <a:stCxn id="248" idx="1"/>
+              <a:endCxn id="14" idx="3"/>
+            </p:cNvCxnSpPr>
+            <p:nvPr/>
+          </p:nvCxnSpPr>
+          <p:spPr>
+            <a:xfrm flipH="1" flipV="1">
+              <a:off x="7708419" y="928122"/>
+              <a:ext cx="544868" cy="202295"/>
+            </a:xfrm>
+            <a:prstGeom prst="line">
+              <a:avLst/>
+            </a:prstGeom>
+          </p:spPr>
+          <p:style>
+            <a:lnRef idx="1">
+              <a:schemeClr val="accent1"/>
+            </a:lnRef>
+            <a:fillRef idx="0">
+              <a:schemeClr val="accent1"/>
+            </a:fillRef>
+            <a:effectRef idx="0">
+              <a:schemeClr val="accent1"/>
+            </a:effectRef>
+            <a:fontRef idx="minor">
+              <a:schemeClr val="tx1"/>
+            </a:fontRef>
+          </p:style>
+        </p:cxnSp>
+      </p:grpSp>
+      <p:grpSp>
+        <p:nvGrpSpPr>
+          <p:cNvPr id="253" name="组合 252">
+            <a:extLst>
+              <a:ext uri="{FF2B5EF4-FFF2-40B4-BE49-F238E27FC236}">
+                <a16:creationId xmlns:a16="http://schemas.microsoft.com/office/drawing/2014/main" id="{1D25F3AF-D130-4757-AB5A-828176908D54}"/>
+              </a:ext>
+            </a:extLst>
+          </p:cNvPr>
+          <p:cNvGrpSpPr/>
+          <p:nvPr/>
+        </p:nvGrpSpPr>
+        <p:grpSpPr>
+          <a:xfrm>
+            <a:off x="183272" y="481513"/>
+            <a:ext cx="1361017" cy="957920"/>
+            <a:chOff x="7289811" y="1851888"/>
+            <a:chExt cx="1361017" cy="957920"/>
+          </a:xfrm>
+        </p:grpSpPr>
+        <p:sp>
+          <p:nvSpPr>
+            <p:cNvPr id="254" name="椭圆 253">
+              <a:extLst>
+                <a:ext uri="{FF2B5EF4-FFF2-40B4-BE49-F238E27FC236}">
+                  <a16:creationId xmlns:a16="http://schemas.microsoft.com/office/drawing/2014/main" id="{1AB04052-8786-48DD-A4DC-B985E08E7F8D}"/>
+                </a:ext>
+              </a:extLst>
+            </p:cNvPr>
+            <p:cNvSpPr/>
+            <p:nvPr/>
+          </p:nvSpPr>
+          <p:spPr>
+            <a:xfrm>
+              <a:off x="7289811" y="1851888"/>
+              <a:ext cx="1361017" cy="539516"/>
+            </a:xfrm>
+            <a:prstGeom prst="ellipse">
+              <a:avLst/>
+            </a:prstGeom>
+          </p:spPr>
+          <p:style>
+            <a:lnRef idx="2">
+              <a:schemeClr val="accent1">
+                <a:shade val="50000"/>
+              </a:schemeClr>
+            </a:lnRef>
+            <a:fillRef idx="1">
+              <a:schemeClr val="accent1"/>
+            </a:fillRef>
+            <a:effectRef idx="0">
+              <a:schemeClr val="accent1"/>
+            </a:effectRef>
+            <a:fontRef idx="minor">
+              <a:schemeClr val="lt1"/>
+            </a:fontRef>
+          </p:style>
+          <p:txBody>
+            <a:bodyPr rtlCol="0" anchor="ctr"/>
+            <a:lstStyle/>
+            <a:p>
+              <a:pPr algn="ctr"/>
+              <a:r>
+                <a:rPr lang="zh-CN" altLang="en-US" dirty="0"/>
+                <a:t>管理员密码</a:t>
+              </a:r>
+            </a:p>
+          </p:txBody>
+        </p:sp>
+        <p:cxnSp>
+          <p:nvCxnSpPr>
+            <p:cNvPr id="255" name="直接连接符 254">
+              <a:extLst>
+                <a:ext uri="{FF2B5EF4-FFF2-40B4-BE49-F238E27FC236}">
+                  <a16:creationId xmlns:a16="http://schemas.microsoft.com/office/drawing/2014/main" id="{DC9BF5E8-1F85-48AC-8BCF-6E38A731DCA3}"/>
+                </a:ext>
+              </a:extLst>
+            </p:cNvPr>
+            <p:cNvCxnSpPr>
+              <a:cxnSpLocks/>
+              <a:stCxn id="14" idx="0"/>
+              <a:endCxn id="254" idx="4"/>
+            </p:cNvCxnSpPr>
+            <p:nvPr/>
+          </p:nvCxnSpPr>
+          <p:spPr>
+            <a:xfrm flipH="1" flipV="1">
+              <a:off x="7970320" y="2391404"/>
+              <a:ext cx="160890" cy="418404"/>
+            </a:xfrm>
+            <a:prstGeom prst="line">
+              <a:avLst/>
+            </a:prstGeom>
+          </p:spPr>
+          <p:style>
+            <a:lnRef idx="1">
+              <a:schemeClr val="accent1"/>
+            </a:lnRef>
+            <a:fillRef idx="0">
+              <a:schemeClr val="accent1"/>
+            </a:fillRef>
+            <a:effectRef idx="0">
+              <a:schemeClr val="accent1"/>
+            </a:effectRef>
+            <a:fontRef idx="minor">
+              <a:schemeClr val="tx1"/>
+            </a:fontRef>
+          </p:style>
+        </p:cxnSp>
+      </p:grpSp>
+      <p:grpSp>
+        <p:nvGrpSpPr>
+          <p:cNvPr id="259" name="组合 258">
+            <a:extLst>
+              <a:ext uri="{FF2B5EF4-FFF2-40B4-BE49-F238E27FC236}">
+                <a16:creationId xmlns:a16="http://schemas.microsoft.com/office/drawing/2014/main" id="{28CD146D-049D-4415-AC2A-E50A86EE4812}"/>
+              </a:ext>
+            </a:extLst>
+          </p:cNvPr>
+          <p:cNvGrpSpPr/>
+          <p:nvPr/>
+        </p:nvGrpSpPr>
+        <p:grpSpPr>
+          <a:xfrm>
+            <a:off x="63789" y="5191877"/>
+            <a:ext cx="1508818" cy="773581"/>
+            <a:chOff x="7232122" y="3005254"/>
+            <a:chExt cx="1508818" cy="773581"/>
+          </a:xfrm>
+        </p:grpSpPr>
+        <p:sp>
+          <p:nvSpPr>
+            <p:cNvPr id="260" name="椭圆 259">
+              <a:extLst>
+                <a:ext uri="{FF2B5EF4-FFF2-40B4-BE49-F238E27FC236}">
+                  <a16:creationId xmlns:a16="http://schemas.microsoft.com/office/drawing/2014/main" id="{3B81BC27-9F98-46E8-9B06-48F784D5E591}"/>
+                </a:ext>
+              </a:extLst>
+            </p:cNvPr>
+            <p:cNvSpPr/>
+            <p:nvPr/>
+          </p:nvSpPr>
+          <p:spPr>
+            <a:xfrm>
+              <a:off x="7232122" y="3005254"/>
+              <a:ext cx="926581" cy="539516"/>
+            </a:xfrm>
+            <a:prstGeom prst="ellipse">
+              <a:avLst/>
+            </a:prstGeom>
+          </p:spPr>
+          <p:style>
+            <a:lnRef idx="2">
+              <a:schemeClr val="accent1">
+                <a:shade val="50000"/>
+              </a:schemeClr>
+            </a:lnRef>
+            <a:fillRef idx="1">
+              <a:schemeClr val="accent1"/>
+            </a:fillRef>
+            <a:effectRef idx="0">
+              <a:schemeClr val="accent1"/>
+            </a:effectRef>
+            <a:fontRef idx="minor">
+              <a:schemeClr val="lt1"/>
+            </a:fontRef>
+          </p:style>
+          <p:txBody>
+            <a:bodyPr rtlCol="0" anchor="ctr"/>
+            <a:lstStyle/>
+            <a:p>
+              <a:pPr algn="ctr"/>
+              <a:r>
+                <a:rPr lang="zh-CN" altLang="en-US" dirty="0"/>
+                <a:t>段位</a:t>
+              </a:r>
+            </a:p>
+          </p:txBody>
+        </p:sp>
+        <p:cxnSp>
+          <p:nvCxnSpPr>
+            <p:cNvPr id="261" name="直接连接符 260">
+              <a:extLst>
+                <a:ext uri="{FF2B5EF4-FFF2-40B4-BE49-F238E27FC236}">
+                  <a16:creationId xmlns:a16="http://schemas.microsoft.com/office/drawing/2014/main" id="{9FFABA43-EFFD-4786-91DE-273E9241B456}"/>
+                </a:ext>
+              </a:extLst>
+            </p:cNvPr>
+            <p:cNvCxnSpPr>
+              <a:cxnSpLocks/>
+              <a:stCxn id="260" idx="4"/>
+              <a:endCxn id="15" idx="0"/>
+            </p:cNvCxnSpPr>
+            <p:nvPr/>
+          </p:nvCxnSpPr>
+          <p:spPr>
+            <a:xfrm>
+              <a:off x="7695413" y="3544770"/>
+              <a:ext cx="1045527" cy="234065"/>
+            </a:xfrm>
+            <a:prstGeom prst="line">
+              <a:avLst/>
+            </a:prstGeom>
+          </p:spPr>
+          <p:style>
+            <a:lnRef idx="1">
+              <a:schemeClr val="accent1"/>
+            </a:lnRef>
+            <a:fillRef idx="0">
+              <a:schemeClr val="accent1"/>
+            </a:fillRef>
+            <a:effectRef idx="0">
+              <a:schemeClr val="accent1"/>
+            </a:effectRef>
+            <a:fontRef idx="minor">
+              <a:schemeClr val="tx1"/>
+            </a:fontRef>
+          </p:style>
+        </p:cxnSp>
+      </p:grpSp>
+      <p:grpSp>
+        <p:nvGrpSpPr>
+          <p:cNvPr id="265" name="组合 264">
+            <a:extLst>
+              <a:ext uri="{FF2B5EF4-FFF2-40B4-BE49-F238E27FC236}">
+                <a16:creationId xmlns:a16="http://schemas.microsoft.com/office/drawing/2014/main" id="{7450480E-3D95-4F2A-A107-DD52E53661AB}"/>
+              </a:ext>
+            </a:extLst>
+          </p:cNvPr>
+          <p:cNvGrpSpPr/>
+          <p:nvPr/>
+        </p:nvGrpSpPr>
+        <p:grpSpPr>
+          <a:xfrm>
+            <a:off x="1080998" y="5264668"/>
+            <a:ext cx="926581" cy="700790"/>
+            <a:chOff x="7198843" y="3600729"/>
+            <a:chExt cx="926581" cy="700790"/>
+          </a:xfrm>
+        </p:grpSpPr>
+        <p:sp>
+          <p:nvSpPr>
+            <p:cNvPr id="266" name="椭圆 265">
+              <a:extLst>
+                <a:ext uri="{FF2B5EF4-FFF2-40B4-BE49-F238E27FC236}">
+                  <a16:creationId xmlns:a16="http://schemas.microsoft.com/office/drawing/2014/main" id="{1CB08473-A1F9-4D7C-A08B-D20F03F2ECF3}"/>
+                </a:ext>
+              </a:extLst>
+            </p:cNvPr>
+            <p:cNvSpPr/>
+            <p:nvPr/>
+          </p:nvSpPr>
+          <p:spPr>
+            <a:xfrm>
+              <a:off x="7198843" y="3600729"/>
+              <a:ext cx="926581" cy="539516"/>
+            </a:xfrm>
+            <a:prstGeom prst="ellipse">
+              <a:avLst/>
+            </a:prstGeom>
+          </p:spPr>
+          <p:style>
+            <a:lnRef idx="2">
+              <a:schemeClr val="accent1">
+                <a:shade val="50000"/>
+              </a:schemeClr>
+            </a:lnRef>
+            <a:fillRef idx="1">
+              <a:schemeClr val="accent1"/>
+            </a:fillRef>
+            <a:effectRef idx="0">
+              <a:schemeClr val="accent1"/>
+            </a:effectRef>
+            <a:fontRef idx="minor">
+              <a:schemeClr val="lt1"/>
+            </a:fontRef>
+          </p:style>
+          <p:txBody>
+            <a:bodyPr rtlCol="0" anchor="ctr"/>
+            <a:lstStyle/>
+            <a:p>
+              <a:pPr algn="ctr"/>
+              <a:r>
+                <a:rPr lang="zh-CN" altLang="en-US" dirty="0"/>
+                <a:t>起始积分</a:t>
+              </a:r>
+            </a:p>
+          </p:txBody>
+        </p:sp>
+        <p:cxnSp>
+          <p:nvCxnSpPr>
+            <p:cNvPr id="267" name="直接连接符 266">
+              <a:extLst>
+                <a:ext uri="{FF2B5EF4-FFF2-40B4-BE49-F238E27FC236}">
+                  <a16:creationId xmlns:a16="http://schemas.microsoft.com/office/drawing/2014/main" id="{192272E6-EECA-489B-BB59-F7B97A658786}"/>
+                </a:ext>
+              </a:extLst>
+            </p:cNvPr>
+            <p:cNvCxnSpPr>
+              <a:cxnSpLocks/>
+              <a:stCxn id="266" idx="4"/>
+              <a:endCxn id="15" idx="0"/>
+            </p:cNvCxnSpPr>
+            <p:nvPr/>
+          </p:nvCxnSpPr>
+          <p:spPr>
+            <a:xfrm>
+              <a:off x="7662134" y="4140245"/>
+              <a:ext cx="28318" cy="161274"/>
+            </a:xfrm>
+            <a:prstGeom prst="line">
+              <a:avLst/>
+            </a:prstGeom>
+          </p:spPr>
+          <p:style>
+            <a:lnRef idx="1">
+              <a:schemeClr val="accent1"/>
+            </a:lnRef>
+            <a:fillRef idx="0">
+              <a:schemeClr val="accent1"/>
+            </a:fillRef>
+            <a:effectRef idx="0">
+              <a:schemeClr val="accent1"/>
+            </a:effectRef>
+            <a:fontRef idx="minor">
+              <a:schemeClr val="tx1"/>
+            </a:fontRef>
+          </p:style>
+        </p:cxnSp>
+      </p:grpSp>
+      <p:grpSp>
+        <p:nvGrpSpPr>
+          <p:cNvPr id="269" name="组合 268">
+            <a:extLst>
+              <a:ext uri="{FF2B5EF4-FFF2-40B4-BE49-F238E27FC236}">
+                <a16:creationId xmlns:a16="http://schemas.microsoft.com/office/drawing/2014/main" id="{D081CD43-3258-4376-B2BE-A0666E9F4C2A}"/>
+              </a:ext>
+            </a:extLst>
+          </p:cNvPr>
+          <p:cNvGrpSpPr/>
+          <p:nvPr/>
+        </p:nvGrpSpPr>
+        <p:grpSpPr>
+          <a:xfrm>
+            <a:off x="1572607" y="5345938"/>
+            <a:ext cx="1430899" cy="619520"/>
+            <a:chOff x="6541806" y="3524491"/>
+            <a:chExt cx="1430899" cy="619520"/>
+          </a:xfrm>
+        </p:grpSpPr>
+        <p:sp>
+          <p:nvSpPr>
+            <p:cNvPr id="270" name="椭圆 269">
+              <a:extLst>
+                <a:ext uri="{FF2B5EF4-FFF2-40B4-BE49-F238E27FC236}">
+                  <a16:creationId xmlns:a16="http://schemas.microsoft.com/office/drawing/2014/main" id="{B7E22CA3-C8CC-4C3D-92E2-999AC38C7058}"/>
+                </a:ext>
+              </a:extLst>
+            </p:cNvPr>
+            <p:cNvSpPr/>
+            <p:nvPr/>
+          </p:nvSpPr>
+          <p:spPr>
+            <a:xfrm>
+              <a:off x="7046124" y="3524491"/>
+              <a:ext cx="926581" cy="539516"/>
+            </a:xfrm>
+            <a:prstGeom prst="ellipse">
+              <a:avLst/>
+            </a:prstGeom>
+          </p:spPr>
+          <p:style>
+            <a:lnRef idx="2">
+              <a:schemeClr val="accent1">
+                <a:shade val="50000"/>
+              </a:schemeClr>
+            </a:lnRef>
+            <a:fillRef idx="1">
+              <a:schemeClr val="accent1"/>
+            </a:fillRef>
+            <a:effectRef idx="0">
+              <a:schemeClr val="accent1"/>
+            </a:effectRef>
+            <a:fontRef idx="minor">
+              <a:schemeClr val="lt1"/>
+            </a:fontRef>
+          </p:style>
+          <p:txBody>
+            <a:bodyPr rtlCol="0" anchor="ctr"/>
+            <a:lstStyle/>
+            <a:p>
+              <a:pPr algn="ctr"/>
+              <a:r>
+                <a:rPr lang="zh-CN" altLang="en-US" dirty="0"/>
+                <a:t>终止积分</a:t>
+              </a:r>
+            </a:p>
+          </p:txBody>
+        </p:sp>
+        <p:cxnSp>
+          <p:nvCxnSpPr>
+            <p:cNvPr id="271" name="直接连接符 270">
+              <a:extLst>
+                <a:ext uri="{FF2B5EF4-FFF2-40B4-BE49-F238E27FC236}">
+                  <a16:creationId xmlns:a16="http://schemas.microsoft.com/office/drawing/2014/main" id="{E35787DB-FC47-4F31-BA34-D4F62302AB7E}"/>
+                </a:ext>
+              </a:extLst>
+            </p:cNvPr>
+            <p:cNvCxnSpPr>
+              <a:cxnSpLocks/>
+              <a:stCxn id="270" idx="4"/>
+              <a:endCxn id="15" idx="0"/>
+            </p:cNvCxnSpPr>
+            <p:nvPr/>
+          </p:nvCxnSpPr>
+          <p:spPr>
+            <a:xfrm flipH="1">
+              <a:off x="6541806" y="4064007"/>
+              <a:ext cx="967609" cy="80004"/>
+            </a:xfrm>
+            <a:prstGeom prst="line">
+              <a:avLst/>
+            </a:prstGeom>
+          </p:spPr>
+          <p:style>
+            <a:lnRef idx="1">
+              <a:schemeClr val="accent1"/>
+            </a:lnRef>
+            <a:fillRef idx="0">
+              <a:schemeClr val="accent1"/>
+            </a:fillRef>
+            <a:effectRef idx="0">
+              <a:schemeClr val="accent1"/>
+            </a:effectRef>
+            <a:fontRef idx="minor">
+              <a:schemeClr val="tx1"/>
+            </a:fontRef>
+          </p:style>
+        </p:cxnSp>
+      </p:grpSp>
+      <p:grpSp>
+        <p:nvGrpSpPr>
+          <p:cNvPr id="277" name="组合 276">
+            <a:extLst>
+              <a:ext uri="{FF2B5EF4-FFF2-40B4-BE49-F238E27FC236}">
+                <a16:creationId xmlns:a16="http://schemas.microsoft.com/office/drawing/2014/main" id="{7DA62C56-3E6A-4BCC-86CF-D4F822AD1E5E}"/>
+              </a:ext>
+            </a:extLst>
+          </p:cNvPr>
+          <p:cNvGrpSpPr/>
+          <p:nvPr/>
+        </p:nvGrpSpPr>
+        <p:grpSpPr>
+          <a:xfrm>
+            <a:off x="8640489" y="1396588"/>
+            <a:ext cx="1822847" cy="539516"/>
+            <a:chOff x="6360934" y="1729093"/>
+            <a:chExt cx="1822847" cy="539516"/>
+          </a:xfrm>
+        </p:grpSpPr>
+        <p:sp>
+          <p:nvSpPr>
+            <p:cNvPr id="278" name="椭圆 277">
+              <a:extLst>
+                <a:ext uri="{FF2B5EF4-FFF2-40B4-BE49-F238E27FC236}">
+                  <a16:creationId xmlns:a16="http://schemas.microsoft.com/office/drawing/2014/main" id="{E7F33624-6AAF-4E81-9749-98F18DEFCCAC}"/>
+                </a:ext>
+              </a:extLst>
+            </p:cNvPr>
+            <p:cNvSpPr/>
+            <p:nvPr/>
+          </p:nvSpPr>
+          <p:spPr>
+            <a:xfrm>
+              <a:off x="7257200" y="1729093"/>
+              <a:ext cx="926581" cy="539516"/>
+            </a:xfrm>
+            <a:prstGeom prst="ellipse">
+              <a:avLst/>
+            </a:prstGeom>
+          </p:spPr>
+          <p:style>
+            <a:lnRef idx="2">
+              <a:schemeClr val="accent1">
+                <a:shade val="50000"/>
+              </a:schemeClr>
+            </a:lnRef>
+            <a:fillRef idx="1">
+              <a:schemeClr val="accent1"/>
+            </a:fillRef>
+            <a:effectRef idx="0">
+              <a:schemeClr val="accent1"/>
+            </a:effectRef>
+            <a:fontRef idx="minor">
+              <a:schemeClr val="lt1"/>
+            </a:fontRef>
+          </p:style>
+          <p:txBody>
+            <a:bodyPr rtlCol="0" anchor="ctr"/>
+            <a:lstStyle/>
+            <a:p>
+              <a:pPr algn="ctr"/>
+              <a:r>
+                <a:rPr lang="zh-CN" altLang="en-US" dirty="0"/>
+                <a:t>回复序号</a:t>
+              </a:r>
+            </a:p>
+          </p:txBody>
+        </p:sp>
+        <p:cxnSp>
+          <p:nvCxnSpPr>
+            <p:cNvPr id="279" name="直接连接符 278">
+              <a:extLst>
+                <a:ext uri="{FF2B5EF4-FFF2-40B4-BE49-F238E27FC236}">
+                  <a16:creationId xmlns:a16="http://schemas.microsoft.com/office/drawing/2014/main" id="{589BE7D1-86F3-4E0C-928E-9BDCBA7AB3DB}"/>
+                </a:ext>
+              </a:extLst>
+            </p:cNvPr>
+            <p:cNvCxnSpPr>
+              <a:cxnSpLocks/>
+              <a:stCxn id="42" idx="3"/>
+              <a:endCxn id="278" idx="2"/>
+            </p:cNvCxnSpPr>
+            <p:nvPr/>
+          </p:nvCxnSpPr>
+          <p:spPr>
+            <a:xfrm flipV="1">
+              <a:off x="6360934" y="1998851"/>
+              <a:ext cx="896266" cy="149882"/>
+            </a:xfrm>
+            <a:prstGeom prst="line">
+              <a:avLst/>
+            </a:prstGeom>
+          </p:spPr>
+          <p:style>
+            <a:lnRef idx="1">
+              <a:schemeClr val="accent1"/>
+            </a:lnRef>
+            <a:fillRef idx="0">
+              <a:schemeClr val="accent1"/>
+            </a:fillRef>
+            <a:effectRef idx="0">
+              <a:schemeClr val="accent1"/>
+            </a:effectRef>
+            <a:fontRef idx="minor">
+              <a:schemeClr val="tx1"/>
+            </a:fontRef>
+          </p:style>
+        </p:cxnSp>
+      </p:grpSp>
+      <p:grpSp>
+        <p:nvGrpSpPr>
+          <p:cNvPr id="284" name="组合 283">
+            <a:extLst>
+              <a:ext uri="{FF2B5EF4-FFF2-40B4-BE49-F238E27FC236}">
+                <a16:creationId xmlns:a16="http://schemas.microsoft.com/office/drawing/2014/main" id="{89AE78FA-3889-4B89-A9A1-937BC69293A7}"/>
+              </a:ext>
+            </a:extLst>
+          </p:cNvPr>
+          <p:cNvGrpSpPr/>
+          <p:nvPr/>
+        </p:nvGrpSpPr>
+        <p:grpSpPr>
+          <a:xfrm>
+            <a:off x="8640489" y="1816228"/>
+            <a:ext cx="1173353" cy="700870"/>
+            <a:chOff x="6516281" y="1660371"/>
+            <a:chExt cx="1173353" cy="700870"/>
+          </a:xfrm>
+        </p:grpSpPr>
+        <p:sp>
+          <p:nvSpPr>
+            <p:cNvPr id="285" name="椭圆 284">
+              <a:extLst>
+                <a:ext uri="{FF2B5EF4-FFF2-40B4-BE49-F238E27FC236}">
+                  <a16:creationId xmlns:a16="http://schemas.microsoft.com/office/drawing/2014/main" id="{E8EC574E-4C73-4539-9747-D9039C84C4BD}"/>
+                </a:ext>
+              </a:extLst>
+            </p:cNvPr>
+            <p:cNvSpPr/>
+            <p:nvPr/>
+          </p:nvSpPr>
+          <p:spPr>
+            <a:xfrm>
+              <a:off x="6763053" y="1821725"/>
+              <a:ext cx="926581" cy="539516"/>
+            </a:xfrm>
+            <a:prstGeom prst="ellipse">
+              <a:avLst/>
+            </a:prstGeom>
+          </p:spPr>
+          <p:style>
+            <a:lnRef idx="2">
+              <a:schemeClr val="accent1">
+                <a:shade val="50000"/>
+              </a:schemeClr>
+            </a:lnRef>
+            <a:fillRef idx="1">
+              <a:schemeClr val="accent1"/>
+            </a:fillRef>
+            <a:effectRef idx="0">
+              <a:schemeClr val="accent1"/>
+            </a:effectRef>
+            <a:fontRef idx="minor">
+              <a:schemeClr val="lt1"/>
+            </a:fontRef>
+          </p:style>
+          <p:txBody>
+            <a:bodyPr rtlCol="0" anchor="ctr"/>
+            <a:lstStyle/>
+            <a:p>
+              <a:pPr algn="ctr"/>
+              <a:r>
+                <a:rPr lang="zh-CN" altLang="en-US" dirty="0"/>
+                <a:t>回复人</a:t>
+              </a:r>
+            </a:p>
+          </p:txBody>
+        </p:sp>
+        <p:cxnSp>
+          <p:nvCxnSpPr>
+            <p:cNvPr id="286" name="直接连接符 285">
+              <a:extLst>
+                <a:ext uri="{FF2B5EF4-FFF2-40B4-BE49-F238E27FC236}">
+                  <a16:creationId xmlns:a16="http://schemas.microsoft.com/office/drawing/2014/main" id="{6ABA3997-E365-4A72-AA47-6C699A6EFE4C}"/>
+                </a:ext>
+              </a:extLst>
+            </p:cNvPr>
+            <p:cNvCxnSpPr>
+              <a:cxnSpLocks/>
+              <a:stCxn id="42" idx="3"/>
+              <a:endCxn id="285" idx="2"/>
+            </p:cNvCxnSpPr>
+            <p:nvPr/>
+          </p:nvCxnSpPr>
+          <p:spPr>
+            <a:xfrm>
+              <a:off x="6516281" y="1660371"/>
+              <a:ext cx="246772" cy="431112"/>
+            </a:xfrm>
+            <a:prstGeom prst="line">
+              <a:avLst/>
+            </a:prstGeom>
+          </p:spPr>
+          <p:style>
+            <a:lnRef idx="1">
+              <a:schemeClr val="accent1"/>
+            </a:lnRef>
+            <a:fillRef idx="0">
+              <a:schemeClr val="accent1"/>
+            </a:fillRef>
+            <a:effectRef idx="0">
+              <a:schemeClr val="accent1"/>
+            </a:effectRef>
+            <a:fontRef idx="minor">
+              <a:schemeClr val="tx1"/>
+            </a:fontRef>
+          </p:style>
+        </p:cxnSp>
+      </p:grpSp>
+      <p:grpSp>
+        <p:nvGrpSpPr>
+          <p:cNvPr id="289" name="组合 288">
+            <a:extLst>
+              <a:ext uri="{FF2B5EF4-FFF2-40B4-BE49-F238E27FC236}">
+                <a16:creationId xmlns:a16="http://schemas.microsoft.com/office/drawing/2014/main" id="{9292DA6E-9E3F-4EA1-888D-7FA7D1F40D1D}"/>
+              </a:ext>
+            </a:extLst>
+          </p:cNvPr>
+          <p:cNvGrpSpPr/>
+          <p:nvPr/>
+        </p:nvGrpSpPr>
+        <p:grpSpPr>
+          <a:xfrm>
+            <a:off x="7906394" y="1816228"/>
+            <a:ext cx="926581" cy="955879"/>
+            <a:chOff x="6932387" y="1058912"/>
+            <a:chExt cx="926581" cy="955879"/>
+          </a:xfrm>
+        </p:grpSpPr>
+        <p:sp>
+          <p:nvSpPr>
+            <p:cNvPr id="290" name="椭圆 289">
+              <a:extLst>
+                <a:ext uri="{FF2B5EF4-FFF2-40B4-BE49-F238E27FC236}">
+                  <a16:creationId xmlns:a16="http://schemas.microsoft.com/office/drawing/2014/main" id="{065CE28F-4C34-4D81-B0AF-504C44C67591}"/>
+                </a:ext>
+              </a:extLst>
+            </p:cNvPr>
+            <p:cNvSpPr/>
+            <p:nvPr/>
+          </p:nvSpPr>
+          <p:spPr>
+            <a:xfrm>
+              <a:off x="6932387" y="1475275"/>
+              <a:ext cx="926581" cy="539516"/>
+            </a:xfrm>
+            <a:prstGeom prst="ellipse">
+              <a:avLst/>
+            </a:prstGeom>
+          </p:spPr>
+          <p:style>
+            <a:lnRef idx="2">
+              <a:schemeClr val="accent1">
+                <a:shade val="50000"/>
+              </a:schemeClr>
+            </a:lnRef>
+            <a:fillRef idx="1">
+              <a:schemeClr val="accent1"/>
+            </a:fillRef>
+            <a:effectRef idx="0">
+              <a:schemeClr val="accent1"/>
+            </a:effectRef>
+            <a:fontRef idx="minor">
+              <a:schemeClr val="lt1"/>
+            </a:fontRef>
+          </p:style>
+          <p:txBody>
+            <a:bodyPr rtlCol="0" anchor="ctr"/>
+            <a:lstStyle/>
+            <a:p>
+              <a:pPr algn="ctr"/>
+              <a:r>
+                <a:rPr lang="zh-CN" altLang="en-US" dirty="0"/>
+                <a:t>回复内容</a:t>
+              </a:r>
+            </a:p>
+          </p:txBody>
+        </p:sp>
+        <p:cxnSp>
+          <p:nvCxnSpPr>
+            <p:cNvPr id="291" name="直接连接符 290">
+              <a:extLst>
+                <a:ext uri="{FF2B5EF4-FFF2-40B4-BE49-F238E27FC236}">
+                  <a16:creationId xmlns:a16="http://schemas.microsoft.com/office/drawing/2014/main" id="{61D133EF-F5B4-42DD-9200-E8C4F77E78E2}"/>
+                </a:ext>
+              </a:extLst>
+            </p:cNvPr>
+            <p:cNvCxnSpPr>
+              <a:cxnSpLocks/>
+              <a:stCxn id="42" idx="3"/>
+              <a:endCxn id="290" idx="2"/>
+            </p:cNvCxnSpPr>
+            <p:nvPr/>
+          </p:nvCxnSpPr>
+          <p:spPr>
+            <a:xfrm flipH="1">
+              <a:off x="6932387" y="1058912"/>
+              <a:ext cx="734095" cy="686121"/>
+            </a:xfrm>
+            <a:prstGeom prst="line">
+              <a:avLst/>
+            </a:prstGeom>
+          </p:spPr>
+          <p:style>
+            <a:lnRef idx="1">
+              <a:schemeClr val="accent1"/>
+            </a:lnRef>
+            <a:fillRef idx="0">
+              <a:schemeClr val="accent1"/>
+            </a:fillRef>
+            <a:effectRef idx="0">
+              <a:schemeClr val="accent1"/>
+            </a:effectRef>
+            <a:fontRef idx="minor">
+              <a:schemeClr val="tx1"/>
+            </a:fontRef>
+          </p:style>
+        </p:cxnSp>
+      </p:grpSp>
+      <p:sp>
+        <p:nvSpPr>
+          <p:cNvPr id="304" name="矩形 303">
+            <a:extLst>
+              <a:ext uri="{FF2B5EF4-FFF2-40B4-BE49-F238E27FC236}">
+                <a16:creationId xmlns:a16="http://schemas.microsoft.com/office/drawing/2014/main" id="{C810E410-644C-4AE0-80FD-5F01F9DBBCDE}"/>
+              </a:ext>
+            </a:extLst>
+          </p:cNvPr>
+          <p:cNvSpPr/>
+          <p:nvPr/>
+        </p:nvSpPr>
+        <p:spPr>
+          <a:xfrm>
+            <a:off x="417857" y="3229071"/>
+            <a:ext cx="832096" cy="543052"/>
+          </a:xfrm>
+          <a:prstGeom prst="rect">
+            <a:avLst/>
+          </a:prstGeom>
+        </p:spPr>
+        <p:style>
+          <a:lnRef idx="2">
+            <a:schemeClr val="accent1">
+              <a:shade val="50000"/>
+            </a:schemeClr>
+          </a:lnRef>
+          <a:fillRef idx="1">
+            <a:schemeClr val="accent1"/>
+          </a:fillRef>
+          <a:effectRef idx="0">
+            <a:schemeClr val="accent1"/>
+          </a:effectRef>
+          <a:fontRef idx="minor">
+            <a:schemeClr val="lt1"/>
+          </a:fontRef>
+        </p:style>
+        <p:txBody>
+          <a:bodyPr rtlCol="0" anchor="ctr"/>
+          <a:lstStyle/>
+          <a:p>
+            <a:pPr algn="ctr"/>
+            <a:r>
+              <a:rPr lang="zh-CN" altLang="en-US" dirty="0"/>
+              <a:t>步数规则</a:t>
+            </a:r>
+          </a:p>
+        </p:txBody>
+      </p:sp>
+      <p:sp>
+        <p:nvSpPr>
+          <p:cNvPr id="305" name="矩形 304">
+            <a:extLst>
+              <a:ext uri="{FF2B5EF4-FFF2-40B4-BE49-F238E27FC236}">
+                <a16:creationId xmlns:a16="http://schemas.microsoft.com/office/drawing/2014/main" id="{C6795527-3226-43D4-8278-9D903D810070}"/>
+              </a:ext>
+            </a:extLst>
+          </p:cNvPr>
+          <p:cNvSpPr/>
+          <p:nvPr/>
+        </p:nvSpPr>
+        <p:spPr>
+          <a:xfrm>
+            <a:off x="387084" y="4064607"/>
+            <a:ext cx="832096" cy="543052"/>
+          </a:xfrm>
+          <a:prstGeom prst="rect">
+            <a:avLst/>
+          </a:prstGeom>
+        </p:spPr>
+        <p:style>
+          <a:lnRef idx="2">
+            <a:schemeClr val="accent1">
+              <a:shade val="50000"/>
+            </a:schemeClr>
+          </a:lnRef>
+          <a:fillRef idx="1">
+            <a:schemeClr val="accent1"/>
+          </a:fillRef>
+          <a:effectRef idx="0">
+            <a:schemeClr val="accent1"/>
+          </a:effectRef>
+          <a:fontRef idx="minor">
+            <a:schemeClr val="lt1"/>
+          </a:fontRef>
+        </p:style>
+        <p:txBody>
+          <a:bodyPr rtlCol="0" anchor="ctr"/>
+          <a:lstStyle/>
+          <a:p>
+            <a:pPr algn="ctr"/>
+            <a:r>
+              <a:rPr lang="zh-CN" altLang="en-US" dirty="0"/>
+              <a:t>输赢规则</a:t>
+            </a:r>
+          </a:p>
+        </p:txBody>
+      </p:sp>
+      <p:grpSp>
+        <p:nvGrpSpPr>
+          <p:cNvPr id="306" name="组合 305">
+            <a:extLst>
+              <a:ext uri="{FF2B5EF4-FFF2-40B4-BE49-F238E27FC236}">
+                <a16:creationId xmlns:a16="http://schemas.microsoft.com/office/drawing/2014/main" id="{A09F5765-24A4-4A24-BA98-991E88EFE0B6}"/>
+              </a:ext>
+            </a:extLst>
+          </p:cNvPr>
+          <p:cNvGrpSpPr/>
+          <p:nvPr/>
+        </p:nvGrpSpPr>
+        <p:grpSpPr>
+          <a:xfrm>
+            <a:off x="1249953" y="2983119"/>
+            <a:ext cx="1315790" cy="539516"/>
+            <a:chOff x="6842913" y="3005254"/>
+            <a:chExt cx="1315790" cy="539516"/>
+          </a:xfrm>
+        </p:grpSpPr>
+        <p:sp>
+          <p:nvSpPr>
+            <p:cNvPr id="307" name="椭圆 306">
+              <a:extLst>
+                <a:ext uri="{FF2B5EF4-FFF2-40B4-BE49-F238E27FC236}">
+                  <a16:creationId xmlns:a16="http://schemas.microsoft.com/office/drawing/2014/main" id="{BC2E8330-62EE-4FA7-8083-1289235601CE}"/>
+                </a:ext>
+              </a:extLst>
+            </p:cNvPr>
+            <p:cNvSpPr/>
+            <p:nvPr/>
+          </p:nvSpPr>
+          <p:spPr>
+            <a:xfrm>
+              <a:off x="7232122" y="3005254"/>
+              <a:ext cx="926581" cy="539516"/>
+            </a:xfrm>
+            <a:prstGeom prst="ellipse">
+              <a:avLst/>
+            </a:prstGeom>
+          </p:spPr>
+          <p:style>
+            <a:lnRef idx="2">
+              <a:schemeClr val="accent1">
+                <a:shade val="50000"/>
+              </a:schemeClr>
+            </a:lnRef>
+            <a:fillRef idx="1">
+              <a:schemeClr val="accent1"/>
+            </a:fillRef>
+            <a:effectRef idx="0">
+              <a:schemeClr val="accent1"/>
+            </a:effectRef>
+            <a:fontRef idx="minor">
+              <a:schemeClr val="lt1"/>
+            </a:fontRef>
+          </p:style>
+          <p:txBody>
+            <a:bodyPr rtlCol="0" anchor="ctr"/>
+            <a:lstStyle/>
+            <a:p>
+              <a:pPr algn="ctr"/>
+              <a:r>
+                <a:rPr lang="zh-CN" altLang="en-US" dirty="0"/>
+                <a:t>步数加分</a:t>
+              </a:r>
+            </a:p>
+          </p:txBody>
+        </p:sp>
+        <p:cxnSp>
+          <p:nvCxnSpPr>
+            <p:cNvPr id="308" name="直接连接符 307">
+              <a:extLst>
+                <a:ext uri="{FF2B5EF4-FFF2-40B4-BE49-F238E27FC236}">
+                  <a16:creationId xmlns:a16="http://schemas.microsoft.com/office/drawing/2014/main" id="{35C1C727-3F46-4F8B-A456-3111C439B7D7}"/>
+                </a:ext>
+              </a:extLst>
+            </p:cNvPr>
+            <p:cNvCxnSpPr>
+              <a:cxnSpLocks/>
+              <a:stCxn id="307" idx="2"/>
+              <a:endCxn id="304" idx="3"/>
+            </p:cNvCxnSpPr>
+            <p:nvPr/>
+          </p:nvCxnSpPr>
+          <p:spPr>
+            <a:xfrm flipH="1">
+              <a:off x="6842913" y="3275012"/>
+              <a:ext cx="389209" cy="247720"/>
+            </a:xfrm>
+            <a:prstGeom prst="line">
+              <a:avLst/>
+            </a:prstGeom>
+          </p:spPr>
+          <p:style>
+            <a:lnRef idx="1">
+              <a:schemeClr val="accent1"/>
+            </a:lnRef>
+            <a:fillRef idx="0">
+              <a:schemeClr val="accent1"/>
+            </a:fillRef>
+            <a:effectRef idx="0">
+              <a:schemeClr val="accent1"/>
+            </a:effectRef>
+            <a:fontRef idx="minor">
+              <a:schemeClr val="tx1"/>
+            </a:fontRef>
+          </p:style>
+        </p:cxnSp>
+      </p:grpSp>
+      <p:grpSp>
+        <p:nvGrpSpPr>
+          <p:cNvPr id="311" name="组合 310">
+            <a:extLst>
+              <a:ext uri="{FF2B5EF4-FFF2-40B4-BE49-F238E27FC236}">
+                <a16:creationId xmlns:a16="http://schemas.microsoft.com/office/drawing/2014/main" id="{0870378B-FB72-42D8-8198-CD4B458040EB}"/>
+              </a:ext>
+            </a:extLst>
+          </p:cNvPr>
+          <p:cNvGrpSpPr/>
+          <p:nvPr/>
+        </p:nvGrpSpPr>
+        <p:grpSpPr>
+          <a:xfrm>
+            <a:off x="1219180" y="4336133"/>
+            <a:ext cx="1499425" cy="929801"/>
+            <a:chOff x="6659278" y="2614969"/>
+            <a:chExt cx="1499425" cy="929801"/>
+          </a:xfrm>
+        </p:grpSpPr>
+        <p:sp>
+          <p:nvSpPr>
+            <p:cNvPr id="312" name="椭圆 311">
+              <a:extLst>
+                <a:ext uri="{FF2B5EF4-FFF2-40B4-BE49-F238E27FC236}">
+                  <a16:creationId xmlns:a16="http://schemas.microsoft.com/office/drawing/2014/main" id="{D5EB4467-69A2-49CA-836F-4B3350B2E475}"/>
+                </a:ext>
+              </a:extLst>
+            </p:cNvPr>
+            <p:cNvSpPr/>
+            <p:nvPr/>
+          </p:nvSpPr>
+          <p:spPr>
+            <a:xfrm>
+              <a:off x="7232122" y="3005254"/>
+              <a:ext cx="926581" cy="539516"/>
+            </a:xfrm>
+            <a:prstGeom prst="ellipse">
+              <a:avLst/>
+            </a:prstGeom>
+          </p:spPr>
+          <p:style>
+            <a:lnRef idx="2">
+              <a:schemeClr val="accent1">
+                <a:shade val="50000"/>
+              </a:schemeClr>
+            </a:lnRef>
+            <a:fillRef idx="1">
+              <a:schemeClr val="accent1"/>
+            </a:fillRef>
+            <a:effectRef idx="0">
+              <a:schemeClr val="accent1"/>
+            </a:effectRef>
+            <a:fontRef idx="minor">
+              <a:schemeClr val="lt1"/>
+            </a:fontRef>
+          </p:style>
+          <p:txBody>
+            <a:bodyPr rtlCol="0" anchor="ctr"/>
+            <a:lstStyle/>
+            <a:p>
+              <a:pPr algn="ctr"/>
+              <a:r>
+                <a:rPr lang="zh-CN" altLang="en-US" dirty="0"/>
+                <a:t>输赢加分</a:t>
+              </a:r>
+            </a:p>
+          </p:txBody>
+        </p:sp>
+        <p:cxnSp>
+          <p:nvCxnSpPr>
+            <p:cNvPr id="313" name="直接连接符 312">
+              <a:extLst>
+                <a:ext uri="{FF2B5EF4-FFF2-40B4-BE49-F238E27FC236}">
+                  <a16:creationId xmlns:a16="http://schemas.microsoft.com/office/drawing/2014/main" id="{2459F3E5-DAF5-4A1D-BEFA-BE7AB0F85B95}"/>
+                </a:ext>
+              </a:extLst>
+            </p:cNvPr>
+            <p:cNvCxnSpPr>
+              <a:cxnSpLocks/>
+              <a:stCxn id="312" idx="2"/>
+              <a:endCxn id="305" idx="3"/>
+            </p:cNvCxnSpPr>
+            <p:nvPr/>
+          </p:nvCxnSpPr>
+          <p:spPr>
+            <a:xfrm flipH="1" flipV="1">
+              <a:off x="6659278" y="2614969"/>
+              <a:ext cx="572844" cy="660043"/>
+            </a:xfrm>
+            <a:prstGeom prst="line">
+              <a:avLst/>
+            </a:prstGeom>
+          </p:spPr>
+          <p:style>
+            <a:lnRef idx="1">
+              <a:schemeClr val="accent1"/>
+            </a:lnRef>
+            <a:fillRef idx="0">
+              <a:schemeClr val="accent1"/>
+            </a:fillRef>
+            <a:effectRef idx="0">
+              <a:schemeClr val="accent1"/>
+            </a:effectRef>
+            <a:fontRef idx="minor">
+              <a:schemeClr val="tx1"/>
+            </a:fontRef>
+          </p:style>
+        </p:cxnSp>
+      </p:grpSp>
+      <p:grpSp>
+        <p:nvGrpSpPr>
+          <p:cNvPr id="316" name="组合 315">
+            <a:extLst>
+              <a:ext uri="{FF2B5EF4-FFF2-40B4-BE49-F238E27FC236}">
+                <a16:creationId xmlns:a16="http://schemas.microsoft.com/office/drawing/2014/main" id="{B5F5FA92-EB79-4248-BBDB-2391860CA0B0}"/>
+              </a:ext>
+            </a:extLst>
+          </p:cNvPr>
+          <p:cNvGrpSpPr/>
+          <p:nvPr/>
+        </p:nvGrpSpPr>
+        <p:grpSpPr>
+          <a:xfrm>
+            <a:off x="1219180" y="4176874"/>
+            <a:ext cx="1890471" cy="539516"/>
+            <a:chOff x="6268232" y="3005254"/>
+            <a:chExt cx="1890471" cy="539516"/>
+          </a:xfrm>
+        </p:grpSpPr>
+        <p:sp>
+          <p:nvSpPr>
+            <p:cNvPr id="317" name="椭圆 316">
+              <a:extLst>
+                <a:ext uri="{FF2B5EF4-FFF2-40B4-BE49-F238E27FC236}">
+                  <a16:creationId xmlns:a16="http://schemas.microsoft.com/office/drawing/2014/main" id="{F5A0BFEC-C6EC-4008-9594-F7EA88042C7B}"/>
+                </a:ext>
+              </a:extLst>
+            </p:cNvPr>
+            <p:cNvSpPr/>
+            <p:nvPr/>
+          </p:nvSpPr>
+          <p:spPr>
+            <a:xfrm>
+              <a:off x="7232122" y="3005254"/>
+              <a:ext cx="926581" cy="539516"/>
+            </a:xfrm>
+            <a:prstGeom prst="ellipse">
+              <a:avLst/>
+            </a:prstGeom>
+          </p:spPr>
+          <p:style>
+            <a:lnRef idx="2">
+              <a:schemeClr val="accent1">
+                <a:shade val="50000"/>
+              </a:schemeClr>
+            </a:lnRef>
+            <a:fillRef idx="1">
+              <a:schemeClr val="accent1"/>
+            </a:fillRef>
+            <a:effectRef idx="0">
+              <a:schemeClr val="accent1"/>
+            </a:effectRef>
+            <a:fontRef idx="minor">
+              <a:schemeClr val="lt1"/>
+            </a:fontRef>
+          </p:style>
+          <p:txBody>
+            <a:bodyPr rtlCol="0" anchor="ctr"/>
+            <a:lstStyle/>
+            <a:p>
+              <a:pPr algn="ctr"/>
+              <a:r>
+                <a:rPr lang="zh-CN" altLang="en-US" dirty="0"/>
+                <a:t>输赢结果</a:t>
+              </a:r>
+            </a:p>
+          </p:txBody>
+        </p:sp>
+        <p:cxnSp>
+          <p:nvCxnSpPr>
+            <p:cNvPr id="318" name="直接连接符 317">
+              <a:extLst>
+                <a:ext uri="{FF2B5EF4-FFF2-40B4-BE49-F238E27FC236}">
+                  <a16:creationId xmlns:a16="http://schemas.microsoft.com/office/drawing/2014/main" id="{F1E0F6C7-437A-4210-A83A-AFABBD507BCB}"/>
+                </a:ext>
+              </a:extLst>
+            </p:cNvPr>
+            <p:cNvCxnSpPr>
+              <a:cxnSpLocks/>
+              <a:stCxn id="317" idx="2"/>
+              <a:endCxn id="305" idx="3"/>
+            </p:cNvCxnSpPr>
+            <p:nvPr/>
+          </p:nvCxnSpPr>
+          <p:spPr>
+            <a:xfrm flipH="1" flipV="1">
+              <a:off x="6268232" y="3164513"/>
+              <a:ext cx="963890" cy="110499"/>
+            </a:xfrm>
+            <a:prstGeom prst="line">
+              <a:avLst/>
+            </a:prstGeom>
+          </p:spPr>
+          <p:style>
+            <a:lnRef idx="1">
+              <a:schemeClr val="accent1"/>
+            </a:lnRef>
+            <a:fillRef idx="0">
+              <a:schemeClr val="accent1"/>
+            </a:fillRef>
+            <a:effectRef idx="0">
+              <a:schemeClr val="accent1"/>
+            </a:effectRef>
+            <a:fontRef idx="minor">
+              <a:schemeClr val="tx1"/>
+            </a:fontRef>
+          </p:style>
+        </p:cxnSp>
+      </p:grpSp>
+      <p:grpSp>
+        <p:nvGrpSpPr>
+          <p:cNvPr id="322" name="组合 321">
+            <a:extLst>
+              <a:ext uri="{FF2B5EF4-FFF2-40B4-BE49-F238E27FC236}">
+                <a16:creationId xmlns:a16="http://schemas.microsoft.com/office/drawing/2014/main" id="{DC825C58-A45E-480A-91CB-626A717C2105}"/>
+              </a:ext>
+            </a:extLst>
+          </p:cNvPr>
+          <p:cNvGrpSpPr/>
+          <p:nvPr/>
+        </p:nvGrpSpPr>
+        <p:grpSpPr>
+          <a:xfrm>
+            <a:off x="1249953" y="3287596"/>
+            <a:ext cx="2231171" cy="539516"/>
+            <a:chOff x="6009078" y="3029945"/>
+            <a:chExt cx="2231171" cy="539516"/>
+          </a:xfrm>
+        </p:grpSpPr>
+        <p:sp>
+          <p:nvSpPr>
+            <p:cNvPr id="323" name="椭圆 322">
+              <a:extLst>
+                <a:ext uri="{FF2B5EF4-FFF2-40B4-BE49-F238E27FC236}">
+                  <a16:creationId xmlns:a16="http://schemas.microsoft.com/office/drawing/2014/main" id="{1D068FCF-7518-49A0-B2BD-361364ECE7B6}"/>
+                </a:ext>
+              </a:extLst>
+            </p:cNvPr>
+            <p:cNvSpPr/>
+            <p:nvPr/>
+          </p:nvSpPr>
+          <p:spPr>
+            <a:xfrm>
+              <a:off x="7313668" y="3029945"/>
+              <a:ext cx="926581" cy="539516"/>
+            </a:xfrm>
+            <a:prstGeom prst="ellipse">
+              <a:avLst/>
+            </a:prstGeom>
+          </p:spPr>
+          <p:style>
+            <a:lnRef idx="2">
+              <a:schemeClr val="accent1">
+                <a:shade val="50000"/>
+              </a:schemeClr>
+            </a:lnRef>
+            <a:fillRef idx="1">
+              <a:schemeClr val="accent1"/>
+            </a:fillRef>
+            <a:effectRef idx="0">
+              <a:schemeClr val="accent1"/>
+            </a:effectRef>
+            <a:fontRef idx="minor">
+              <a:schemeClr val="lt1"/>
+            </a:fontRef>
+          </p:style>
+          <p:txBody>
+            <a:bodyPr rtlCol="0" anchor="ctr"/>
+            <a:lstStyle/>
+            <a:p>
+              <a:pPr algn="ctr"/>
+              <a:r>
+                <a:rPr lang="zh-CN" altLang="en-US" dirty="0"/>
+                <a:t>起始步数</a:t>
+              </a:r>
+            </a:p>
+          </p:txBody>
+        </p:sp>
+        <p:cxnSp>
+          <p:nvCxnSpPr>
+            <p:cNvPr id="324" name="直接连接符 323">
+              <a:extLst>
+                <a:ext uri="{FF2B5EF4-FFF2-40B4-BE49-F238E27FC236}">
+                  <a16:creationId xmlns:a16="http://schemas.microsoft.com/office/drawing/2014/main" id="{D3DA08EF-9325-40C8-A167-8CEC6C965511}"/>
+                </a:ext>
+              </a:extLst>
+            </p:cNvPr>
+            <p:cNvCxnSpPr>
+              <a:cxnSpLocks/>
+              <a:stCxn id="323" idx="2"/>
+              <a:endCxn id="304" idx="3"/>
+            </p:cNvCxnSpPr>
+            <p:nvPr/>
+          </p:nvCxnSpPr>
+          <p:spPr>
+            <a:xfrm flipH="1" flipV="1">
+              <a:off x="6009078" y="3242946"/>
+              <a:ext cx="1304590" cy="56757"/>
+            </a:xfrm>
+            <a:prstGeom prst="line">
+              <a:avLst/>
+            </a:prstGeom>
+          </p:spPr>
+          <p:style>
+            <a:lnRef idx="1">
+              <a:schemeClr val="accent1"/>
+            </a:lnRef>
+            <a:fillRef idx="0">
+              <a:schemeClr val="accent1"/>
+            </a:fillRef>
+            <a:effectRef idx="0">
+              <a:schemeClr val="accent1"/>
+            </a:effectRef>
+            <a:fontRef idx="minor">
+              <a:schemeClr val="tx1"/>
+            </a:fontRef>
+          </p:style>
+        </p:cxnSp>
+      </p:grpSp>
+      <p:grpSp>
+        <p:nvGrpSpPr>
+          <p:cNvPr id="327" name="组合 326">
+            <a:extLst>
+              <a:ext uri="{FF2B5EF4-FFF2-40B4-BE49-F238E27FC236}">
+                <a16:creationId xmlns:a16="http://schemas.microsoft.com/office/drawing/2014/main" id="{CF210E71-7B5B-4EFB-8A35-01BAA1940679}"/>
+              </a:ext>
+            </a:extLst>
+          </p:cNvPr>
+          <p:cNvGrpSpPr/>
+          <p:nvPr/>
+        </p:nvGrpSpPr>
+        <p:grpSpPr>
+          <a:xfrm>
+            <a:off x="1249953" y="3500597"/>
+            <a:ext cx="1284047" cy="637103"/>
+            <a:chOff x="6874656" y="2907667"/>
+            <a:chExt cx="1284047" cy="637103"/>
+          </a:xfrm>
+        </p:grpSpPr>
+        <p:sp>
+          <p:nvSpPr>
+            <p:cNvPr id="328" name="椭圆 327">
+              <a:extLst>
+                <a:ext uri="{FF2B5EF4-FFF2-40B4-BE49-F238E27FC236}">
+                  <a16:creationId xmlns:a16="http://schemas.microsoft.com/office/drawing/2014/main" id="{E953BCE8-D11E-460C-A8C0-2A62652294FB}"/>
+                </a:ext>
+              </a:extLst>
+            </p:cNvPr>
+            <p:cNvSpPr/>
+            <p:nvPr/>
+          </p:nvSpPr>
+          <p:spPr>
+            <a:xfrm>
+              <a:off x="7232122" y="3005254"/>
+              <a:ext cx="926581" cy="539516"/>
+            </a:xfrm>
+            <a:prstGeom prst="ellipse">
+              <a:avLst/>
+            </a:prstGeom>
+          </p:spPr>
+          <p:style>
+            <a:lnRef idx="2">
+              <a:schemeClr val="accent1">
+                <a:shade val="50000"/>
+              </a:schemeClr>
+            </a:lnRef>
+            <a:fillRef idx="1">
+              <a:schemeClr val="accent1"/>
+            </a:fillRef>
+            <a:effectRef idx="0">
+              <a:schemeClr val="accent1"/>
+            </a:effectRef>
+            <a:fontRef idx="minor">
+              <a:schemeClr val="lt1"/>
+            </a:fontRef>
+          </p:style>
+          <p:txBody>
+            <a:bodyPr rtlCol="0" anchor="ctr"/>
+            <a:lstStyle/>
+            <a:p>
+              <a:pPr algn="ctr"/>
+              <a:r>
+                <a:rPr lang="zh-CN" altLang="en-US" dirty="0"/>
+                <a:t>终止步数</a:t>
+              </a:r>
+            </a:p>
+          </p:txBody>
+        </p:sp>
+        <p:cxnSp>
+          <p:nvCxnSpPr>
+            <p:cNvPr id="329" name="直接连接符 328">
+              <a:extLst>
+                <a:ext uri="{FF2B5EF4-FFF2-40B4-BE49-F238E27FC236}">
+                  <a16:creationId xmlns:a16="http://schemas.microsoft.com/office/drawing/2014/main" id="{74404801-DBD7-410F-B834-E0C59E2BCEAE}"/>
+                </a:ext>
+              </a:extLst>
+            </p:cNvPr>
+            <p:cNvCxnSpPr>
+              <a:cxnSpLocks/>
+              <a:stCxn id="328" idx="2"/>
+              <a:endCxn id="304" idx="3"/>
+            </p:cNvCxnSpPr>
+            <p:nvPr/>
+          </p:nvCxnSpPr>
+          <p:spPr>
+            <a:xfrm flipH="1" flipV="1">
+              <a:off x="6874656" y="2907667"/>
+              <a:ext cx="357466" cy="367345"/>
+            </a:xfrm>
+            <a:prstGeom prst="line">
+              <a:avLst/>
+            </a:prstGeom>
+          </p:spPr>
+          <p:style>
+            <a:lnRef idx="1">
+              <a:schemeClr val="accent1"/>
+            </a:lnRef>
+            <a:fillRef idx="0">
+              <a:schemeClr val="accent1"/>
+            </a:fillRef>
+            <a:effectRef idx="0">
+              <a:schemeClr val="accent1"/>
+            </a:effectRef>
+            <a:fontRef idx="minor">
+              <a:schemeClr val="tx1"/>
+            </a:fontRef>
+          </p:style>
+        </p:cxnSp>
+      </p:grpSp>
     </p:spTree>
     <p:extLst>
       <p:ext uri="{BB962C8B-B14F-4D97-AF65-F5344CB8AC3E}">
